--- a/PROINZ_TG18.1_BadelPadel_PlayPadel.pptx
+++ b/PROINZ_TG18.1_BadelPadel_PlayPadel.pptx
@@ -6,7 +6,7 @@
     <p:sldMasterId id="2147483696" r:id="rId2"/>
   </p:sldMasterIdLst>
   <p:notesMasterIdLst>
-    <p:notesMasterId r:id="rId17"/>
+    <p:notesMasterId r:id="rId19"/>
   </p:notesMasterIdLst>
   <p:sldIdLst>
     <p:sldId id="265" r:id="rId3"/>
@@ -15,14 +15,16 @@
     <p:sldId id="267" r:id="rId6"/>
     <p:sldId id="268" r:id="rId7"/>
     <p:sldId id="259" r:id="rId8"/>
-    <p:sldId id="269" r:id="rId9"/>
-    <p:sldId id="261" r:id="rId10"/>
-    <p:sldId id="275" r:id="rId11"/>
-    <p:sldId id="260" r:id="rId12"/>
-    <p:sldId id="262" r:id="rId13"/>
-    <p:sldId id="274" r:id="rId14"/>
-    <p:sldId id="263" r:id="rId15"/>
-    <p:sldId id="264" r:id="rId16"/>
+    <p:sldId id="277" r:id="rId9"/>
+    <p:sldId id="276" r:id="rId10"/>
+    <p:sldId id="269" r:id="rId11"/>
+    <p:sldId id="261" r:id="rId12"/>
+    <p:sldId id="260" r:id="rId13"/>
+    <p:sldId id="262" r:id="rId14"/>
+    <p:sldId id="278" r:id="rId15"/>
+    <p:sldId id="274" r:id="rId16"/>
+    <p:sldId id="263" r:id="rId17"/>
+    <p:sldId id="264" r:id="rId18"/>
   </p:sldIdLst>
   <p:sldSz cx="9144000" cy="6858000" type="screen4x3"/>
   <p:notesSz cx="6858000" cy="9144000"/>
@@ -779,9 +781,34 @@
           <a:bodyPr/>
           <a:lstStyle/>
           <a:p>
+            <a:pPr lvl="2"/>
             <a:r>
               <a:rPr lang="hr-HR" dirty="0"/>
-              <a:t>Navedite samo svoju viziju projektne ideje...</a:t>
+              <a:t>Navedite samo svoju viziju projektne id</a:t>
+            </a:r>
+            <a:r>
+              <a:rPr lang="hr-HR" altLang="sr-Latn-RS" dirty="0"/>
+              <a:t>Rezervacija i plaćanje terena za igranje padela.</a:t>
+            </a:r>
+          </a:p>
+          <a:p>
+            <a:pPr lvl="2"/>
+            <a:r>
+              <a:rPr lang="hr-HR" altLang="sr-Latn-RS" dirty="0"/>
+              <a:t>Upravljanje i rezervacija terena</a:t>
+            </a:r>
+          </a:p>
+          <a:p>
+            <a:pPr lvl="2"/>
+            <a:r>
+              <a:rPr lang="hr-HR" altLang="sr-Latn-RS" dirty="0"/>
+              <a:t>Praćenje rezultata i događaja</a:t>
+            </a:r>
+          </a:p>
+          <a:p>
+            <a:r>
+              <a:rPr lang="hr-HR" dirty="0"/>
+              <a:t>eje...</a:t>
             </a:r>
           </a:p>
         </p:txBody>
@@ -11972,48 +11999,7 @@
           <a:p>
             <a:r>
               <a:rPr lang="hr-HR" noProof="0" dirty="0"/>
-              <a:t>Korišteni alati i tehnologije</a:t>
-            </a:r>
-          </a:p>
-        </p:txBody>
-      </p:sp>
-      <p:sp>
-        <p:nvSpPr>
-          <p:cNvPr id="3" name="Content Placeholder 2"/>
-          <p:cNvSpPr>
-            <a:spLocks noGrp="1"/>
-          </p:cNvSpPr>
-          <p:nvPr>
-            <p:ph idx="1"/>
-          </p:nvPr>
-        </p:nvSpPr>
-        <p:spPr/>
-        <p:txBody>
-          <a:bodyPr/>
-          <a:lstStyle/>
-          <a:p>
-            <a:r>
-              <a:rPr lang="hr-HR" noProof="0" dirty="0"/>
-              <a:t>Popis programskih jezika i radnih okvira</a:t>
-            </a:r>
-          </a:p>
-          <a:p>
-            <a:pPr lvl="1"/>
-            <a:r>
-              <a:rPr lang="hr-HR" noProof="0" dirty="0"/>
-              <a:t>za izradu programske podrške , ispitivanje, dokumentaciju, komunikaciju i upravljanje</a:t>
-            </a:r>
-          </a:p>
-          <a:p>
-            <a:pPr marL="457200" lvl="1" indent="0">
-              <a:buNone/>
-            </a:pPr>
-            <a:endParaRPr lang="hr-HR" noProof="0" dirty="0"/>
-          </a:p>
-          <a:p>
-            <a:r>
-              <a:rPr lang="hr-HR" noProof="0" dirty="0"/>
-              <a:t>Smještaj aplikacije</a:t>
+              <a:t>Arhitektura sustava</a:t>
             </a:r>
           </a:p>
         </p:txBody>
@@ -12041,10 +12027,712 @@
           </a:p>
         </p:txBody>
       </p:sp>
+      <p:grpSp>
+        <p:nvGrpSpPr>
+          <p:cNvPr id="7" name="Group 6">
+            <a:extLst>
+              <a:ext uri="{FF2B5EF4-FFF2-40B4-BE49-F238E27FC236}">
+                <a16:creationId xmlns:a16="http://schemas.microsoft.com/office/drawing/2014/main" id="{0E56C5A0-E991-B3CB-86F3-A8BE38AD3447}"/>
+              </a:ext>
+            </a:extLst>
+          </p:cNvPr>
+          <p:cNvGrpSpPr/>
+          <p:nvPr/>
+        </p:nvGrpSpPr>
+        <p:grpSpPr>
+          <a:xfrm>
+            <a:off x="106667" y="1716735"/>
+            <a:ext cx="8930665" cy="3424530"/>
+            <a:chOff x="99035" y="2324742"/>
+            <a:chExt cx="8930665" cy="3424530"/>
+          </a:xfrm>
+        </p:grpSpPr>
+        <p:sp>
+          <p:nvSpPr>
+            <p:cNvPr id="8" name="Rectangle 7">
+              <a:extLst>
+                <a:ext uri="{FF2B5EF4-FFF2-40B4-BE49-F238E27FC236}">
+                  <a16:creationId xmlns:a16="http://schemas.microsoft.com/office/drawing/2014/main" id="{04F2C991-395D-43A8-168A-B6DCF2E54D4F}"/>
+                </a:ext>
+              </a:extLst>
+            </p:cNvPr>
+            <p:cNvSpPr/>
+            <p:nvPr/>
+          </p:nvSpPr>
+          <p:spPr>
+            <a:xfrm>
+              <a:off x="4404597" y="2324742"/>
+              <a:ext cx="926757" cy="2446638"/>
+            </a:xfrm>
+            <a:prstGeom prst="rect">
+              <a:avLst/>
+            </a:prstGeom>
+            <a:solidFill>
+              <a:schemeClr val="bg1"/>
+            </a:solidFill>
+            <a:ln w="57150">
+              <a:solidFill>
+                <a:schemeClr val="tx1"/>
+              </a:solidFill>
+            </a:ln>
+          </p:spPr>
+          <p:style>
+            <a:lnRef idx="2">
+              <a:schemeClr val="accent1">
+                <a:shade val="15000"/>
+              </a:schemeClr>
+            </a:lnRef>
+            <a:fillRef idx="1">
+              <a:schemeClr val="accent1"/>
+            </a:fillRef>
+            <a:effectRef idx="0">
+              <a:schemeClr val="accent1"/>
+            </a:effectRef>
+            <a:fontRef idx="minor">
+              <a:schemeClr val="lt1"/>
+            </a:fontRef>
+          </p:style>
+          <p:txBody>
+            <a:bodyPr rtlCol="0" anchor="ctr"/>
+            <a:lstStyle/>
+            <a:p>
+              <a:pPr algn="ctr"/>
+              <a:endParaRPr lang="en-US"/>
+            </a:p>
+          </p:txBody>
+        </p:sp>
+        <p:pic>
+          <p:nvPicPr>
+            <p:cNvPr id="9" name="Picture 4" descr="Web Server Icons - Free SVG &amp; PNG Web Server Images - Noun Project">
+              <a:extLst>
+                <a:ext uri="{FF2B5EF4-FFF2-40B4-BE49-F238E27FC236}">
+                  <a16:creationId xmlns:a16="http://schemas.microsoft.com/office/drawing/2014/main" id="{693D0266-8A7A-64AC-88F7-7BB9CB37A459}"/>
+                </a:ext>
+              </a:extLst>
+            </p:cNvPr>
+            <p:cNvPicPr>
+              <a:picLocks noChangeAspect="1" noChangeArrowheads="1"/>
+            </p:cNvPicPr>
+            <p:nvPr/>
+          </p:nvPicPr>
+          <p:blipFill>
+            <a:blip r:embed="rId2">
+              <a:extLst>
+                <a:ext uri="{28A0092B-C50C-407E-A947-70E740481C1C}">
+                  <a14:useLocalDpi xmlns:a14="http://schemas.microsoft.com/office/drawing/2010/main" val="0"/>
+                </a:ext>
+              </a:extLst>
+            </a:blip>
+            <a:srcRect/>
+            <a:stretch>
+              <a:fillRect/>
+            </a:stretch>
+          </p:blipFill>
+          <p:spPr bwMode="auto">
+            <a:xfrm>
+              <a:off x="5708720" y="2742504"/>
+              <a:ext cx="1905000" cy="1905000"/>
+            </a:xfrm>
+            <a:prstGeom prst="rect">
+              <a:avLst/>
+            </a:prstGeom>
+            <a:noFill/>
+            <a:extLst>
+              <a:ext uri="{909E8E84-426E-40DD-AFC4-6F175D3DCCD1}">
+                <a14:hiddenFill xmlns:a14="http://schemas.microsoft.com/office/drawing/2010/main">
+                  <a:solidFill>
+                    <a:srgbClr val="FFFFFF"/>
+                  </a:solidFill>
+                </a14:hiddenFill>
+              </a:ext>
+            </a:extLst>
+          </p:spPr>
+        </p:pic>
+        <p:pic>
+          <p:nvPicPr>
+            <p:cNvPr id="10" name="Picture 6" descr="Databases Services Online | Fiverr">
+              <a:extLst>
+                <a:ext uri="{FF2B5EF4-FFF2-40B4-BE49-F238E27FC236}">
+                  <a16:creationId xmlns:a16="http://schemas.microsoft.com/office/drawing/2014/main" id="{A0DB26C2-A55B-7ABB-49D9-FAA71220A034}"/>
+                </a:ext>
+              </a:extLst>
+            </p:cNvPr>
+            <p:cNvPicPr>
+              <a:picLocks noChangeAspect="1" noChangeArrowheads="1"/>
+            </p:cNvPicPr>
+            <p:nvPr/>
+          </p:nvPicPr>
+          <p:blipFill>
+            <a:blip r:embed="rId3">
+              <a:extLst>
+                <a:ext uri="{28A0092B-C50C-407E-A947-70E740481C1C}">
+                  <a14:useLocalDpi xmlns:a14="http://schemas.microsoft.com/office/drawing/2010/main" val="0"/>
+                </a:ext>
+              </a:extLst>
+            </a:blip>
+            <a:srcRect/>
+            <a:stretch>
+              <a:fillRect/>
+            </a:stretch>
+          </p:blipFill>
+          <p:spPr bwMode="auto">
+            <a:xfrm>
+              <a:off x="7613720" y="4078734"/>
+              <a:ext cx="1296269" cy="1296269"/>
+            </a:xfrm>
+            <a:prstGeom prst="rect">
+              <a:avLst/>
+            </a:prstGeom>
+            <a:noFill/>
+            <a:extLst>
+              <a:ext uri="{909E8E84-426E-40DD-AFC4-6F175D3DCCD1}">
+                <a14:hiddenFill xmlns:a14="http://schemas.microsoft.com/office/drawing/2010/main">
+                  <a:solidFill>
+                    <a:srgbClr val="FFFFFF"/>
+                  </a:solidFill>
+                </a14:hiddenFill>
+              </a:ext>
+            </a:extLst>
+          </p:spPr>
+        </p:pic>
+        <p:cxnSp>
+          <p:nvCxnSpPr>
+            <p:cNvPr id="11" name="Straight Arrow Connector 10">
+              <a:extLst>
+                <a:ext uri="{FF2B5EF4-FFF2-40B4-BE49-F238E27FC236}">
+                  <a16:creationId xmlns:a16="http://schemas.microsoft.com/office/drawing/2014/main" id="{BF215580-A5F7-83A6-7899-6F67D5223B0C}"/>
+                </a:ext>
+              </a:extLst>
+            </p:cNvPr>
+            <p:cNvCxnSpPr/>
+            <p:nvPr/>
+          </p:nvCxnSpPr>
+          <p:spPr>
+            <a:xfrm>
+              <a:off x="1588770" y="3429000"/>
+              <a:ext cx="2815827" cy="0"/>
+            </a:xfrm>
+            <a:prstGeom prst="straightConnector1">
+              <a:avLst/>
+            </a:prstGeom>
+            <a:ln w="57150">
+              <a:solidFill>
+                <a:schemeClr val="tx1"/>
+              </a:solidFill>
+              <a:tailEnd type="triangle"/>
+            </a:ln>
+          </p:spPr>
+          <p:style>
+            <a:lnRef idx="1">
+              <a:schemeClr val="accent1"/>
+            </a:lnRef>
+            <a:fillRef idx="0">
+              <a:schemeClr val="accent1"/>
+            </a:fillRef>
+            <a:effectRef idx="0">
+              <a:schemeClr val="accent1"/>
+            </a:effectRef>
+            <a:fontRef idx="minor">
+              <a:schemeClr val="tx1"/>
+            </a:fontRef>
+          </p:style>
+        </p:cxnSp>
+        <p:cxnSp>
+          <p:nvCxnSpPr>
+            <p:cNvPr id="12" name="Straight Arrow Connector 11">
+              <a:extLst>
+                <a:ext uri="{FF2B5EF4-FFF2-40B4-BE49-F238E27FC236}">
+                  <a16:creationId xmlns:a16="http://schemas.microsoft.com/office/drawing/2014/main" id="{45102721-EED6-1CF2-43BF-04107D08A710}"/>
+                </a:ext>
+              </a:extLst>
+            </p:cNvPr>
+            <p:cNvCxnSpPr/>
+            <p:nvPr/>
+          </p:nvCxnSpPr>
+          <p:spPr>
+            <a:xfrm>
+              <a:off x="1588770" y="3874770"/>
+              <a:ext cx="2815827" cy="0"/>
+            </a:xfrm>
+            <a:prstGeom prst="straightConnector1">
+              <a:avLst/>
+            </a:prstGeom>
+            <a:ln w="57150">
+              <a:solidFill>
+                <a:schemeClr val="tx1"/>
+              </a:solidFill>
+              <a:headEnd type="triangle" w="med" len="med"/>
+              <a:tailEnd type="none" w="med" len="med"/>
+            </a:ln>
+          </p:spPr>
+          <p:style>
+            <a:lnRef idx="1">
+              <a:schemeClr val="accent1"/>
+            </a:lnRef>
+            <a:fillRef idx="0">
+              <a:schemeClr val="accent1"/>
+            </a:fillRef>
+            <a:effectRef idx="0">
+              <a:schemeClr val="accent1"/>
+            </a:effectRef>
+            <a:fontRef idx="minor">
+              <a:schemeClr val="tx1"/>
+            </a:fontRef>
+          </p:style>
+        </p:cxnSp>
+        <p:cxnSp>
+          <p:nvCxnSpPr>
+            <p:cNvPr id="13" name="Straight Arrow Connector 12">
+              <a:extLst>
+                <a:ext uri="{FF2B5EF4-FFF2-40B4-BE49-F238E27FC236}">
+                  <a16:creationId xmlns:a16="http://schemas.microsoft.com/office/drawing/2014/main" id="{E553414E-06F1-AF5F-0617-EC72D12737DC}"/>
+                </a:ext>
+              </a:extLst>
+            </p:cNvPr>
+            <p:cNvCxnSpPr>
+              <a:cxnSpLocks/>
+            </p:cNvCxnSpPr>
+            <p:nvPr/>
+          </p:nvCxnSpPr>
+          <p:spPr>
+            <a:xfrm>
+              <a:off x="6495366" y="4880528"/>
+              <a:ext cx="1023455" cy="0"/>
+            </a:xfrm>
+            <a:prstGeom prst="straightConnector1">
+              <a:avLst/>
+            </a:prstGeom>
+            <a:ln w="57150">
+              <a:solidFill>
+                <a:schemeClr val="tx1"/>
+              </a:solidFill>
+              <a:headEnd type="none" w="med" len="med"/>
+              <a:tailEnd type="none" w="med" len="med"/>
+            </a:ln>
+          </p:spPr>
+          <p:style>
+            <a:lnRef idx="1">
+              <a:schemeClr val="accent1"/>
+            </a:lnRef>
+            <a:fillRef idx="0">
+              <a:schemeClr val="accent1"/>
+            </a:fillRef>
+            <a:effectRef idx="0">
+              <a:schemeClr val="accent1"/>
+            </a:effectRef>
+            <a:fontRef idx="minor">
+              <a:schemeClr val="tx1"/>
+            </a:fontRef>
+          </p:style>
+        </p:cxnSp>
+        <p:cxnSp>
+          <p:nvCxnSpPr>
+            <p:cNvPr id="14" name="Straight Arrow Connector 13">
+              <a:extLst>
+                <a:ext uri="{FF2B5EF4-FFF2-40B4-BE49-F238E27FC236}">
+                  <a16:creationId xmlns:a16="http://schemas.microsoft.com/office/drawing/2014/main" id="{CE09B836-89D1-1BED-80E0-F0A2D8B93C1C}"/>
+                </a:ext>
+              </a:extLst>
+            </p:cNvPr>
+            <p:cNvCxnSpPr>
+              <a:cxnSpLocks/>
+            </p:cNvCxnSpPr>
+            <p:nvPr/>
+          </p:nvCxnSpPr>
+          <p:spPr>
+            <a:xfrm flipV="1">
+              <a:off x="6518226" y="4377690"/>
+              <a:ext cx="0" cy="502838"/>
+            </a:xfrm>
+            <a:prstGeom prst="straightConnector1">
+              <a:avLst/>
+            </a:prstGeom>
+            <a:ln w="57150">
+              <a:solidFill>
+                <a:schemeClr val="tx1"/>
+              </a:solidFill>
+              <a:headEnd type="none" w="med" len="med"/>
+              <a:tailEnd type="none" w="med" len="med"/>
+            </a:ln>
+          </p:spPr>
+          <p:style>
+            <a:lnRef idx="1">
+              <a:schemeClr val="accent1"/>
+            </a:lnRef>
+            <a:fillRef idx="0">
+              <a:schemeClr val="accent1"/>
+            </a:fillRef>
+            <a:effectRef idx="0">
+              <a:schemeClr val="accent1"/>
+            </a:effectRef>
+            <a:fontRef idx="minor">
+              <a:schemeClr val="tx1"/>
+            </a:fontRef>
+          </p:style>
+        </p:cxnSp>
+        <p:sp>
+          <p:nvSpPr>
+            <p:cNvPr id="15" name="TextBox 14">
+              <a:extLst>
+                <a:ext uri="{FF2B5EF4-FFF2-40B4-BE49-F238E27FC236}">
+                  <a16:creationId xmlns:a16="http://schemas.microsoft.com/office/drawing/2014/main" id="{6E93C21F-B367-85D6-B50B-70DAAB87176B}"/>
+                </a:ext>
+              </a:extLst>
+            </p:cNvPr>
+            <p:cNvSpPr txBox="1"/>
+            <p:nvPr/>
+          </p:nvSpPr>
+          <p:spPr>
+            <a:xfrm>
+              <a:off x="4307905" y="3398001"/>
+              <a:ext cx="1120140" cy="369332"/>
+            </a:xfrm>
+            <a:prstGeom prst="rect">
+              <a:avLst/>
+            </a:prstGeom>
+            <a:noFill/>
+          </p:spPr>
+          <p:txBody>
+            <a:bodyPr wrap="square" rtlCol="0">
+              <a:spAutoFit/>
+            </a:bodyPr>
+            <a:lstStyle/>
+            <a:p>
+              <a:pPr algn="ctr"/>
+              <a:r>
+                <a:rPr lang="hr-HR" b="1" dirty="0"/>
+                <a:t>API</a:t>
+              </a:r>
+              <a:endParaRPr lang="en-US" b="1" dirty="0"/>
+            </a:p>
+          </p:txBody>
+        </p:sp>
+        <p:sp>
+          <p:nvSpPr>
+            <p:cNvPr id="16" name="TextBox 15">
+              <a:extLst>
+                <a:ext uri="{FF2B5EF4-FFF2-40B4-BE49-F238E27FC236}">
+                  <a16:creationId xmlns:a16="http://schemas.microsoft.com/office/drawing/2014/main" id="{CD1C2460-C470-C28B-FB7E-63EBE72EE182}"/>
+                </a:ext>
+              </a:extLst>
+            </p:cNvPr>
+            <p:cNvSpPr txBox="1"/>
+            <p:nvPr/>
+          </p:nvSpPr>
+          <p:spPr>
+            <a:xfrm>
+              <a:off x="5708720" y="2594600"/>
+              <a:ext cx="1904999" cy="369332"/>
+            </a:xfrm>
+            <a:prstGeom prst="rect">
+              <a:avLst/>
+            </a:prstGeom>
+            <a:noFill/>
+          </p:spPr>
+          <p:txBody>
+            <a:bodyPr wrap="square" rtlCol="0">
+              <a:spAutoFit/>
+            </a:bodyPr>
+            <a:lstStyle/>
+            <a:p>
+              <a:pPr algn="ctr"/>
+              <a:r>
+                <a:rPr lang="hr-HR" b="1" dirty="0"/>
+                <a:t>Web server</a:t>
+              </a:r>
+              <a:endParaRPr lang="en-US" b="1" dirty="0"/>
+            </a:p>
+          </p:txBody>
+        </p:sp>
+        <p:sp>
+          <p:nvSpPr>
+            <p:cNvPr id="17" name="TextBox 16">
+              <a:extLst>
+                <a:ext uri="{FF2B5EF4-FFF2-40B4-BE49-F238E27FC236}">
+                  <a16:creationId xmlns:a16="http://schemas.microsoft.com/office/drawing/2014/main" id="{AE6682BB-CF5D-AC04-5664-800517916647}"/>
+                </a:ext>
+              </a:extLst>
+            </p:cNvPr>
+            <p:cNvSpPr txBox="1"/>
+            <p:nvPr/>
+          </p:nvSpPr>
+          <p:spPr>
+            <a:xfrm>
+              <a:off x="7163145" y="5379940"/>
+              <a:ext cx="1866555" cy="369332"/>
+            </a:xfrm>
+            <a:prstGeom prst="rect">
+              <a:avLst/>
+            </a:prstGeom>
+            <a:noFill/>
+          </p:spPr>
+          <p:txBody>
+            <a:bodyPr wrap="square" rtlCol="0">
+              <a:spAutoFit/>
+            </a:bodyPr>
+            <a:lstStyle/>
+            <a:p>
+              <a:pPr algn="ctr"/>
+              <a:r>
+                <a:rPr lang="hr-HR" b="1" dirty="0"/>
+                <a:t>Baza podataka</a:t>
+              </a:r>
+              <a:endParaRPr lang="en-US" b="1" dirty="0"/>
+            </a:p>
+          </p:txBody>
+        </p:sp>
+        <p:sp>
+          <p:nvSpPr>
+            <p:cNvPr id="18" name="Cloud 17">
+              <a:extLst>
+                <a:ext uri="{FF2B5EF4-FFF2-40B4-BE49-F238E27FC236}">
+                  <a16:creationId xmlns:a16="http://schemas.microsoft.com/office/drawing/2014/main" id="{28CB574D-A9CA-25CF-A6AF-9789792C1CE3}"/>
+                </a:ext>
+              </a:extLst>
+            </p:cNvPr>
+            <p:cNvSpPr/>
+            <p:nvPr/>
+          </p:nvSpPr>
+          <p:spPr>
+            <a:xfrm>
+              <a:off x="2008094" y="3114570"/>
+              <a:ext cx="1809175" cy="1160867"/>
+            </a:xfrm>
+            <a:prstGeom prst="cloud">
+              <a:avLst/>
+            </a:prstGeom>
+            <a:solidFill>
+              <a:schemeClr val="bg1"/>
+            </a:solidFill>
+            <a:ln w="38100">
+              <a:solidFill>
+                <a:schemeClr val="tx1"/>
+              </a:solidFill>
+            </a:ln>
+          </p:spPr>
+          <p:style>
+            <a:lnRef idx="2">
+              <a:schemeClr val="accent1">
+                <a:shade val="15000"/>
+              </a:schemeClr>
+            </a:lnRef>
+            <a:fillRef idx="1">
+              <a:schemeClr val="accent1"/>
+            </a:fillRef>
+            <a:effectRef idx="0">
+              <a:schemeClr val="accent1"/>
+            </a:effectRef>
+            <a:fontRef idx="minor">
+              <a:schemeClr val="lt1"/>
+            </a:fontRef>
+          </p:style>
+          <p:txBody>
+            <a:bodyPr rtlCol="0" anchor="ctr"/>
+            <a:lstStyle/>
+            <a:p>
+              <a:pPr algn="ctr"/>
+              <a:endParaRPr lang="en-US"/>
+            </a:p>
+          </p:txBody>
+        </p:sp>
+        <p:sp>
+          <p:nvSpPr>
+            <p:cNvPr id="19" name="TextBox 18">
+              <a:extLst>
+                <a:ext uri="{FF2B5EF4-FFF2-40B4-BE49-F238E27FC236}">
+                  <a16:creationId xmlns:a16="http://schemas.microsoft.com/office/drawing/2014/main" id="{147B83AE-0AB4-E0E2-BD06-469FA8D2DCED}"/>
+                </a:ext>
+              </a:extLst>
+            </p:cNvPr>
+            <p:cNvSpPr txBox="1"/>
+            <p:nvPr/>
+          </p:nvSpPr>
+          <p:spPr>
+            <a:xfrm>
+              <a:off x="2008094" y="3451473"/>
+              <a:ext cx="1866555" cy="369332"/>
+            </a:xfrm>
+            <a:prstGeom prst="rect">
+              <a:avLst/>
+            </a:prstGeom>
+            <a:noFill/>
+          </p:spPr>
+          <p:txBody>
+            <a:bodyPr wrap="square" rtlCol="0">
+              <a:spAutoFit/>
+            </a:bodyPr>
+            <a:lstStyle/>
+            <a:p>
+              <a:pPr algn="ctr"/>
+              <a:r>
+                <a:rPr lang="hr-HR" b="1" dirty="0"/>
+                <a:t>Internet</a:t>
+              </a:r>
+              <a:endParaRPr lang="en-US" b="1" dirty="0"/>
+            </a:p>
+          </p:txBody>
+        </p:sp>
+        <p:sp>
+          <p:nvSpPr>
+            <p:cNvPr id="20" name="TextBox 19">
+              <a:extLst>
+                <a:ext uri="{FF2B5EF4-FFF2-40B4-BE49-F238E27FC236}">
+                  <a16:creationId xmlns:a16="http://schemas.microsoft.com/office/drawing/2014/main" id="{FDE13202-9671-E325-B8C2-C160259747D3}"/>
+                </a:ext>
+              </a:extLst>
+            </p:cNvPr>
+            <p:cNvSpPr txBox="1"/>
+            <p:nvPr/>
+          </p:nvSpPr>
+          <p:spPr>
+            <a:xfrm>
+              <a:off x="99035" y="2594600"/>
+              <a:ext cx="1866555" cy="646331"/>
+            </a:xfrm>
+            <a:prstGeom prst="rect">
+              <a:avLst/>
+            </a:prstGeom>
+            <a:noFill/>
+          </p:spPr>
+          <p:txBody>
+            <a:bodyPr wrap="square" rtlCol="0">
+              <a:spAutoFit/>
+            </a:bodyPr>
+            <a:lstStyle/>
+            <a:p>
+              <a:pPr algn="ctr"/>
+              <a:r>
+                <a:rPr lang="hr-HR" b="1" dirty="0"/>
+                <a:t>aplikacija u web pregledniku</a:t>
+              </a:r>
+              <a:endParaRPr lang="en-US" b="1" dirty="0"/>
+            </a:p>
+          </p:txBody>
+        </p:sp>
+        <p:cxnSp>
+          <p:nvCxnSpPr>
+            <p:cNvPr id="21" name="Straight Arrow Connector 20">
+              <a:extLst>
+                <a:ext uri="{FF2B5EF4-FFF2-40B4-BE49-F238E27FC236}">
+                  <a16:creationId xmlns:a16="http://schemas.microsoft.com/office/drawing/2014/main" id="{0FFD21E8-E53A-0E1A-BD93-44495909D529}"/>
+                </a:ext>
+              </a:extLst>
+            </p:cNvPr>
+            <p:cNvCxnSpPr>
+              <a:cxnSpLocks/>
+            </p:cNvCxnSpPr>
+            <p:nvPr/>
+          </p:nvCxnSpPr>
+          <p:spPr>
+            <a:xfrm>
+              <a:off x="5331354" y="3624627"/>
+              <a:ext cx="692256" cy="0"/>
+            </a:xfrm>
+            <a:prstGeom prst="straightConnector1">
+              <a:avLst/>
+            </a:prstGeom>
+            <a:ln w="57150">
+              <a:solidFill>
+                <a:schemeClr val="tx1"/>
+              </a:solidFill>
+              <a:headEnd type="none" w="med" len="med"/>
+              <a:tailEnd type="none" w="med" len="med"/>
+            </a:ln>
+          </p:spPr>
+          <p:style>
+            <a:lnRef idx="1">
+              <a:schemeClr val="accent1"/>
+            </a:lnRef>
+            <a:fillRef idx="0">
+              <a:schemeClr val="accent1"/>
+            </a:fillRef>
+            <a:effectRef idx="0">
+              <a:schemeClr val="accent1"/>
+            </a:effectRef>
+            <a:fontRef idx="minor">
+              <a:schemeClr val="tx1"/>
+            </a:fontRef>
+          </p:style>
+        </p:cxnSp>
+        <p:sp>
+          <p:nvSpPr>
+            <p:cNvPr id="22" name="TextBox 21">
+              <a:extLst>
+                <a:ext uri="{FF2B5EF4-FFF2-40B4-BE49-F238E27FC236}">
+                  <a16:creationId xmlns:a16="http://schemas.microsoft.com/office/drawing/2014/main" id="{BE7C17A7-4183-CC27-1A16-16B1EC6AA19C}"/>
+                </a:ext>
+              </a:extLst>
+            </p:cNvPr>
+            <p:cNvSpPr txBox="1"/>
+            <p:nvPr/>
+          </p:nvSpPr>
+          <p:spPr>
+            <a:xfrm>
+              <a:off x="978125" y="3120509"/>
+              <a:ext cx="1866555" cy="276999"/>
+            </a:xfrm>
+            <a:prstGeom prst="rect">
+              <a:avLst/>
+            </a:prstGeom>
+            <a:noFill/>
+          </p:spPr>
+          <p:txBody>
+            <a:bodyPr wrap="square" rtlCol="0">
+              <a:spAutoFit/>
+            </a:bodyPr>
+            <a:lstStyle/>
+            <a:p>
+              <a:pPr algn="ctr"/>
+              <a:r>
+                <a:rPr lang="hr-HR" sz="1200" b="1" dirty="0"/>
+                <a:t>request</a:t>
+              </a:r>
+              <a:endParaRPr lang="en-US" sz="1200" b="1" dirty="0"/>
+            </a:p>
+          </p:txBody>
+        </p:sp>
+        <p:sp>
+          <p:nvSpPr>
+            <p:cNvPr id="23" name="TextBox 22">
+              <a:extLst>
+                <a:ext uri="{FF2B5EF4-FFF2-40B4-BE49-F238E27FC236}">
+                  <a16:creationId xmlns:a16="http://schemas.microsoft.com/office/drawing/2014/main" id="{7AD2F2F5-904E-27E2-BB6D-B87D899355D9}"/>
+                </a:ext>
+              </a:extLst>
+            </p:cNvPr>
+            <p:cNvSpPr txBox="1"/>
+            <p:nvPr/>
+          </p:nvSpPr>
+          <p:spPr>
+            <a:xfrm>
+              <a:off x="3103587" y="3886921"/>
+              <a:ext cx="1866555" cy="276999"/>
+            </a:xfrm>
+            <a:prstGeom prst="rect">
+              <a:avLst/>
+            </a:prstGeom>
+            <a:noFill/>
+          </p:spPr>
+          <p:txBody>
+            <a:bodyPr wrap="square" rtlCol="0">
+              <a:spAutoFit/>
+            </a:bodyPr>
+            <a:lstStyle/>
+            <a:p>
+              <a:pPr algn="ctr"/>
+              <a:r>
+                <a:rPr lang="hr-HR" sz="1200" b="1" dirty="0"/>
+                <a:t>response</a:t>
+              </a:r>
+              <a:endParaRPr lang="en-US" sz="1200" b="1" dirty="0"/>
+            </a:p>
+          </p:txBody>
+        </p:sp>
+      </p:grpSp>
     </p:spTree>
     <p:extLst>
       <p:ext uri="{BB962C8B-B14F-4D97-AF65-F5344CB8AC3E}">
-        <p14:creationId xmlns:p14="http://schemas.microsoft.com/office/powerpoint/2010/main" val="3389772446"/>
+        <p14:creationId xmlns:p14="http://schemas.microsoft.com/office/powerpoint/2010/main" val="3657354464"/>
       </p:ext>
     </p:extLst>
   </p:cSld>
@@ -12088,7 +12776,7 @@
           <a:p>
             <a:r>
               <a:rPr lang="hr-HR" noProof="0" dirty="0"/>
-              <a:t>Organizacija rada</a:t>
+              <a:t>Korišteni alati i tehnologije</a:t>
             </a:r>
           </a:p>
         </p:txBody>
@@ -12105,79 +12793,125 @@
         </p:nvSpPr>
         <p:spPr/>
         <p:txBody>
-          <a:bodyPr>
-            <a:normAutofit lnSpcReduction="10000"/>
-          </a:bodyPr>
+          <a:bodyPr/>
           <a:lstStyle/>
           <a:p>
             <a:r>
               <a:rPr lang="hr-HR" noProof="0" dirty="0"/>
-              <a:t>Neprogramski (organizacijski) zadaci</a:t>
+              <a:t>Za komunikaciju: </a:t>
+            </a:r>
+            <a:r>
+              <a:rPr lang="hr-HR" b="1" noProof="0" dirty="0"/>
+              <a:t>WhatsApp</a:t>
+            </a:r>
+            <a:r>
+              <a:rPr lang="hr-HR" noProof="0" dirty="0"/>
+              <a:t> i </a:t>
+            </a:r>
+            <a:r>
+              <a:rPr lang="hr-HR" b="1" noProof="0" dirty="0"/>
+              <a:t>Microsoft Teams</a:t>
+            </a:r>
+          </a:p>
+          <a:p>
+            <a:r>
+              <a:rPr lang="hr-HR" noProof="0" dirty="0"/>
+              <a:t>za razvoj: </a:t>
+            </a:r>
+            <a:r>
+              <a:rPr lang="hr-HR" b="1" noProof="0" dirty="0"/>
+              <a:t>Visual Studio Code</a:t>
+            </a:r>
+            <a:r>
+              <a:rPr lang="hr-HR" b="1" dirty="0"/>
+              <a:t> </a:t>
+            </a:r>
+            <a:r>
+              <a:rPr lang="hr-HR" dirty="0"/>
+              <a:t>za razvoj backend-a i frontend-a</a:t>
+            </a:r>
+          </a:p>
+          <a:p>
+            <a:r>
+              <a:rPr lang="hr-HR" noProof="0" dirty="0"/>
+              <a:t>Korištene tehnol</a:t>
+            </a:r>
+            <a:r>
+              <a:rPr lang="hr-HR" dirty="0"/>
+              <a:t>ogije:</a:t>
             </a:r>
           </a:p>
           <a:p>
             <a:pPr lvl="1"/>
             <a:r>
+              <a:rPr lang="hr-HR" b="1" noProof="0" dirty="0"/>
+              <a:t>Backend</a:t>
+            </a:r>
+            <a:r>
               <a:rPr lang="hr-HR" noProof="0" dirty="0"/>
-              <a:t>Organizacija komunikacije (korištene platforme/SW ....)</a:t>
+              <a:t>:</a:t>
+            </a:r>
+          </a:p>
+          <a:p>
+            <a:pPr lvl="2"/>
+            <a:r>
+              <a:rPr lang="hr-HR" b="1" noProof="0" dirty="0"/>
+              <a:t>Python</a:t>
+            </a:r>
+            <a:r>
+              <a:rPr lang="hr-HR" noProof="0" dirty="0"/>
+              <a:t> i </a:t>
+            </a:r>
+            <a:r>
+              <a:rPr lang="hr-HR" b="1" noProof="0" dirty="0"/>
+              <a:t>Django framework</a:t>
             </a:r>
           </a:p>
           <a:p>
             <a:pPr lvl="1"/>
             <a:r>
-              <a:rPr lang="hr-HR" noProof="0" dirty="0"/>
-              <a:t>GitHub iskustvo</a:t>
+              <a:rPr lang="hr-HR" b="1" dirty="0"/>
+              <a:t>Frontend</a:t>
+            </a:r>
+          </a:p>
+          <a:p>
+            <a:pPr lvl="2"/>
+            <a:r>
+              <a:rPr lang="hr-HR" b="1" dirty="0"/>
+              <a:t>HTML, CSS, JavaScript, React.js i Vite</a:t>
             </a:r>
           </a:p>
           <a:p>
             <a:pPr lvl="1"/>
-            <a:endParaRPr lang="hr-HR" noProof="0" dirty="0"/>
+            <a:r>
+              <a:rPr lang="hr-HR" b="1" dirty="0"/>
+              <a:t>Dijagrami u dokumentaciji</a:t>
+            </a:r>
+          </a:p>
+          <a:p>
+            <a:pPr lvl="2"/>
+            <a:r>
+              <a:rPr lang="hr-HR" b="1" noProof="0" dirty="0"/>
+              <a:t>AstahUML</a:t>
+            </a:r>
           </a:p>
           <a:p>
             <a:pPr lvl="1"/>
             <a:r>
-              <a:rPr lang="hr-HR" noProof="0" dirty="0"/>
-              <a:t>Primijenjeni model životnog ciklusa</a:t>
+              <a:rPr lang="hr-HR" b="1" dirty="0"/>
+              <a:t>Deployment</a:t>
+            </a:r>
+          </a:p>
+          <a:p>
+            <a:pPr lvl="2"/>
+            <a:r>
+              <a:rPr lang="hr-HR" b="1" noProof="0" dirty="0"/>
+              <a:t>Docker, NGINX</a:t>
             </a:r>
           </a:p>
           <a:p>
             <a:pPr lvl="1"/>
-            <a:r>
-              <a:rPr lang="hr-HR" noProof="0" dirty="0"/>
-              <a:t>ad-hoc, vodopadni,….</a:t>
-            </a:r>
-          </a:p>
-          <a:p>
-            <a:r>
-              <a:rPr lang="hr-HR" noProof="0" dirty="0"/>
-              <a:t>Tablica raščlambe zadataka članova s procijenjenim naporom u satima (jedan slajd)</a:t>
-            </a:r>
-          </a:p>
-          <a:p>
-            <a:pPr lvl="1"/>
-            <a:r>
-              <a:rPr lang="hr-HR" i="1" noProof="0" dirty="0"/>
-              <a:t>U usmenom izlaganju samo diskutirajte o glavnim problemima rasporeda i svom iskustvu za njihovo rješavanje (npr. preuzimanje zadataka drugih članova ...)</a:t>
-            </a:r>
-          </a:p>
-          <a:p>
-            <a:r>
-              <a:rPr lang="hr-HR" noProof="0" dirty="0"/>
-              <a:t>Vremenski okvir razvoja (specifikacija, implementacija, testiranje, dokumentacija)</a:t>
-            </a:r>
-          </a:p>
-          <a:p>
-            <a:pPr lvl="1"/>
-            <a:r>
-              <a:rPr lang="hr-HR" noProof="0" dirty="0"/>
-              <a:t>Poželjan grafički prikaz</a:t>
-            </a:r>
-          </a:p>
-          <a:p>
-            <a:pPr marL="457200" lvl="1" indent="0">
-              <a:buNone/>
-            </a:pPr>
-            <a:endParaRPr lang="hr-HR" noProof="0" dirty="0"/>
+            <a:endParaRPr lang="hr-HR" b="1" noProof="0" dirty="0"/>
           </a:p>
         </p:txBody>
       </p:sp>
@@ -12207,7 +12941,7 @@
     </p:spTree>
     <p:extLst>
       <p:ext uri="{BB962C8B-B14F-4D97-AF65-F5344CB8AC3E}">
-        <p14:creationId xmlns:p14="http://schemas.microsoft.com/office/powerpoint/2010/main" val="4285223946"/>
+        <p14:creationId xmlns:p14="http://schemas.microsoft.com/office/powerpoint/2010/main" val="3389772446"/>
       </p:ext>
     </p:extLst>
   </p:cSld>
@@ -12236,13 +12970,7 @@
       </p:grpSpPr>
       <p:sp>
         <p:nvSpPr>
-          <p:cNvPr id="2" name="Title 1">
-            <a:extLst>
-              <a:ext uri="{FF2B5EF4-FFF2-40B4-BE49-F238E27FC236}">
-                <a16:creationId xmlns:a16="http://schemas.microsoft.com/office/drawing/2014/main" id="{B2C9CBA8-11D5-D65F-3F83-F59F385AC4BA}"/>
-              </a:ext>
-            </a:extLst>
-          </p:cNvPr>
+          <p:cNvPr id="2" name="Title 1"/>
           <p:cNvSpPr>
             <a:spLocks noGrp="1"/>
           </p:cNvSpPr>
@@ -12257,20 +12985,14 @@
           <a:p>
             <a:r>
               <a:rPr lang="hr-HR" noProof="0" dirty="0"/>
-              <a:t>Demonstracija aplikacije</a:t>
-            </a:r>
-          </a:p>
-        </p:txBody>
-      </p:sp>
-      <p:sp>
-        <p:nvSpPr>
-          <p:cNvPr id="3" name="Content Placeholder 2">
-            <a:extLst>
-              <a:ext uri="{FF2B5EF4-FFF2-40B4-BE49-F238E27FC236}">
-                <a16:creationId xmlns:a16="http://schemas.microsoft.com/office/drawing/2014/main" id="{095ADC07-223F-0954-0AAD-901A9AD8339F}"/>
-              </a:ext>
-            </a:extLst>
-          </p:cNvPr>
+              <a:t>Organizacija rada</a:t>
+            </a:r>
+          </a:p>
+        </p:txBody>
+      </p:sp>
+      <p:sp>
+        <p:nvSpPr>
+          <p:cNvPr id="3" name="Content Placeholder 2"/>
           <p:cNvSpPr>
             <a:spLocks noGrp="1"/>
           </p:cNvSpPr>
@@ -12278,33 +13000,44 @@
             <p:ph idx="1"/>
           </p:nvPr>
         </p:nvSpPr>
-        <p:spPr/>
-        <p:txBody>
-          <a:bodyPr/>
+        <p:spPr>
+          <a:xfrm>
+            <a:off x="174737" y="1127073"/>
+            <a:ext cx="8849579" cy="5111153"/>
+          </a:xfrm>
+        </p:spPr>
+        <p:txBody>
+          <a:bodyPr>
+            <a:normAutofit/>
+          </a:bodyPr>
           <a:lstStyle/>
           <a:p>
             <a:r>
+              <a:rPr lang="hr-HR" noProof="0" dirty="0"/>
+              <a:t>Model razvoja aplikacije</a:t>
+            </a:r>
+          </a:p>
+          <a:p>
+            <a:pPr lvl="1"/>
+            <a:r>
               <a:rPr lang="hr-HR" dirty="0"/>
-              <a:t>Pokazati ključne funkcionalnosti uživo.</a:t>
-            </a:r>
-          </a:p>
-          <a:p>
-            <a:r>
-              <a:rPr lang="hr-HR" dirty="0"/>
-              <a:t>Fokus na izazove i rješenja (1-2 primjera).</a:t>
-            </a:r>
-          </a:p>
-        </p:txBody>
-      </p:sp>
-      <p:sp>
-        <p:nvSpPr>
-          <p:cNvPr id="4" name="Slide Number Placeholder 3">
-            <a:extLst>
-              <a:ext uri="{FF2B5EF4-FFF2-40B4-BE49-F238E27FC236}">
-                <a16:creationId xmlns:a16="http://schemas.microsoft.com/office/drawing/2014/main" id="{AE76D2D5-F8F8-3548-34C0-61BDD7AAEA8C}"/>
-              </a:ext>
-            </a:extLst>
-          </p:cNvPr>
+              <a:t>Agilni</a:t>
+            </a:r>
+          </a:p>
+          <a:p>
+            <a:r>
+              <a:rPr lang="hr-HR" noProof="0" dirty="0"/>
+              <a:t>Tablica raščlambe zadataka članova</a:t>
+            </a:r>
+          </a:p>
+          <a:p>
+            <a:endParaRPr lang="hr-HR" i="1" noProof="0" dirty="0"/>
+          </a:p>
+        </p:txBody>
+      </p:sp>
+      <p:sp>
+        <p:nvSpPr>
+          <p:cNvPr id="4" name="Slide Number Placeholder 3"/>
           <p:cNvSpPr>
             <a:spLocks noGrp="1"/>
           </p:cNvSpPr>
@@ -12325,10 +13058,1990 @@
           </a:p>
         </p:txBody>
       </p:sp>
+      <p:graphicFrame>
+        <p:nvGraphicFramePr>
+          <p:cNvPr id="9" name="Table 8">
+            <a:extLst>
+              <a:ext uri="{FF2B5EF4-FFF2-40B4-BE49-F238E27FC236}">
+                <a16:creationId xmlns:a16="http://schemas.microsoft.com/office/drawing/2014/main" id="{720A0B46-F487-389E-9C25-B0AFE64F42CC}"/>
+              </a:ext>
+            </a:extLst>
+          </p:cNvPr>
+          <p:cNvGraphicFramePr>
+            <a:graphicFrameLocks noGrp="1"/>
+          </p:cNvGraphicFramePr>
+          <p:nvPr>
+            <p:extLst>
+              <p:ext uri="{D42A27DB-BD31-4B8C-83A1-F6EECF244321}">
+                <p14:modId xmlns:p14="http://schemas.microsoft.com/office/powerpoint/2010/main" val="1253362861"/>
+              </p:ext>
+            </p:extLst>
+          </p:nvPr>
+        </p:nvGraphicFramePr>
+        <p:xfrm>
+          <a:off x="1524000" y="3818228"/>
+          <a:ext cx="6096000" cy="2254377"/>
+        </p:xfrm>
+        <a:graphic>
+          <a:graphicData uri="http://schemas.openxmlformats.org/drawingml/2006/table">
+            <a:tbl>
+              <a:tblPr firstRow="1" bandRow="1">
+                <a:tableStyleId>{5C22544A-7EE6-4342-B048-85BDC9FD1C3A}</a:tableStyleId>
+              </a:tblPr>
+              <a:tblGrid>
+                <a:gridCol w="1016000">
+                  <a:extLst>
+                    <a:ext uri="{9D8B030D-6E8A-4147-A177-3AD203B41FA5}">
+                      <a16:colId xmlns:a16="http://schemas.microsoft.com/office/drawing/2014/main" val="1115662020"/>
+                    </a:ext>
+                  </a:extLst>
+                </a:gridCol>
+                <a:gridCol w="1016000">
+                  <a:extLst>
+                    <a:ext uri="{9D8B030D-6E8A-4147-A177-3AD203B41FA5}">
+                      <a16:colId xmlns:a16="http://schemas.microsoft.com/office/drawing/2014/main" val="1573373810"/>
+                    </a:ext>
+                  </a:extLst>
+                </a:gridCol>
+                <a:gridCol w="1016000">
+                  <a:extLst>
+                    <a:ext uri="{9D8B030D-6E8A-4147-A177-3AD203B41FA5}">
+                      <a16:colId xmlns:a16="http://schemas.microsoft.com/office/drawing/2014/main" val="2829183232"/>
+                    </a:ext>
+                  </a:extLst>
+                </a:gridCol>
+                <a:gridCol w="1016000">
+                  <a:extLst>
+                    <a:ext uri="{9D8B030D-6E8A-4147-A177-3AD203B41FA5}">
+                      <a16:colId xmlns:a16="http://schemas.microsoft.com/office/drawing/2014/main" val="3862427449"/>
+                    </a:ext>
+                  </a:extLst>
+                </a:gridCol>
+                <a:gridCol w="1016000">
+                  <a:extLst>
+                    <a:ext uri="{9D8B030D-6E8A-4147-A177-3AD203B41FA5}">
+                      <a16:colId xmlns:a16="http://schemas.microsoft.com/office/drawing/2014/main" val="178809430"/>
+                    </a:ext>
+                  </a:extLst>
+                </a:gridCol>
+                <a:gridCol w="1016000">
+                  <a:extLst>
+                    <a:ext uri="{9D8B030D-6E8A-4147-A177-3AD203B41FA5}">
+                      <a16:colId xmlns:a16="http://schemas.microsoft.com/office/drawing/2014/main" val="889039767"/>
+                    </a:ext>
+                  </a:extLst>
+                </a:gridCol>
+              </a:tblGrid>
+              <a:tr h="370840">
+                <a:tc>
+                  <a:txBody>
+                    <a:bodyPr/>
+                    <a:lstStyle/>
+                    <a:p>
+                      <a:endParaRPr lang="en-US"/>
+                    </a:p>
+                  </a:txBody>
+                  <a:tcPr>
+                    <a:lnL w="12700" cap="flat" cmpd="sng" algn="ctr">
+                      <a:solidFill>
+                        <a:schemeClr val="tx1"/>
+                      </a:solidFill>
+                      <a:prstDash val="solid"/>
+                      <a:round/>
+                      <a:headEnd type="none" w="med" len="med"/>
+                      <a:tailEnd type="none" w="med" len="med"/>
+                    </a:lnL>
+                    <a:lnR w="12700" cap="flat" cmpd="sng" algn="ctr">
+                      <a:solidFill>
+                        <a:schemeClr val="tx1"/>
+                      </a:solidFill>
+                      <a:prstDash val="solid"/>
+                      <a:round/>
+                      <a:headEnd type="none" w="med" len="med"/>
+                      <a:tailEnd type="none" w="med" len="med"/>
+                    </a:lnR>
+                    <a:lnT w="12700" cap="flat" cmpd="sng" algn="ctr">
+                      <a:solidFill>
+                        <a:schemeClr val="tx1"/>
+                      </a:solidFill>
+                      <a:prstDash val="solid"/>
+                      <a:round/>
+                      <a:headEnd type="none" w="med" len="med"/>
+                      <a:tailEnd type="none" w="med" len="med"/>
+                    </a:lnT>
+                    <a:lnB w="12700" cap="flat" cmpd="sng" algn="ctr">
+                      <a:solidFill>
+                        <a:schemeClr val="tx1"/>
+                      </a:solidFill>
+                      <a:prstDash val="solid"/>
+                      <a:round/>
+                      <a:headEnd type="none" w="med" len="med"/>
+                      <a:tailEnd type="none" w="med" len="med"/>
+                    </a:lnB>
+                    <a:solidFill>
+                      <a:schemeClr val="bg1"/>
+                    </a:solidFill>
+                  </a:tcPr>
+                </a:tc>
+                <a:tc>
+                  <a:txBody>
+                    <a:bodyPr/>
+                    <a:lstStyle/>
+                    <a:p>
+                      <a:r>
+                        <a:rPr lang="hr-HR" dirty="0">
+                          <a:solidFill>
+                            <a:schemeClr val="tx1"/>
+                          </a:solidFill>
+                        </a:rPr>
+                        <a:t>Mario Olčar</a:t>
+                      </a:r>
+                      <a:endParaRPr lang="en-US" dirty="0">
+                        <a:solidFill>
+                          <a:schemeClr val="tx1"/>
+                        </a:solidFill>
+                      </a:endParaRPr>
+                    </a:p>
+                  </a:txBody>
+                  <a:tcPr>
+                    <a:lnL w="12700" cap="flat" cmpd="sng" algn="ctr">
+                      <a:solidFill>
+                        <a:schemeClr val="tx1"/>
+                      </a:solidFill>
+                      <a:prstDash val="solid"/>
+                      <a:round/>
+                      <a:headEnd type="none" w="med" len="med"/>
+                      <a:tailEnd type="none" w="med" len="med"/>
+                    </a:lnL>
+                    <a:lnR w="12700" cap="flat" cmpd="sng" algn="ctr">
+                      <a:solidFill>
+                        <a:schemeClr val="tx1"/>
+                      </a:solidFill>
+                      <a:prstDash val="solid"/>
+                      <a:round/>
+                      <a:headEnd type="none" w="med" len="med"/>
+                      <a:tailEnd type="none" w="med" len="med"/>
+                    </a:lnR>
+                    <a:lnT w="12700" cap="flat" cmpd="sng" algn="ctr">
+                      <a:solidFill>
+                        <a:schemeClr val="tx1"/>
+                      </a:solidFill>
+                      <a:prstDash val="solid"/>
+                      <a:round/>
+                      <a:headEnd type="none" w="med" len="med"/>
+                      <a:tailEnd type="none" w="med" len="med"/>
+                    </a:lnT>
+                    <a:lnB w="12700" cap="flat" cmpd="sng" algn="ctr">
+                      <a:solidFill>
+                        <a:schemeClr val="tx1"/>
+                      </a:solidFill>
+                      <a:prstDash val="solid"/>
+                      <a:round/>
+                      <a:headEnd type="none" w="med" len="med"/>
+                      <a:tailEnd type="none" w="med" len="med"/>
+                    </a:lnB>
+                    <a:solidFill>
+                      <a:schemeClr val="bg1"/>
+                    </a:solidFill>
+                  </a:tcPr>
+                </a:tc>
+                <a:tc>
+                  <a:txBody>
+                    <a:bodyPr/>
+                    <a:lstStyle/>
+                    <a:p>
+                      <a:r>
+                        <a:rPr lang="hr-HR" dirty="0">
+                          <a:solidFill>
+                            <a:schemeClr val="tx1"/>
+                          </a:solidFill>
+                        </a:rPr>
+                        <a:t>Iva Džakula</a:t>
+                      </a:r>
+                      <a:endParaRPr lang="en-US" dirty="0">
+                        <a:solidFill>
+                          <a:schemeClr val="tx1"/>
+                        </a:solidFill>
+                      </a:endParaRPr>
+                    </a:p>
+                  </a:txBody>
+                  <a:tcPr>
+                    <a:lnL w="12700" cap="flat" cmpd="sng" algn="ctr">
+                      <a:solidFill>
+                        <a:schemeClr val="tx1"/>
+                      </a:solidFill>
+                      <a:prstDash val="solid"/>
+                      <a:round/>
+                      <a:headEnd type="none" w="med" len="med"/>
+                      <a:tailEnd type="none" w="med" len="med"/>
+                    </a:lnL>
+                    <a:lnR w="12700" cap="flat" cmpd="sng" algn="ctr">
+                      <a:solidFill>
+                        <a:schemeClr val="tx1"/>
+                      </a:solidFill>
+                      <a:prstDash val="solid"/>
+                      <a:round/>
+                      <a:headEnd type="none" w="med" len="med"/>
+                      <a:tailEnd type="none" w="med" len="med"/>
+                    </a:lnR>
+                    <a:lnT w="12700" cap="flat" cmpd="sng" algn="ctr">
+                      <a:solidFill>
+                        <a:schemeClr val="tx1"/>
+                      </a:solidFill>
+                      <a:prstDash val="solid"/>
+                      <a:round/>
+                      <a:headEnd type="none" w="med" len="med"/>
+                      <a:tailEnd type="none" w="med" len="med"/>
+                    </a:lnT>
+                    <a:lnB w="12700" cap="flat" cmpd="sng" algn="ctr">
+                      <a:solidFill>
+                        <a:schemeClr val="tx1"/>
+                      </a:solidFill>
+                      <a:prstDash val="solid"/>
+                      <a:round/>
+                      <a:headEnd type="none" w="med" len="med"/>
+                      <a:tailEnd type="none" w="med" len="med"/>
+                    </a:lnB>
+                    <a:solidFill>
+                      <a:schemeClr val="bg1"/>
+                    </a:solidFill>
+                  </a:tcPr>
+                </a:tc>
+                <a:tc>
+                  <a:txBody>
+                    <a:bodyPr/>
+                    <a:lstStyle/>
+                    <a:p>
+                      <a:r>
+                        <a:rPr lang="hr-HR" dirty="0">
+                          <a:solidFill>
+                            <a:schemeClr val="tx1"/>
+                          </a:solidFill>
+                        </a:rPr>
+                        <a:t>Gregor Mihaljević</a:t>
+                      </a:r>
+                      <a:endParaRPr lang="en-US" dirty="0">
+                        <a:solidFill>
+                          <a:schemeClr val="tx1"/>
+                        </a:solidFill>
+                      </a:endParaRPr>
+                    </a:p>
+                  </a:txBody>
+                  <a:tcPr>
+                    <a:lnL w="12700" cap="flat" cmpd="sng" algn="ctr">
+                      <a:solidFill>
+                        <a:schemeClr val="tx1"/>
+                      </a:solidFill>
+                      <a:prstDash val="solid"/>
+                      <a:round/>
+                      <a:headEnd type="none" w="med" len="med"/>
+                      <a:tailEnd type="none" w="med" len="med"/>
+                    </a:lnL>
+                    <a:lnR w="12700" cap="flat" cmpd="sng" algn="ctr">
+                      <a:solidFill>
+                        <a:schemeClr val="tx1"/>
+                      </a:solidFill>
+                      <a:prstDash val="solid"/>
+                      <a:round/>
+                      <a:headEnd type="none" w="med" len="med"/>
+                      <a:tailEnd type="none" w="med" len="med"/>
+                    </a:lnR>
+                    <a:lnT w="12700" cap="flat" cmpd="sng" algn="ctr">
+                      <a:solidFill>
+                        <a:schemeClr val="tx1"/>
+                      </a:solidFill>
+                      <a:prstDash val="solid"/>
+                      <a:round/>
+                      <a:headEnd type="none" w="med" len="med"/>
+                      <a:tailEnd type="none" w="med" len="med"/>
+                    </a:lnT>
+                    <a:lnB w="12700" cap="flat" cmpd="sng" algn="ctr">
+                      <a:solidFill>
+                        <a:schemeClr val="tx1"/>
+                      </a:solidFill>
+                      <a:prstDash val="solid"/>
+                      <a:round/>
+                      <a:headEnd type="none" w="med" len="med"/>
+                      <a:tailEnd type="none" w="med" len="med"/>
+                    </a:lnB>
+                    <a:solidFill>
+                      <a:schemeClr val="bg1"/>
+                    </a:solidFill>
+                  </a:tcPr>
+                </a:tc>
+                <a:tc>
+                  <a:txBody>
+                    <a:bodyPr/>
+                    <a:lstStyle/>
+                    <a:p>
+                      <a:r>
+                        <a:rPr lang="hr-HR" dirty="0">
+                          <a:solidFill>
+                            <a:schemeClr val="tx1"/>
+                          </a:solidFill>
+                        </a:rPr>
+                        <a:t>Tomislav Marenić</a:t>
+                      </a:r>
+                      <a:endParaRPr lang="en-US" dirty="0">
+                        <a:solidFill>
+                          <a:schemeClr val="tx1"/>
+                        </a:solidFill>
+                      </a:endParaRPr>
+                    </a:p>
+                  </a:txBody>
+                  <a:tcPr>
+                    <a:lnL w="12700" cap="flat" cmpd="sng" algn="ctr">
+                      <a:solidFill>
+                        <a:schemeClr val="tx1"/>
+                      </a:solidFill>
+                      <a:prstDash val="solid"/>
+                      <a:round/>
+                      <a:headEnd type="none" w="med" len="med"/>
+                      <a:tailEnd type="none" w="med" len="med"/>
+                    </a:lnL>
+                    <a:lnR w="12700" cap="flat" cmpd="sng" algn="ctr">
+                      <a:solidFill>
+                        <a:schemeClr val="tx1"/>
+                      </a:solidFill>
+                      <a:prstDash val="solid"/>
+                      <a:round/>
+                      <a:headEnd type="none" w="med" len="med"/>
+                      <a:tailEnd type="none" w="med" len="med"/>
+                    </a:lnR>
+                    <a:lnT w="12700" cap="flat" cmpd="sng" algn="ctr">
+                      <a:solidFill>
+                        <a:schemeClr val="tx1"/>
+                      </a:solidFill>
+                      <a:prstDash val="solid"/>
+                      <a:round/>
+                      <a:headEnd type="none" w="med" len="med"/>
+                      <a:tailEnd type="none" w="med" len="med"/>
+                    </a:lnT>
+                    <a:lnB w="12700" cap="flat" cmpd="sng" algn="ctr">
+                      <a:solidFill>
+                        <a:schemeClr val="tx1"/>
+                      </a:solidFill>
+                      <a:prstDash val="solid"/>
+                      <a:round/>
+                      <a:headEnd type="none" w="med" len="med"/>
+                      <a:tailEnd type="none" w="med" len="med"/>
+                    </a:lnB>
+                    <a:solidFill>
+                      <a:schemeClr val="bg1"/>
+                    </a:solidFill>
+                  </a:tcPr>
+                </a:tc>
+                <a:tc>
+                  <a:txBody>
+                    <a:bodyPr/>
+                    <a:lstStyle/>
+                    <a:p>
+                      <a:r>
+                        <a:rPr lang="hr-HR" dirty="0">
+                          <a:solidFill>
+                            <a:schemeClr val="tx1"/>
+                          </a:solidFill>
+                        </a:rPr>
+                        <a:t>Josip Curkov</a:t>
+                      </a:r>
+                      <a:endParaRPr lang="en-US" dirty="0">
+                        <a:solidFill>
+                          <a:schemeClr val="tx1"/>
+                        </a:solidFill>
+                      </a:endParaRPr>
+                    </a:p>
+                  </a:txBody>
+                  <a:tcPr>
+                    <a:lnL w="12700" cap="flat" cmpd="sng" algn="ctr">
+                      <a:solidFill>
+                        <a:schemeClr val="tx1"/>
+                      </a:solidFill>
+                      <a:prstDash val="solid"/>
+                      <a:round/>
+                      <a:headEnd type="none" w="med" len="med"/>
+                      <a:tailEnd type="none" w="med" len="med"/>
+                    </a:lnL>
+                    <a:lnR w="12700" cap="flat" cmpd="sng" algn="ctr">
+                      <a:solidFill>
+                        <a:schemeClr val="tx1"/>
+                      </a:solidFill>
+                      <a:prstDash val="solid"/>
+                      <a:round/>
+                      <a:headEnd type="none" w="med" len="med"/>
+                      <a:tailEnd type="none" w="med" len="med"/>
+                    </a:lnR>
+                    <a:lnT w="12700" cap="flat" cmpd="sng" algn="ctr">
+                      <a:solidFill>
+                        <a:schemeClr val="tx1"/>
+                      </a:solidFill>
+                      <a:prstDash val="solid"/>
+                      <a:round/>
+                      <a:headEnd type="none" w="med" len="med"/>
+                      <a:tailEnd type="none" w="med" len="med"/>
+                    </a:lnT>
+                    <a:lnB w="12700" cap="flat" cmpd="sng" algn="ctr">
+                      <a:solidFill>
+                        <a:schemeClr val="tx1"/>
+                      </a:solidFill>
+                      <a:prstDash val="solid"/>
+                      <a:round/>
+                      <a:headEnd type="none" w="med" len="med"/>
+                      <a:tailEnd type="none" w="med" len="med"/>
+                    </a:lnB>
+                    <a:solidFill>
+                      <a:schemeClr val="bg1"/>
+                    </a:solidFill>
+                  </a:tcPr>
+                </a:tc>
+                <a:extLst>
+                  <a:ext uri="{0D108BD9-81ED-4DB2-BD59-A6C34878D82A}">
+                    <a16:rowId xmlns:a16="http://schemas.microsoft.com/office/drawing/2014/main" val="2623126643"/>
+                  </a:ext>
+                </a:extLst>
+              </a:tr>
+              <a:tr h="370840">
+                <a:tc>
+                  <a:txBody>
+                    <a:bodyPr/>
+                    <a:lstStyle/>
+                    <a:p>
+                      <a:endParaRPr lang="en-US"/>
+                    </a:p>
+                  </a:txBody>
+                  <a:tcPr>
+                    <a:lnL w="12700" cap="flat" cmpd="sng" algn="ctr">
+                      <a:solidFill>
+                        <a:schemeClr val="tx1"/>
+                      </a:solidFill>
+                      <a:prstDash val="solid"/>
+                      <a:round/>
+                      <a:headEnd type="none" w="med" len="med"/>
+                      <a:tailEnd type="none" w="med" len="med"/>
+                    </a:lnL>
+                    <a:lnR w="12700" cap="flat" cmpd="sng" algn="ctr">
+                      <a:solidFill>
+                        <a:schemeClr val="tx1"/>
+                      </a:solidFill>
+                      <a:prstDash val="solid"/>
+                      <a:round/>
+                      <a:headEnd type="none" w="med" len="med"/>
+                      <a:tailEnd type="none" w="med" len="med"/>
+                    </a:lnR>
+                    <a:lnT w="12700" cap="flat" cmpd="sng" algn="ctr">
+                      <a:solidFill>
+                        <a:schemeClr val="tx1"/>
+                      </a:solidFill>
+                      <a:prstDash val="solid"/>
+                      <a:round/>
+                      <a:headEnd type="none" w="med" len="med"/>
+                      <a:tailEnd type="none" w="med" len="med"/>
+                    </a:lnT>
+                    <a:lnB w="12700" cap="flat" cmpd="sng" algn="ctr">
+                      <a:solidFill>
+                        <a:schemeClr val="tx1"/>
+                      </a:solidFill>
+                      <a:prstDash val="solid"/>
+                      <a:round/>
+                      <a:headEnd type="none" w="med" len="med"/>
+                      <a:tailEnd type="none" w="med" len="med"/>
+                    </a:lnB>
+                    <a:solidFill>
+                      <a:schemeClr val="bg1"/>
+                    </a:solidFill>
+                  </a:tcPr>
+                </a:tc>
+                <a:tc>
+                  <a:txBody>
+                    <a:bodyPr/>
+                    <a:lstStyle/>
+                    <a:p>
+                      <a:endParaRPr lang="en-US"/>
+                    </a:p>
+                  </a:txBody>
+                  <a:tcPr>
+                    <a:lnL w="12700" cap="flat" cmpd="sng" algn="ctr">
+                      <a:solidFill>
+                        <a:schemeClr val="tx1"/>
+                      </a:solidFill>
+                      <a:prstDash val="solid"/>
+                      <a:round/>
+                      <a:headEnd type="none" w="med" len="med"/>
+                      <a:tailEnd type="none" w="med" len="med"/>
+                    </a:lnL>
+                    <a:lnR w="12700" cap="flat" cmpd="sng" algn="ctr">
+                      <a:solidFill>
+                        <a:schemeClr val="tx1"/>
+                      </a:solidFill>
+                      <a:prstDash val="solid"/>
+                      <a:round/>
+                      <a:headEnd type="none" w="med" len="med"/>
+                      <a:tailEnd type="none" w="med" len="med"/>
+                    </a:lnR>
+                    <a:lnT w="12700" cap="flat" cmpd="sng" algn="ctr">
+                      <a:solidFill>
+                        <a:schemeClr val="tx1"/>
+                      </a:solidFill>
+                      <a:prstDash val="solid"/>
+                      <a:round/>
+                      <a:headEnd type="none" w="med" len="med"/>
+                      <a:tailEnd type="none" w="med" len="med"/>
+                    </a:lnT>
+                    <a:lnB w="12700" cap="flat" cmpd="sng" algn="ctr">
+                      <a:solidFill>
+                        <a:schemeClr val="tx1"/>
+                      </a:solidFill>
+                      <a:prstDash val="solid"/>
+                      <a:round/>
+                      <a:headEnd type="none" w="med" len="med"/>
+                      <a:tailEnd type="none" w="med" len="med"/>
+                    </a:lnB>
+                    <a:solidFill>
+                      <a:schemeClr val="bg1"/>
+                    </a:solidFill>
+                  </a:tcPr>
+                </a:tc>
+                <a:tc>
+                  <a:txBody>
+                    <a:bodyPr/>
+                    <a:lstStyle/>
+                    <a:p>
+                      <a:endParaRPr lang="en-US"/>
+                    </a:p>
+                  </a:txBody>
+                  <a:tcPr>
+                    <a:lnL w="12700" cap="flat" cmpd="sng" algn="ctr">
+                      <a:solidFill>
+                        <a:schemeClr val="tx1"/>
+                      </a:solidFill>
+                      <a:prstDash val="solid"/>
+                      <a:round/>
+                      <a:headEnd type="none" w="med" len="med"/>
+                      <a:tailEnd type="none" w="med" len="med"/>
+                    </a:lnL>
+                    <a:lnR w="12700" cap="flat" cmpd="sng" algn="ctr">
+                      <a:solidFill>
+                        <a:schemeClr val="tx1"/>
+                      </a:solidFill>
+                      <a:prstDash val="solid"/>
+                      <a:round/>
+                      <a:headEnd type="none" w="med" len="med"/>
+                      <a:tailEnd type="none" w="med" len="med"/>
+                    </a:lnR>
+                    <a:lnT w="12700" cap="flat" cmpd="sng" algn="ctr">
+                      <a:solidFill>
+                        <a:schemeClr val="tx1"/>
+                      </a:solidFill>
+                      <a:prstDash val="solid"/>
+                      <a:round/>
+                      <a:headEnd type="none" w="med" len="med"/>
+                      <a:tailEnd type="none" w="med" len="med"/>
+                    </a:lnT>
+                    <a:lnB w="12700" cap="flat" cmpd="sng" algn="ctr">
+                      <a:solidFill>
+                        <a:schemeClr val="tx1"/>
+                      </a:solidFill>
+                      <a:prstDash val="solid"/>
+                      <a:round/>
+                      <a:headEnd type="none" w="med" len="med"/>
+                      <a:tailEnd type="none" w="med" len="med"/>
+                    </a:lnB>
+                    <a:solidFill>
+                      <a:schemeClr val="bg1"/>
+                    </a:solidFill>
+                  </a:tcPr>
+                </a:tc>
+                <a:tc>
+                  <a:txBody>
+                    <a:bodyPr/>
+                    <a:lstStyle/>
+                    <a:p>
+                      <a:endParaRPr lang="en-US"/>
+                    </a:p>
+                  </a:txBody>
+                  <a:tcPr>
+                    <a:lnL w="12700" cap="flat" cmpd="sng" algn="ctr">
+                      <a:solidFill>
+                        <a:schemeClr val="tx1"/>
+                      </a:solidFill>
+                      <a:prstDash val="solid"/>
+                      <a:round/>
+                      <a:headEnd type="none" w="med" len="med"/>
+                      <a:tailEnd type="none" w="med" len="med"/>
+                    </a:lnL>
+                    <a:lnR w="12700" cap="flat" cmpd="sng" algn="ctr">
+                      <a:solidFill>
+                        <a:schemeClr val="tx1"/>
+                      </a:solidFill>
+                      <a:prstDash val="solid"/>
+                      <a:round/>
+                      <a:headEnd type="none" w="med" len="med"/>
+                      <a:tailEnd type="none" w="med" len="med"/>
+                    </a:lnR>
+                    <a:lnT w="12700" cap="flat" cmpd="sng" algn="ctr">
+                      <a:solidFill>
+                        <a:schemeClr val="tx1"/>
+                      </a:solidFill>
+                      <a:prstDash val="solid"/>
+                      <a:round/>
+                      <a:headEnd type="none" w="med" len="med"/>
+                      <a:tailEnd type="none" w="med" len="med"/>
+                    </a:lnT>
+                    <a:lnB w="12700" cap="flat" cmpd="sng" algn="ctr">
+                      <a:solidFill>
+                        <a:schemeClr val="tx1"/>
+                      </a:solidFill>
+                      <a:prstDash val="solid"/>
+                      <a:round/>
+                      <a:headEnd type="none" w="med" len="med"/>
+                      <a:tailEnd type="none" w="med" len="med"/>
+                    </a:lnB>
+                    <a:solidFill>
+                      <a:schemeClr val="bg1"/>
+                    </a:solidFill>
+                  </a:tcPr>
+                </a:tc>
+                <a:tc>
+                  <a:txBody>
+                    <a:bodyPr/>
+                    <a:lstStyle/>
+                    <a:p>
+                      <a:endParaRPr lang="en-US"/>
+                    </a:p>
+                  </a:txBody>
+                  <a:tcPr>
+                    <a:lnL w="12700" cap="flat" cmpd="sng" algn="ctr">
+                      <a:solidFill>
+                        <a:schemeClr val="tx1"/>
+                      </a:solidFill>
+                      <a:prstDash val="solid"/>
+                      <a:round/>
+                      <a:headEnd type="none" w="med" len="med"/>
+                      <a:tailEnd type="none" w="med" len="med"/>
+                    </a:lnL>
+                    <a:lnR w="12700" cap="flat" cmpd="sng" algn="ctr">
+                      <a:solidFill>
+                        <a:schemeClr val="tx1"/>
+                      </a:solidFill>
+                      <a:prstDash val="solid"/>
+                      <a:round/>
+                      <a:headEnd type="none" w="med" len="med"/>
+                      <a:tailEnd type="none" w="med" len="med"/>
+                    </a:lnR>
+                    <a:lnT w="12700" cap="flat" cmpd="sng" algn="ctr">
+                      <a:solidFill>
+                        <a:schemeClr val="tx1"/>
+                      </a:solidFill>
+                      <a:prstDash val="solid"/>
+                      <a:round/>
+                      <a:headEnd type="none" w="med" len="med"/>
+                      <a:tailEnd type="none" w="med" len="med"/>
+                    </a:lnT>
+                    <a:lnB w="12700" cap="flat" cmpd="sng" algn="ctr">
+                      <a:solidFill>
+                        <a:schemeClr val="tx1"/>
+                      </a:solidFill>
+                      <a:prstDash val="solid"/>
+                      <a:round/>
+                      <a:headEnd type="none" w="med" len="med"/>
+                      <a:tailEnd type="none" w="med" len="med"/>
+                    </a:lnB>
+                    <a:solidFill>
+                      <a:schemeClr val="bg1"/>
+                    </a:solidFill>
+                  </a:tcPr>
+                </a:tc>
+                <a:tc>
+                  <a:txBody>
+                    <a:bodyPr/>
+                    <a:lstStyle/>
+                    <a:p>
+                      <a:endParaRPr lang="en-US"/>
+                    </a:p>
+                  </a:txBody>
+                  <a:tcPr>
+                    <a:lnL w="12700" cap="flat" cmpd="sng" algn="ctr">
+                      <a:solidFill>
+                        <a:schemeClr val="tx1"/>
+                      </a:solidFill>
+                      <a:prstDash val="solid"/>
+                      <a:round/>
+                      <a:headEnd type="none" w="med" len="med"/>
+                      <a:tailEnd type="none" w="med" len="med"/>
+                    </a:lnL>
+                    <a:lnR w="12700" cap="flat" cmpd="sng" algn="ctr">
+                      <a:solidFill>
+                        <a:schemeClr val="tx1"/>
+                      </a:solidFill>
+                      <a:prstDash val="solid"/>
+                      <a:round/>
+                      <a:headEnd type="none" w="med" len="med"/>
+                      <a:tailEnd type="none" w="med" len="med"/>
+                    </a:lnR>
+                    <a:lnT w="12700" cap="flat" cmpd="sng" algn="ctr">
+                      <a:solidFill>
+                        <a:schemeClr val="tx1"/>
+                      </a:solidFill>
+                      <a:prstDash val="solid"/>
+                      <a:round/>
+                      <a:headEnd type="none" w="med" len="med"/>
+                      <a:tailEnd type="none" w="med" len="med"/>
+                    </a:lnT>
+                    <a:lnB w="12700" cap="flat" cmpd="sng" algn="ctr">
+                      <a:solidFill>
+                        <a:schemeClr val="tx1"/>
+                      </a:solidFill>
+                      <a:prstDash val="solid"/>
+                      <a:round/>
+                      <a:headEnd type="none" w="med" len="med"/>
+                      <a:tailEnd type="none" w="med" len="med"/>
+                    </a:lnB>
+                    <a:solidFill>
+                      <a:schemeClr val="bg1"/>
+                    </a:solidFill>
+                  </a:tcPr>
+                </a:tc>
+                <a:extLst>
+                  <a:ext uri="{0D108BD9-81ED-4DB2-BD59-A6C34878D82A}">
+                    <a16:rowId xmlns:a16="http://schemas.microsoft.com/office/drawing/2014/main" val="2910744440"/>
+                  </a:ext>
+                </a:extLst>
+              </a:tr>
+              <a:tr h="370840">
+                <a:tc>
+                  <a:txBody>
+                    <a:bodyPr/>
+                    <a:lstStyle/>
+                    <a:p>
+                      <a:endParaRPr lang="en-US"/>
+                    </a:p>
+                  </a:txBody>
+                  <a:tcPr>
+                    <a:lnL w="12700" cap="flat" cmpd="sng" algn="ctr">
+                      <a:solidFill>
+                        <a:schemeClr val="tx1"/>
+                      </a:solidFill>
+                      <a:prstDash val="solid"/>
+                      <a:round/>
+                      <a:headEnd type="none" w="med" len="med"/>
+                      <a:tailEnd type="none" w="med" len="med"/>
+                    </a:lnL>
+                    <a:lnR w="12700" cap="flat" cmpd="sng" algn="ctr">
+                      <a:solidFill>
+                        <a:schemeClr val="tx1"/>
+                      </a:solidFill>
+                      <a:prstDash val="solid"/>
+                      <a:round/>
+                      <a:headEnd type="none" w="med" len="med"/>
+                      <a:tailEnd type="none" w="med" len="med"/>
+                    </a:lnR>
+                    <a:lnT w="12700" cap="flat" cmpd="sng" algn="ctr">
+                      <a:solidFill>
+                        <a:schemeClr val="tx1"/>
+                      </a:solidFill>
+                      <a:prstDash val="solid"/>
+                      <a:round/>
+                      <a:headEnd type="none" w="med" len="med"/>
+                      <a:tailEnd type="none" w="med" len="med"/>
+                    </a:lnT>
+                    <a:lnB w="12700" cap="flat" cmpd="sng" algn="ctr">
+                      <a:solidFill>
+                        <a:schemeClr val="tx1"/>
+                      </a:solidFill>
+                      <a:prstDash val="solid"/>
+                      <a:round/>
+                      <a:headEnd type="none" w="med" len="med"/>
+                      <a:tailEnd type="none" w="med" len="med"/>
+                    </a:lnB>
+                    <a:solidFill>
+                      <a:schemeClr val="bg1"/>
+                    </a:solidFill>
+                  </a:tcPr>
+                </a:tc>
+                <a:tc>
+                  <a:txBody>
+                    <a:bodyPr/>
+                    <a:lstStyle/>
+                    <a:p>
+                      <a:endParaRPr lang="en-US"/>
+                    </a:p>
+                  </a:txBody>
+                  <a:tcPr>
+                    <a:lnL w="12700" cap="flat" cmpd="sng" algn="ctr">
+                      <a:solidFill>
+                        <a:schemeClr val="tx1"/>
+                      </a:solidFill>
+                      <a:prstDash val="solid"/>
+                      <a:round/>
+                      <a:headEnd type="none" w="med" len="med"/>
+                      <a:tailEnd type="none" w="med" len="med"/>
+                    </a:lnL>
+                    <a:lnR w="12700" cap="flat" cmpd="sng" algn="ctr">
+                      <a:solidFill>
+                        <a:schemeClr val="tx1"/>
+                      </a:solidFill>
+                      <a:prstDash val="solid"/>
+                      <a:round/>
+                      <a:headEnd type="none" w="med" len="med"/>
+                      <a:tailEnd type="none" w="med" len="med"/>
+                    </a:lnR>
+                    <a:lnT w="12700" cap="flat" cmpd="sng" algn="ctr">
+                      <a:solidFill>
+                        <a:schemeClr val="tx1"/>
+                      </a:solidFill>
+                      <a:prstDash val="solid"/>
+                      <a:round/>
+                      <a:headEnd type="none" w="med" len="med"/>
+                      <a:tailEnd type="none" w="med" len="med"/>
+                    </a:lnT>
+                    <a:lnB w="12700" cap="flat" cmpd="sng" algn="ctr">
+                      <a:solidFill>
+                        <a:schemeClr val="tx1"/>
+                      </a:solidFill>
+                      <a:prstDash val="solid"/>
+                      <a:round/>
+                      <a:headEnd type="none" w="med" len="med"/>
+                      <a:tailEnd type="none" w="med" len="med"/>
+                    </a:lnB>
+                    <a:solidFill>
+                      <a:schemeClr val="bg1"/>
+                    </a:solidFill>
+                  </a:tcPr>
+                </a:tc>
+                <a:tc>
+                  <a:txBody>
+                    <a:bodyPr/>
+                    <a:lstStyle/>
+                    <a:p>
+                      <a:endParaRPr lang="en-US" dirty="0"/>
+                    </a:p>
+                  </a:txBody>
+                  <a:tcPr>
+                    <a:lnL w="12700" cap="flat" cmpd="sng" algn="ctr">
+                      <a:solidFill>
+                        <a:schemeClr val="tx1"/>
+                      </a:solidFill>
+                      <a:prstDash val="solid"/>
+                      <a:round/>
+                      <a:headEnd type="none" w="med" len="med"/>
+                      <a:tailEnd type="none" w="med" len="med"/>
+                    </a:lnL>
+                    <a:lnR w="12700" cap="flat" cmpd="sng" algn="ctr">
+                      <a:solidFill>
+                        <a:schemeClr val="tx1"/>
+                      </a:solidFill>
+                      <a:prstDash val="solid"/>
+                      <a:round/>
+                      <a:headEnd type="none" w="med" len="med"/>
+                      <a:tailEnd type="none" w="med" len="med"/>
+                    </a:lnR>
+                    <a:lnT w="12700" cap="flat" cmpd="sng" algn="ctr">
+                      <a:solidFill>
+                        <a:schemeClr val="tx1"/>
+                      </a:solidFill>
+                      <a:prstDash val="solid"/>
+                      <a:round/>
+                      <a:headEnd type="none" w="med" len="med"/>
+                      <a:tailEnd type="none" w="med" len="med"/>
+                    </a:lnT>
+                    <a:lnB w="12700" cap="flat" cmpd="sng" algn="ctr">
+                      <a:solidFill>
+                        <a:schemeClr val="tx1"/>
+                      </a:solidFill>
+                      <a:prstDash val="solid"/>
+                      <a:round/>
+                      <a:headEnd type="none" w="med" len="med"/>
+                      <a:tailEnd type="none" w="med" len="med"/>
+                    </a:lnB>
+                    <a:solidFill>
+                      <a:schemeClr val="bg1"/>
+                    </a:solidFill>
+                  </a:tcPr>
+                </a:tc>
+                <a:tc>
+                  <a:txBody>
+                    <a:bodyPr/>
+                    <a:lstStyle/>
+                    <a:p>
+                      <a:endParaRPr lang="en-US"/>
+                    </a:p>
+                  </a:txBody>
+                  <a:tcPr>
+                    <a:lnL w="12700" cap="flat" cmpd="sng" algn="ctr">
+                      <a:solidFill>
+                        <a:schemeClr val="tx1"/>
+                      </a:solidFill>
+                      <a:prstDash val="solid"/>
+                      <a:round/>
+                      <a:headEnd type="none" w="med" len="med"/>
+                      <a:tailEnd type="none" w="med" len="med"/>
+                    </a:lnL>
+                    <a:lnR w="12700" cap="flat" cmpd="sng" algn="ctr">
+                      <a:solidFill>
+                        <a:schemeClr val="tx1"/>
+                      </a:solidFill>
+                      <a:prstDash val="solid"/>
+                      <a:round/>
+                      <a:headEnd type="none" w="med" len="med"/>
+                      <a:tailEnd type="none" w="med" len="med"/>
+                    </a:lnR>
+                    <a:lnT w="12700" cap="flat" cmpd="sng" algn="ctr">
+                      <a:solidFill>
+                        <a:schemeClr val="tx1"/>
+                      </a:solidFill>
+                      <a:prstDash val="solid"/>
+                      <a:round/>
+                      <a:headEnd type="none" w="med" len="med"/>
+                      <a:tailEnd type="none" w="med" len="med"/>
+                    </a:lnT>
+                    <a:lnB w="12700" cap="flat" cmpd="sng" algn="ctr">
+                      <a:solidFill>
+                        <a:schemeClr val="tx1"/>
+                      </a:solidFill>
+                      <a:prstDash val="solid"/>
+                      <a:round/>
+                      <a:headEnd type="none" w="med" len="med"/>
+                      <a:tailEnd type="none" w="med" len="med"/>
+                    </a:lnB>
+                    <a:solidFill>
+                      <a:schemeClr val="bg1"/>
+                    </a:solidFill>
+                  </a:tcPr>
+                </a:tc>
+                <a:tc>
+                  <a:txBody>
+                    <a:bodyPr/>
+                    <a:lstStyle/>
+                    <a:p>
+                      <a:endParaRPr lang="en-US"/>
+                    </a:p>
+                  </a:txBody>
+                  <a:tcPr>
+                    <a:lnL w="12700" cap="flat" cmpd="sng" algn="ctr">
+                      <a:solidFill>
+                        <a:schemeClr val="tx1"/>
+                      </a:solidFill>
+                      <a:prstDash val="solid"/>
+                      <a:round/>
+                      <a:headEnd type="none" w="med" len="med"/>
+                      <a:tailEnd type="none" w="med" len="med"/>
+                    </a:lnL>
+                    <a:lnR w="12700" cap="flat" cmpd="sng" algn="ctr">
+                      <a:solidFill>
+                        <a:schemeClr val="tx1"/>
+                      </a:solidFill>
+                      <a:prstDash val="solid"/>
+                      <a:round/>
+                      <a:headEnd type="none" w="med" len="med"/>
+                      <a:tailEnd type="none" w="med" len="med"/>
+                    </a:lnR>
+                    <a:lnT w="12700" cap="flat" cmpd="sng" algn="ctr">
+                      <a:solidFill>
+                        <a:schemeClr val="tx1"/>
+                      </a:solidFill>
+                      <a:prstDash val="solid"/>
+                      <a:round/>
+                      <a:headEnd type="none" w="med" len="med"/>
+                      <a:tailEnd type="none" w="med" len="med"/>
+                    </a:lnT>
+                    <a:lnB w="12700" cap="flat" cmpd="sng" algn="ctr">
+                      <a:solidFill>
+                        <a:schemeClr val="tx1"/>
+                      </a:solidFill>
+                      <a:prstDash val="solid"/>
+                      <a:round/>
+                      <a:headEnd type="none" w="med" len="med"/>
+                      <a:tailEnd type="none" w="med" len="med"/>
+                    </a:lnB>
+                    <a:solidFill>
+                      <a:schemeClr val="bg1"/>
+                    </a:solidFill>
+                  </a:tcPr>
+                </a:tc>
+                <a:tc>
+                  <a:txBody>
+                    <a:bodyPr/>
+                    <a:lstStyle/>
+                    <a:p>
+                      <a:endParaRPr lang="en-US"/>
+                    </a:p>
+                  </a:txBody>
+                  <a:tcPr>
+                    <a:lnL w="12700" cap="flat" cmpd="sng" algn="ctr">
+                      <a:solidFill>
+                        <a:schemeClr val="tx1"/>
+                      </a:solidFill>
+                      <a:prstDash val="solid"/>
+                      <a:round/>
+                      <a:headEnd type="none" w="med" len="med"/>
+                      <a:tailEnd type="none" w="med" len="med"/>
+                    </a:lnL>
+                    <a:lnR w="12700" cap="flat" cmpd="sng" algn="ctr">
+                      <a:solidFill>
+                        <a:schemeClr val="tx1"/>
+                      </a:solidFill>
+                      <a:prstDash val="solid"/>
+                      <a:round/>
+                      <a:headEnd type="none" w="med" len="med"/>
+                      <a:tailEnd type="none" w="med" len="med"/>
+                    </a:lnR>
+                    <a:lnT w="12700" cap="flat" cmpd="sng" algn="ctr">
+                      <a:solidFill>
+                        <a:schemeClr val="tx1"/>
+                      </a:solidFill>
+                      <a:prstDash val="solid"/>
+                      <a:round/>
+                      <a:headEnd type="none" w="med" len="med"/>
+                      <a:tailEnd type="none" w="med" len="med"/>
+                    </a:lnT>
+                    <a:lnB w="12700" cap="flat" cmpd="sng" algn="ctr">
+                      <a:solidFill>
+                        <a:schemeClr val="tx1"/>
+                      </a:solidFill>
+                      <a:prstDash val="solid"/>
+                      <a:round/>
+                      <a:headEnd type="none" w="med" len="med"/>
+                      <a:tailEnd type="none" w="med" len="med"/>
+                    </a:lnB>
+                    <a:solidFill>
+                      <a:schemeClr val="bg1"/>
+                    </a:solidFill>
+                  </a:tcPr>
+                </a:tc>
+                <a:extLst>
+                  <a:ext uri="{0D108BD9-81ED-4DB2-BD59-A6C34878D82A}">
+                    <a16:rowId xmlns:a16="http://schemas.microsoft.com/office/drawing/2014/main" val="4150467446"/>
+                  </a:ext>
+                </a:extLst>
+              </a:tr>
+              <a:tr h="370840">
+                <a:tc>
+                  <a:txBody>
+                    <a:bodyPr/>
+                    <a:lstStyle/>
+                    <a:p>
+                      <a:endParaRPr lang="en-US"/>
+                    </a:p>
+                  </a:txBody>
+                  <a:tcPr>
+                    <a:lnL w="12700" cap="flat" cmpd="sng" algn="ctr">
+                      <a:solidFill>
+                        <a:schemeClr val="tx1"/>
+                      </a:solidFill>
+                      <a:prstDash val="solid"/>
+                      <a:round/>
+                      <a:headEnd type="none" w="med" len="med"/>
+                      <a:tailEnd type="none" w="med" len="med"/>
+                    </a:lnL>
+                    <a:lnR w="12700" cap="flat" cmpd="sng" algn="ctr">
+                      <a:solidFill>
+                        <a:schemeClr val="tx1"/>
+                      </a:solidFill>
+                      <a:prstDash val="solid"/>
+                      <a:round/>
+                      <a:headEnd type="none" w="med" len="med"/>
+                      <a:tailEnd type="none" w="med" len="med"/>
+                    </a:lnR>
+                    <a:lnT w="12700" cap="flat" cmpd="sng" algn="ctr">
+                      <a:solidFill>
+                        <a:schemeClr val="tx1"/>
+                      </a:solidFill>
+                      <a:prstDash val="solid"/>
+                      <a:round/>
+                      <a:headEnd type="none" w="med" len="med"/>
+                      <a:tailEnd type="none" w="med" len="med"/>
+                    </a:lnT>
+                    <a:lnB w="12700" cap="flat" cmpd="sng" algn="ctr">
+                      <a:solidFill>
+                        <a:schemeClr val="tx1"/>
+                      </a:solidFill>
+                      <a:prstDash val="solid"/>
+                      <a:round/>
+                      <a:headEnd type="none" w="med" len="med"/>
+                      <a:tailEnd type="none" w="med" len="med"/>
+                    </a:lnB>
+                    <a:solidFill>
+                      <a:schemeClr val="bg1"/>
+                    </a:solidFill>
+                  </a:tcPr>
+                </a:tc>
+                <a:tc>
+                  <a:txBody>
+                    <a:bodyPr/>
+                    <a:lstStyle/>
+                    <a:p>
+                      <a:endParaRPr lang="en-US"/>
+                    </a:p>
+                  </a:txBody>
+                  <a:tcPr>
+                    <a:lnL w="12700" cap="flat" cmpd="sng" algn="ctr">
+                      <a:solidFill>
+                        <a:schemeClr val="tx1"/>
+                      </a:solidFill>
+                      <a:prstDash val="solid"/>
+                      <a:round/>
+                      <a:headEnd type="none" w="med" len="med"/>
+                      <a:tailEnd type="none" w="med" len="med"/>
+                    </a:lnL>
+                    <a:lnR w="12700" cap="flat" cmpd="sng" algn="ctr">
+                      <a:solidFill>
+                        <a:schemeClr val="tx1"/>
+                      </a:solidFill>
+                      <a:prstDash val="solid"/>
+                      <a:round/>
+                      <a:headEnd type="none" w="med" len="med"/>
+                      <a:tailEnd type="none" w="med" len="med"/>
+                    </a:lnR>
+                    <a:lnT w="12700" cap="flat" cmpd="sng" algn="ctr">
+                      <a:solidFill>
+                        <a:schemeClr val="tx1"/>
+                      </a:solidFill>
+                      <a:prstDash val="solid"/>
+                      <a:round/>
+                      <a:headEnd type="none" w="med" len="med"/>
+                      <a:tailEnd type="none" w="med" len="med"/>
+                    </a:lnT>
+                    <a:lnB w="12700" cap="flat" cmpd="sng" algn="ctr">
+                      <a:solidFill>
+                        <a:schemeClr val="tx1"/>
+                      </a:solidFill>
+                      <a:prstDash val="solid"/>
+                      <a:round/>
+                      <a:headEnd type="none" w="med" len="med"/>
+                      <a:tailEnd type="none" w="med" len="med"/>
+                    </a:lnB>
+                    <a:solidFill>
+                      <a:schemeClr val="bg1"/>
+                    </a:solidFill>
+                  </a:tcPr>
+                </a:tc>
+                <a:tc>
+                  <a:txBody>
+                    <a:bodyPr/>
+                    <a:lstStyle/>
+                    <a:p>
+                      <a:endParaRPr lang="en-US"/>
+                    </a:p>
+                  </a:txBody>
+                  <a:tcPr>
+                    <a:lnL w="12700" cap="flat" cmpd="sng" algn="ctr">
+                      <a:solidFill>
+                        <a:schemeClr val="tx1"/>
+                      </a:solidFill>
+                      <a:prstDash val="solid"/>
+                      <a:round/>
+                      <a:headEnd type="none" w="med" len="med"/>
+                      <a:tailEnd type="none" w="med" len="med"/>
+                    </a:lnL>
+                    <a:lnR w="12700" cap="flat" cmpd="sng" algn="ctr">
+                      <a:solidFill>
+                        <a:schemeClr val="tx1"/>
+                      </a:solidFill>
+                      <a:prstDash val="solid"/>
+                      <a:round/>
+                      <a:headEnd type="none" w="med" len="med"/>
+                      <a:tailEnd type="none" w="med" len="med"/>
+                    </a:lnR>
+                    <a:lnT w="12700" cap="flat" cmpd="sng" algn="ctr">
+                      <a:solidFill>
+                        <a:schemeClr val="tx1"/>
+                      </a:solidFill>
+                      <a:prstDash val="solid"/>
+                      <a:round/>
+                      <a:headEnd type="none" w="med" len="med"/>
+                      <a:tailEnd type="none" w="med" len="med"/>
+                    </a:lnT>
+                    <a:lnB w="12700" cap="flat" cmpd="sng" algn="ctr">
+                      <a:solidFill>
+                        <a:schemeClr val="tx1"/>
+                      </a:solidFill>
+                      <a:prstDash val="solid"/>
+                      <a:round/>
+                      <a:headEnd type="none" w="med" len="med"/>
+                      <a:tailEnd type="none" w="med" len="med"/>
+                    </a:lnB>
+                    <a:solidFill>
+                      <a:schemeClr val="bg1"/>
+                    </a:solidFill>
+                  </a:tcPr>
+                </a:tc>
+                <a:tc>
+                  <a:txBody>
+                    <a:bodyPr/>
+                    <a:lstStyle/>
+                    <a:p>
+                      <a:endParaRPr lang="en-US"/>
+                    </a:p>
+                  </a:txBody>
+                  <a:tcPr>
+                    <a:lnL w="12700" cap="flat" cmpd="sng" algn="ctr">
+                      <a:solidFill>
+                        <a:schemeClr val="tx1"/>
+                      </a:solidFill>
+                      <a:prstDash val="solid"/>
+                      <a:round/>
+                      <a:headEnd type="none" w="med" len="med"/>
+                      <a:tailEnd type="none" w="med" len="med"/>
+                    </a:lnL>
+                    <a:lnR w="12700" cap="flat" cmpd="sng" algn="ctr">
+                      <a:solidFill>
+                        <a:schemeClr val="tx1"/>
+                      </a:solidFill>
+                      <a:prstDash val="solid"/>
+                      <a:round/>
+                      <a:headEnd type="none" w="med" len="med"/>
+                      <a:tailEnd type="none" w="med" len="med"/>
+                    </a:lnR>
+                    <a:lnT w="12700" cap="flat" cmpd="sng" algn="ctr">
+                      <a:solidFill>
+                        <a:schemeClr val="tx1"/>
+                      </a:solidFill>
+                      <a:prstDash val="solid"/>
+                      <a:round/>
+                      <a:headEnd type="none" w="med" len="med"/>
+                      <a:tailEnd type="none" w="med" len="med"/>
+                    </a:lnT>
+                    <a:lnB w="12700" cap="flat" cmpd="sng" algn="ctr">
+                      <a:solidFill>
+                        <a:schemeClr val="tx1"/>
+                      </a:solidFill>
+                      <a:prstDash val="solid"/>
+                      <a:round/>
+                      <a:headEnd type="none" w="med" len="med"/>
+                      <a:tailEnd type="none" w="med" len="med"/>
+                    </a:lnB>
+                    <a:solidFill>
+                      <a:schemeClr val="bg1"/>
+                    </a:solidFill>
+                  </a:tcPr>
+                </a:tc>
+                <a:tc>
+                  <a:txBody>
+                    <a:bodyPr/>
+                    <a:lstStyle/>
+                    <a:p>
+                      <a:endParaRPr lang="en-US"/>
+                    </a:p>
+                  </a:txBody>
+                  <a:tcPr>
+                    <a:lnL w="12700" cap="flat" cmpd="sng" algn="ctr">
+                      <a:solidFill>
+                        <a:schemeClr val="tx1"/>
+                      </a:solidFill>
+                      <a:prstDash val="solid"/>
+                      <a:round/>
+                      <a:headEnd type="none" w="med" len="med"/>
+                      <a:tailEnd type="none" w="med" len="med"/>
+                    </a:lnL>
+                    <a:lnR w="12700" cap="flat" cmpd="sng" algn="ctr">
+                      <a:solidFill>
+                        <a:schemeClr val="tx1"/>
+                      </a:solidFill>
+                      <a:prstDash val="solid"/>
+                      <a:round/>
+                      <a:headEnd type="none" w="med" len="med"/>
+                      <a:tailEnd type="none" w="med" len="med"/>
+                    </a:lnR>
+                    <a:lnT w="12700" cap="flat" cmpd="sng" algn="ctr">
+                      <a:solidFill>
+                        <a:schemeClr val="tx1"/>
+                      </a:solidFill>
+                      <a:prstDash val="solid"/>
+                      <a:round/>
+                      <a:headEnd type="none" w="med" len="med"/>
+                      <a:tailEnd type="none" w="med" len="med"/>
+                    </a:lnT>
+                    <a:lnB w="12700" cap="flat" cmpd="sng" algn="ctr">
+                      <a:solidFill>
+                        <a:schemeClr val="tx1"/>
+                      </a:solidFill>
+                      <a:prstDash val="solid"/>
+                      <a:round/>
+                      <a:headEnd type="none" w="med" len="med"/>
+                      <a:tailEnd type="none" w="med" len="med"/>
+                    </a:lnB>
+                    <a:solidFill>
+                      <a:schemeClr val="bg1"/>
+                    </a:solidFill>
+                  </a:tcPr>
+                </a:tc>
+                <a:tc>
+                  <a:txBody>
+                    <a:bodyPr/>
+                    <a:lstStyle/>
+                    <a:p>
+                      <a:endParaRPr lang="en-US"/>
+                    </a:p>
+                  </a:txBody>
+                  <a:tcPr>
+                    <a:lnL w="12700" cap="flat" cmpd="sng" algn="ctr">
+                      <a:solidFill>
+                        <a:schemeClr val="tx1"/>
+                      </a:solidFill>
+                      <a:prstDash val="solid"/>
+                      <a:round/>
+                      <a:headEnd type="none" w="med" len="med"/>
+                      <a:tailEnd type="none" w="med" len="med"/>
+                    </a:lnL>
+                    <a:lnR w="12700" cap="flat" cmpd="sng" algn="ctr">
+                      <a:solidFill>
+                        <a:schemeClr val="tx1"/>
+                      </a:solidFill>
+                      <a:prstDash val="solid"/>
+                      <a:round/>
+                      <a:headEnd type="none" w="med" len="med"/>
+                      <a:tailEnd type="none" w="med" len="med"/>
+                    </a:lnR>
+                    <a:lnT w="12700" cap="flat" cmpd="sng" algn="ctr">
+                      <a:solidFill>
+                        <a:schemeClr val="tx1"/>
+                      </a:solidFill>
+                      <a:prstDash val="solid"/>
+                      <a:round/>
+                      <a:headEnd type="none" w="med" len="med"/>
+                      <a:tailEnd type="none" w="med" len="med"/>
+                    </a:lnT>
+                    <a:lnB w="12700" cap="flat" cmpd="sng" algn="ctr">
+                      <a:solidFill>
+                        <a:schemeClr val="tx1"/>
+                      </a:solidFill>
+                      <a:prstDash val="solid"/>
+                      <a:round/>
+                      <a:headEnd type="none" w="med" len="med"/>
+                      <a:tailEnd type="none" w="med" len="med"/>
+                    </a:lnB>
+                    <a:solidFill>
+                      <a:schemeClr val="bg1"/>
+                    </a:solidFill>
+                  </a:tcPr>
+                </a:tc>
+                <a:extLst>
+                  <a:ext uri="{0D108BD9-81ED-4DB2-BD59-A6C34878D82A}">
+                    <a16:rowId xmlns:a16="http://schemas.microsoft.com/office/drawing/2014/main" val="3539243929"/>
+                  </a:ext>
+                </a:extLst>
+              </a:tr>
+              <a:tr h="370840">
+                <a:tc>
+                  <a:txBody>
+                    <a:bodyPr/>
+                    <a:lstStyle/>
+                    <a:p>
+                      <a:endParaRPr lang="en-US"/>
+                    </a:p>
+                  </a:txBody>
+                  <a:tcPr>
+                    <a:lnL w="12700" cap="flat" cmpd="sng" algn="ctr">
+                      <a:solidFill>
+                        <a:schemeClr val="tx1"/>
+                      </a:solidFill>
+                      <a:prstDash val="solid"/>
+                      <a:round/>
+                      <a:headEnd type="none" w="med" len="med"/>
+                      <a:tailEnd type="none" w="med" len="med"/>
+                    </a:lnL>
+                    <a:lnR w="12700" cap="flat" cmpd="sng" algn="ctr">
+                      <a:solidFill>
+                        <a:schemeClr val="tx1"/>
+                      </a:solidFill>
+                      <a:prstDash val="solid"/>
+                      <a:round/>
+                      <a:headEnd type="none" w="med" len="med"/>
+                      <a:tailEnd type="none" w="med" len="med"/>
+                    </a:lnR>
+                    <a:lnT w="12700" cap="flat" cmpd="sng" algn="ctr">
+                      <a:solidFill>
+                        <a:schemeClr val="tx1"/>
+                      </a:solidFill>
+                      <a:prstDash val="solid"/>
+                      <a:round/>
+                      <a:headEnd type="none" w="med" len="med"/>
+                      <a:tailEnd type="none" w="med" len="med"/>
+                    </a:lnT>
+                    <a:lnB w="12700" cap="flat" cmpd="sng" algn="ctr">
+                      <a:solidFill>
+                        <a:schemeClr val="tx1"/>
+                      </a:solidFill>
+                      <a:prstDash val="solid"/>
+                      <a:round/>
+                      <a:headEnd type="none" w="med" len="med"/>
+                      <a:tailEnd type="none" w="med" len="med"/>
+                    </a:lnB>
+                    <a:solidFill>
+                      <a:schemeClr val="bg1"/>
+                    </a:solidFill>
+                  </a:tcPr>
+                </a:tc>
+                <a:tc>
+                  <a:txBody>
+                    <a:bodyPr/>
+                    <a:lstStyle/>
+                    <a:p>
+                      <a:endParaRPr lang="en-US"/>
+                    </a:p>
+                  </a:txBody>
+                  <a:tcPr>
+                    <a:lnL w="12700" cap="flat" cmpd="sng" algn="ctr">
+                      <a:solidFill>
+                        <a:schemeClr val="tx1"/>
+                      </a:solidFill>
+                      <a:prstDash val="solid"/>
+                      <a:round/>
+                      <a:headEnd type="none" w="med" len="med"/>
+                      <a:tailEnd type="none" w="med" len="med"/>
+                    </a:lnL>
+                    <a:lnR w="12700" cap="flat" cmpd="sng" algn="ctr">
+                      <a:solidFill>
+                        <a:schemeClr val="tx1"/>
+                      </a:solidFill>
+                      <a:prstDash val="solid"/>
+                      <a:round/>
+                      <a:headEnd type="none" w="med" len="med"/>
+                      <a:tailEnd type="none" w="med" len="med"/>
+                    </a:lnR>
+                    <a:lnT w="12700" cap="flat" cmpd="sng" algn="ctr">
+                      <a:solidFill>
+                        <a:schemeClr val="tx1"/>
+                      </a:solidFill>
+                      <a:prstDash val="solid"/>
+                      <a:round/>
+                      <a:headEnd type="none" w="med" len="med"/>
+                      <a:tailEnd type="none" w="med" len="med"/>
+                    </a:lnT>
+                    <a:lnB w="12700" cap="flat" cmpd="sng" algn="ctr">
+                      <a:solidFill>
+                        <a:schemeClr val="tx1"/>
+                      </a:solidFill>
+                      <a:prstDash val="solid"/>
+                      <a:round/>
+                      <a:headEnd type="none" w="med" len="med"/>
+                      <a:tailEnd type="none" w="med" len="med"/>
+                    </a:lnB>
+                    <a:solidFill>
+                      <a:schemeClr val="bg1"/>
+                    </a:solidFill>
+                  </a:tcPr>
+                </a:tc>
+                <a:tc>
+                  <a:txBody>
+                    <a:bodyPr/>
+                    <a:lstStyle/>
+                    <a:p>
+                      <a:endParaRPr lang="en-US"/>
+                    </a:p>
+                  </a:txBody>
+                  <a:tcPr>
+                    <a:lnL w="12700" cap="flat" cmpd="sng" algn="ctr">
+                      <a:solidFill>
+                        <a:schemeClr val="tx1"/>
+                      </a:solidFill>
+                      <a:prstDash val="solid"/>
+                      <a:round/>
+                      <a:headEnd type="none" w="med" len="med"/>
+                      <a:tailEnd type="none" w="med" len="med"/>
+                    </a:lnL>
+                    <a:lnR w="12700" cap="flat" cmpd="sng" algn="ctr">
+                      <a:solidFill>
+                        <a:schemeClr val="tx1"/>
+                      </a:solidFill>
+                      <a:prstDash val="solid"/>
+                      <a:round/>
+                      <a:headEnd type="none" w="med" len="med"/>
+                      <a:tailEnd type="none" w="med" len="med"/>
+                    </a:lnR>
+                    <a:lnT w="12700" cap="flat" cmpd="sng" algn="ctr">
+                      <a:solidFill>
+                        <a:schemeClr val="tx1"/>
+                      </a:solidFill>
+                      <a:prstDash val="solid"/>
+                      <a:round/>
+                      <a:headEnd type="none" w="med" len="med"/>
+                      <a:tailEnd type="none" w="med" len="med"/>
+                    </a:lnT>
+                    <a:lnB w="12700" cap="flat" cmpd="sng" algn="ctr">
+                      <a:solidFill>
+                        <a:schemeClr val="tx1"/>
+                      </a:solidFill>
+                      <a:prstDash val="solid"/>
+                      <a:round/>
+                      <a:headEnd type="none" w="med" len="med"/>
+                      <a:tailEnd type="none" w="med" len="med"/>
+                    </a:lnB>
+                    <a:solidFill>
+                      <a:schemeClr val="bg1"/>
+                    </a:solidFill>
+                  </a:tcPr>
+                </a:tc>
+                <a:tc>
+                  <a:txBody>
+                    <a:bodyPr/>
+                    <a:lstStyle/>
+                    <a:p>
+                      <a:endParaRPr lang="en-US"/>
+                    </a:p>
+                  </a:txBody>
+                  <a:tcPr>
+                    <a:lnL w="12700" cap="flat" cmpd="sng" algn="ctr">
+                      <a:solidFill>
+                        <a:schemeClr val="tx1"/>
+                      </a:solidFill>
+                      <a:prstDash val="solid"/>
+                      <a:round/>
+                      <a:headEnd type="none" w="med" len="med"/>
+                      <a:tailEnd type="none" w="med" len="med"/>
+                    </a:lnL>
+                    <a:lnR w="12700" cap="flat" cmpd="sng" algn="ctr">
+                      <a:solidFill>
+                        <a:schemeClr val="tx1"/>
+                      </a:solidFill>
+                      <a:prstDash val="solid"/>
+                      <a:round/>
+                      <a:headEnd type="none" w="med" len="med"/>
+                      <a:tailEnd type="none" w="med" len="med"/>
+                    </a:lnR>
+                    <a:lnT w="12700" cap="flat" cmpd="sng" algn="ctr">
+                      <a:solidFill>
+                        <a:schemeClr val="tx1"/>
+                      </a:solidFill>
+                      <a:prstDash val="solid"/>
+                      <a:round/>
+                      <a:headEnd type="none" w="med" len="med"/>
+                      <a:tailEnd type="none" w="med" len="med"/>
+                    </a:lnT>
+                    <a:lnB w="12700" cap="flat" cmpd="sng" algn="ctr">
+                      <a:solidFill>
+                        <a:schemeClr val="tx1"/>
+                      </a:solidFill>
+                      <a:prstDash val="solid"/>
+                      <a:round/>
+                      <a:headEnd type="none" w="med" len="med"/>
+                      <a:tailEnd type="none" w="med" len="med"/>
+                    </a:lnB>
+                    <a:solidFill>
+                      <a:schemeClr val="bg1"/>
+                    </a:solidFill>
+                  </a:tcPr>
+                </a:tc>
+                <a:tc>
+                  <a:txBody>
+                    <a:bodyPr/>
+                    <a:lstStyle/>
+                    <a:p>
+                      <a:endParaRPr lang="en-US"/>
+                    </a:p>
+                  </a:txBody>
+                  <a:tcPr>
+                    <a:lnL w="12700" cap="flat" cmpd="sng" algn="ctr">
+                      <a:solidFill>
+                        <a:schemeClr val="tx1"/>
+                      </a:solidFill>
+                      <a:prstDash val="solid"/>
+                      <a:round/>
+                      <a:headEnd type="none" w="med" len="med"/>
+                      <a:tailEnd type="none" w="med" len="med"/>
+                    </a:lnL>
+                    <a:lnR w="12700" cap="flat" cmpd="sng" algn="ctr">
+                      <a:solidFill>
+                        <a:schemeClr val="tx1"/>
+                      </a:solidFill>
+                      <a:prstDash val="solid"/>
+                      <a:round/>
+                      <a:headEnd type="none" w="med" len="med"/>
+                      <a:tailEnd type="none" w="med" len="med"/>
+                    </a:lnR>
+                    <a:lnT w="12700" cap="flat" cmpd="sng" algn="ctr">
+                      <a:solidFill>
+                        <a:schemeClr val="tx1"/>
+                      </a:solidFill>
+                      <a:prstDash val="solid"/>
+                      <a:round/>
+                      <a:headEnd type="none" w="med" len="med"/>
+                      <a:tailEnd type="none" w="med" len="med"/>
+                    </a:lnT>
+                    <a:lnB w="12700" cap="flat" cmpd="sng" algn="ctr">
+                      <a:solidFill>
+                        <a:schemeClr val="tx1"/>
+                      </a:solidFill>
+                      <a:prstDash val="solid"/>
+                      <a:round/>
+                      <a:headEnd type="none" w="med" len="med"/>
+                      <a:tailEnd type="none" w="med" len="med"/>
+                    </a:lnB>
+                    <a:solidFill>
+                      <a:schemeClr val="bg1"/>
+                    </a:solidFill>
+                  </a:tcPr>
+                </a:tc>
+                <a:tc>
+                  <a:txBody>
+                    <a:bodyPr/>
+                    <a:lstStyle/>
+                    <a:p>
+                      <a:endParaRPr lang="en-US"/>
+                    </a:p>
+                  </a:txBody>
+                  <a:tcPr>
+                    <a:lnL w="12700" cap="flat" cmpd="sng" algn="ctr">
+                      <a:solidFill>
+                        <a:schemeClr val="tx1"/>
+                      </a:solidFill>
+                      <a:prstDash val="solid"/>
+                      <a:round/>
+                      <a:headEnd type="none" w="med" len="med"/>
+                      <a:tailEnd type="none" w="med" len="med"/>
+                    </a:lnL>
+                    <a:lnR w="12700" cap="flat" cmpd="sng" algn="ctr">
+                      <a:solidFill>
+                        <a:schemeClr val="tx1"/>
+                      </a:solidFill>
+                      <a:prstDash val="solid"/>
+                      <a:round/>
+                      <a:headEnd type="none" w="med" len="med"/>
+                      <a:tailEnd type="none" w="med" len="med"/>
+                    </a:lnR>
+                    <a:lnT w="12700" cap="flat" cmpd="sng" algn="ctr">
+                      <a:solidFill>
+                        <a:schemeClr val="tx1"/>
+                      </a:solidFill>
+                      <a:prstDash val="solid"/>
+                      <a:round/>
+                      <a:headEnd type="none" w="med" len="med"/>
+                      <a:tailEnd type="none" w="med" len="med"/>
+                    </a:lnT>
+                    <a:lnB w="12700" cap="flat" cmpd="sng" algn="ctr">
+                      <a:solidFill>
+                        <a:schemeClr val="tx1"/>
+                      </a:solidFill>
+                      <a:prstDash val="solid"/>
+                      <a:round/>
+                      <a:headEnd type="none" w="med" len="med"/>
+                      <a:tailEnd type="none" w="med" len="med"/>
+                    </a:lnB>
+                    <a:solidFill>
+                      <a:schemeClr val="bg1"/>
+                    </a:solidFill>
+                  </a:tcPr>
+                </a:tc>
+                <a:extLst>
+                  <a:ext uri="{0D108BD9-81ED-4DB2-BD59-A6C34878D82A}">
+                    <a16:rowId xmlns:a16="http://schemas.microsoft.com/office/drawing/2014/main" val="3450266458"/>
+                  </a:ext>
+                </a:extLst>
+              </a:tr>
+              <a:tr h="370840">
+                <a:tc>
+                  <a:txBody>
+                    <a:bodyPr/>
+                    <a:lstStyle/>
+                    <a:p>
+                      <a:endParaRPr lang="en-US"/>
+                    </a:p>
+                  </a:txBody>
+                  <a:tcPr>
+                    <a:lnL w="12700" cap="flat" cmpd="sng" algn="ctr">
+                      <a:solidFill>
+                        <a:schemeClr val="tx1"/>
+                      </a:solidFill>
+                      <a:prstDash val="solid"/>
+                      <a:round/>
+                      <a:headEnd type="none" w="med" len="med"/>
+                      <a:tailEnd type="none" w="med" len="med"/>
+                    </a:lnL>
+                    <a:lnR w="12700" cap="flat" cmpd="sng" algn="ctr">
+                      <a:solidFill>
+                        <a:schemeClr val="tx1"/>
+                      </a:solidFill>
+                      <a:prstDash val="solid"/>
+                      <a:round/>
+                      <a:headEnd type="none" w="med" len="med"/>
+                      <a:tailEnd type="none" w="med" len="med"/>
+                    </a:lnR>
+                    <a:lnT w="12700" cap="flat" cmpd="sng" algn="ctr">
+                      <a:solidFill>
+                        <a:schemeClr val="tx1"/>
+                      </a:solidFill>
+                      <a:prstDash val="solid"/>
+                      <a:round/>
+                      <a:headEnd type="none" w="med" len="med"/>
+                      <a:tailEnd type="none" w="med" len="med"/>
+                    </a:lnT>
+                    <a:lnB w="12700" cap="flat" cmpd="sng" algn="ctr">
+                      <a:solidFill>
+                        <a:schemeClr val="tx1"/>
+                      </a:solidFill>
+                      <a:prstDash val="solid"/>
+                      <a:round/>
+                      <a:headEnd type="none" w="med" len="med"/>
+                      <a:tailEnd type="none" w="med" len="med"/>
+                    </a:lnB>
+                    <a:solidFill>
+                      <a:schemeClr val="bg1"/>
+                    </a:solidFill>
+                  </a:tcPr>
+                </a:tc>
+                <a:tc>
+                  <a:txBody>
+                    <a:bodyPr/>
+                    <a:lstStyle/>
+                    <a:p>
+                      <a:endParaRPr lang="en-US"/>
+                    </a:p>
+                  </a:txBody>
+                  <a:tcPr>
+                    <a:lnL w="12700" cap="flat" cmpd="sng" algn="ctr">
+                      <a:solidFill>
+                        <a:schemeClr val="tx1"/>
+                      </a:solidFill>
+                      <a:prstDash val="solid"/>
+                      <a:round/>
+                      <a:headEnd type="none" w="med" len="med"/>
+                      <a:tailEnd type="none" w="med" len="med"/>
+                    </a:lnL>
+                    <a:lnR w="12700" cap="flat" cmpd="sng" algn="ctr">
+                      <a:solidFill>
+                        <a:schemeClr val="tx1"/>
+                      </a:solidFill>
+                      <a:prstDash val="solid"/>
+                      <a:round/>
+                      <a:headEnd type="none" w="med" len="med"/>
+                      <a:tailEnd type="none" w="med" len="med"/>
+                    </a:lnR>
+                    <a:lnT w="12700" cap="flat" cmpd="sng" algn="ctr">
+                      <a:solidFill>
+                        <a:schemeClr val="tx1"/>
+                      </a:solidFill>
+                      <a:prstDash val="solid"/>
+                      <a:round/>
+                      <a:headEnd type="none" w="med" len="med"/>
+                      <a:tailEnd type="none" w="med" len="med"/>
+                    </a:lnT>
+                    <a:lnB w="12700" cap="flat" cmpd="sng" algn="ctr">
+                      <a:solidFill>
+                        <a:schemeClr val="tx1"/>
+                      </a:solidFill>
+                      <a:prstDash val="solid"/>
+                      <a:round/>
+                      <a:headEnd type="none" w="med" len="med"/>
+                      <a:tailEnd type="none" w="med" len="med"/>
+                    </a:lnB>
+                    <a:solidFill>
+                      <a:schemeClr val="bg1"/>
+                    </a:solidFill>
+                  </a:tcPr>
+                </a:tc>
+                <a:tc>
+                  <a:txBody>
+                    <a:bodyPr/>
+                    <a:lstStyle/>
+                    <a:p>
+                      <a:endParaRPr lang="en-US"/>
+                    </a:p>
+                  </a:txBody>
+                  <a:tcPr>
+                    <a:lnL w="12700" cap="flat" cmpd="sng" algn="ctr">
+                      <a:solidFill>
+                        <a:schemeClr val="tx1"/>
+                      </a:solidFill>
+                      <a:prstDash val="solid"/>
+                      <a:round/>
+                      <a:headEnd type="none" w="med" len="med"/>
+                      <a:tailEnd type="none" w="med" len="med"/>
+                    </a:lnL>
+                    <a:lnR w="12700" cap="flat" cmpd="sng" algn="ctr">
+                      <a:solidFill>
+                        <a:schemeClr val="tx1"/>
+                      </a:solidFill>
+                      <a:prstDash val="solid"/>
+                      <a:round/>
+                      <a:headEnd type="none" w="med" len="med"/>
+                      <a:tailEnd type="none" w="med" len="med"/>
+                    </a:lnR>
+                    <a:lnT w="12700" cap="flat" cmpd="sng" algn="ctr">
+                      <a:solidFill>
+                        <a:schemeClr val="tx1"/>
+                      </a:solidFill>
+                      <a:prstDash val="solid"/>
+                      <a:round/>
+                      <a:headEnd type="none" w="med" len="med"/>
+                      <a:tailEnd type="none" w="med" len="med"/>
+                    </a:lnT>
+                    <a:lnB w="12700" cap="flat" cmpd="sng" algn="ctr">
+                      <a:solidFill>
+                        <a:schemeClr val="tx1"/>
+                      </a:solidFill>
+                      <a:prstDash val="solid"/>
+                      <a:round/>
+                      <a:headEnd type="none" w="med" len="med"/>
+                      <a:tailEnd type="none" w="med" len="med"/>
+                    </a:lnB>
+                    <a:solidFill>
+                      <a:schemeClr val="bg1"/>
+                    </a:solidFill>
+                  </a:tcPr>
+                </a:tc>
+                <a:tc>
+                  <a:txBody>
+                    <a:bodyPr/>
+                    <a:lstStyle/>
+                    <a:p>
+                      <a:endParaRPr lang="en-US"/>
+                    </a:p>
+                  </a:txBody>
+                  <a:tcPr>
+                    <a:lnL w="12700" cap="flat" cmpd="sng" algn="ctr">
+                      <a:solidFill>
+                        <a:schemeClr val="tx1"/>
+                      </a:solidFill>
+                      <a:prstDash val="solid"/>
+                      <a:round/>
+                      <a:headEnd type="none" w="med" len="med"/>
+                      <a:tailEnd type="none" w="med" len="med"/>
+                    </a:lnL>
+                    <a:lnR w="12700" cap="flat" cmpd="sng" algn="ctr">
+                      <a:solidFill>
+                        <a:schemeClr val="tx1"/>
+                      </a:solidFill>
+                      <a:prstDash val="solid"/>
+                      <a:round/>
+                      <a:headEnd type="none" w="med" len="med"/>
+                      <a:tailEnd type="none" w="med" len="med"/>
+                    </a:lnR>
+                    <a:lnT w="12700" cap="flat" cmpd="sng" algn="ctr">
+                      <a:solidFill>
+                        <a:schemeClr val="tx1"/>
+                      </a:solidFill>
+                      <a:prstDash val="solid"/>
+                      <a:round/>
+                      <a:headEnd type="none" w="med" len="med"/>
+                      <a:tailEnd type="none" w="med" len="med"/>
+                    </a:lnT>
+                    <a:lnB w="12700" cap="flat" cmpd="sng" algn="ctr">
+                      <a:solidFill>
+                        <a:schemeClr val="tx1"/>
+                      </a:solidFill>
+                      <a:prstDash val="solid"/>
+                      <a:round/>
+                      <a:headEnd type="none" w="med" len="med"/>
+                      <a:tailEnd type="none" w="med" len="med"/>
+                    </a:lnB>
+                    <a:solidFill>
+                      <a:schemeClr val="bg1"/>
+                    </a:solidFill>
+                  </a:tcPr>
+                </a:tc>
+                <a:tc>
+                  <a:txBody>
+                    <a:bodyPr/>
+                    <a:lstStyle/>
+                    <a:p>
+                      <a:endParaRPr lang="en-US"/>
+                    </a:p>
+                  </a:txBody>
+                  <a:tcPr>
+                    <a:lnL w="12700" cap="flat" cmpd="sng" algn="ctr">
+                      <a:solidFill>
+                        <a:schemeClr val="tx1"/>
+                      </a:solidFill>
+                      <a:prstDash val="solid"/>
+                      <a:round/>
+                      <a:headEnd type="none" w="med" len="med"/>
+                      <a:tailEnd type="none" w="med" len="med"/>
+                    </a:lnL>
+                    <a:lnR w="12700" cap="flat" cmpd="sng" algn="ctr">
+                      <a:solidFill>
+                        <a:schemeClr val="tx1"/>
+                      </a:solidFill>
+                      <a:prstDash val="solid"/>
+                      <a:round/>
+                      <a:headEnd type="none" w="med" len="med"/>
+                      <a:tailEnd type="none" w="med" len="med"/>
+                    </a:lnR>
+                    <a:lnT w="12700" cap="flat" cmpd="sng" algn="ctr">
+                      <a:solidFill>
+                        <a:schemeClr val="tx1"/>
+                      </a:solidFill>
+                      <a:prstDash val="solid"/>
+                      <a:round/>
+                      <a:headEnd type="none" w="med" len="med"/>
+                      <a:tailEnd type="none" w="med" len="med"/>
+                    </a:lnT>
+                    <a:lnB w="12700" cap="flat" cmpd="sng" algn="ctr">
+                      <a:solidFill>
+                        <a:schemeClr val="tx1"/>
+                      </a:solidFill>
+                      <a:prstDash val="solid"/>
+                      <a:round/>
+                      <a:headEnd type="none" w="med" len="med"/>
+                      <a:tailEnd type="none" w="med" len="med"/>
+                    </a:lnB>
+                    <a:solidFill>
+                      <a:schemeClr val="bg1"/>
+                    </a:solidFill>
+                  </a:tcPr>
+                </a:tc>
+                <a:tc>
+                  <a:txBody>
+                    <a:bodyPr/>
+                    <a:lstStyle/>
+                    <a:p>
+                      <a:endParaRPr lang="en-US" dirty="0"/>
+                    </a:p>
+                  </a:txBody>
+                  <a:tcPr>
+                    <a:lnL w="12700" cap="flat" cmpd="sng" algn="ctr">
+                      <a:solidFill>
+                        <a:schemeClr val="tx1"/>
+                      </a:solidFill>
+                      <a:prstDash val="solid"/>
+                      <a:round/>
+                      <a:headEnd type="none" w="med" len="med"/>
+                      <a:tailEnd type="none" w="med" len="med"/>
+                    </a:lnL>
+                    <a:lnR w="12700" cap="flat" cmpd="sng" algn="ctr">
+                      <a:solidFill>
+                        <a:schemeClr val="tx1"/>
+                      </a:solidFill>
+                      <a:prstDash val="solid"/>
+                      <a:round/>
+                      <a:headEnd type="none" w="med" len="med"/>
+                      <a:tailEnd type="none" w="med" len="med"/>
+                    </a:lnR>
+                    <a:lnT w="12700" cap="flat" cmpd="sng" algn="ctr">
+                      <a:solidFill>
+                        <a:schemeClr val="tx1"/>
+                      </a:solidFill>
+                      <a:prstDash val="solid"/>
+                      <a:round/>
+                      <a:headEnd type="none" w="med" len="med"/>
+                      <a:tailEnd type="none" w="med" len="med"/>
+                    </a:lnT>
+                    <a:lnB w="12700" cap="flat" cmpd="sng" algn="ctr">
+                      <a:solidFill>
+                        <a:schemeClr val="tx1"/>
+                      </a:solidFill>
+                      <a:prstDash val="solid"/>
+                      <a:round/>
+                      <a:headEnd type="none" w="med" len="med"/>
+                      <a:tailEnd type="none" w="med" len="med"/>
+                    </a:lnB>
+                    <a:solidFill>
+                      <a:schemeClr val="bg1"/>
+                    </a:solidFill>
+                  </a:tcPr>
+                </a:tc>
+                <a:extLst>
+                  <a:ext uri="{0D108BD9-81ED-4DB2-BD59-A6C34878D82A}">
+                    <a16:rowId xmlns:a16="http://schemas.microsoft.com/office/drawing/2014/main" val="2587904329"/>
+                  </a:ext>
+                </a:extLst>
+              </a:tr>
+            </a:tbl>
+          </a:graphicData>
+        </a:graphic>
+      </p:graphicFrame>
     </p:spTree>
     <p:extLst>
       <p:ext uri="{BB962C8B-B14F-4D97-AF65-F5344CB8AC3E}">
-        <p14:creationId xmlns:p14="http://schemas.microsoft.com/office/powerpoint/2010/main" val="3208602946"/>
+        <p14:creationId xmlns:p14="http://schemas.microsoft.com/office/powerpoint/2010/main" val="4285223946"/>
       </p:ext>
     </p:extLst>
   </p:cSld>
@@ -12343,7 +15056,13 @@
   <p:cSld>
     <p:spTree>
       <p:nvGrpSpPr>
-        <p:cNvPr id="1" name=""/>
+        <p:cNvPr id="1" name="">
+          <a:extLst>
+            <a:ext uri="{FF2B5EF4-FFF2-40B4-BE49-F238E27FC236}">
+              <a16:creationId xmlns:a16="http://schemas.microsoft.com/office/drawing/2014/main" id="{C9643B4D-4553-5483-076C-36116EA9D439}"/>
+            </a:ext>
+          </a:extLst>
+        </p:cNvPr>
         <p:cNvGrpSpPr/>
         <p:nvPr/>
       </p:nvGrpSpPr>
@@ -12357,7 +15076,13 @@
       </p:grpSpPr>
       <p:sp>
         <p:nvSpPr>
-          <p:cNvPr id="2" name="Title 1"/>
+          <p:cNvPr id="2" name="Title 1">
+            <a:extLst>
+              <a:ext uri="{FF2B5EF4-FFF2-40B4-BE49-F238E27FC236}">
+                <a16:creationId xmlns:a16="http://schemas.microsoft.com/office/drawing/2014/main" id="{58F70750-9673-9009-1349-B4687EFCB817}"/>
+              </a:ext>
+            </a:extLst>
+          </p:cNvPr>
           <p:cNvSpPr>
             <a:spLocks noGrp="1"/>
           </p:cNvSpPr>
@@ -12371,66 +15096,22 @@
           <a:lstStyle/>
           <a:p>
             <a:r>
-              <a:rPr lang="hr-HR" noProof="0" dirty="0"/>
-              <a:t>Zaključak</a:t>
-            </a:r>
-          </a:p>
-        </p:txBody>
-      </p:sp>
-      <p:sp>
-        <p:nvSpPr>
-          <p:cNvPr id="3" name="Content Placeholder 2"/>
-          <p:cNvSpPr>
-            <a:spLocks noGrp="1"/>
-          </p:cNvSpPr>
-          <p:nvPr>
-            <p:ph idx="1"/>
-          </p:nvPr>
-        </p:nvSpPr>
-        <p:spPr/>
-        <p:txBody>
-          <a:bodyPr/>
-          <a:lstStyle/>
-          <a:p>
-            <a:r>
-              <a:rPr lang="hr-HR" noProof="0" dirty="0"/>
-              <a:t>Naučene lekcije</a:t>
-            </a:r>
-          </a:p>
-          <a:p>
-            <a:pPr lvl="1"/>
-            <a:r>
-              <a:rPr lang="hr-HR" noProof="0" dirty="0"/>
-              <a:t>Što je bilo dobro, a što je moglo bolje</a:t>
-            </a:r>
-          </a:p>
-          <a:p>
-            <a:pPr lvl="1"/>
-            <a:r>
-              <a:rPr lang="hr-HR" noProof="0" dirty="0"/>
-              <a:t>A što se nikako ne bi smjelo ponoviti </a:t>
-            </a:r>
-            <a:r>
-              <a:rPr lang="hr-HR" noProof="0" dirty="0">
-                <a:sym typeface="Wingdings" panose="05000000000000000000" pitchFamily="2" charset="2"/>
-              </a:rPr>
-              <a:t></a:t>
-            </a:r>
-          </a:p>
-          <a:p>
-            <a:pPr lvl="1"/>
-            <a:endParaRPr lang="hr-HR" noProof="0" dirty="0">
-              <a:sym typeface="Wingdings" panose="05000000000000000000" pitchFamily="2" charset="2"/>
-            </a:endParaRPr>
-          </a:p>
-          <a:p>
+              <a:rPr lang="hr-HR" dirty="0"/>
+              <a:t>Vremenski</a:t>
+            </a:r>
             <a:endParaRPr lang="hr-HR" noProof="0" dirty="0"/>
           </a:p>
         </p:txBody>
       </p:sp>
       <p:sp>
         <p:nvSpPr>
-          <p:cNvPr id="4" name="Slide Number Placeholder 3"/>
+          <p:cNvPr id="4" name="Slide Number Placeholder 3">
+            <a:extLst>
+              <a:ext uri="{FF2B5EF4-FFF2-40B4-BE49-F238E27FC236}">
+                <a16:creationId xmlns:a16="http://schemas.microsoft.com/office/drawing/2014/main" id="{BB13D917-85A3-B973-ACD5-17B483BAB8AB}"/>
+              </a:ext>
+            </a:extLst>
+          </p:cNvPr>
           <p:cNvSpPr>
             <a:spLocks noGrp="1"/>
           </p:cNvSpPr>
@@ -12451,10 +15132,100 @@
           </a:p>
         </p:txBody>
       </p:sp>
+      <p:pic>
+        <p:nvPicPr>
+          <p:cNvPr id="2050" name="Picture 2">
+            <a:extLst>
+              <a:ext uri="{FF2B5EF4-FFF2-40B4-BE49-F238E27FC236}">
+                <a16:creationId xmlns:a16="http://schemas.microsoft.com/office/drawing/2014/main" id="{6FB91B6F-C8F7-D8E1-D1FE-7DCE005D69FD}"/>
+              </a:ext>
+            </a:extLst>
+          </p:cNvPr>
+          <p:cNvPicPr>
+            <a:picLocks noChangeAspect="1" noChangeArrowheads="1"/>
+          </p:cNvPicPr>
+          <p:nvPr/>
+        </p:nvPicPr>
+        <p:blipFill rotWithShape="1">
+          <a:blip r:embed="rId2">
+            <a:extLst>
+              <a:ext uri="{28A0092B-C50C-407E-A947-70E740481C1C}">
+                <a14:useLocalDpi xmlns:a14="http://schemas.microsoft.com/office/drawing/2010/main" val="0"/>
+              </a:ext>
+            </a:extLst>
+          </a:blip>
+          <a:srcRect r="61394"/>
+          <a:stretch/>
+        </p:blipFill>
+        <p:spPr bwMode="auto">
+          <a:xfrm>
+            <a:off x="371084" y="1175658"/>
+            <a:ext cx="7451149" cy="2821344"/>
+          </a:xfrm>
+          <a:prstGeom prst="rect">
+            <a:avLst/>
+          </a:prstGeom>
+          <a:noFill/>
+          <a:extLst>
+            <a:ext uri="{909E8E84-426E-40DD-AFC4-6F175D3DCCD1}">
+              <a14:hiddenFill xmlns:a14="http://schemas.microsoft.com/office/drawing/2010/main">
+                <a:solidFill>
+                  <a:srgbClr val="FFFFFF"/>
+                </a:solidFill>
+              </a14:hiddenFill>
+            </a:ext>
+          </a:extLst>
+        </p:spPr>
+      </p:pic>
+      <p:pic>
+        <p:nvPicPr>
+          <p:cNvPr id="2052" name="Picture 4">
+            <a:extLst>
+              <a:ext uri="{FF2B5EF4-FFF2-40B4-BE49-F238E27FC236}">
+                <a16:creationId xmlns:a16="http://schemas.microsoft.com/office/drawing/2014/main" id="{9E36608A-AE5C-CC48-F68F-FE05A96568C7}"/>
+              </a:ext>
+            </a:extLst>
+          </p:cNvPr>
+          <p:cNvPicPr>
+            <a:picLocks noChangeAspect="1" noChangeArrowheads="1"/>
+          </p:cNvPicPr>
+          <p:nvPr/>
+        </p:nvPicPr>
+        <p:blipFill rotWithShape="1">
+          <a:blip r:embed="rId2">
+            <a:extLst>
+              <a:ext uri="{28A0092B-C50C-407E-A947-70E740481C1C}">
+                <a14:useLocalDpi xmlns:a14="http://schemas.microsoft.com/office/drawing/2010/main" val="0"/>
+              </a:ext>
+            </a:extLst>
+          </a:blip>
+          <a:srcRect l="45599"/>
+          <a:stretch/>
+        </p:blipFill>
+        <p:spPr bwMode="auto">
+          <a:xfrm>
+            <a:off x="119684" y="4108277"/>
+            <a:ext cx="8904632" cy="2392761"/>
+          </a:xfrm>
+          <a:prstGeom prst="rect">
+            <a:avLst/>
+          </a:prstGeom>
+          <a:noFill/>
+          <a:extLst>
+            <a:ext uri="{909E8E84-426E-40DD-AFC4-6F175D3DCCD1}">
+              <a14:hiddenFill xmlns:a14="http://schemas.microsoft.com/office/drawing/2010/main">
+                <a:solidFill>
+                  <a:srgbClr val="FFFFFF"/>
+                </a:solidFill>
+              </a14:hiddenFill>
+            </a:ext>
+          </a:extLst>
+        </p:spPr>
+      </p:pic>
     </p:spTree>
     <p:extLst>
       <p:ext uri="{BB962C8B-B14F-4D97-AF65-F5344CB8AC3E}">
-        <p14:creationId xmlns:p14="http://schemas.microsoft.com/office/powerpoint/2010/main" val="48259320"/>
+        <p14:creationId xmlns:p14="http://schemas.microsoft.com/office/powerpoint/2010/main" val="699057175"/>
       </p:ext>
     </p:extLst>
   </p:cSld>
@@ -12483,6 +15254,253 @@
       </p:grpSpPr>
       <p:sp>
         <p:nvSpPr>
+          <p:cNvPr id="2" name="Title 1">
+            <a:extLst>
+              <a:ext uri="{FF2B5EF4-FFF2-40B4-BE49-F238E27FC236}">
+                <a16:creationId xmlns:a16="http://schemas.microsoft.com/office/drawing/2014/main" id="{B2C9CBA8-11D5-D65F-3F83-F59F385AC4BA}"/>
+              </a:ext>
+            </a:extLst>
+          </p:cNvPr>
+          <p:cNvSpPr>
+            <a:spLocks noGrp="1"/>
+          </p:cNvSpPr>
+          <p:nvPr>
+            <p:ph type="title"/>
+          </p:nvPr>
+        </p:nvSpPr>
+        <p:spPr/>
+        <p:txBody>
+          <a:bodyPr/>
+          <a:lstStyle/>
+          <a:p>
+            <a:r>
+              <a:rPr lang="hr-HR" noProof="0" dirty="0"/>
+              <a:t>Demonstracija aplikacije</a:t>
+            </a:r>
+          </a:p>
+        </p:txBody>
+      </p:sp>
+      <p:sp>
+        <p:nvSpPr>
+          <p:cNvPr id="3" name="Content Placeholder 2">
+            <a:extLst>
+              <a:ext uri="{FF2B5EF4-FFF2-40B4-BE49-F238E27FC236}">
+                <a16:creationId xmlns:a16="http://schemas.microsoft.com/office/drawing/2014/main" id="{095ADC07-223F-0954-0AAD-901A9AD8339F}"/>
+              </a:ext>
+            </a:extLst>
+          </p:cNvPr>
+          <p:cNvSpPr>
+            <a:spLocks noGrp="1"/>
+          </p:cNvSpPr>
+          <p:nvPr>
+            <p:ph idx="1"/>
+          </p:nvPr>
+        </p:nvSpPr>
+        <p:spPr/>
+        <p:txBody>
+          <a:bodyPr/>
+          <a:lstStyle/>
+          <a:p>
+            <a:r>
+              <a:rPr lang="hr-HR" dirty="0"/>
+              <a:t>Pokazati ključne funkcionalnosti uživo.</a:t>
+            </a:r>
+          </a:p>
+          <a:p>
+            <a:r>
+              <a:rPr lang="hr-HR" dirty="0"/>
+              <a:t>Fokus na izazove i rješenja (1-2 primjera).</a:t>
+            </a:r>
+          </a:p>
+        </p:txBody>
+      </p:sp>
+      <p:sp>
+        <p:nvSpPr>
+          <p:cNvPr id="4" name="Slide Number Placeholder 3">
+            <a:extLst>
+              <a:ext uri="{FF2B5EF4-FFF2-40B4-BE49-F238E27FC236}">
+                <a16:creationId xmlns:a16="http://schemas.microsoft.com/office/drawing/2014/main" id="{AE76D2D5-F8F8-3548-34C0-61BDD7AAEA8C}"/>
+              </a:ext>
+            </a:extLst>
+          </p:cNvPr>
+          <p:cNvSpPr>
+            <a:spLocks noGrp="1"/>
+          </p:cNvSpPr>
+          <p:nvPr>
+            <p:ph type="sldNum" sz="quarter" idx="12"/>
+          </p:nvPr>
+        </p:nvSpPr>
+        <p:spPr/>
+        <p:txBody>
+          <a:bodyPr/>
+          <a:lstStyle/>
+          <a:p>
+            <a:fld id="{FAA41844-C0CA-4144-9D6C-D993F0C0FAB4}" type="slidenum">
+              <a:rPr lang="hr-HR" smtClean="0"/>
+              <a:t>14</a:t>
+            </a:fld>
+            <a:endParaRPr lang="hr-HR" dirty="0"/>
+          </a:p>
+        </p:txBody>
+      </p:sp>
+    </p:spTree>
+    <p:extLst>
+      <p:ext uri="{BB962C8B-B14F-4D97-AF65-F5344CB8AC3E}">
+        <p14:creationId xmlns:p14="http://schemas.microsoft.com/office/powerpoint/2010/main" val="3208602946"/>
+      </p:ext>
+    </p:extLst>
+  </p:cSld>
+  <p:clrMapOvr>
+    <a:masterClrMapping/>
+  </p:clrMapOvr>
+</p:sld>
+</file>
+
+<file path=ppt/slides/slide15.xml><?xml version="1.0" encoding="utf-8"?>
+<p:sld xmlns:a="http://schemas.openxmlformats.org/drawingml/2006/main" xmlns:r="http://schemas.openxmlformats.org/officeDocument/2006/relationships" xmlns:p="http://schemas.openxmlformats.org/presentationml/2006/main">
+  <p:cSld>
+    <p:spTree>
+      <p:nvGrpSpPr>
+        <p:cNvPr id="1" name=""/>
+        <p:cNvGrpSpPr/>
+        <p:nvPr/>
+      </p:nvGrpSpPr>
+      <p:grpSpPr>
+        <a:xfrm>
+          <a:off x="0" y="0"/>
+          <a:ext cx="0" cy="0"/>
+          <a:chOff x="0" y="0"/>
+          <a:chExt cx="0" cy="0"/>
+        </a:xfrm>
+      </p:grpSpPr>
+      <p:sp>
+        <p:nvSpPr>
+          <p:cNvPr id="2" name="Title 1"/>
+          <p:cNvSpPr>
+            <a:spLocks noGrp="1"/>
+          </p:cNvSpPr>
+          <p:nvPr>
+            <p:ph type="title"/>
+          </p:nvPr>
+        </p:nvSpPr>
+        <p:spPr/>
+        <p:txBody>
+          <a:bodyPr/>
+          <a:lstStyle/>
+          <a:p>
+            <a:r>
+              <a:rPr lang="hr-HR" noProof="0" dirty="0"/>
+              <a:t>Zaključak</a:t>
+            </a:r>
+          </a:p>
+        </p:txBody>
+      </p:sp>
+      <p:sp>
+        <p:nvSpPr>
+          <p:cNvPr id="3" name="Content Placeholder 2"/>
+          <p:cNvSpPr>
+            <a:spLocks noGrp="1"/>
+          </p:cNvSpPr>
+          <p:nvPr>
+            <p:ph idx="1"/>
+          </p:nvPr>
+        </p:nvSpPr>
+        <p:spPr/>
+        <p:txBody>
+          <a:bodyPr/>
+          <a:lstStyle/>
+          <a:p>
+            <a:r>
+              <a:rPr lang="hr-HR" noProof="0" dirty="0"/>
+              <a:t>Naučene lekcije</a:t>
+            </a:r>
+          </a:p>
+          <a:p>
+            <a:pPr lvl="1"/>
+            <a:r>
+              <a:rPr lang="hr-HR" noProof="0" dirty="0"/>
+              <a:t>Što je bilo dobro, a što je moglo bolje</a:t>
+            </a:r>
+          </a:p>
+          <a:p>
+            <a:pPr lvl="1"/>
+            <a:r>
+              <a:rPr lang="hr-HR" noProof="0" dirty="0"/>
+              <a:t>A što se nikako ne bi smjelo ponoviti </a:t>
+            </a:r>
+            <a:r>
+              <a:rPr lang="hr-HR" noProof="0" dirty="0">
+                <a:sym typeface="Wingdings" panose="05000000000000000000" pitchFamily="2" charset="2"/>
+              </a:rPr>
+              <a:t></a:t>
+            </a:r>
+          </a:p>
+          <a:p>
+            <a:pPr lvl="1"/>
+            <a:endParaRPr lang="hr-HR" noProof="0" dirty="0">
+              <a:sym typeface="Wingdings" panose="05000000000000000000" pitchFamily="2" charset="2"/>
+            </a:endParaRPr>
+          </a:p>
+          <a:p>
+            <a:endParaRPr lang="hr-HR" noProof="0" dirty="0"/>
+          </a:p>
+        </p:txBody>
+      </p:sp>
+      <p:sp>
+        <p:nvSpPr>
+          <p:cNvPr id="4" name="Slide Number Placeholder 3"/>
+          <p:cNvSpPr>
+            <a:spLocks noGrp="1"/>
+          </p:cNvSpPr>
+          <p:nvPr>
+            <p:ph type="sldNum" sz="quarter" idx="12"/>
+          </p:nvPr>
+        </p:nvSpPr>
+        <p:spPr/>
+        <p:txBody>
+          <a:bodyPr/>
+          <a:lstStyle/>
+          <a:p>
+            <a:fld id="{FAA41844-C0CA-4144-9D6C-D993F0C0FAB4}" type="slidenum">
+              <a:rPr lang="hr-HR" smtClean="0"/>
+              <a:t>15</a:t>
+            </a:fld>
+            <a:endParaRPr lang="hr-HR" dirty="0"/>
+          </a:p>
+        </p:txBody>
+      </p:sp>
+    </p:spTree>
+    <p:extLst>
+      <p:ext uri="{BB962C8B-B14F-4D97-AF65-F5344CB8AC3E}">
+        <p14:creationId xmlns:p14="http://schemas.microsoft.com/office/powerpoint/2010/main" val="48259320"/>
+      </p:ext>
+    </p:extLst>
+  </p:cSld>
+  <p:clrMapOvr>
+    <a:masterClrMapping/>
+  </p:clrMapOvr>
+</p:sld>
+</file>
+
+<file path=ppt/slides/slide16.xml><?xml version="1.0" encoding="utf-8"?>
+<p:sld xmlns:a="http://schemas.openxmlformats.org/drawingml/2006/main" xmlns:r="http://schemas.openxmlformats.org/officeDocument/2006/relationships" xmlns:p="http://schemas.openxmlformats.org/presentationml/2006/main">
+  <p:cSld>
+    <p:spTree>
+      <p:nvGrpSpPr>
+        <p:cNvPr id="1" name=""/>
+        <p:cNvGrpSpPr/>
+        <p:nvPr/>
+      </p:nvGrpSpPr>
+      <p:grpSpPr>
+        <a:xfrm>
+          <a:off x="0" y="0"/>
+          <a:ext cx="0" cy="0"/>
+          <a:chOff x="0" y="0"/>
+          <a:chExt cx="0" cy="0"/>
+        </a:xfrm>
+      </p:grpSpPr>
+      <p:sp>
+        <p:nvSpPr>
           <p:cNvPr id="2" name="Title 1"/>
           <p:cNvSpPr>
             <a:spLocks noGrp="1"/>
@@ -12602,7 +15620,7 @@
           <a:p>
             <a:fld id="{FAA41844-C0CA-4144-9D6C-D993F0C0FAB4}" type="slidenum">
               <a:rPr lang="hr-HR" smtClean="0"/>
-              <a:t>14</a:t>
+              <a:t>16</a:t>
             </a:fld>
             <a:endParaRPr lang="hr-HR" dirty="0"/>
           </a:p>
@@ -12961,8 +15979,56 @@
           <a:p>
             <a:r>
               <a:rPr lang="hr-HR" noProof="0" dirty="0"/>
-              <a:t>Imena članova i odgovornosti</a:t>
-            </a:r>
+              <a:t>Voditelj</a:t>
+            </a:r>
+          </a:p>
+          <a:p>
+            <a:pPr lvl="1"/>
+            <a:r>
+              <a:rPr lang="hr-HR" dirty="0"/>
+              <a:t>Mario Olčar</a:t>
+            </a:r>
+          </a:p>
+          <a:p>
+            <a:r>
+              <a:rPr lang="hr-HR" noProof="0" dirty="0"/>
+              <a:t>Frontend</a:t>
+            </a:r>
+          </a:p>
+          <a:p>
+            <a:pPr lvl="1"/>
+            <a:r>
+              <a:rPr lang="hr-HR" dirty="0"/>
+              <a:t>Iva Džakula</a:t>
+            </a:r>
+          </a:p>
+          <a:p>
+            <a:pPr lvl="1"/>
+            <a:r>
+              <a:rPr lang="hr-HR" noProof="0" dirty="0"/>
+              <a:t>Josip Curkov</a:t>
+            </a:r>
+          </a:p>
+          <a:p>
+            <a:r>
+              <a:rPr lang="hr-HR" dirty="0"/>
+              <a:t>Backend</a:t>
+            </a:r>
+          </a:p>
+          <a:p>
+            <a:pPr lvl="1"/>
+            <a:r>
+              <a:rPr lang="hr-HR" noProof="0" dirty="0"/>
+              <a:t>Gregor Mihaljević</a:t>
+            </a:r>
+          </a:p>
+          <a:p>
+            <a:pPr lvl="1"/>
+            <a:r>
+              <a:rPr lang="hr-HR" dirty="0"/>
+              <a:t>Tomislav Marenić</a:t>
+            </a:r>
+            <a:endParaRPr lang="hr-HR" noProof="0" dirty="0"/>
           </a:p>
           <a:p>
             <a:pPr marL="0" indent="0">
@@ -13094,27 +16160,66 @@
           <a:p>
             <a:pPr lvl="0"/>
             <a:r>
-              <a:rPr lang="sr-Latn-RS" altLang="sr-Latn-RS" dirty="0"/>
-              <a:t>Ukratko: </a:t>
-            </a:r>
-            <a:r>
               <a:rPr lang="hr-HR" altLang="sr-Latn-RS" b="1" dirty="0"/>
               <a:t>Što aplikacija rješava?</a:t>
             </a:r>
           </a:p>
           <a:p>
+            <a:pPr lvl="1"/>
+            <a:r>
+              <a:rPr lang="hr-HR" altLang="sr-Latn-RS" dirty="0"/>
+              <a:t>Rezervacija terena</a:t>
+            </a:r>
+          </a:p>
+          <a:p>
+            <a:pPr lvl="1"/>
+            <a:r>
+              <a:rPr lang="hr-HR" altLang="sr-Latn-RS" dirty="0"/>
+              <a:t>prijava i orgranizacija turnira</a:t>
+            </a:r>
+          </a:p>
+          <a:p>
+            <a:pPr lvl="1"/>
+            <a:r>
+              <a:rPr lang="hr-HR" altLang="sr-Latn-RS" dirty="0"/>
+              <a:t>upravljanje terena od strane njihovih vlasnika</a:t>
+            </a:r>
+          </a:p>
+          <a:p>
             <a:pPr lvl="0"/>
             <a:r>
+              <a:rPr lang="hr-HR" altLang="sr-Latn-RS" b="1" dirty="0"/>
+              <a:t>Cilj</a:t>
+            </a:r>
+          </a:p>
+          <a:p>
+            <a:pPr lvl="1"/>
+            <a:r>
               <a:rPr lang="hr-HR" altLang="sr-Latn-RS" dirty="0"/>
-              <a:t>Cilj: Glavna svrha i funkcionalnosti aplikacije.</a:t>
+              <a:t>Razviti web-aplikaciju koja će olakšati rezervaciju terena, prijavu i organizaciju turnira za padel</a:t>
             </a:r>
           </a:p>
           <a:p>
             <a:pPr lvl="0"/>
             <a:r>
+              <a:rPr lang="hr-HR" altLang="sr-Latn-RS" dirty="0">
+                <a:highlight>
+                  <a:srgbClr val="FFFF00"/>
+                </a:highlight>
+              </a:rPr>
+              <a:t>Postoji li slično rješenje? Što je Vaša prednost?</a:t>
+            </a:r>
+          </a:p>
+          <a:p>
+            <a:pPr lvl="1"/>
+            <a:r>
               <a:rPr lang="hr-HR" altLang="sr-Latn-RS" dirty="0"/>
-              <a:t>Postoji li slično rješenje? Što je Vaša prednost?</a:t>
-            </a:r>
+              <a:t>Slična rješenja: Playtomic, SportyPlus, MATCHi</a:t>
+            </a:r>
+          </a:p>
+          <a:p>
+            <a:pPr lvl="1"/>
+            <a:endParaRPr lang="hr-HR" altLang="sr-Latn-RS" dirty="0"/>
           </a:p>
         </p:txBody>
       </p:sp>
@@ -13167,7 +16272,7 @@
 </file>
 
 <file path=ppt/slides/slide6.xml><?xml version="1.0" encoding="utf-8"?>
-<p:sld xmlns:a="http://schemas.openxmlformats.org/drawingml/2006/main" xmlns:r="http://schemas.openxmlformats.org/officeDocument/2006/relationships" xmlns:p="http://schemas.openxmlformats.org/presentationml/2006/main">
+<p:sld xmlns:a="http://schemas.openxmlformats.org/drawingml/2006/main" xmlns:r="http://schemas.openxmlformats.org/officeDocument/2006/relationships" xmlns:p="http://schemas.openxmlformats.org/presentationml/2006/main" show="0">
   <p:cSld>
     <p:spTree>
       <p:nvGrpSpPr>
@@ -13199,7 +16304,11 @@
           <a:lstStyle/>
           <a:p>
             <a:r>
-              <a:rPr lang="hr-HR" noProof="0" dirty="0"/>
+              <a:rPr lang="hr-HR" noProof="0" dirty="0">
+                <a:highlight>
+                  <a:srgbClr val="FFFF00"/>
+                </a:highlight>
+              </a:rPr>
               <a:t>Pregled zahtjeva</a:t>
             </a:r>
           </a:p>
@@ -13221,23 +16330,39 @@
           <a:lstStyle/>
           <a:p>
             <a:r>
-              <a:rPr lang="hr-HR" b="1" dirty="0"/>
+              <a:rPr lang="hr-HR" b="1" dirty="0">
+                <a:highlight>
+                  <a:srgbClr val="FFFF00"/>
+                </a:highlight>
+              </a:rPr>
               <a:t>Glavni funkcionalni zahtjevi</a:t>
             </a:r>
             <a:r>
-              <a:rPr lang="hr-HR" noProof="0" dirty="0"/>
+              <a:rPr lang="hr-HR" noProof="0" dirty="0">
+                <a:highlight>
+                  <a:srgbClr val="FFFF00"/>
+                </a:highlight>
+              </a:rPr>
               <a:t> (max. 1 slajd)</a:t>
             </a:r>
           </a:p>
           <a:p>
             <a:r>
-              <a:rPr lang="hr-HR" noProof="0" dirty="0"/>
+              <a:rPr lang="hr-HR" noProof="0" dirty="0">
+                <a:highlight>
+                  <a:srgbClr val="FFFF00"/>
+                </a:highlight>
+              </a:rPr>
               <a:t>Nefunkcionalni i zahtjevi domene primjene (max. 1 slajd)</a:t>
             </a:r>
           </a:p>
           <a:p>
             <a:r>
-              <a:rPr lang="hr-HR" i="1" noProof="0" dirty="0"/>
+              <a:rPr lang="hr-HR" i="1" noProof="0" dirty="0">
+                <a:highlight>
+                  <a:srgbClr val="FFFF00"/>
+                </a:highlight>
+              </a:rPr>
               <a:t>U usmenom izlaganju ukratko raspravite samo o primjerima glavnih izazova i povežite ih sa sljedećim slajdom dijagrama slučajeva upotrebe UML-a!</a:t>
             </a:r>
           </a:p>
@@ -13304,7 +16429,7 @@
           <p:cNvPr id="2" name="Title 1">
             <a:extLst>
               <a:ext uri="{FF2B5EF4-FFF2-40B4-BE49-F238E27FC236}">
-                <a16:creationId xmlns:a16="http://schemas.microsoft.com/office/drawing/2014/main" id="{2D9B194B-73FA-DAD6-728F-E14212BE24C3}"/>
+                <a16:creationId xmlns:a16="http://schemas.microsoft.com/office/drawing/2014/main" id="{85FA2E06-1737-B7F9-B947-86B0B09E82B1}"/>
               </a:ext>
             </a:extLst>
           </p:cNvPr>
@@ -13317,15 +16442,14 @@
         </p:nvSpPr>
         <p:spPr/>
         <p:txBody>
-          <a:bodyPr>
-            <a:normAutofit/>
-          </a:bodyPr>
+          <a:bodyPr/>
           <a:lstStyle/>
           <a:p>
             <a:r>
-              <a:rPr lang="hr-HR" noProof="0" dirty="0"/>
-              <a:t>UML dijagram obrazaca uporabe</a:t>
-            </a:r>
+              <a:rPr lang="hr-HR" dirty="0"/>
+              <a:t>FUnkcionalni zahtjevi</a:t>
+            </a:r>
+            <a:endParaRPr lang="en-US" dirty="0"/>
           </a:p>
         </p:txBody>
       </p:sp>
@@ -13334,7 +16458,7 @@
           <p:cNvPr id="3" name="Content Placeholder 2">
             <a:extLst>
               <a:ext uri="{FF2B5EF4-FFF2-40B4-BE49-F238E27FC236}">
-                <a16:creationId xmlns:a16="http://schemas.microsoft.com/office/drawing/2014/main" id="{C8EE1D33-6016-014F-7976-CC3BF83E4AA5}"/>
+                <a16:creationId xmlns:a16="http://schemas.microsoft.com/office/drawing/2014/main" id="{17086F4A-1F5B-8004-B622-DEB06EA7A0B5}"/>
               </a:ext>
             </a:extLst>
           </p:cNvPr>
@@ -13351,19 +16475,22 @@
           <a:lstStyle/>
           <a:p>
             <a:r>
-              <a:rPr lang="hr-HR" noProof="0" dirty="0"/>
-              <a:t>Dijagram visoke razine koji prikazuje glavne korisnike i njihove interakcije s aplikacijom.</a:t>
-            </a:r>
-          </a:p>
-          <a:p>
-            <a:r>
-              <a:rPr lang="hr-HR" i="1" noProof="0" dirty="0"/>
-              <a:t>Prema potrebi: Sekvencijski dijagram za ključne procese</a:t>
-            </a:r>
-            <a:r>
-              <a:rPr lang="hr-HR" noProof="0" dirty="0"/>
-              <a:t>. </a:t>
-            </a:r>
+              <a:rPr lang="hr-HR" dirty="0"/>
+              <a:t>Registracija korisnika</a:t>
+            </a:r>
+          </a:p>
+          <a:p>
+            <a:r>
+              <a:rPr lang="hr-HR" dirty="0"/>
+              <a:t>Razlikovanje korisnika prema ulogama</a:t>
+            </a:r>
+          </a:p>
+          <a:p>
+            <a:r>
+              <a:rPr lang="hr-HR" dirty="0"/>
+              <a:t>Jednostavno upravljanje rezervacijama i terminima</a:t>
+            </a:r>
+            <a:endParaRPr lang="en-US" dirty="0"/>
           </a:p>
         </p:txBody>
       </p:sp>
@@ -13372,7 +16499,7 @@
           <p:cNvPr id="4" name="Slide Number Placeholder 3">
             <a:extLst>
               <a:ext uri="{FF2B5EF4-FFF2-40B4-BE49-F238E27FC236}">
-                <a16:creationId xmlns:a16="http://schemas.microsoft.com/office/drawing/2014/main" id="{F190CEC8-0F4C-E99E-FC93-F08F526E71E5}"/>
+                <a16:creationId xmlns:a16="http://schemas.microsoft.com/office/drawing/2014/main" id="{C40BA31E-432D-0846-3CD3-1112D000506C}"/>
               </a:ext>
             </a:extLst>
           </p:cNvPr>
@@ -13392,14 +16519,14 @@
               <a:rPr lang="hr-HR" smtClean="0"/>
               <a:t>7</a:t>
             </a:fld>
-            <a:endParaRPr lang="hr-HR" dirty="0"/>
+            <a:endParaRPr lang="hr-HR"/>
           </a:p>
         </p:txBody>
       </p:sp>
     </p:spTree>
     <p:extLst>
       <p:ext uri="{BB962C8B-B14F-4D97-AF65-F5344CB8AC3E}">
-        <p14:creationId xmlns:p14="http://schemas.microsoft.com/office/powerpoint/2010/main" val="4261244465"/>
+        <p14:creationId xmlns:p14="http://schemas.microsoft.com/office/powerpoint/2010/main" val="3450955359"/>
       </p:ext>
     </p:extLst>
   </p:cSld>
@@ -13428,7 +16555,13 @@
       </p:grpSpPr>
       <p:sp>
         <p:nvSpPr>
-          <p:cNvPr id="2" name="Title 1"/>
+          <p:cNvPr id="2" name="Title 1">
+            <a:extLst>
+              <a:ext uri="{FF2B5EF4-FFF2-40B4-BE49-F238E27FC236}">
+                <a16:creationId xmlns:a16="http://schemas.microsoft.com/office/drawing/2014/main" id="{CB8C287E-66C2-308A-4FEA-FC0E7B7527FE}"/>
+              </a:ext>
+            </a:extLst>
+          </p:cNvPr>
           <p:cNvSpPr>
             <a:spLocks noGrp="1"/>
           </p:cNvSpPr>
@@ -13442,15 +16575,22 @@
           <a:lstStyle/>
           <a:p>
             <a:r>
-              <a:rPr lang="hr-HR" noProof="0" dirty="0"/>
-              <a:t>Arhitektura sustava</a:t>
-            </a:r>
-          </a:p>
-        </p:txBody>
-      </p:sp>
-      <p:sp>
-        <p:nvSpPr>
-          <p:cNvPr id="3" name="Content Placeholder 2"/>
+              <a:rPr lang="hr-HR" dirty="0"/>
+              <a:t>Nefunkcionalni zahtjevi</a:t>
+            </a:r>
+            <a:endParaRPr lang="en-US" dirty="0"/>
+          </a:p>
+        </p:txBody>
+      </p:sp>
+      <p:sp>
+        <p:nvSpPr>
+          <p:cNvPr id="3" name="Content Placeholder 2">
+            <a:extLst>
+              <a:ext uri="{FF2B5EF4-FFF2-40B4-BE49-F238E27FC236}">
+                <a16:creationId xmlns:a16="http://schemas.microsoft.com/office/drawing/2014/main" id="{2CB73A4C-2E52-8D22-4EF0-7A05B9755551}"/>
+              </a:ext>
+            </a:extLst>
+          </p:cNvPr>
           <p:cNvSpPr>
             <a:spLocks noGrp="1"/>
           </p:cNvSpPr>
@@ -13464,27 +16604,81 @@
           <a:lstStyle/>
           <a:p>
             <a:r>
-              <a:rPr lang="hr-HR" noProof="0" dirty="0"/>
-              <a:t>Na visokoj razini apstrakcije</a:t>
-            </a:r>
-          </a:p>
-          <a:p>
-            <a:r>
-              <a:rPr lang="hr-HR" noProof="0" dirty="0"/>
-              <a:t>Dijagram arhitekture (komponente, slojevi, povezivanje).</a:t>
-            </a:r>
-          </a:p>
-          <a:p>
-            <a:r>
-              <a:rPr lang="hr-HR" i="1" noProof="0" dirty="0"/>
-              <a:t>Po potrebi: UML dijagram razreda i razmještaja.</a:t>
-            </a:r>
-          </a:p>
-        </p:txBody>
-      </p:sp>
-      <p:sp>
-        <p:nvSpPr>
-          <p:cNvPr id="4" name="Slide Number Placeholder 3"/>
+              <a:rPr lang="hr-HR" dirty="0"/>
+              <a:t>Sigurnost i privatnost</a:t>
+            </a:r>
+          </a:p>
+          <a:p>
+            <a:pPr lvl="1"/>
+            <a:r>
+              <a:rPr lang="hr-HR" dirty="0"/>
+              <a:t>podaci o korisnicima zaštićeni AES-256 standardom</a:t>
+            </a:r>
+          </a:p>
+          <a:p>
+            <a:pPr lvl="1"/>
+            <a:r>
+              <a:rPr lang="hr-HR" dirty="0"/>
+              <a:t>podaci se ne smiju dijeliti s trećim stranama bez njihovog izričitog pristanka</a:t>
+            </a:r>
+          </a:p>
+          <a:p>
+            <a:pPr lvl="1"/>
+            <a:r>
+              <a:rPr lang="hr-HR" dirty="0"/>
+              <a:t>SSL/TLS sigurnosni protokoli za komunikaciju</a:t>
+            </a:r>
+          </a:p>
+          <a:p>
+            <a:r>
+              <a:rPr lang="hr-HR" dirty="0"/>
+              <a:t>Kompatibilnost</a:t>
+            </a:r>
+          </a:p>
+          <a:p>
+            <a:pPr lvl="1"/>
+            <a:r>
+              <a:rPr lang="hr-HR" dirty="0"/>
+              <a:t>Dostupnost na svim vrstama uređaja</a:t>
+            </a:r>
+          </a:p>
+          <a:p>
+            <a:pPr lvl="1"/>
+            <a:r>
+              <a:rPr lang="hr-HR" dirty="0"/>
+              <a:t>kalendar rezervacija mora biti kompatibilan s popularnim vanjskim servisima (Google kalendar, Calendar.online)</a:t>
+            </a:r>
+          </a:p>
+          <a:p>
+            <a:r>
+              <a:rPr lang="hr-HR" dirty="0"/>
+              <a:t>Jednostavnost korištenja</a:t>
+            </a:r>
+          </a:p>
+          <a:p>
+            <a:r>
+              <a:rPr lang="hr-HR" dirty="0"/>
+              <a:t>Skalabilnost</a:t>
+            </a:r>
+          </a:p>
+          <a:p>
+            <a:r>
+              <a:rPr lang="hr-HR" dirty="0"/>
+              <a:t>Integracija s vanjskim servisima</a:t>
+            </a:r>
+            <a:endParaRPr lang="en-US" dirty="0"/>
+          </a:p>
+        </p:txBody>
+      </p:sp>
+      <p:sp>
+        <p:nvSpPr>
+          <p:cNvPr id="4" name="Slide Number Placeholder 3">
+            <a:extLst>
+              <a:ext uri="{FF2B5EF4-FFF2-40B4-BE49-F238E27FC236}">
+                <a16:creationId xmlns:a16="http://schemas.microsoft.com/office/drawing/2014/main" id="{7B560882-22A1-4A03-F21C-F2EF7076040B}"/>
+              </a:ext>
+            </a:extLst>
+          </p:cNvPr>
           <p:cNvSpPr>
             <a:spLocks noGrp="1"/>
           </p:cNvSpPr>
@@ -13501,14 +16695,14 @@
               <a:rPr lang="hr-HR" smtClean="0"/>
               <a:t>8</a:t>
             </a:fld>
-            <a:endParaRPr lang="hr-HR" dirty="0"/>
+            <a:endParaRPr lang="hr-HR"/>
           </a:p>
         </p:txBody>
       </p:sp>
     </p:spTree>
     <p:extLst>
       <p:ext uri="{BB962C8B-B14F-4D97-AF65-F5344CB8AC3E}">
-        <p14:creationId xmlns:p14="http://schemas.microsoft.com/office/powerpoint/2010/main" val="3657354464"/>
+        <p14:creationId xmlns:p14="http://schemas.microsoft.com/office/powerpoint/2010/main" val="3929049388"/>
       </p:ext>
     </p:extLst>
   </p:cSld>
@@ -13540,7 +16734,7 @@
           <p:cNvPr id="2" name="Title 1">
             <a:extLst>
               <a:ext uri="{FF2B5EF4-FFF2-40B4-BE49-F238E27FC236}">
-                <a16:creationId xmlns:a16="http://schemas.microsoft.com/office/drawing/2014/main" id="{89443278-3D25-FEF7-4D6D-B4CA3FBE5F41}"/>
+                <a16:creationId xmlns:a16="http://schemas.microsoft.com/office/drawing/2014/main" id="{2D9B194B-73FA-DAD6-728F-E14212BE24C3}"/>
               </a:ext>
             </a:extLst>
           </p:cNvPr>
@@ -13553,46 +16747,14 @@
         </p:nvSpPr>
         <p:spPr/>
         <p:txBody>
-          <a:bodyPr/>
+          <a:bodyPr>
+            <a:normAutofit/>
+          </a:bodyPr>
           <a:lstStyle/>
           <a:p>
             <a:r>
               <a:rPr lang="hr-HR" noProof="0" dirty="0"/>
-              <a:t>Ispitivanje</a:t>
-            </a:r>
-          </a:p>
-        </p:txBody>
-      </p:sp>
-      <p:sp>
-        <p:nvSpPr>
-          <p:cNvPr id="3" name="Content Placeholder 2">
-            <a:extLst>
-              <a:ext uri="{FF2B5EF4-FFF2-40B4-BE49-F238E27FC236}">
-                <a16:creationId xmlns:a16="http://schemas.microsoft.com/office/drawing/2014/main" id="{93003D6B-82AC-E000-ED08-E246EC190B58}"/>
-              </a:ext>
-            </a:extLst>
-          </p:cNvPr>
-          <p:cNvSpPr>
-            <a:spLocks noGrp="1"/>
-          </p:cNvSpPr>
-          <p:nvPr>
-            <p:ph idx="1"/>
-          </p:nvPr>
-        </p:nvSpPr>
-        <p:spPr/>
-        <p:txBody>
-          <a:bodyPr/>
-          <a:lstStyle/>
-          <a:p>
-            <a:r>
-              <a:rPr lang="hr-HR" noProof="0" dirty="0"/>
-              <a:t>Organizacija ispitivanja</a:t>
-            </a:r>
-          </a:p>
-          <a:p>
-            <a:r>
-              <a:rPr lang="hr-HR" noProof="0" dirty="0"/>
-              <a:t>Fokus ispitivanja. Potpunost ispitivanja</a:t>
+              <a:t>UML dijagram obrazaca uporabe</a:t>
             </a:r>
           </a:p>
         </p:txBody>
@@ -13602,7 +16764,7 @@
           <p:cNvPr id="4" name="Slide Number Placeholder 3">
             <a:extLst>
               <a:ext uri="{FF2B5EF4-FFF2-40B4-BE49-F238E27FC236}">
-                <a16:creationId xmlns:a16="http://schemas.microsoft.com/office/drawing/2014/main" id="{E502A5A4-7F29-94F6-4C85-99B20512A5BF}"/>
+                <a16:creationId xmlns:a16="http://schemas.microsoft.com/office/drawing/2014/main" id="{F190CEC8-0F4C-E99E-FC93-F08F526E71E5}"/>
               </a:ext>
             </a:extLst>
           </p:cNvPr>
@@ -13626,10 +16788,57 @@
           </a:p>
         </p:txBody>
       </p:sp>
+      <p:pic>
+        <p:nvPicPr>
+          <p:cNvPr id="1026" name="Picture 2" descr="1731457825410">
+            <a:extLst>
+              <a:ext uri="{FF2B5EF4-FFF2-40B4-BE49-F238E27FC236}">
+                <a16:creationId xmlns:a16="http://schemas.microsoft.com/office/drawing/2014/main" id="{DD76E0FB-EF6F-0D8F-378E-4A0DB86F6441}"/>
+              </a:ext>
+            </a:extLst>
+          </p:cNvPr>
+          <p:cNvPicPr>
+            <a:picLocks noChangeAspect="1" noChangeArrowheads="1"/>
+          </p:cNvPicPr>
+          <p:nvPr/>
+        </p:nvPicPr>
+        <p:blipFill>
+          <a:blip r:embed="rId2">
+            <a:extLst>
+              <a:ext uri="{28A0092B-C50C-407E-A947-70E740481C1C}">
+                <a14:useLocalDpi xmlns:a14="http://schemas.microsoft.com/office/drawing/2010/main" val="0"/>
+              </a:ext>
+            </a:extLst>
+          </a:blip>
+          <a:srcRect/>
+          <a:stretch>
+            <a:fillRect/>
+          </a:stretch>
+        </p:blipFill>
+        <p:spPr bwMode="auto">
+          <a:xfrm>
+            <a:off x="0" y="1143225"/>
+            <a:ext cx="9144000" cy="5357813"/>
+          </a:xfrm>
+          <a:prstGeom prst="rect">
+            <a:avLst/>
+          </a:prstGeom>
+          <a:noFill/>
+          <a:extLst>
+            <a:ext uri="{909E8E84-426E-40DD-AFC4-6F175D3DCCD1}">
+              <a14:hiddenFill xmlns:a14="http://schemas.microsoft.com/office/drawing/2010/main">
+                <a:solidFill>
+                  <a:srgbClr val="FFFFFF"/>
+                </a:solidFill>
+              </a14:hiddenFill>
+            </a:ext>
+          </a:extLst>
+        </p:spPr>
+      </p:pic>
     </p:spTree>
     <p:extLst>
       <p:ext uri="{BB962C8B-B14F-4D97-AF65-F5344CB8AC3E}">
-        <p14:creationId xmlns:p14="http://schemas.microsoft.com/office/powerpoint/2010/main" val="3321737263"/>
+        <p14:creationId xmlns:p14="http://schemas.microsoft.com/office/powerpoint/2010/main" val="4261244465"/>
       </p:ext>
     </p:extLst>
   </p:cSld>

--- a/PROINZ_TG18.1_BadelPadel_PlayPadel.pptx
+++ b/PROINZ_TG18.1_BadelPadel_PlayPadel.pptx
@@ -6,7 +6,7 @@
     <p:sldMasterId id="2147483696" r:id="rId2"/>
   </p:sldMasterIdLst>
   <p:notesMasterIdLst>
-    <p:notesMasterId r:id="rId19"/>
+    <p:notesMasterId r:id="rId18"/>
   </p:notesMasterIdLst>
   <p:sldIdLst>
     <p:sldId id="265" r:id="rId3"/>
@@ -14,17 +14,16 @@
     <p:sldId id="266" r:id="rId5"/>
     <p:sldId id="267" r:id="rId6"/>
     <p:sldId id="268" r:id="rId7"/>
-    <p:sldId id="259" r:id="rId8"/>
-    <p:sldId id="277" r:id="rId9"/>
-    <p:sldId id="276" r:id="rId10"/>
-    <p:sldId id="269" r:id="rId11"/>
-    <p:sldId id="261" r:id="rId12"/>
-    <p:sldId id="260" r:id="rId13"/>
-    <p:sldId id="262" r:id="rId14"/>
-    <p:sldId id="278" r:id="rId15"/>
-    <p:sldId id="274" r:id="rId16"/>
-    <p:sldId id="263" r:id="rId17"/>
-    <p:sldId id="264" r:id="rId18"/>
+    <p:sldId id="277" r:id="rId8"/>
+    <p:sldId id="276" r:id="rId9"/>
+    <p:sldId id="269" r:id="rId10"/>
+    <p:sldId id="261" r:id="rId11"/>
+    <p:sldId id="260" r:id="rId12"/>
+    <p:sldId id="262" r:id="rId13"/>
+    <p:sldId id="278" r:id="rId14"/>
+    <p:sldId id="274" r:id="rId15"/>
+    <p:sldId id="263" r:id="rId16"/>
+    <p:sldId id="280" r:id="rId17"/>
   </p:sldIdLst>
   <p:sldSz cx="9144000" cy="6858000" type="screen4x3"/>
   <p:notesSz cx="6858000" cy="9144000"/>
@@ -11999,8 +11998,138 @@
           <a:p>
             <a:r>
               <a:rPr lang="hr-HR" noProof="0" dirty="0"/>
-              <a:t>Arhitektura sustava</a:t>
-            </a:r>
+              <a:t>Korišteni alati i tehnologije</a:t>
+            </a:r>
+          </a:p>
+        </p:txBody>
+      </p:sp>
+      <p:sp>
+        <p:nvSpPr>
+          <p:cNvPr id="3" name="Content Placeholder 2"/>
+          <p:cNvSpPr>
+            <a:spLocks noGrp="1"/>
+          </p:cNvSpPr>
+          <p:nvPr>
+            <p:ph idx="1"/>
+          </p:nvPr>
+        </p:nvSpPr>
+        <p:spPr/>
+        <p:txBody>
+          <a:bodyPr/>
+          <a:lstStyle/>
+          <a:p>
+            <a:r>
+              <a:rPr lang="hr-HR" noProof="0" dirty="0"/>
+              <a:t>Za komunikaciju: </a:t>
+            </a:r>
+            <a:r>
+              <a:rPr lang="hr-HR" b="1" noProof="0" dirty="0"/>
+              <a:t>WhatsApp</a:t>
+            </a:r>
+            <a:r>
+              <a:rPr lang="hr-HR" noProof="0" dirty="0"/>
+              <a:t> i </a:t>
+            </a:r>
+            <a:r>
+              <a:rPr lang="hr-HR" b="1" noProof="0" dirty="0"/>
+              <a:t>Microsoft Teams</a:t>
+            </a:r>
+          </a:p>
+          <a:p>
+            <a:r>
+              <a:rPr lang="hr-HR" noProof="0" dirty="0"/>
+              <a:t>za razvoj: </a:t>
+            </a:r>
+            <a:r>
+              <a:rPr lang="hr-HR" b="1" noProof="0" dirty="0"/>
+              <a:t>Visual Studio Code</a:t>
+            </a:r>
+            <a:r>
+              <a:rPr lang="hr-HR" b="1" dirty="0"/>
+              <a:t> </a:t>
+            </a:r>
+            <a:r>
+              <a:rPr lang="hr-HR" dirty="0"/>
+              <a:t>za razvoj backend-a i frontend-a</a:t>
+            </a:r>
+          </a:p>
+          <a:p>
+            <a:r>
+              <a:rPr lang="hr-HR" sz="2800" noProof="0" dirty="0"/>
+              <a:t>Korištene tehnol</a:t>
+            </a:r>
+            <a:r>
+              <a:rPr lang="hr-HR" sz="2800" dirty="0"/>
+              <a:t>ogije:</a:t>
+            </a:r>
+          </a:p>
+          <a:p>
+            <a:pPr lvl="1"/>
+            <a:r>
+              <a:rPr lang="hr-HR" sz="2800" b="1" u="sng" noProof="0" dirty="0"/>
+              <a:t>Backend:</a:t>
+            </a:r>
+          </a:p>
+          <a:p>
+            <a:pPr lvl="2"/>
+            <a:r>
+              <a:rPr lang="hr-HR" sz="2000" b="1" noProof="0" dirty="0"/>
+              <a:t>Python</a:t>
+            </a:r>
+            <a:r>
+              <a:rPr lang="hr-HR" sz="2000" noProof="0" dirty="0"/>
+              <a:t> i </a:t>
+            </a:r>
+            <a:r>
+              <a:rPr lang="hr-HR" sz="2000" b="1" noProof="0" dirty="0"/>
+              <a:t>Django framework</a:t>
+            </a:r>
+          </a:p>
+          <a:p>
+            <a:pPr lvl="1"/>
+            <a:r>
+              <a:rPr lang="hr-HR" sz="2800" b="1" u="sng" dirty="0"/>
+              <a:t>Frontend</a:t>
+            </a:r>
+          </a:p>
+          <a:p>
+            <a:pPr lvl="2"/>
+            <a:r>
+              <a:rPr lang="hr-HR" sz="2000" b="1" dirty="0"/>
+              <a:t>HTML, CSS, JavaScript, React.js i Vite</a:t>
+            </a:r>
+          </a:p>
+          <a:p>
+            <a:pPr lvl="1"/>
+            <a:r>
+              <a:rPr lang="hr-HR" sz="2800" b="1" u="sng" dirty="0"/>
+              <a:t>Dijagrami u dokumentaciji</a:t>
+            </a:r>
+          </a:p>
+          <a:p>
+            <a:pPr lvl="2"/>
+            <a:r>
+              <a:rPr lang="hr-HR" sz="2000" b="1" noProof="0" dirty="0"/>
+              <a:t>AstahUML</a:t>
+            </a:r>
+          </a:p>
+          <a:p>
+            <a:pPr lvl="1"/>
+            <a:r>
+              <a:rPr lang="hr-HR" sz="2800" b="1" u="sng" dirty="0"/>
+              <a:t>Deployment</a:t>
+            </a:r>
+          </a:p>
+          <a:p>
+            <a:pPr lvl="2"/>
+            <a:r>
+              <a:rPr lang="hr-HR" sz="2000" b="1" noProof="0" dirty="0"/>
+              <a:t>Docker, NGINX</a:t>
+            </a:r>
+          </a:p>
+          <a:p>
+            <a:pPr lvl="1"/>
+            <a:endParaRPr lang="hr-HR" b="1" noProof="0" dirty="0"/>
           </a:p>
         </p:txBody>
       </p:sp>
@@ -12022,6 +12151,3904 @@
             <a:fld id="{FAA41844-C0CA-4144-9D6C-D993F0C0FAB4}" type="slidenum">
               <a:rPr lang="hr-HR" smtClean="0"/>
               <a:t>10</a:t>
+            </a:fld>
+            <a:endParaRPr lang="hr-HR" dirty="0"/>
+          </a:p>
+        </p:txBody>
+      </p:sp>
+    </p:spTree>
+    <p:extLst>
+      <p:ext uri="{BB962C8B-B14F-4D97-AF65-F5344CB8AC3E}">
+        <p14:creationId xmlns:p14="http://schemas.microsoft.com/office/powerpoint/2010/main" val="3389772446"/>
+      </p:ext>
+    </p:extLst>
+  </p:cSld>
+  <p:clrMapOvr>
+    <a:masterClrMapping/>
+  </p:clrMapOvr>
+</p:sld>
+</file>
+
+<file path=ppt/slides/slide11.xml><?xml version="1.0" encoding="utf-8"?>
+<p:sld xmlns:a="http://schemas.openxmlformats.org/drawingml/2006/main" xmlns:r="http://schemas.openxmlformats.org/officeDocument/2006/relationships" xmlns:p="http://schemas.openxmlformats.org/presentationml/2006/main">
+  <p:cSld>
+    <p:spTree>
+      <p:nvGrpSpPr>
+        <p:cNvPr id="1" name=""/>
+        <p:cNvGrpSpPr/>
+        <p:nvPr/>
+      </p:nvGrpSpPr>
+      <p:grpSpPr>
+        <a:xfrm>
+          <a:off x="0" y="0"/>
+          <a:ext cx="0" cy="0"/>
+          <a:chOff x="0" y="0"/>
+          <a:chExt cx="0" cy="0"/>
+        </a:xfrm>
+      </p:grpSpPr>
+      <p:sp>
+        <p:nvSpPr>
+          <p:cNvPr id="2" name="Title 1"/>
+          <p:cNvSpPr>
+            <a:spLocks noGrp="1"/>
+          </p:cNvSpPr>
+          <p:nvPr>
+            <p:ph type="title"/>
+          </p:nvPr>
+        </p:nvSpPr>
+        <p:spPr/>
+        <p:txBody>
+          <a:bodyPr/>
+          <a:lstStyle/>
+          <a:p>
+            <a:r>
+              <a:rPr lang="hr-HR" noProof="0" dirty="0"/>
+              <a:t>Organizacija rada</a:t>
+            </a:r>
+          </a:p>
+        </p:txBody>
+      </p:sp>
+      <p:sp>
+        <p:nvSpPr>
+          <p:cNvPr id="3" name="Content Placeholder 2"/>
+          <p:cNvSpPr>
+            <a:spLocks noGrp="1"/>
+          </p:cNvSpPr>
+          <p:nvPr>
+            <p:ph idx="1"/>
+          </p:nvPr>
+        </p:nvSpPr>
+        <p:spPr>
+          <a:xfrm>
+            <a:off x="667265" y="1604859"/>
+            <a:ext cx="7920000" cy="1603770"/>
+          </a:xfrm>
+        </p:spPr>
+        <p:txBody>
+          <a:bodyPr>
+            <a:normAutofit/>
+          </a:bodyPr>
+          <a:lstStyle/>
+          <a:p>
+            <a:r>
+              <a:rPr lang="hr-HR" noProof="0" dirty="0"/>
+              <a:t>Model razvoja aplikacije</a:t>
+            </a:r>
+          </a:p>
+          <a:p>
+            <a:pPr lvl="1"/>
+            <a:r>
+              <a:rPr lang="hr-HR" b="1" dirty="0"/>
+              <a:t>Agilni razvoj</a:t>
+            </a:r>
+          </a:p>
+          <a:p>
+            <a:r>
+              <a:rPr lang="hr-HR" noProof="0" dirty="0"/>
+              <a:t>Tablica raščlambe zadataka i vrijeme utrošenog rada</a:t>
+            </a:r>
+          </a:p>
+          <a:p>
+            <a:pPr marL="0" indent="0">
+              <a:buNone/>
+            </a:pPr>
+            <a:endParaRPr lang="hr-HR" i="1" noProof="0" dirty="0"/>
+          </a:p>
+        </p:txBody>
+      </p:sp>
+      <p:sp>
+        <p:nvSpPr>
+          <p:cNvPr id="4" name="Slide Number Placeholder 3"/>
+          <p:cNvSpPr>
+            <a:spLocks noGrp="1"/>
+          </p:cNvSpPr>
+          <p:nvPr>
+            <p:ph type="sldNum" sz="quarter" idx="12"/>
+          </p:nvPr>
+        </p:nvSpPr>
+        <p:spPr/>
+        <p:txBody>
+          <a:bodyPr/>
+          <a:lstStyle/>
+          <a:p>
+            <a:fld id="{FAA41844-C0CA-4144-9D6C-D993F0C0FAB4}" type="slidenum">
+              <a:rPr lang="hr-HR" smtClean="0"/>
+              <a:t>11</a:t>
+            </a:fld>
+            <a:endParaRPr lang="hr-HR" dirty="0"/>
+          </a:p>
+        </p:txBody>
+      </p:sp>
+      <p:graphicFrame>
+        <p:nvGraphicFramePr>
+          <p:cNvPr id="9" name="Table 8">
+            <a:extLst>
+              <a:ext uri="{FF2B5EF4-FFF2-40B4-BE49-F238E27FC236}">
+                <a16:creationId xmlns:a16="http://schemas.microsoft.com/office/drawing/2014/main" id="{720A0B46-F487-389E-9C25-B0AFE64F42CC}"/>
+              </a:ext>
+            </a:extLst>
+          </p:cNvPr>
+          <p:cNvGraphicFramePr>
+            <a:graphicFrameLocks noGrp="1"/>
+          </p:cNvGraphicFramePr>
+          <p:nvPr>
+            <p:extLst>
+              <p:ext uri="{D42A27DB-BD31-4B8C-83A1-F6EECF244321}">
+                <p14:modId xmlns:p14="http://schemas.microsoft.com/office/powerpoint/2010/main" val="1754197126"/>
+              </p:ext>
+            </p:extLst>
+          </p:nvPr>
+        </p:nvGraphicFramePr>
+        <p:xfrm>
+          <a:off x="451020" y="3363088"/>
+          <a:ext cx="8241960" cy="2649897"/>
+        </p:xfrm>
+        <a:graphic>
+          <a:graphicData uri="http://schemas.openxmlformats.org/drawingml/2006/table">
+            <a:tbl>
+              <a:tblPr firstRow="1" bandRow="1">
+                <a:tableStyleId>{5C22544A-7EE6-4342-B048-85BDC9FD1C3A}</a:tableStyleId>
+              </a:tblPr>
+              <a:tblGrid>
+                <a:gridCol w="1373660">
+                  <a:extLst>
+                    <a:ext uri="{9D8B030D-6E8A-4147-A177-3AD203B41FA5}">
+                      <a16:colId xmlns:a16="http://schemas.microsoft.com/office/drawing/2014/main" val="1115662020"/>
+                    </a:ext>
+                  </a:extLst>
+                </a:gridCol>
+                <a:gridCol w="1373660">
+                  <a:extLst>
+                    <a:ext uri="{9D8B030D-6E8A-4147-A177-3AD203B41FA5}">
+                      <a16:colId xmlns:a16="http://schemas.microsoft.com/office/drawing/2014/main" val="1573373810"/>
+                    </a:ext>
+                  </a:extLst>
+                </a:gridCol>
+                <a:gridCol w="1373660">
+                  <a:extLst>
+                    <a:ext uri="{9D8B030D-6E8A-4147-A177-3AD203B41FA5}">
+                      <a16:colId xmlns:a16="http://schemas.microsoft.com/office/drawing/2014/main" val="2829183232"/>
+                    </a:ext>
+                  </a:extLst>
+                </a:gridCol>
+                <a:gridCol w="1373660">
+                  <a:extLst>
+                    <a:ext uri="{9D8B030D-6E8A-4147-A177-3AD203B41FA5}">
+                      <a16:colId xmlns:a16="http://schemas.microsoft.com/office/drawing/2014/main" val="3862427449"/>
+                    </a:ext>
+                  </a:extLst>
+                </a:gridCol>
+                <a:gridCol w="1373660">
+                  <a:extLst>
+                    <a:ext uri="{9D8B030D-6E8A-4147-A177-3AD203B41FA5}">
+                      <a16:colId xmlns:a16="http://schemas.microsoft.com/office/drawing/2014/main" val="178809430"/>
+                    </a:ext>
+                  </a:extLst>
+                </a:gridCol>
+                <a:gridCol w="1373660">
+                  <a:extLst>
+                    <a:ext uri="{9D8B030D-6E8A-4147-A177-3AD203B41FA5}">
+                      <a16:colId xmlns:a16="http://schemas.microsoft.com/office/drawing/2014/main" val="889039767"/>
+                    </a:ext>
+                  </a:extLst>
+                </a:gridCol>
+              </a:tblGrid>
+              <a:tr h="557141">
+                <a:tc>
+                  <a:txBody>
+                    <a:bodyPr/>
+                    <a:lstStyle/>
+                    <a:p>
+                      <a:pPr algn="ctr"/>
+                      <a:r>
+                        <a:rPr lang="hr-HR" sz="1600" dirty="0">
+                          <a:solidFill>
+                            <a:schemeClr val="tx1"/>
+                          </a:solidFill>
+                        </a:rPr>
+                        <a:t>Ime/</a:t>
+                      </a:r>
+                      <a:endParaRPr lang="en-US" sz="1600" dirty="0">
+                        <a:solidFill>
+                          <a:schemeClr val="tx1"/>
+                        </a:solidFill>
+                      </a:endParaRPr>
+                    </a:p>
+                  </a:txBody>
+                  <a:tcPr anchor="ctr">
+                    <a:lnL w="12700" cap="flat" cmpd="sng" algn="ctr">
+                      <a:solidFill>
+                        <a:schemeClr val="tx1"/>
+                      </a:solidFill>
+                      <a:prstDash val="solid"/>
+                      <a:round/>
+                      <a:headEnd type="none" w="med" len="med"/>
+                      <a:tailEnd type="none" w="med" len="med"/>
+                    </a:lnL>
+                    <a:lnR w="12700" cap="flat" cmpd="sng" algn="ctr">
+                      <a:solidFill>
+                        <a:schemeClr val="tx1"/>
+                      </a:solidFill>
+                      <a:prstDash val="solid"/>
+                      <a:round/>
+                      <a:headEnd type="none" w="med" len="med"/>
+                      <a:tailEnd type="none" w="med" len="med"/>
+                    </a:lnR>
+                    <a:lnT w="12700" cap="flat" cmpd="sng" algn="ctr">
+                      <a:solidFill>
+                        <a:schemeClr val="tx1"/>
+                      </a:solidFill>
+                      <a:prstDash val="solid"/>
+                      <a:round/>
+                      <a:headEnd type="none" w="med" len="med"/>
+                      <a:tailEnd type="none" w="med" len="med"/>
+                    </a:lnT>
+                    <a:lnB w="12700" cap="flat" cmpd="sng" algn="ctr">
+                      <a:solidFill>
+                        <a:schemeClr val="tx1"/>
+                      </a:solidFill>
+                      <a:prstDash val="solid"/>
+                      <a:round/>
+                      <a:headEnd type="none" w="med" len="med"/>
+                      <a:tailEnd type="none" w="med" len="med"/>
+                    </a:lnB>
+                    <a:solidFill>
+                      <a:schemeClr val="bg1"/>
+                    </a:solidFill>
+                  </a:tcPr>
+                </a:tc>
+                <a:tc>
+                  <a:txBody>
+                    <a:bodyPr/>
+                    <a:lstStyle/>
+                    <a:p>
+                      <a:pPr algn="ctr"/>
+                      <a:r>
+                        <a:rPr lang="hr-HR" sz="1600" dirty="0">
+                          <a:solidFill>
+                            <a:schemeClr val="tx1"/>
+                          </a:solidFill>
+                        </a:rPr>
+                        <a:t>Mario Olčar</a:t>
+                      </a:r>
+                      <a:endParaRPr lang="en-US" sz="1600" dirty="0">
+                        <a:solidFill>
+                          <a:schemeClr val="tx1"/>
+                        </a:solidFill>
+                      </a:endParaRPr>
+                    </a:p>
+                  </a:txBody>
+                  <a:tcPr anchor="ctr">
+                    <a:lnL w="12700" cap="flat" cmpd="sng" algn="ctr">
+                      <a:solidFill>
+                        <a:schemeClr val="tx1"/>
+                      </a:solidFill>
+                      <a:prstDash val="solid"/>
+                      <a:round/>
+                      <a:headEnd type="none" w="med" len="med"/>
+                      <a:tailEnd type="none" w="med" len="med"/>
+                    </a:lnL>
+                    <a:lnR w="12700" cap="flat" cmpd="sng" algn="ctr">
+                      <a:solidFill>
+                        <a:schemeClr val="tx1"/>
+                      </a:solidFill>
+                      <a:prstDash val="solid"/>
+                      <a:round/>
+                      <a:headEnd type="none" w="med" len="med"/>
+                      <a:tailEnd type="none" w="med" len="med"/>
+                    </a:lnR>
+                    <a:lnT w="12700" cap="flat" cmpd="sng" algn="ctr">
+                      <a:solidFill>
+                        <a:schemeClr val="tx1"/>
+                      </a:solidFill>
+                      <a:prstDash val="solid"/>
+                      <a:round/>
+                      <a:headEnd type="none" w="med" len="med"/>
+                      <a:tailEnd type="none" w="med" len="med"/>
+                    </a:lnT>
+                    <a:lnB w="12700" cap="flat" cmpd="sng" algn="ctr">
+                      <a:solidFill>
+                        <a:schemeClr val="tx1"/>
+                      </a:solidFill>
+                      <a:prstDash val="solid"/>
+                      <a:round/>
+                      <a:headEnd type="none" w="med" len="med"/>
+                      <a:tailEnd type="none" w="med" len="med"/>
+                    </a:lnB>
+                    <a:solidFill>
+                      <a:schemeClr val="bg1"/>
+                    </a:solidFill>
+                  </a:tcPr>
+                </a:tc>
+                <a:tc>
+                  <a:txBody>
+                    <a:bodyPr/>
+                    <a:lstStyle/>
+                    <a:p>
+                      <a:pPr algn="ctr"/>
+                      <a:r>
+                        <a:rPr lang="hr-HR" sz="1600" dirty="0">
+                          <a:solidFill>
+                            <a:schemeClr val="tx1"/>
+                          </a:solidFill>
+                        </a:rPr>
+                        <a:t>Iva Džakula</a:t>
+                      </a:r>
+                      <a:endParaRPr lang="en-US" sz="1600" dirty="0">
+                        <a:solidFill>
+                          <a:schemeClr val="tx1"/>
+                        </a:solidFill>
+                      </a:endParaRPr>
+                    </a:p>
+                  </a:txBody>
+                  <a:tcPr anchor="ctr">
+                    <a:lnL w="12700" cap="flat" cmpd="sng" algn="ctr">
+                      <a:solidFill>
+                        <a:schemeClr val="tx1"/>
+                      </a:solidFill>
+                      <a:prstDash val="solid"/>
+                      <a:round/>
+                      <a:headEnd type="none" w="med" len="med"/>
+                      <a:tailEnd type="none" w="med" len="med"/>
+                    </a:lnL>
+                    <a:lnR w="12700" cap="flat" cmpd="sng" algn="ctr">
+                      <a:solidFill>
+                        <a:schemeClr val="tx1"/>
+                      </a:solidFill>
+                      <a:prstDash val="solid"/>
+                      <a:round/>
+                      <a:headEnd type="none" w="med" len="med"/>
+                      <a:tailEnd type="none" w="med" len="med"/>
+                    </a:lnR>
+                    <a:lnT w="12700" cap="flat" cmpd="sng" algn="ctr">
+                      <a:solidFill>
+                        <a:schemeClr val="tx1"/>
+                      </a:solidFill>
+                      <a:prstDash val="solid"/>
+                      <a:round/>
+                      <a:headEnd type="none" w="med" len="med"/>
+                      <a:tailEnd type="none" w="med" len="med"/>
+                    </a:lnT>
+                    <a:lnB w="12700" cap="flat" cmpd="sng" algn="ctr">
+                      <a:solidFill>
+                        <a:schemeClr val="tx1"/>
+                      </a:solidFill>
+                      <a:prstDash val="solid"/>
+                      <a:round/>
+                      <a:headEnd type="none" w="med" len="med"/>
+                      <a:tailEnd type="none" w="med" len="med"/>
+                    </a:lnB>
+                    <a:solidFill>
+                      <a:schemeClr val="bg1"/>
+                    </a:solidFill>
+                  </a:tcPr>
+                </a:tc>
+                <a:tc>
+                  <a:txBody>
+                    <a:bodyPr/>
+                    <a:lstStyle/>
+                    <a:p>
+                      <a:pPr algn="ctr"/>
+                      <a:r>
+                        <a:rPr lang="hr-HR" sz="1600" dirty="0">
+                          <a:solidFill>
+                            <a:schemeClr val="tx1"/>
+                          </a:solidFill>
+                        </a:rPr>
+                        <a:t>Gregor Mihaljević</a:t>
+                      </a:r>
+                      <a:endParaRPr lang="en-US" sz="1600" dirty="0">
+                        <a:solidFill>
+                          <a:schemeClr val="tx1"/>
+                        </a:solidFill>
+                      </a:endParaRPr>
+                    </a:p>
+                  </a:txBody>
+                  <a:tcPr anchor="ctr">
+                    <a:lnL w="12700" cap="flat" cmpd="sng" algn="ctr">
+                      <a:solidFill>
+                        <a:schemeClr val="tx1"/>
+                      </a:solidFill>
+                      <a:prstDash val="solid"/>
+                      <a:round/>
+                      <a:headEnd type="none" w="med" len="med"/>
+                      <a:tailEnd type="none" w="med" len="med"/>
+                    </a:lnL>
+                    <a:lnR w="12700" cap="flat" cmpd="sng" algn="ctr">
+                      <a:solidFill>
+                        <a:schemeClr val="tx1"/>
+                      </a:solidFill>
+                      <a:prstDash val="solid"/>
+                      <a:round/>
+                      <a:headEnd type="none" w="med" len="med"/>
+                      <a:tailEnd type="none" w="med" len="med"/>
+                    </a:lnR>
+                    <a:lnT w="12700" cap="flat" cmpd="sng" algn="ctr">
+                      <a:solidFill>
+                        <a:schemeClr val="tx1"/>
+                      </a:solidFill>
+                      <a:prstDash val="solid"/>
+                      <a:round/>
+                      <a:headEnd type="none" w="med" len="med"/>
+                      <a:tailEnd type="none" w="med" len="med"/>
+                    </a:lnT>
+                    <a:lnB w="12700" cap="flat" cmpd="sng" algn="ctr">
+                      <a:solidFill>
+                        <a:schemeClr val="tx1"/>
+                      </a:solidFill>
+                      <a:prstDash val="solid"/>
+                      <a:round/>
+                      <a:headEnd type="none" w="med" len="med"/>
+                      <a:tailEnd type="none" w="med" len="med"/>
+                    </a:lnB>
+                    <a:solidFill>
+                      <a:schemeClr val="bg1"/>
+                    </a:solidFill>
+                  </a:tcPr>
+                </a:tc>
+                <a:tc>
+                  <a:txBody>
+                    <a:bodyPr/>
+                    <a:lstStyle/>
+                    <a:p>
+                      <a:pPr algn="ctr"/>
+                      <a:r>
+                        <a:rPr lang="hr-HR" sz="1600" dirty="0">
+                          <a:solidFill>
+                            <a:schemeClr val="tx1"/>
+                          </a:solidFill>
+                        </a:rPr>
+                        <a:t>Tomislav Marenić</a:t>
+                      </a:r>
+                      <a:endParaRPr lang="en-US" sz="1600" dirty="0">
+                        <a:solidFill>
+                          <a:schemeClr val="tx1"/>
+                        </a:solidFill>
+                      </a:endParaRPr>
+                    </a:p>
+                  </a:txBody>
+                  <a:tcPr anchor="ctr">
+                    <a:lnL w="12700" cap="flat" cmpd="sng" algn="ctr">
+                      <a:solidFill>
+                        <a:schemeClr val="tx1"/>
+                      </a:solidFill>
+                      <a:prstDash val="solid"/>
+                      <a:round/>
+                      <a:headEnd type="none" w="med" len="med"/>
+                      <a:tailEnd type="none" w="med" len="med"/>
+                    </a:lnL>
+                    <a:lnR w="12700" cap="flat" cmpd="sng" algn="ctr">
+                      <a:solidFill>
+                        <a:schemeClr val="tx1"/>
+                      </a:solidFill>
+                      <a:prstDash val="solid"/>
+                      <a:round/>
+                      <a:headEnd type="none" w="med" len="med"/>
+                      <a:tailEnd type="none" w="med" len="med"/>
+                    </a:lnR>
+                    <a:lnT w="12700" cap="flat" cmpd="sng" algn="ctr">
+                      <a:solidFill>
+                        <a:schemeClr val="tx1"/>
+                      </a:solidFill>
+                      <a:prstDash val="solid"/>
+                      <a:round/>
+                      <a:headEnd type="none" w="med" len="med"/>
+                      <a:tailEnd type="none" w="med" len="med"/>
+                    </a:lnT>
+                    <a:lnB w="12700" cap="flat" cmpd="sng" algn="ctr">
+                      <a:solidFill>
+                        <a:schemeClr val="tx1"/>
+                      </a:solidFill>
+                      <a:prstDash val="solid"/>
+                      <a:round/>
+                      <a:headEnd type="none" w="med" len="med"/>
+                      <a:tailEnd type="none" w="med" len="med"/>
+                    </a:lnB>
+                    <a:solidFill>
+                      <a:schemeClr val="bg1"/>
+                    </a:solidFill>
+                  </a:tcPr>
+                </a:tc>
+                <a:tc>
+                  <a:txBody>
+                    <a:bodyPr/>
+                    <a:lstStyle/>
+                    <a:p>
+                      <a:pPr algn="ctr"/>
+                      <a:r>
+                        <a:rPr lang="hr-HR" sz="1600" dirty="0">
+                          <a:solidFill>
+                            <a:schemeClr val="tx1"/>
+                          </a:solidFill>
+                        </a:rPr>
+                        <a:t>Josip Curkov</a:t>
+                      </a:r>
+                      <a:endParaRPr lang="en-US" sz="1600" dirty="0">
+                        <a:solidFill>
+                          <a:schemeClr val="tx1"/>
+                        </a:solidFill>
+                      </a:endParaRPr>
+                    </a:p>
+                  </a:txBody>
+                  <a:tcPr anchor="ctr">
+                    <a:lnL w="12700" cap="flat" cmpd="sng" algn="ctr">
+                      <a:solidFill>
+                        <a:schemeClr val="tx1"/>
+                      </a:solidFill>
+                      <a:prstDash val="solid"/>
+                      <a:round/>
+                      <a:headEnd type="none" w="med" len="med"/>
+                      <a:tailEnd type="none" w="med" len="med"/>
+                    </a:lnL>
+                    <a:lnR w="12700" cap="flat" cmpd="sng" algn="ctr">
+                      <a:solidFill>
+                        <a:schemeClr val="tx1"/>
+                      </a:solidFill>
+                      <a:prstDash val="solid"/>
+                      <a:round/>
+                      <a:headEnd type="none" w="med" len="med"/>
+                      <a:tailEnd type="none" w="med" len="med"/>
+                    </a:lnR>
+                    <a:lnT w="12700" cap="flat" cmpd="sng" algn="ctr">
+                      <a:solidFill>
+                        <a:schemeClr val="tx1"/>
+                      </a:solidFill>
+                      <a:prstDash val="solid"/>
+                      <a:round/>
+                      <a:headEnd type="none" w="med" len="med"/>
+                      <a:tailEnd type="none" w="med" len="med"/>
+                    </a:lnT>
+                    <a:lnB w="12700" cap="flat" cmpd="sng" algn="ctr">
+                      <a:solidFill>
+                        <a:schemeClr val="tx1"/>
+                      </a:solidFill>
+                      <a:prstDash val="solid"/>
+                      <a:round/>
+                      <a:headEnd type="none" w="med" len="med"/>
+                      <a:tailEnd type="none" w="med" len="med"/>
+                    </a:lnB>
+                    <a:solidFill>
+                      <a:schemeClr val="bg1"/>
+                    </a:solidFill>
+                  </a:tcPr>
+                </a:tc>
+                <a:extLst>
+                  <a:ext uri="{0D108BD9-81ED-4DB2-BD59-A6C34878D82A}">
+                    <a16:rowId xmlns:a16="http://schemas.microsoft.com/office/drawing/2014/main" val="2623126643"/>
+                  </a:ext>
+                </a:extLst>
+              </a:tr>
+              <a:tr h="516297">
+                <a:tc>
+                  <a:txBody>
+                    <a:bodyPr/>
+                    <a:lstStyle/>
+                    <a:p>
+                      <a:pPr algn="ctr"/>
+                      <a:r>
+                        <a:rPr lang="hr-HR" sz="1400" b="1" dirty="0"/>
+                        <a:t>Upravljanje projektom</a:t>
+                      </a:r>
+                      <a:endParaRPr lang="en-US" sz="1400" b="1" dirty="0"/>
+                    </a:p>
+                  </a:txBody>
+                  <a:tcPr anchor="ctr">
+                    <a:lnL w="12700" cap="flat" cmpd="sng" algn="ctr">
+                      <a:solidFill>
+                        <a:schemeClr val="tx1"/>
+                      </a:solidFill>
+                      <a:prstDash val="solid"/>
+                      <a:round/>
+                      <a:headEnd type="none" w="med" len="med"/>
+                      <a:tailEnd type="none" w="med" len="med"/>
+                    </a:lnL>
+                    <a:lnR w="12700" cap="flat" cmpd="sng" algn="ctr">
+                      <a:solidFill>
+                        <a:schemeClr val="tx1"/>
+                      </a:solidFill>
+                      <a:prstDash val="solid"/>
+                      <a:round/>
+                      <a:headEnd type="none" w="med" len="med"/>
+                      <a:tailEnd type="none" w="med" len="med"/>
+                    </a:lnR>
+                    <a:lnT w="12700" cap="flat" cmpd="sng" algn="ctr">
+                      <a:solidFill>
+                        <a:schemeClr val="tx1"/>
+                      </a:solidFill>
+                      <a:prstDash val="solid"/>
+                      <a:round/>
+                      <a:headEnd type="none" w="med" len="med"/>
+                      <a:tailEnd type="none" w="med" len="med"/>
+                    </a:lnT>
+                    <a:lnB w="12700" cap="flat" cmpd="sng" algn="ctr">
+                      <a:solidFill>
+                        <a:schemeClr val="tx1"/>
+                      </a:solidFill>
+                      <a:prstDash val="solid"/>
+                      <a:round/>
+                      <a:headEnd type="none" w="med" len="med"/>
+                      <a:tailEnd type="none" w="med" len="med"/>
+                    </a:lnB>
+                    <a:solidFill>
+                      <a:schemeClr val="bg1"/>
+                    </a:solidFill>
+                  </a:tcPr>
+                </a:tc>
+                <a:tc>
+                  <a:txBody>
+                    <a:bodyPr/>
+                    <a:lstStyle/>
+                    <a:p>
+                      <a:pPr algn="ctr"/>
+                      <a:r>
+                        <a:rPr lang="hr-HR" sz="1400" b="1" dirty="0"/>
+                        <a:t>20</a:t>
+                      </a:r>
+                      <a:endParaRPr lang="en-US" sz="1400" b="1" dirty="0"/>
+                    </a:p>
+                  </a:txBody>
+                  <a:tcPr anchor="ctr">
+                    <a:lnL w="12700" cap="flat" cmpd="sng" algn="ctr">
+                      <a:solidFill>
+                        <a:schemeClr val="tx1"/>
+                      </a:solidFill>
+                      <a:prstDash val="solid"/>
+                      <a:round/>
+                      <a:headEnd type="none" w="med" len="med"/>
+                      <a:tailEnd type="none" w="med" len="med"/>
+                    </a:lnL>
+                    <a:lnR w="12700" cap="flat" cmpd="sng" algn="ctr">
+                      <a:solidFill>
+                        <a:schemeClr val="tx1"/>
+                      </a:solidFill>
+                      <a:prstDash val="solid"/>
+                      <a:round/>
+                      <a:headEnd type="none" w="med" len="med"/>
+                      <a:tailEnd type="none" w="med" len="med"/>
+                    </a:lnR>
+                    <a:lnT w="12700" cap="flat" cmpd="sng" algn="ctr">
+                      <a:solidFill>
+                        <a:schemeClr val="tx1"/>
+                      </a:solidFill>
+                      <a:prstDash val="solid"/>
+                      <a:round/>
+                      <a:headEnd type="none" w="med" len="med"/>
+                      <a:tailEnd type="none" w="med" len="med"/>
+                    </a:lnT>
+                    <a:lnB w="12700" cap="flat" cmpd="sng" algn="ctr">
+                      <a:solidFill>
+                        <a:schemeClr val="tx1"/>
+                      </a:solidFill>
+                      <a:prstDash val="solid"/>
+                      <a:round/>
+                      <a:headEnd type="none" w="med" len="med"/>
+                      <a:tailEnd type="none" w="med" len="med"/>
+                    </a:lnB>
+                    <a:solidFill>
+                      <a:schemeClr val="bg1"/>
+                    </a:solidFill>
+                  </a:tcPr>
+                </a:tc>
+                <a:tc>
+                  <a:txBody>
+                    <a:bodyPr/>
+                    <a:lstStyle/>
+                    <a:p>
+                      <a:pPr algn="ctr"/>
+                      <a:endParaRPr lang="en-US" sz="1400" b="1"/>
+                    </a:p>
+                  </a:txBody>
+                  <a:tcPr anchor="ctr">
+                    <a:lnL w="12700" cap="flat" cmpd="sng" algn="ctr">
+                      <a:solidFill>
+                        <a:schemeClr val="tx1"/>
+                      </a:solidFill>
+                      <a:prstDash val="solid"/>
+                      <a:round/>
+                      <a:headEnd type="none" w="med" len="med"/>
+                      <a:tailEnd type="none" w="med" len="med"/>
+                    </a:lnL>
+                    <a:lnR w="12700" cap="flat" cmpd="sng" algn="ctr">
+                      <a:solidFill>
+                        <a:schemeClr val="tx1"/>
+                      </a:solidFill>
+                      <a:prstDash val="solid"/>
+                      <a:round/>
+                      <a:headEnd type="none" w="med" len="med"/>
+                      <a:tailEnd type="none" w="med" len="med"/>
+                    </a:lnR>
+                    <a:lnT w="12700" cap="flat" cmpd="sng" algn="ctr">
+                      <a:solidFill>
+                        <a:schemeClr val="tx1"/>
+                      </a:solidFill>
+                      <a:prstDash val="solid"/>
+                      <a:round/>
+                      <a:headEnd type="none" w="med" len="med"/>
+                      <a:tailEnd type="none" w="med" len="med"/>
+                    </a:lnT>
+                    <a:lnB w="12700" cap="flat" cmpd="sng" algn="ctr">
+                      <a:solidFill>
+                        <a:schemeClr val="tx1"/>
+                      </a:solidFill>
+                      <a:prstDash val="solid"/>
+                      <a:round/>
+                      <a:headEnd type="none" w="med" len="med"/>
+                      <a:tailEnd type="none" w="med" len="med"/>
+                    </a:lnB>
+                    <a:solidFill>
+                      <a:schemeClr val="bg1"/>
+                    </a:solidFill>
+                  </a:tcPr>
+                </a:tc>
+                <a:tc>
+                  <a:txBody>
+                    <a:bodyPr/>
+                    <a:lstStyle/>
+                    <a:p>
+                      <a:pPr algn="ctr"/>
+                      <a:endParaRPr lang="en-US" sz="1400" b="1" dirty="0"/>
+                    </a:p>
+                  </a:txBody>
+                  <a:tcPr anchor="ctr">
+                    <a:lnL w="12700" cap="flat" cmpd="sng" algn="ctr">
+                      <a:solidFill>
+                        <a:schemeClr val="tx1"/>
+                      </a:solidFill>
+                      <a:prstDash val="solid"/>
+                      <a:round/>
+                      <a:headEnd type="none" w="med" len="med"/>
+                      <a:tailEnd type="none" w="med" len="med"/>
+                    </a:lnL>
+                    <a:lnR w="12700" cap="flat" cmpd="sng" algn="ctr">
+                      <a:solidFill>
+                        <a:schemeClr val="tx1"/>
+                      </a:solidFill>
+                      <a:prstDash val="solid"/>
+                      <a:round/>
+                      <a:headEnd type="none" w="med" len="med"/>
+                      <a:tailEnd type="none" w="med" len="med"/>
+                    </a:lnR>
+                    <a:lnT w="12700" cap="flat" cmpd="sng" algn="ctr">
+                      <a:solidFill>
+                        <a:schemeClr val="tx1"/>
+                      </a:solidFill>
+                      <a:prstDash val="solid"/>
+                      <a:round/>
+                      <a:headEnd type="none" w="med" len="med"/>
+                      <a:tailEnd type="none" w="med" len="med"/>
+                    </a:lnT>
+                    <a:lnB w="12700" cap="flat" cmpd="sng" algn="ctr">
+                      <a:solidFill>
+                        <a:schemeClr val="tx1"/>
+                      </a:solidFill>
+                      <a:prstDash val="solid"/>
+                      <a:round/>
+                      <a:headEnd type="none" w="med" len="med"/>
+                      <a:tailEnd type="none" w="med" len="med"/>
+                    </a:lnB>
+                    <a:solidFill>
+                      <a:schemeClr val="bg1"/>
+                    </a:solidFill>
+                  </a:tcPr>
+                </a:tc>
+                <a:tc>
+                  <a:txBody>
+                    <a:bodyPr/>
+                    <a:lstStyle/>
+                    <a:p>
+                      <a:pPr algn="ctr"/>
+                      <a:endParaRPr lang="en-US" sz="1400" b="1"/>
+                    </a:p>
+                  </a:txBody>
+                  <a:tcPr anchor="ctr">
+                    <a:lnL w="12700" cap="flat" cmpd="sng" algn="ctr">
+                      <a:solidFill>
+                        <a:schemeClr val="tx1"/>
+                      </a:solidFill>
+                      <a:prstDash val="solid"/>
+                      <a:round/>
+                      <a:headEnd type="none" w="med" len="med"/>
+                      <a:tailEnd type="none" w="med" len="med"/>
+                    </a:lnL>
+                    <a:lnR w="12700" cap="flat" cmpd="sng" algn="ctr">
+                      <a:solidFill>
+                        <a:schemeClr val="tx1"/>
+                      </a:solidFill>
+                      <a:prstDash val="solid"/>
+                      <a:round/>
+                      <a:headEnd type="none" w="med" len="med"/>
+                      <a:tailEnd type="none" w="med" len="med"/>
+                    </a:lnR>
+                    <a:lnT w="12700" cap="flat" cmpd="sng" algn="ctr">
+                      <a:solidFill>
+                        <a:schemeClr val="tx1"/>
+                      </a:solidFill>
+                      <a:prstDash val="solid"/>
+                      <a:round/>
+                      <a:headEnd type="none" w="med" len="med"/>
+                      <a:tailEnd type="none" w="med" len="med"/>
+                    </a:lnT>
+                    <a:lnB w="12700" cap="flat" cmpd="sng" algn="ctr">
+                      <a:solidFill>
+                        <a:schemeClr val="tx1"/>
+                      </a:solidFill>
+                      <a:prstDash val="solid"/>
+                      <a:round/>
+                      <a:headEnd type="none" w="med" len="med"/>
+                      <a:tailEnd type="none" w="med" len="med"/>
+                    </a:lnB>
+                    <a:solidFill>
+                      <a:schemeClr val="bg1"/>
+                    </a:solidFill>
+                  </a:tcPr>
+                </a:tc>
+                <a:tc>
+                  <a:txBody>
+                    <a:bodyPr/>
+                    <a:lstStyle/>
+                    <a:p>
+                      <a:pPr algn="ctr"/>
+                      <a:endParaRPr lang="en-US" sz="1400" b="1"/>
+                    </a:p>
+                  </a:txBody>
+                  <a:tcPr anchor="ctr">
+                    <a:lnL w="12700" cap="flat" cmpd="sng" algn="ctr">
+                      <a:solidFill>
+                        <a:schemeClr val="tx1"/>
+                      </a:solidFill>
+                      <a:prstDash val="solid"/>
+                      <a:round/>
+                      <a:headEnd type="none" w="med" len="med"/>
+                      <a:tailEnd type="none" w="med" len="med"/>
+                    </a:lnL>
+                    <a:lnR w="12700" cap="flat" cmpd="sng" algn="ctr">
+                      <a:solidFill>
+                        <a:schemeClr val="tx1"/>
+                      </a:solidFill>
+                      <a:prstDash val="solid"/>
+                      <a:round/>
+                      <a:headEnd type="none" w="med" len="med"/>
+                      <a:tailEnd type="none" w="med" len="med"/>
+                    </a:lnR>
+                    <a:lnT w="12700" cap="flat" cmpd="sng" algn="ctr">
+                      <a:solidFill>
+                        <a:schemeClr val="tx1"/>
+                      </a:solidFill>
+                      <a:prstDash val="solid"/>
+                      <a:round/>
+                      <a:headEnd type="none" w="med" len="med"/>
+                      <a:tailEnd type="none" w="med" len="med"/>
+                    </a:lnT>
+                    <a:lnB w="12700" cap="flat" cmpd="sng" algn="ctr">
+                      <a:solidFill>
+                        <a:schemeClr val="tx1"/>
+                      </a:solidFill>
+                      <a:prstDash val="solid"/>
+                      <a:round/>
+                      <a:headEnd type="none" w="med" len="med"/>
+                      <a:tailEnd type="none" w="med" len="med"/>
+                    </a:lnB>
+                    <a:solidFill>
+                      <a:schemeClr val="bg1"/>
+                    </a:solidFill>
+                  </a:tcPr>
+                </a:tc>
+                <a:extLst>
+                  <a:ext uri="{0D108BD9-81ED-4DB2-BD59-A6C34878D82A}">
+                    <a16:rowId xmlns:a16="http://schemas.microsoft.com/office/drawing/2014/main" val="2910744440"/>
+                  </a:ext>
+                </a:extLst>
+              </a:tr>
+              <a:tr h="516297">
+                <a:tc>
+                  <a:txBody>
+                    <a:bodyPr/>
+                    <a:lstStyle/>
+                    <a:p>
+                      <a:pPr algn="ctr"/>
+                      <a:r>
+                        <a:rPr lang="hr-HR" sz="1400" b="1" dirty="0"/>
+                        <a:t>Dokumentacija</a:t>
+                      </a:r>
+                      <a:endParaRPr lang="en-US" sz="1400" b="1" dirty="0"/>
+                    </a:p>
+                  </a:txBody>
+                  <a:tcPr anchor="ctr">
+                    <a:lnL w="12700" cap="flat" cmpd="sng" algn="ctr">
+                      <a:solidFill>
+                        <a:schemeClr val="tx1"/>
+                      </a:solidFill>
+                      <a:prstDash val="solid"/>
+                      <a:round/>
+                      <a:headEnd type="none" w="med" len="med"/>
+                      <a:tailEnd type="none" w="med" len="med"/>
+                    </a:lnL>
+                    <a:lnR w="12700" cap="flat" cmpd="sng" algn="ctr">
+                      <a:solidFill>
+                        <a:schemeClr val="tx1"/>
+                      </a:solidFill>
+                      <a:prstDash val="solid"/>
+                      <a:round/>
+                      <a:headEnd type="none" w="med" len="med"/>
+                      <a:tailEnd type="none" w="med" len="med"/>
+                    </a:lnR>
+                    <a:lnT w="12700" cap="flat" cmpd="sng" algn="ctr">
+                      <a:solidFill>
+                        <a:schemeClr val="tx1"/>
+                      </a:solidFill>
+                      <a:prstDash val="solid"/>
+                      <a:round/>
+                      <a:headEnd type="none" w="med" len="med"/>
+                      <a:tailEnd type="none" w="med" len="med"/>
+                    </a:lnT>
+                    <a:lnB w="12700" cap="flat" cmpd="sng" algn="ctr">
+                      <a:solidFill>
+                        <a:schemeClr val="tx1"/>
+                      </a:solidFill>
+                      <a:prstDash val="solid"/>
+                      <a:round/>
+                      <a:headEnd type="none" w="med" len="med"/>
+                      <a:tailEnd type="none" w="med" len="med"/>
+                    </a:lnB>
+                    <a:solidFill>
+                      <a:schemeClr val="bg1"/>
+                    </a:solidFill>
+                  </a:tcPr>
+                </a:tc>
+                <a:tc>
+                  <a:txBody>
+                    <a:bodyPr/>
+                    <a:lstStyle/>
+                    <a:p>
+                      <a:pPr algn="ctr"/>
+                      <a:endParaRPr lang="en-US" sz="1400" b="1" dirty="0"/>
+                    </a:p>
+                  </a:txBody>
+                  <a:tcPr anchor="ctr">
+                    <a:lnL w="12700" cap="flat" cmpd="sng" algn="ctr">
+                      <a:solidFill>
+                        <a:schemeClr val="tx1"/>
+                      </a:solidFill>
+                      <a:prstDash val="solid"/>
+                      <a:round/>
+                      <a:headEnd type="none" w="med" len="med"/>
+                      <a:tailEnd type="none" w="med" len="med"/>
+                    </a:lnL>
+                    <a:lnR w="12700" cap="flat" cmpd="sng" algn="ctr">
+                      <a:solidFill>
+                        <a:schemeClr val="tx1"/>
+                      </a:solidFill>
+                      <a:prstDash val="solid"/>
+                      <a:round/>
+                      <a:headEnd type="none" w="med" len="med"/>
+                      <a:tailEnd type="none" w="med" len="med"/>
+                    </a:lnR>
+                    <a:lnT w="12700" cap="flat" cmpd="sng" algn="ctr">
+                      <a:solidFill>
+                        <a:schemeClr val="tx1"/>
+                      </a:solidFill>
+                      <a:prstDash val="solid"/>
+                      <a:round/>
+                      <a:headEnd type="none" w="med" len="med"/>
+                      <a:tailEnd type="none" w="med" len="med"/>
+                    </a:lnT>
+                    <a:lnB w="12700" cap="flat" cmpd="sng" algn="ctr">
+                      <a:solidFill>
+                        <a:schemeClr val="tx1"/>
+                      </a:solidFill>
+                      <a:prstDash val="solid"/>
+                      <a:round/>
+                      <a:headEnd type="none" w="med" len="med"/>
+                      <a:tailEnd type="none" w="med" len="med"/>
+                    </a:lnB>
+                    <a:solidFill>
+                      <a:schemeClr val="bg1"/>
+                    </a:solidFill>
+                  </a:tcPr>
+                </a:tc>
+                <a:tc>
+                  <a:txBody>
+                    <a:bodyPr/>
+                    <a:lstStyle/>
+                    <a:p>
+                      <a:pPr algn="ctr"/>
+                      <a:r>
+                        <a:rPr lang="hr-HR" sz="1400" b="1" dirty="0"/>
+                        <a:t>20</a:t>
+                      </a:r>
+                      <a:endParaRPr lang="en-US" sz="1400" b="1" dirty="0"/>
+                    </a:p>
+                  </a:txBody>
+                  <a:tcPr anchor="ctr">
+                    <a:lnL w="12700" cap="flat" cmpd="sng" algn="ctr">
+                      <a:solidFill>
+                        <a:schemeClr val="tx1"/>
+                      </a:solidFill>
+                      <a:prstDash val="solid"/>
+                      <a:round/>
+                      <a:headEnd type="none" w="med" len="med"/>
+                      <a:tailEnd type="none" w="med" len="med"/>
+                    </a:lnL>
+                    <a:lnR w="12700" cap="flat" cmpd="sng" algn="ctr">
+                      <a:solidFill>
+                        <a:schemeClr val="tx1"/>
+                      </a:solidFill>
+                      <a:prstDash val="solid"/>
+                      <a:round/>
+                      <a:headEnd type="none" w="med" len="med"/>
+                      <a:tailEnd type="none" w="med" len="med"/>
+                    </a:lnR>
+                    <a:lnT w="12700" cap="flat" cmpd="sng" algn="ctr">
+                      <a:solidFill>
+                        <a:schemeClr val="tx1"/>
+                      </a:solidFill>
+                      <a:prstDash val="solid"/>
+                      <a:round/>
+                      <a:headEnd type="none" w="med" len="med"/>
+                      <a:tailEnd type="none" w="med" len="med"/>
+                    </a:lnT>
+                    <a:lnB w="12700" cap="flat" cmpd="sng" algn="ctr">
+                      <a:solidFill>
+                        <a:schemeClr val="tx1"/>
+                      </a:solidFill>
+                      <a:prstDash val="solid"/>
+                      <a:round/>
+                      <a:headEnd type="none" w="med" len="med"/>
+                      <a:tailEnd type="none" w="med" len="med"/>
+                    </a:lnB>
+                    <a:solidFill>
+                      <a:schemeClr val="bg1"/>
+                    </a:solidFill>
+                  </a:tcPr>
+                </a:tc>
+                <a:tc>
+                  <a:txBody>
+                    <a:bodyPr/>
+                    <a:lstStyle/>
+                    <a:p>
+                      <a:pPr algn="ctr"/>
+                      <a:endParaRPr lang="en-US" sz="1400" b="1"/>
+                    </a:p>
+                  </a:txBody>
+                  <a:tcPr anchor="ctr">
+                    <a:lnL w="12700" cap="flat" cmpd="sng" algn="ctr">
+                      <a:solidFill>
+                        <a:schemeClr val="tx1"/>
+                      </a:solidFill>
+                      <a:prstDash val="solid"/>
+                      <a:round/>
+                      <a:headEnd type="none" w="med" len="med"/>
+                      <a:tailEnd type="none" w="med" len="med"/>
+                    </a:lnL>
+                    <a:lnR w="12700" cap="flat" cmpd="sng" algn="ctr">
+                      <a:solidFill>
+                        <a:schemeClr val="tx1"/>
+                      </a:solidFill>
+                      <a:prstDash val="solid"/>
+                      <a:round/>
+                      <a:headEnd type="none" w="med" len="med"/>
+                      <a:tailEnd type="none" w="med" len="med"/>
+                    </a:lnR>
+                    <a:lnT w="12700" cap="flat" cmpd="sng" algn="ctr">
+                      <a:solidFill>
+                        <a:schemeClr val="tx1"/>
+                      </a:solidFill>
+                      <a:prstDash val="solid"/>
+                      <a:round/>
+                      <a:headEnd type="none" w="med" len="med"/>
+                      <a:tailEnd type="none" w="med" len="med"/>
+                    </a:lnT>
+                    <a:lnB w="12700" cap="flat" cmpd="sng" algn="ctr">
+                      <a:solidFill>
+                        <a:schemeClr val="tx1"/>
+                      </a:solidFill>
+                      <a:prstDash val="solid"/>
+                      <a:round/>
+                      <a:headEnd type="none" w="med" len="med"/>
+                      <a:tailEnd type="none" w="med" len="med"/>
+                    </a:lnB>
+                    <a:solidFill>
+                      <a:schemeClr val="bg1"/>
+                    </a:solidFill>
+                  </a:tcPr>
+                </a:tc>
+                <a:tc>
+                  <a:txBody>
+                    <a:bodyPr/>
+                    <a:lstStyle/>
+                    <a:p>
+                      <a:pPr algn="ctr"/>
+                      <a:endParaRPr lang="en-US" sz="1400" b="1"/>
+                    </a:p>
+                  </a:txBody>
+                  <a:tcPr anchor="ctr">
+                    <a:lnL w="12700" cap="flat" cmpd="sng" algn="ctr">
+                      <a:solidFill>
+                        <a:schemeClr val="tx1"/>
+                      </a:solidFill>
+                      <a:prstDash val="solid"/>
+                      <a:round/>
+                      <a:headEnd type="none" w="med" len="med"/>
+                      <a:tailEnd type="none" w="med" len="med"/>
+                    </a:lnL>
+                    <a:lnR w="12700" cap="flat" cmpd="sng" algn="ctr">
+                      <a:solidFill>
+                        <a:schemeClr val="tx1"/>
+                      </a:solidFill>
+                      <a:prstDash val="solid"/>
+                      <a:round/>
+                      <a:headEnd type="none" w="med" len="med"/>
+                      <a:tailEnd type="none" w="med" len="med"/>
+                    </a:lnR>
+                    <a:lnT w="12700" cap="flat" cmpd="sng" algn="ctr">
+                      <a:solidFill>
+                        <a:schemeClr val="tx1"/>
+                      </a:solidFill>
+                      <a:prstDash val="solid"/>
+                      <a:round/>
+                      <a:headEnd type="none" w="med" len="med"/>
+                      <a:tailEnd type="none" w="med" len="med"/>
+                    </a:lnT>
+                    <a:lnB w="12700" cap="flat" cmpd="sng" algn="ctr">
+                      <a:solidFill>
+                        <a:schemeClr val="tx1"/>
+                      </a:solidFill>
+                      <a:prstDash val="solid"/>
+                      <a:round/>
+                      <a:headEnd type="none" w="med" len="med"/>
+                      <a:tailEnd type="none" w="med" len="med"/>
+                    </a:lnB>
+                    <a:solidFill>
+                      <a:schemeClr val="bg1"/>
+                    </a:solidFill>
+                  </a:tcPr>
+                </a:tc>
+                <a:tc>
+                  <a:txBody>
+                    <a:bodyPr/>
+                    <a:lstStyle/>
+                    <a:p>
+                      <a:pPr algn="ctr"/>
+                      <a:endParaRPr lang="en-US" sz="1400" b="1"/>
+                    </a:p>
+                  </a:txBody>
+                  <a:tcPr anchor="ctr">
+                    <a:lnL w="12700" cap="flat" cmpd="sng" algn="ctr">
+                      <a:solidFill>
+                        <a:schemeClr val="tx1"/>
+                      </a:solidFill>
+                      <a:prstDash val="solid"/>
+                      <a:round/>
+                      <a:headEnd type="none" w="med" len="med"/>
+                      <a:tailEnd type="none" w="med" len="med"/>
+                    </a:lnL>
+                    <a:lnR w="12700" cap="flat" cmpd="sng" algn="ctr">
+                      <a:solidFill>
+                        <a:schemeClr val="tx1"/>
+                      </a:solidFill>
+                      <a:prstDash val="solid"/>
+                      <a:round/>
+                      <a:headEnd type="none" w="med" len="med"/>
+                      <a:tailEnd type="none" w="med" len="med"/>
+                    </a:lnR>
+                    <a:lnT w="12700" cap="flat" cmpd="sng" algn="ctr">
+                      <a:solidFill>
+                        <a:schemeClr val="tx1"/>
+                      </a:solidFill>
+                      <a:prstDash val="solid"/>
+                      <a:round/>
+                      <a:headEnd type="none" w="med" len="med"/>
+                      <a:tailEnd type="none" w="med" len="med"/>
+                    </a:lnT>
+                    <a:lnB w="12700" cap="flat" cmpd="sng" algn="ctr">
+                      <a:solidFill>
+                        <a:schemeClr val="tx1"/>
+                      </a:solidFill>
+                      <a:prstDash val="solid"/>
+                      <a:round/>
+                      <a:headEnd type="none" w="med" len="med"/>
+                      <a:tailEnd type="none" w="med" len="med"/>
+                    </a:lnB>
+                    <a:solidFill>
+                      <a:schemeClr val="bg1"/>
+                    </a:solidFill>
+                  </a:tcPr>
+                </a:tc>
+                <a:extLst>
+                  <a:ext uri="{0D108BD9-81ED-4DB2-BD59-A6C34878D82A}">
+                    <a16:rowId xmlns:a16="http://schemas.microsoft.com/office/drawing/2014/main" val="4150467446"/>
+                  </a:ext>
+                </a:extLst>
+              </a:tr>
+              <a:tr h="516297">
+                <a:tc>
+                  <a:txBody>
+                    <a:bodyPr/>
+                    <a:lstStyle/>
+                    <a:p>
+                      <a:pPr algn="ctr"/>
+                      <a:r>
+                        <a:rPr lang="hr-HR" sz="1400" b="1" dirty="0"/>
+                        <a:t>Frontend dio aplikacije</a:t>
+                      </a:r>
+                      <a:endParaRPr lang="en-US" sz="1400" b="1" dirty="0"/>
+                    </a:p>
+                  </a:txBody>
+                  <a:tcPr anchor="ctr">
+                    <a:lnL w="12700" cap="flat" cmpd="sng" algn="ctr">
+                      <a:solidFill>
+                        <a:schemeClr val="tx1"/>
+                      </a:solidFill>
+                      <a:prstDash val="solid"/>
+                      <a:round/>
+                      <a:headEnd type="none" w="med" len="med"/>
+                      <a:tailEnd type="none" w="med" len="med"/>
+                    </a:lnL>
+                    <a:lnR w="12700" cap="flat" cmpd="sng" algn="ctr">
+                      <a:solidFill>
+                        <a:schemeClr val="tx1"/>
+                      </a:solidFill>
+                      <a:prstDash val="solid"/>
+                      <a:round/>
+                      <a:headEnd type="none" w="med" len="med"/>
+                      <a:tailEnd type="none" w="med" len="med"/>
+                    </a:lnR>
+                    <a:lnT w="12700" cap="flat" cmpd="sng" algn="ctr">
+                      <a:solidFill>
+                        <a:schemeClr val="tx1"/>
+                      </a:solidFill>
+                      <a:prstDash val="solid"/>
+                      <a:round/>
+                      <a:headEnd type="none" w="med" len="med"/>
+                      <a:tailEnd type="none" w="med" len="med"/>
+                    </a:lnT>
+                    <a:lnB w="12700" cap="flat" cmpd="sng" algn="ctr">
+                      <a:solidFill>
+                        <a:schemeClr val="tx1"/>
+                      </a:solidFill>
+                      <a:prstDash val="solid"/>
+                      <a:round/>
+                      <a:headEnd type="none" w="med" len="med"/>
+                      <a:tailEnd type="none" w="med" len="med"/>
+                    </a:lnB>
+                    <a:solidFill>
+                      <a:schemeClr val="bg1"/>
+                    </a:solidFill>
+                  </a:tcPr>
+                </a:tc>
+                <a:tc>
+                  <a:txBody>
+                    <a:bodyPr/>
+                    <a:lstStyle/>
+                    <a:p>
+                      <a:pPr algn="ctr"/>
+                      <a:endParaRPr lang="en-US" sz="1400" b="1" dirty="0"/>
+                    </a:p>
+                  </a:txBody>
+                  <a:tcPr anchor="ctr">
+                    <a:lnL w="12700" cap="flat" cmpd="sng" algn="ctr">
+                      <a:solidFill>
+                        <a:schemeClr val="tx1"/>
+                      </a:solidFill>
+                      <a:prstDash val="solid"/>
+                      <a:round/>
+                      <a:headEnd type="none" w="med" len="med"/>
+                      <a:tailEnd type="none" w="med" len="med"/>
+                    </a:lnL>
+                    <a:lnR w="12700" cap="flat" cmpd="sng" algn="ctr">
+                      <a:solidFill>
+                        <a:schemeClr val="tx1"/>
+                      </a:solidFill>
+                      <a:prstDash val="solid"/>
+                      <a:round/>
+                      <a:headEnd type="none" w="med" len="med"/>
+                      <a:tailEnd type="none" w="med" len="med"/>
+                    </a:lnR>
+                    <a:lnT w="12700" cap="flat" cmpd="sng" algn="ctr">
+                      <a:solidFill>
+                        <a:schemeClr val="tx1"/>
+                      </a:solidFill>
+                      <a:prstDash val="solid"/>
+                      <a:round/>
+                      <a:headEnd type="none" w="med" len="med"/>
+                      <a:tailEnd type="none" w="med" len="med"/>
+                    </a:lnT>
+                    <a:lnB w="12700" cap="flat" cmpd="sng" algn="ctr">
+                      <a:solidFill>
+                        <a:schemeClr val="tx1"/>
+                      </a:solidFill>
+                      <a:prstDash val="solid"/>
+                      <a:round/>
+                      <a:headEnd type="none" w="med" len="med"/>
+                      <a:tailEnd type="none" w="med" len="med"/>
+                    </a:lnB>
+                    <a:solidFill>
+                      <a:schemeClr val="bg1"/>
+                    </a:solidFill>
+                  </a:tcPr>
+                </a:tc>
+                <a:tc>
+                  <a:txBody>
+                    <a:bodyPr/>
+                    <a:lstStyle/>
+                    <a:p>
+                      <a:pPr algn="ctr"/>
+                      <a:endParaRPr lang="en-US" sz="1400" b="1" dirty="0"/>
+                    </a:p>
+                  </a:txBody>
+                  <a:tcPr anchor="ctr">
+                    <a:lnL w="12700" cap="flat" cmpd="sng" algn="ctr">
+                      <a:solidFill>
+                        <a:schemeClr val="tx1"/>
+                      </a:solidFill>
+                      <a:prstDash val="solid"/>
+                      <a:round/>
+                      <a:headEnd type="none" w="med" len="med"/>
+                      <a:tailEnd type="none" w="med" len="med"/>
+                    </a:lnL>
+                    <a:lnR w="12700" cap="flat" cmpd="sng" algn="ctr">
+                      <a:solidFill>
+                        <a:schemeClr val="tx1"/>
+                      </a:solidFill>
+                      <a:prstDash val="solid"/>
+                      <a:round/>
+                      <a:headEnd type="none" w="med" len="med"/>
+                      <a:tailEnd type="none" w="med" len="med"/>
+                    </a:lnR>
+                    <a:lnT w="12700" cap="flat" cmpd="sng" algn="ctr">
+                      <a:solidFill>
+                        <a:schemeClr val="tx1"/>
+                      </a:solidFill>
+                      <a:prstDash val="solid"/>
+                      <a:round/>
+                      <a:headEnd type="none" w="med" len="med"/>
+                      <a:tailEnd type="none" w="med" len="med"/>
+                    </a:lnT>
+                    <a:lnB w="12700" cap="flat" cmpd="sng" algn="ctr">
+                      <a:solidFill>
+                        <a:schemeClr val="tx1"/>
+                      </a:solidFill>
+                      <a:prstDash val="solid"/>
+                      <a:round/>
+                      <a:headEnd type="none" w="med" len="med"/>
+                      <a:tailEnd type="none" w="med" len="med"/>
+                    </a:lnB>
+                    <a:solidFill>
+                      <a:schemeClr val="bg1"/>
+                    </a:solidFill>
+                  </a:tcPr>
+                </a:tc>
+                <a:tc>
+                  <a:txBody>
+                    <a:bodyPr/>
+                    <a:lstStyle/>
+                    <a:p>
+                      <a:pPr algn="ctr"/>
+                      <a:endParaRPr lang="en-US" sz="1400" b="1" dirty="0"/>
+                    </a:p>
+                  </a:txBody>
+                  <a:tcPr anchor="ctr">
+                    <a:lnL w="12700" cap="flat" cmpd="sng" algn="ctr">
+                      <a:solidFill>
+                        <a:schemeClr val="tx1"/>
+                      </a:solidFill>
+                      <a:prstDash val="solid"/>
+                      <a:round/>
+                      <a:headEnd type="none" w="med" len="med"/>
+                      <a:tailEnd type="none" w="med" len="med"/>
+                    </a:lnL>
+                    <a:lnR w="12700" cap="flat" cmpd="sng" algn="ctr">
+                      <a:solidFill>
+                        <a:schemeClr val="tx1"/>
+                      </a:solidFill>
+                      <a:prstDash val="solid"/>
+                      <a:round/>
+                      <a:headEnd type="none" w="med" len="med"/>
+                      <a:tailEnd type="none" w="med" len="med"/>
+                    </a:lnR>
+                    <a:lnT w="12700" cap="flat" cmpd="sng" algn="ctr">
+                      <a:solidFill>
+                        <a:schemeClr val="tx1"/>
+                      </a:solidFill>
+                      <a:prstDash val="solid"/>
+                      <a:round/>
+                      <a:headEnd type="none" w="med" len="med"/>
+                      <a:tailEnd type="none" w="med" len="med"/>
+                    </a:lnT>
+                    <a:lnB w="12700" cap="flat" cmpd="sng" algn="ctr">
+                      <a:solidFill>
+                        <a:schemeClr val="tx1"/>
+                      </a:solidFill>
+                      <a:prstDash val="solid"/>
+                      <a:round/>
+                      <a:headEnd type="none" w="med" len="med"/>
+                      <a:tailEnd type="none" w="med" len="med"/>
+                    </a:lnB>
+                    <a:solidFill>
+                      <a:schemeClr val="bg1"/>
+                    </a:solidFill>
+                  </a:tcPr>
+                </a:tc>
+                <a:tc>
+                  <a:txBody>
+                    <a:bodyPr/>
+                    <a:lstStyle/>
+                    <a:p>
+                      <a:pPr algn="ctr"/>
+                      <a:endParaRPr lang="en-US" sz="1400" b="1" dirty="0"/>
+                    </a:p>
+                  </a:txBody>
+                  <a:tcPr anchor="ctr">
+                    <a:lnL w="12700" cap="flat" cmpd="sng" algn="ctr">
+                      <a:solidFill>
+                        <a:schemeClr val="tx1"/>
+                      </a:solidFill>
+                      <a:prstDash val="solid"/>
+                      <a:round/>
+                      <a:headEnd type="none" w="med" len="med"/>
+                      <a:tailEnd type="none" w="med" len="med"/>
+                    </a:lnL>
+                    <a:lnR w="12700" cap="flat" cmpd="sng" algn="ctr">
+                      <a:solidFill>
+                        <a:schemeClr val="tx1"/>
+                      </a:solidFill>
+                      <a:prstDash val="solid"/>
+                      <a:round/>
+                      <a:headEnd type="none" w="med" len="med"/>
+                      <a:tailEnd type="none" w="med" len="med"/>
+                    </a:lnR>
+                    <a:lnT w="12700" cap="flat" cmpd="sng" algn="ctr">
+                      <a:solidFill>
+                        <a:schemeClr val="tx1"/>
+                      </a:solidFill>
+                      <a:prstDash val="solid"/>
+                      <a:round/>
+                      <a:headEnd type="none" w="med" len="med"/>
+                      <a:tailEnd type="none" w="med" len="med"/>
+                    </a:lnT>
+                    <a:lnB w="12700" cap="flat" cmpd="sng" algn="ctr">
+                      <a:solidFill>
+                        <a:schemeClr val="tx1"/>
+                      </a:solidFill>
+                      <a:prstDash val="solid"/>
+                      <a:round/>
+                      <a:headEnd type="none" w="med" len="med"/>
+                      <a:tailEnd type="none" w="med" len="med"/>
+                    </a:lnB>
+                    <a:solidFill>
+                      <a:schemeClr val="bg1"/>
+                    </a:solidFill>
+                  </a:tcPr>
+                </a:tc>
+                <a:tc>
+                  <a:txBody>
+                    <a:bodyPr/>
+                    <a:lstStyle/>
+                    <a:p>
+                      <a:pPr algn="ctr"/>
+                      <a:r>
+                        <a:rPr lang="hr-HR" sz="1400" b="1" dirty="0"/>
+                        <a:t>30</a:t>
+                      </a:r>
+                      <a:endParaRPr lang="en-US" sz="1400" b="1" dirty="0"/>
+                    </a:p>
+                  </a:txBody>
+                  <a:tcPr anchor="ctr">
+                    <a:lnL w="12700" cap="flat" cmpd="sng" algn="ctr">
+                      <a:solidFill>
+                        <a:schemeClr val="tx1"/>
+                      </a:solidFill>
+                      <a:prstDash val="solid"/>
+                      <a:round/>
+                      <a:headEnd type="none" w="med" len="med"/>
+                      <a:tailEnd type="none" w="med" len="med"/>
+                    </a:lnL>
+                    <a:lnR w="12700" cap="flat" cmpd="sng" algn="ctr">
+                      <a:solidFill>
+                        <a:schemeClr val="tx1"/>
+                      </a:solidFill>
+                      <a:prstDash val="solid"/>
+                      <a:round/>
+                      <a:headEnd type="none" w="med" len="med"/>
+                      <a:tailEnd type="none" w="med" len="med"/>
+                    </a:lnR>
+                    <a:lnT w="12700" cap="flat" cmpd="sng" algn="ctr">
+                      <a:solidFill>
+                        <a:schemeClr val="tx1"/>
+                      </a:solidFill>
+                      <a:prstDash val="solid"/>
+                      <a:round/>
+                      <a:headEnd type="none" w="med" len="med"/>
+                      <a:tailEnd type="none" w="med" len="med"/>
+                    </a:lnT>
+                    <a:lnB w="12700" cap="flat" cmpd="sng" algn="ctr">
+                      <a:solidFill>
+                        <a:schemeClr val="tx1"/>
+                      </a:solidFill>
+                      <a:prstDash val="solid"/>
+                      <a:round/>
+                      <a:headEnd type="none" w="med" len="med"/>
+                      <a:tailEnd type="none" w="med" len="med"/>
+                    </a:lnB>
+                    <a:solidFill>
+                      <a:schemeClr val="bg1"/>
+                    </a:solidFill>
+                  </a:tcPr>
+                </a:tc>
+                <a:extLst>
+                  <a:ext uri="{0D108BD9-81ED-4DB2-BD59-A6C34878D82A}">
+                    <a16:rowId xmlns:a16="http://schemas.microsoft.com/office/drawing/2014/main" val="3539243929"/>
+                  </a:ext>
+                </a:extLst>
+              </a:tr>
+              <a:tr h="516297">
+                <a:tc>
+                  <a:txBody>
+                    <a:bodyPr/>
+                    <a:lstStyle/>
+                    <a:p>
+                      <a:pPr algn="ctr"/>
+                      <a:r>
+                        <a:rPr lang="hr-HR" sz="1400" b="1" dirty="0"/>
+                        <a:t>Backend dio aplikacije</a:t>
+                      </a:r>
+                      <a:endParaRPr lang="en-US" sz="1400" b="1" dirty="0"/>
+                    </a:p>
+                  </a:txBody>
+                  <a:tcPr anchor="ctr">
+                    <a:lnL w="12700" cap="flat" cmpd="sng" algn="ctr">
+                      <a:solidFill>
+                        <a:schemeClr val="tx1"/>
+                      </a:solidFill>
+                      <a:prstDash val="solid"/>
+                      <a:round/>
+                      <a:headEnd type="none" w="med" len="med"/>
+                      <a:tailEnd type="none" w="med" len="med"/>
+                    </a:lnL>
+                    <a:lnR w="12700" cap="flat" cmpd="sng" algn="ctr">
+                      <a:solidFill>
+                        <a:schemeClr val="tx1"/>
+                      </a:solidFill>
+                      <a:prstDash val="solid"/>
+                      <a:round/>
+                      <a:headEnd type="none" w="med" len="med"/>
+                      <a:tailEnd type="none" w="med" len="med"/>
+                    </a:lnR>
+                    <a:lnT w="12700" cap="flat" cmpd="sng" algn="ctr">
+                      <a:solidFill>
+                        <a:schemeClr val="tx1"/>
+                      </a:solidFill>
+                      <a:prstDash val="solid"/>
+                      <a:round/>
+                      <a:headEnd type="none" w="med" len="med"/>
+                      <a:tailEnd type="none" w="med" len="med"/>
+                    </a:lnT>
+                    <a:lnB w="12700" cap="flat" cmpd="sng" algn="ctr">
+                      <a:solidFill>
+                        <a:schemeClr val="tx1"/>
+                      </a:solidFill>
+                      <a:prstDash val="solid"/>
+                      <a:round/>
+                      <a:headEnd type="none" w="med" len="med"/>
+                      <a:tailEnd type="none" w="med" len="med"/>
+                    </a:lnB>
+                    <a:solidFill>
+                      <a:schemeClr val="bg1"/>
+                    </a:solidFill>
+                  </a:tcPr>
+                </a:tc>
+                <a:tc>
+                  <a:txBody>
+                    <a:bodyPr/>
+                    <a:lstStyle/>
+                    <a:p>
+                      <a:pPr algn="ctr"/>
+                      <a:r>
+                        <a:rPr lang="hr-HR" sz="1400" b="1" dirty="0"/>
+                        <a:t>20</a:t>
+                      </a:r>
+                      <a:endParaRPr lang="en-US" sz="1400" b="1" dirty="0"/>
+                    </a:p>
+                  </a:txBody>
+                  <a:tcPr anchor="ctr">
+                    <a:lnL w="12700" cap="flat" cmpd="sng" algn="ctr">
+                      <a:solidFill>
+                        <a:schemeClr val="tx1"/>
+                      </a:solidFill>
+                      <a:prstDash val="solid"/>
+                      <a:round/>
+                      <a:headEnd type="none" w="med" len="med"/>
+                      <a:tailEnd type="none" w="med" len="med"/>
+                    </a:lnL>
+                    <a:lnR w="12700" cap="flat" cmpd="sng" algn="ctr">
+                      <a:solidFill>
+                        <a:schemeClr val="tx1"/>
+                      </a:solidFill>
+                      <a:prstDash val="solid"/>
+                      <a:round/>
+                      <a:headEnd type="none" w="med" len="med"/>
+                      <a:tailEnd type="none" w="med" len="med"/>
+                    </a:lnR>
+                    <a:lnT w="12700" cap="flat" cmpd="sng" algn="ctr">
+                      <a:solidFill>
+                        <a:schemeClr val="tx1"/>
+                      </a:solidFill>
+                      <a:prstDash val="solid"/>
+                      <a:round/>
+                      <a:headEnd type="none" w="med" len="med"/>
+                      <a:tailEnd type="none" w="med" len="med"/>
+                    </a:lnT>
+                    <a:lnB w="12700" cap="flat" cmpd="sng" algn="ctr">
+                      <a:solidFill>
+                        <a:schemeClr val="tx1"/>
+                      </a:solidFill>
+                      <a:prstDash val="solid"/>
+                      <a:round/>
+                      <a:headEnd type="none" w="med" len="med"/>
+                      <a:tailEnd type="none" w="med" len="med"/>
+                    </a:lnB>
+                    <a:solidFill>
+                      <a:schemeClr val="bg1"/>
+                    </a:solidFill>
+                  </a:tcPr>
+                </a:tc>
+                <a:tc>
+                  <a:txBody>
+                    <a:bodyPr/>
+                    <a:lstStyle/>
+                    <a:p>
+                      <a:pPr algn="ctr"/>
+                      <a:endParaRPr lang="en-US" sz="1400" b="1" dirty="0"/>
+                    </a:p>
+                  </a:txBody>
+                  <a:tcPr anchor="ctr">
+                    <a:lnL w="12700" cap="flat" cmpd="sng" algn="ctr">
+                      <a:solidFill>
+                        <a:schemeClr val="tx1"/>
+                      </a:solidFill>
+                      <a:prstDash val="solid"/>
+                      <a:round/>
+                      <a:headEnd type="none" w="med" len="med"/>
+                      <a:tailEnd type="none" w="med" len="med"/>
+                    </a:lnL>
+                    <a:lnR w="12700" cap="flat" cmpd="sng" algn="ctr">
+                      <a:solidFill>
+                        <a:schemeClr val="tx1"/>
+                      </a:solidFill>
+                      <a:prstDash val="solid"/>
+                      <a:round/>
+                      <a:headEnd type="none" w="med" len="med"/>
+                      <a:tailEnd type="none" w="med" len="med"/>
+                    </a:lnR>
+                    <a:lnT w="12700" cap="flat" cmpd="sng" algn="ctr">
+                      <a:solidFill>
+                        <a:schemeClr val="tx1"/>
+                      </a:solidFill>
+                      <a:prstDash val="solid"/>
+                      <a:round/>
+                      <a:headEnd type="none" w="med" len="med"/>
+                      <a:tailEnd type="none" w="med" len="med"/>
+                    </a:lnT>
+                    <a:lnB w="12700" cap="flat" cmpd="sng" algn="ctr">
+                      <a:solidFill>
+                        <a:schemeClr val="tx1"/>
+                      </a:solidFill>
+                      <a:prstDash val="solid"/>
+                      <a:round/>
+                      <a:headEnd type="none" w="med" len="med"/>
+                      <a:tailEnd type="none" w="med" len="med"/>
+                    </a:lnB>
+                    <a:solidFill>
+                      <a:schemeClr val="bg1"/>
+                    </a:solidFill>
+                  </a:tcPr>
+                </a:tc>
+                <a:tc>
+                  <a:txBody>
+                    <a:bodyPr/>
+                    <a:lstStyle/>
+                    <a:p>
+                      <a:pPr algn="ctr"/>
+                      <a:r>
+                        <a:rPr lang="hr-HR" sz="1400" b="1" dirty="0"/>
+                        <a:t>20</a:t>
+                      </a:r>
+                      <a:endParaRPr lang="en-US" sz="1400" b="1" dirty="0"/>
+                    </a:p>
+                  </a:txBody>
+                  <a:tcPr anchor="ctr">
+                    <a:lnL w="12700" cap="flat" cmpd="sng" algn="ctr">
+                      <a:solidFill>
+                        <a:schemeClr val="tx1"/>
+                      </a:solidFill>
+                      <a:prstDash val="solid"/>
+                      <a:round/>
+                      <a:headEnd type="none" w="med" len="med"/>
+                      <a:tailEnd type="none" w="med" len="med"/>
+                    </a:lnL>
+                    <a:lnR w="12700" cap="flat" cmpd="sng" algn="ctr">
+                      <a:solidFill>
+                        <a:schemeClr val="tx1"/>
+                      </a:solidFill>
+                      <a:prstDash val="solid"/>
+                      <a:round/>
+                      <a:headEnd type="none" w="med" len="med"/>
+                      <a:tailEnd type="none" w="med" len="med"/>
+                    </a:lnR>
+                    <a:lnT w="12700" cap="flat" cmpd="sng" algn="ctr">
+                      <a:solidFill>
+                        <a:schemeClr val="tx1"/>
+                      </a:solidFill>
+                      <a:prstDash val="solid"/>
+                      <a:round/>
+                      <a:headEnd type="none" w="med" len="med"/>
+                      <a:tailEnd type="none" w="med" len="med"/>
+                    </a:lnT>
+                    <a:lnB w="12700" cap="flat" cmpd="sng" algn="ctr">
+                      <a:solidFill>
+                        <a:schemeClr val="tx1"/>
+                      </a:solidFill>
+                      <a:prstDash val="solid"/>
+                      <a:round/>
+                      <a:headEnd type="none" w="med" len="med"/>
+                      <a:tailEnd type="none" w="med" len="med"/>
+                    </a:lnB>
+                    <a:solidFill>
+                      <a:schemeClr val="bg1"/>
+                    </a:solidFill>
+                  </a:tcPr>
+                </a:tc>
+                <a:tc>
+                  <a:txBody>
+                    <a:bodyPr/>
+                    <a:lstStyle/>
+                    <a:p>
+                      <a:pPr algn="ctr"/>
+                      <a:r>
+                        <a:rPr lang="hr-HR" sz="1400" b="1" dirty="0"/>
+                        <a:t>35</a:t>
+                      </a:r>
+                      <a:endParaRPr lang="en-US" sz="1400" b="1" dirty="0"/>
+                    </a:p>
+                  </a:txBody>
+                  <a:tcPr anchor="ctr">
+                    <a:lnL w="12700" cap="flat" cmpd="sng" algn="ctr">
+                      <a:solidFill>
+                        <a:schemeClr val="tx1"/>
+                      </a:solidFill>
+                      <a:prstDash val="solid"/>
+                      <a:round/>
+                      <a:headEnd type="none" w="med" len="med"/>
+                      <a:tailEnd type="none" w="med" len="med"/>
+                    </a:lnL>
+                    <a:lnR w="12700" cap="flat" cmpd="sng" algn="ctr">
+                      <a:solidFill>
+                        <a:schemeClr val="tx1"/>
+                      </a:solidFill>
+                      <a:prstDash val="solid"/>
+                      <a:round/>
+                      <a:headEnd type="none" w="med" len="med"/>
+                      <a:tailEnd type="none" w="med" len="med"/>
+                    </a:lnR>
+                    <a:lnT w="12700" cap="flat" cmpd="sng" algn="ctr">
+                      <a:solidFill>
+                        <a:schemeClr val="tx1"/>
+                      </a:solidFill>
+                      <a:prstDash val="solid"/>
+                      <a:round/>
+                      <a:headEnd type="none" w="med" len="med"/>
+                      <a:tailEnd type="none" w="med" len="med"/>
+                    </a:lnT>
+                    <a:lnB w="12700" cap="flat" cmpd="sng" algn="ctr">
+                      <a:solidFill>
+                        <a:schemeClr val="tx1"/>
+                      </a:solidFill>
+                      <a:prstDash val="solid"/>
+                      <a:round/>
+                      <a:headEnd type="none" w="med" len="med"/>
+                      <a:tailEnd type="none" w="med" len="med"/>
+                    </a:lnB>
+                    <a:solidFill>
+                      <a:schemeClr val="bg1"/>
+                    </a:solidFill>
+                  </a:tcPr>
+                </a:tc>
+                <a:tc>
+                  <a:txBody>
+                    <a:bodyPr/>
+                    <a:lstStyle/>
+                    <a:p>
+                      <a:pPr algn="ctr"/>
+                      <a:endParaRPr lang="en-US" sz="1400" b="1" dirty="0"/>
+                    </a:p>
+                  </a:txBody>
+                  <a:tcPr anchor="ctr">
+                    <a:lnL w="12700" cap="flat" cmpd="sng" algn="ctr">
+                      <a:solidFill>
+                        <a:schemeClr val="tx1"/>
+                      </a:solidFill>
+                      <a:prstDash val="solid"/>
+                      <a:round/>
+                      <a:headEnd type="none" w="med" len="med"/>
+                      <a:tailEnd type="none" w="med" len="med"/>
+                    </a:lnL>
+                    <a:lnR w="12700" cap="flat" cmpd="sng" algn="ctr">
+                      <a:solidFill>
+                        <a:schemeClr val="tx1"/>
+                      </a:solidFill>
+                      <a:prstDash val="solid"/>
+                      <a:round/>
+                      <a:headEnd type="none" w="med" len="med"/>
+                      <a:tailEnd type="none" w="med" len="med"/>
+                    </a:lnR>
+                    <a:lnT w="12700" cap="flat" cmpd="sng" algn="ctr">
+                      <a:solidFill>
+                        <a:schemeClr val="tx1"/>
+                      </a:solidFill>
+                      <a:prstDash val="solid"/>
+                      <a:round/>
+                      <a:headEnd type="none" w="med" len="med"/>
+                      <a:tailEnd type="none" w="med" len="med"/>
+                    </a:lnT>
+                    <a:lnB w="12700" cap="flat" cmpd="sng" algn="ctr">
+                      <a:solidFill>
+                        <a:schemeClr val="tx1"/>
+                      </a:solidFill>
+                      <a:prstDash val="solid"/>
+                      <a:round/>
+                      <a:headEnd type="none" w="med" len="med"/>
+                      <a:tailEnd type="none" w="med" len="med"/>
+                    </a:lnB>
+                    <a:solidFill>
+                      <a:schemeClr val="bg1"/>
+                    </a:solidFill>
+                  </a:tcPr>
+                </a:tc>
+                <a:extLst>
+                  <a:ext uri="{0D108BD9-81ED-4DB2-BD59-A6C34878D82A}">
+                    <a16:rowId xmlns:a16="http://schemas.microsoft.com/office/drawing/2014/main" val="3450266458"/>
+                  </a:ext>
+                </a:extLst>
+              </a:tr>
+            </a:tbl>
+          </a:graphicData>
+        </a:graphic>
+      </p:graphicFrame>
+    </p:spTree>
+    <p:extLst>
+      <p:ext uri="{BB962C8B-B14F-4D97-AF65-F5344CB8AC3E}">
+        <p14:creationId xmlns:p14="http://schemas.microsoft.com/office/powerpoint/2010/main" val="4285223946"/>
+      </p:ext>
+    </p:extLst>
+  </p:cSld>
+  <p:clrMapOvr>
+    <a:masterClrMapping/>
+  </p:clrMapOvr>
+</p:sld>
+</file>
+
+<file path=ppt/slides/slide12.xml><?xml version="1.0" encoding="utf-8"?>
+<p:sld xmlns:a="http://schemas.openxmlformats.org/drawingml/2006/main" xmlns:r="http://schemas.openxmlformats.org/officeDocument/2006/relationships" xmlns:p="http://schemas.openxmlformats.org/presentationml/2006/main">
+  <p:cSld>
+    <p:spTree>
+      <p:nvGrpSpPr>
+        <p:cNvPr id="1" name="">
+          <a:extLst>
+            <a:ext uri="{FF2B5EF4-FFF2-40B4-BE49-F238E27FC236}">
+              <a16:creationId xmlns:a16="http://schemas.microsoft.com/office/drawing/2014/main" id="{C9643B4D-4553-5483-076C-36116EA9D439}"/>
+            </a:ext>
+          </a:extLst>
+        </p:cNvPr>
+        <p:cNvGrpSpPr/>
+        <p:nvPr/>
+      </p:nvGrpSpPr>
+      <p:grpSpPr>
+        <a:xfrm>
+          <a:off x="0" y="0"/>
+          <a:ext cx="0" cy="0"/>
+          <a:chOff x="0" y="0"/>
+          <a:chExt cx="0" cy="0"/>
+        </a:xfrm>
+      </p:grpSpPr>
+      <p:sp>
+        <p:nvSpPr>
+          <p:cNvPr id="2" name="Title 1">
+            <a:extLst>
+              <a:ext uri="{FF2B5EF4-FFF2-40B4-BE49-F238E27FC236}">
+                <a16:creationId xmlns:a16="http://schemas.microsoft.com/office/drawing/2014/main" id="{58F70750-9673-9009-1349-B4687EFCB817}"/>
+              </a:ext>
+            </a:extLst>
+          </p:cNvPr>
+          <p:cNvSpPr>
+            <a:spLocks noGrp="1"/>
+          </p:cNvSpPr>
+          <p:nvPr>
+            <p:ph type="title"/>
+          </p:nvPr>
+        </p:nvSpPr>
+        <p:spPr/>
+        <p:txBody>
+          <a:bodyPr/>
+          <a:lstStyle/>
+          <a:p>
+            <a:r>
+              <a:rPr lang="hr-HR" dirty="0"/>
+              <a:t>Aktivnosti rada na projektu</a:t>
+            </a:r>
+            <a:endParaRPr lang="hr-HR" noProof="0" dirty="0"/>
+          </a:p>
+        </p:txBody>
+      </p:sp>
+      <p:sp>
+        <p:nvSpPr>
+          <p:cNvPr id="4" name="Slide Number Placeholder 3">
+            <a:extLst>
+              <a:ext uri="{FF2B5EF4-FFF2-40B4-BE49-F238E27FC236}">
+                <a16:creationId xmlns:a16="http://schemas.microsoft.com/office/drawing/2014/main" id="{BB13D917-85A3-B973-ACD5-17B483BAB8AB}"/>
+              </a:ext>
+            </a:extLst>
+          </p:cNvPr>
+          <p:cNvSpPr>
+            <a:spLocks noGrp="1"/>
+          </p:cNvSpPr>
+          <p:nvPr>
+            <p:ph type="sldNum" sz="quarter" idx="12"/>
+          </p:nvPr>
+        </p:nvSpPr>
+        <p:spPr/>
+        <p:txBody>
+          <a:bodyPr/>
+          <a:lstStyle/>
+          <a:p>
+            <a:fld id="{FAA41844-C0CA-4144-9D6C-D993F0C0FAB4}" type="slidenum">
+              <a:rPr lang="hr-HR" smtClean="0"/>
+              <a:t>12</a:t>
+            </a:fld>
+            <a:endParaRPr lang="hr-HR" dirty="0"/>
+          </a:p>
+        </p:txBody>
+      </p:sp>
+      <p:pic>
+        <p:nvPicPr>
+          <p:cNvPr id="2050" name="Picture 2">
+            <a:extLst>
+              <a:ext uri="{FF2B5EF4-FFF2-40B4-BE49-F238E27FC236}">
+                <a16:creationId xmlns:a16="http://schemas.microsoft.com/office/drawing/2014/main" id="{6FB91B6F-C8F7-D8E1-D1FE-7DCE005D69FD}"/>
+              </a:ext>
+            </a:extLst>
+          </p:cNvPr>
+          <p:cNvPicPr>
+            <a:picLocks noChangeAspect="1" noChangeArrowheads="1"/>
+          </p:cNvPicPr>
+          <p:nvPr/>
+        </p:nvPicPr>
+        <p:blipFill rotWithShape="1">
+          <a:blip r:embed="rId2">
+            <a:extLst>
+              <a:ext uri="{28A0092B-C50C-407E-A947-70E740481C1C}">
+                <a14:useLocalDpi xmlns:a14="http://schemas.microsoft.com/office/drawing/2010/main" val="0"/>
+              </a:ext>
+            </a:extLst>
+          </a:blip>
+          <a:srcRect r="61394"/>
+          <a:stretch/>
+        </p:blipFill>
+        <p:spPr bwMode="auto">
+          <a:xfrm>
+            <a:off x="371084" y="1175658"/>
+            <a:ext cx="7451149" cy="2821344"/>
+          </a:xfrm>
+          <a:prstGeom prst="rect">
+            <a:avLst/>
+          </a:prstGeom>
+          <a:noFill/>
+          <a:extLst>
+            <a:ext uri="{909E8E84-426E-40DD-AFC4-6F175D3DCCD1}">
+              <a14:hiddenFill xmlns:a14="http://schemas.microsoft.com/office/drawing/2010/main">
+                <a:solidFill>
+                  <a:srgbClr val="FFFFFF"/>
+                </a:solidFill>
+              </a14:hiddenFill>
+            </a:ext>
+          </a:extLst>
+        </p:spPr>
+      </p:pic>
+      <p:pic>
+        <p:nvPicPr>
+          <p:cNvPr id="2052" name="Picture 4">
+            <a:extLst>
+              <a:ext uri="{FF2B5EF4-FFF2-40B4-BE49-F238E27FC236}">
+                <a16:creationId xmlns:a16="http://schemas.microsoft.com/office/drawing/2014/main" id="{9E36608A-AE5C-CC48-F68F-FE05A96568C7}"/>
+              </a:ext>
+            </a:extLst>
+          </p:cNvPr>
+          <p:cNvPicPr>
+            <a:picLocks noChangeAspect="1" noChangeArrowheads="1"/>
+          </p:cNvPicPr>
+          <p:nvPr/>
+        </p:nvPicPr>
+        <p:blipFill rotWithShape="1">
+          <a:blip r:embed="rId2">
+            <a:extLst>
+              <a:ext uri="{28A0092B-C50C-407E-A947-70E740481C1C}">
+                <a14:useLocalDpi xmlns:a14="http://schemas.microsoft.com/office/drawing/2010/main" val="0"/>
+              </a:ext>
+            </a:extLst>
+          </a:blip>
+          <a:srcRect l="45599"/>
+          <a:stretch/>
+        </p:blipFill>
+        <p:spPr bwMode="auto">
+          <a:xfrm>
+            <a:off x="119684" y="4108277"/>
+            <a:ext cx="8904632" cy="2392761"/>
+          </a:xfrm>
+          <a:prstGeom prst="rect">
+            <a:avLst/>
+          </a:prstGeom>
+          <a:noFill/>
+          <a:extLst>
+            <a:ext uri="{909E8E84-426E-40DD-AFC4-6F175D3DCCD1}">
+              <a14:hiddenFill xmlns:a14="http://schemas.microsoft.com/office/drawing/2010/main">
+                <a:solidFill>
+                  <a:srgbClr val="FFFFFF"/>
+                </a:solidFill>
+              </a14:hiddenFill>
+            </a:ext>
+          </a:extLst>
+        </p:spPr>
+      </p:pic>
+    </p:spTree>
+    <p:extLst>
+      <p:ext uri="{BB962C8B-B14F-4D97-AF65-F5344CB8AC3E}">
+        <p14:creationId xmlns:p14="http://schemas.microsoft.com/office/powerpoint/2010/main" val="699057175"/>
+      </p:ext>
+    </p:extLst>
+  </p:cSld>
+  <p:clrMapOvr>
+    <a:masterClrMapping/>
+  </p:clrMapOvr>
+</p:sld>
+</file>
+
+<file path=ppt/slides/slide13.xml><?xml version="1.0" encoding="utf-8"?>
+<p:sld xmlns:a="http://schemas.openxmlformats.org/drawingml/2006/main" xmlns:r="http://schemas.openxmlformats.org/officeDocument/2006/relationships" xmlns:p="http://schemas.openxmlformats.org/presentationml/2006/main">
+  <p:cSld>
+    <p:spTree>
+      <p:nvGrpSpPr>
+        <p:cNvPr id="1" name=""/>
+        <p:cNvGrpSpPr/>
+        <p:nvPr/>
+      </p:nvGrpSpPr>
+      <p:grpSpPr>
+        <a:xfrm>
+          <a:off x="0" y="0"/>
+          <a:ext cx="0" cy="0"/>
+          <a:chOff x="0" y="0"/>
+          <a:chExt cx="0" cy="0"/>
+        </a:xfrm>
+      </p:grpSpPr>
+      <p:sp>
+        <p:nvSpPr>
+          <p:cNvPr id="2" name="Title 1">
+            <a:extLst>
+              <a:ext uri="{FF2B5EF4-FFF2-40B4-BE49-F238E27FC236}">
+                <a16:creationId xmlns:a16="http://schemas.microsoft.com/office/drawing/2014/main" id="{B2C9CBA8-11D5-D65F-3F83-F59F385AC4BA}"/>
+              </a:ext>
+            </a:extLst>
+          </p:cNvPr>
+          <p:cNvSpPr>
+            <a:spLocks noGrp="1"/>
+          </p:cNvSpPr>
+          <p:nvPr>
+            <p:ph type="title"/>
+          </p:nvPr>
+        </p:nvSpPr>
+        <p:spPr/>
+        <p:txBody>
+          <a:bodyPr/>
+          <a:lstStyle/>
+          <a:p>
+            <a:r>
+              <a:rPr lang="hr-HR" noProof="0" dirty="0"/>
+              <a:t>Demonstracija aplikacije</a:t>
+            </a:r>
+          </a:p>
+        </p:txBody>
+      </p:sp>
+      <p:sp>
+        <p:nvSpPr>
+          <p:cNvPr id="4" name="Slide Number Placeholder 3">
+            <a:extLst>
+              <a:ext uri="{FF2B5EF4-FFF2-40B4-BE49-F238E27FC236}">
+                <a16:creationId xmlns:a16="http://schemas.microsoft.com/office/drawing/2014/main" id="{AE76D2D5-F8F8-3548-34C0-61BDD7AAEA8C}"/>
+              </a:ext>
+            </a:extLst>
+          </p:cNvPr>
+          <p:cNvSpPr>
+            <a:spLocks noGrp="1"/>
+          </p:cNvSpPr>
+          <p:nvPr>
+            <p:ph type="sldNum" sz="quarter" idx="12"/>
+          </p:nvPr>
+        </p:nvSpPr>
+        <p:spPr/>
+        <p:txBody>
+          <a:bodyPr/>
+          <a:lstStyle/>
+          <a:p>
+            <a:fld id="{FAA41844-C0CA-4144-9D6C-D993F0C0FAB4}" type="slidenum">
+              <a:rPr lang="hr-HR" smtClean="0"/>
+              <a:t>13</a:t>
+            </a:fld>
+            <a:endParaRPr lang="hr-HR" dirty="0"/>
+          </a:p>
+        </p:txBody>
+      </p:sp>
+    </p:spTree>
+    <p:extLst>
+      <p:ext uri="{BB962C8B-B14F-4D97-AF65-F5344CB8AC3E}">
+        <p14:creationId xmlns:p14="http://schemas.microsoft.com/office/powerpoint/2010/main" val="3208602946"/>
+      </p:ext>
+    </p:extLst>
+  </p:cSld>
+  <p:clrMapOvr>
+    <a:masterClrMapping/>
+  </p:clrMapOvr>
+</p:sld>
+</file>
+
+<file path=ppt/slides/slide14.xml><?xml version="1.0" encoding="utf-8"?>
+<p:sld xmlns:a="http://schemas.openxmlformats.org/drawingml/2006/main" xmlns:r="http://schemas.openxmlformats.org/officeDocument/2006/relationships" xmlns:p="http://schemas.openxmlformats.org/presentationml/2006/main">
+  <p:cSld>
+    <p:spTree>
+      <p:nvGrpSpPr>
+        <p:cNvPr id="1" name=""/>
+        <p:cNvGrpSpPr/>
+        <p:nvPr/>
+      </p:nvGrpSpPr>
+      <p:grpSpPr>
+        <a:xfrm>
+          <a:off x="0" y="0"/>
+          <a:ext cx="0" cy="0"/>
+          <a:chOff x="0" y="0"/>
+          <a:chExt cx="0" cy="0"/>
+        </a:xfrm>
+      </p:grpSpPr>
+      <p:sp>
+        <p:nvSpPr>
+          <p:cNvPr id="2" name="Title 1"/>
+          <p:cNvSpPr>
+            <a:spLocks noGrp="1"/>
+          </p:cNvSpPr>
+          <p:nvPr>
+            <p:ph type="title"/>
+          </p:nvPr>
+        </p:nvSpPr>
+        <p:spPr/>
+        <p:txBody>
+          <a:bodyPr/>
+          <a:lstStyle/>
+          <a:p>
+            <a:r>
+              <a:rPr lang="hr-HR" noProof="0" dirty="0"/>
+              <a:t>Zaključak</a:t>
+            </a:r>
+          </a:p>
+        </p:txBody>
+      </p:sp>
+      <p:sp>
+        <p:nvSpPr>
+          <p:cNvPr id="3" name="Content Placeholder 2"/>
+          <p:cNvSpPr>
+            <a:spLocks noGrp="1"/>
+          </p:cNvSpPr>
+          <p:nvPr>
+            <p:ph idx="1"/>
+          </p:nvPr>
+        </p:nvSpPr>
+        <p:spPr>
+          <a:xfrm>
+            <a:off x="970064" y="1785183"/>
+            <a:ext cx="7203872" cy="3287633"/>
+          </a:xfrm>
+        </p:spPr>
+        <p:txBody>
+          <a:bodyPr/>
+          <a:lstStyle/>
+          <a:p>
+            <a:r>
+              <a:rPr lang="hr-HR" sz="2800" noProof="0" dirty="0"/>
+              <a:t>Naučene lekcije</a:t>
+            </a:r>
+          </a:p>
+          <a:p>
+            <a:pPr lvl="1"/>
+            <a:r>
+              <a:rPr lang="hr-HR" sz="2400" dirty="0">
+                <a:sym typeface="Wingdings" panose="05000000000000000000" pitchFamily="2" charset="2"/>
+              </a:rPr>
+              <a:t>nikad ne ostavi posao za zadnji tren</a:t>
+            </a:r>
+          </a:p>
+          <a:p>
+            <a:pPr lvl="1"/>
+            <a:r>
+              <a:rPr lang="hr-HR" sz="2400" noProof="0" dirty="0">
+                <a:sym typeface="Wingdings" panose="05000000000000000000" pitchFamily="2" charset="2"/>
+              </a:rPr>
+              <a:t>važno je dobro organizirati i podijeliti posao u timu</a:t>
+            </a:r>
+          </a:p>
+          <a:p>
+            <a:pPr lvl="1"/>
+            <a:r>
+              <a:rPr lang="hr-HR" sz="2400" dirty="0">
+                <a:sym typeface="Wingdings" panose="05000000000000000000" pitchFamily="2" charset="2"/>
+              </a:rPr>
+              <a:t>napravi raspored i točne ciljeve za određeni vremenski period</a:t>
+            </a:r>
+          </a:p>
+          <a:p>
+            <a:pPr lvl="1"/>
+            <a:r>
+              <a:rPr lang="hr-HR" sz="2400" noProof="0" dirty="0">
+                <a:sym typeface="Wingdings" panose="05000000000000000000" pitchFamily="2" charset="2"/>
+              </a:rPr>
+              <a:t>dobar opis problema i spe</a:t>
+            </a:r>
+            <a:r>
+              <a:rPr lang="hr-HR" sz="2400" dirty="0">
+                <a:sym typeface="Wingdings" panose="05000000000000000000" pitchFamily="2" charset="2"/>
+              </a:rPr>
+              <a:t>cifikacija zahtjeva jako ubrzava posao</a:t>
+            </a:r>
+            <a:endParaRPr lang="hr-HR" sz="2400" noProof="0" dirty="0">
+              <a:sym typeface="Wingdings" panose="05000000000000000000" pitchFamily="2" charset="2"/>
+            </a:endParaRPr>
+          </a:p>
+          <a:p>
+            <a:pPr lvl="1"/>
+            <a:endParaRPr lang="hr-HR" noProof="0" dirty="0">
+              <a:sym typeface="Wingdings" panose="05000000000000000000" pitchFamily="2" charset="2"/>
+            </a:endParaRPr>
+          </a:p>
+          <a:p>
+            <a:endParaRPr lang="hr-HR" noProof="0" dirty="0"/>
+          </a:p>
+        </p:txBody>
+      </p:sp>
+      <p:sp>
+        <p:nvSpPr>
+          <p:cNvPr id="4" name="Slide Number Placeholder 3"/>
+          <p:cNvSpPr>
+            <a:spLocks noGrp="1"/>
+          </p:cNvSpPr>
+          <p:nvPr>
+            <p:ph type="sldNum" sz="quarter" idx="12"/>
+          </p:nvPr>
+        </p:nvSpPr>
+        <p:spPr/>
+        <p:txBody>
+          <a:bodyPr/>
+          <a:lstStyle/>
+          <a:p>
+            <a:fld id="{FAA41844-C0CA-4144-9D6C-D993F0C0FAB4}" type="slidenum">
+              <a:rPr lang="hr-HR" smtClean="0"/>
+              <a:t>14</a:t>
+            </a:fld>
+            <a:endParaRPr lang="hr-HR" dirty="0"/>
+          </a:p>
+        </p:txBody>
+      </p:sp>
+    </p:spTree>
+    <p:extLst>
+      <p:ext uri="{BB962C8B-B14F-4D97-AF65-F5344CB8AC3E}">
+        <p14:creationId xmlns:p14="http://schemas.microsoft.com/office/powerpoint/2010/main" val="48259320"/>
+      </p:ext>
+    </p:extLst>
+  </p:cSld>
+  <p:clrMapOvr>
+    <a:masterClrMapping/>
+  </p:clrMapOvr>
+</p:sld>
+</file>
+
+<file path=ppt/slides/slide15.xml><?xml version="1.0" encoding="utf-8"?>
+<p:sld xmlns:a="http://schemas.openxmlformats.org/drawingml/2006/main" xmlns:r="http://schemas.openxmlformats.org/officeDocument/2006/relationships" xmlns:p="http://schemas.openxmlformats.org/presentationml/2006/main">
+  <p:cSld>
+    <p:spTree>
+      <p:nvGrpSpPr>
+        <p:cNvPr id="1" name=""/>
+        <p:cNvGrpSpPr/>
+        <p:nvPr/>
+      </p:nvGrpSpPr>
+      <p:grpSpPr>
+        <a:xfrm>
+          <a:off x="0" y="0"/>
+          <a:ext cx="0" cy="0"/>
+          <a:chOff x="0" y="0"/>
+          <a:chExt cx="0" cy="0"/>
+        </a:xfrm>
+      </p:grpSpPr>
+      <p:sp>
+        <p:nvSpPr>
+          <p:cNvPr id="2" name="Title 1">
+            <a:extLst>
+              <a:ext uri="{FF2B5EF4-FFF2-40B4-BE49-F238E27FC236}">
+                <a16:creationId xmlns:a16="http://schemas.microsoft.com/office/drawing/2014/main" id="{2A80212A-8471-2435-8B59-722741094832}"/>
+              </a:ext>
+            </a:extLst>
+          </p:cNvPr>
+          <p:cNvSpPr>
+            <a:spLocks noGrp="1"/>
+          </p:cNvSpPr>
+          <p:nvPr>
+            <p:ph type="title"/>
+          </p:nvPr>
+        </p:nvSpPr>
+        <p:spPr/>
+        <p:txBody>
+          <a:bodyPr/>
+          <a:lstStyle/>
+          <a:p>
+            <a:pPr algn="ctr"/>
+            <a:r>
+              <a:rPr lang="hr-HR" sz="6600" dirty="0"/>
+              <a:t>HVALA NA PAŽNJI </a:t>
+            </a:r>
+            <a:r>
+              <a:rPr lang="hr-HR" sz="6600" dirty="0">
+                <a:sym typeface="Wingdings" panose="05000000000000000000" pitchFamily="2" charset="2"/>
+              </a:rPr>
+              <a:t></a:t>
+            </a:r>
+            <a:endParaRPr lang="en-US" dirty="0"/>
+          </a:p>
+        </p:txBody>
+      </p:sp>
+      <p:sp>
+        <p:nvSpPr>
+          <p:cNvPr id="4" name="Slide Number Placeholder 3">
+            <a:extLst>
+              <a:ext uri="{FF2B5EF4-FFF2-40B4-BE49-F238E27FC236}">
+                <a16:creationId xmlns:a16="http://schemas.microsoft.com/office/drawing/2014/main" id="{96CBC712-972A-7531-E5AA-840E0647C386}"/>
+              </a:ext>
+            </a:extLst>
+          </p:cNvPr>
+          <p:cNvSpPr>
+            <a:spLocks noGrp="1"/>
+          </p:cNvSpPr>
+          <p:nvPr>
+            <p:ph type="sldNum" sz="quarter" idx="12"/>
+          </p:nvPr>
+        </p:nvSpPr>
+        <p:spPr/>
+        <p:txBody>
+          <a:bodyPr/>
+          <a:lstStyle/>
+          <a:p>
+            <a:pPr>
+              <a:defRPr/>
+            </a:pPr>
+            <a:fld id="{66A2C86E-F1C7-46E0-95C6-696D16C6C694}" type="slidenum">
+              <a:rPr lang="hr-HR" noProof="0" smtClean="0"/>
+              <a:pPr>
+                <a:defRPr/>
+              </a:pPr>
+              <a:t>15</a:t>
+            </a:fld>
+            <a:endParaRPr lang="hr-HR" noProof="0" dirty="0"/>
+          </a:p>
+        </p:txBody>
+      </p:sp>
+    </p:spTree>
+    <p:extLst>
+      <p:ext uri="{BB962C8B-B14F-4D97-AF65-F5344CB8AC3E}">
+        <p14:creationId xmlns:p14="http://schemas.microsoft.com/office/powerpoint/2010/main" val="4061926256"/>
+      </p:ext>
+    </p:extLst>
+  </p:cSld>
+  <p:clrMapOvr>
+    <a:masterClrMapping/>
+  </p:clrMapOvr>
+</p:sld>
+</file>
+
+<file path=ppt/slides/slide2.xml><?xml version="1.0" encoding="utf-8"?>
+<p:sld xmlns:a="http://schemas.openxmlformats.org/drawingml/2006/main" xmlns:r="http://schemas.openxmlformats.org/officeDocument/2006/relationships" xmlns:p="http://schemas.openxmlformats.org/presentationml/2006/main">
+  <p:cSld>
+    <p:spTree>
+      <p:nvGrpSpPr>
+        <p:cNvPr id="1" name=""/>
+        <p:cNvGrpSpPr/>
+        <p:nvPr/>
+      </p:nvGrpSpPr>
+      <p:grpSpPr>
+        <a:xfrm>
+          <a:off x="0" y="0"/>
+          <a:ext cx="0" cy="0"/>
+          <a:chOff x="0" y="0"/>
+          <a:chExt cx="0" cy="0"/>
+        </a:xfrm>
+      </p:grpSpPr>
+      <p:sp>
+        <p:nvSpPr>
+          <p:cNvPr id="2" name="Title 1"/>
+          <p:cNvSpPr>
+            <a:spLocks noGrp="1"/>
+          </p:cNvSpPr>
+          <p:nvPr>
+            <p:ph type="title"/>
+          </p:nvPr>
+        </p:nvSpPr>
+        <p:spPr/>
+        <p:txBody>
+          <a:bodyPr/>
+          <a:lstStyle/>
+          <a:p>
+            <a:r>
+              <a:rPr lang="hr-HR" noProof="0" dirty="0"/>
+              <a:t>Sadržaj</a:t>
+            </a:r>
+          </a:p>
+        </p:txBody>
+      </p:sp>
+      <p:sp>
+        <p:nvSpPr>
+          <p:cNvPr id="3" name="Content Placeholder 2"/>
+          <p:cNvSpPr>
+            <a:spLocks noGrp="1"/>
+          </p:cNvSpPr>
+          <p:nvPr>
+            <p:ph idx="1"/>
+          </p:nvPr>
+        </p:nvSpPr>
+        <p:spPr>
+          <a:xfrm>
+            <a:off x="2218761" y="2034300"/>
+            <a:ext cx="4706478" cy="3284951"/>
+          </a:xfrm>
+        </p:spPr>
+        <p:txBody>
+          <a:bodyPr/>
+          <a:lstStyle/>
+          <a:p>
+            <a:r>
+              <a:rPr lang="hr-HR" noProof="0" dirty="0"/>
+              <a:t>Opis zadatka</a:t>
+            </a:r>
+          </a:p>
+          <a:p>
+            <a:r>
+              <a:rPr lang="hr-HR" noProof="0" dirty="0"/>
+              <a:t>Pregled zahtjeva</a:t>
+            </a:r>
+          </a:p>
+          <a:p>
+            <a:r>
+              <a:rPr lang="hr-HR" noProof="0" dirty="0"/>
+              <a:t>Korišteni alati i tehnologije</a:t>
+            </a:r>
+          </a:p>
+          <a:p>
+            <a:r>
+              <a:rPr lang="hr-HR" noProof="0" dirty="0"/>
+              <a:t>Arhitektura</a:t>
+            </a:r>
+          </a:p>
+          <a:p>
+            <a:r>
+              <a:rPr lang="hr-HR" noProof="0" dirty="0"/>
+              <a:t>Organizacija rada </a:t>
+            </a:r>
+          </a:p>
+          <a:p>
+            <a:r>
+              <a:rPr lang="hr-HR" noProof="0" dirty="0"/>
+              <a:t>Iskustva</a:t>
+            </a:r>
+          </a:p>
+        </p:txBody>
+      </p:sp>
+      <p:sp>
+        <p:nvSpPr>
+          <p:cNvPr id="4" name="Slide Number Placeholder 3"/>
+          <p:cNvSpPr>
+            <a:spLocks noGrp="1"/>
+          </p:cNvSpPr>
+          <p:nvPr>
+            <p:ph type="sldNum" sz="quarter" idx="12"/>
+          </p:nvPr>
+        </p:nvSpPr>
+        <p:spPr/>
+        <p:txBody>
+          <a:bodyPr/>
+          <a:lstStyle/>
+          <a:p>
+            <a:fld id="{FAA41844-C0CA-4144-9D6C-D993F0C0FAB4}" type="slidenum">
+              <a:rPr lang="hr-HR" smtClean="0"/>
+              <a:t>2</a:t>
+            </a:fld>
+            <a:endParaRPr lang="hr-HR" dirty="0"/>
+          </a:p>
+        </p:txBody>
+      </p:sp>
+    </p:spTree>
+    <p:extLst>
+      <p:ext uri="{BB962C8B-B14F-4D97-AF65-F5344CB8AC3E}">
+        <p14:creationId xmlns:p14="http://schemas.microsoft.com/office/powerpoint/2010/main" val="1307531060"/>
+      </p:ext>
+    </p:extLst>
+  </p:cSld>
+  <p:clrMapOvr>
+    <a:masterClrMapping/>
+  </p:clrMapOvr>
+</p:sld>
+</file>
+
+<file path=ppt/slides/slide3.xml><?xml version="1.0" encoding="utf-8"?>
+<p:sld xmlns:a="http://schemas.openxmlformats.org/drawingml/2006/main" xmlns:r="http://schemas.openxmlformats.org/officeDocument/2006/relationships" xmlns:p="http://schemas.openxmlformats.org/presentationml/2006/main">
+  <p:cSld>
+    <p:spTree>
+      <p:nvGrpSpPr>
+        <p:cNvPr id="1" name=""/>
+        <p:cNvGrpSpPr/>
+        <p:nvPr/>
+      </p:nvGrpSpPr>
+      <p:grpSpPr>
+        <a:xfrm>
+          <a:off x="0" y="0"/>
+          <a:ext cx="0" cy="0"/>
+          <a:chOff x="0" y="0"/>
+          <a:chExt cx="0" cy="0"/>
+        </a:xfrm>
+      </p:grpSpPr>
+      <p:sp>
+        <p:nvSpPr>
+          <p:cNvPr id="2" name="Title 1"/>
+          <p:cNvSpPr>
+            <a:spLocks noGrp="1"/>
+          </p:cNvSpPr>
+          <p:nvPr>
+            <p:ph type="title"/>
+          </p:nvPr>
+        </p:nvSpPr>
+        <p:spPr/>
+        <p:txBody>
+          <a:bodyPr/>
+          <a:lstStyle/>
+          <a:p>
+            <a:r>
+              <a:rPr lang="hr-HR" noProof="0" dirty="0"/>
+              <a:t>Sadržaj</a:t>
+            </a:r>
+          </a:p>
+        </p:txBody>
+      </p:sp>
+      <p:sp>
+        <p:nvSpPr>
+          <p:cNvPr id="10" name="Content Placeholder 9">
+            <a:extLst>
+              <a:ext uri="{FF2B5EF4-FFF2-40B4-BE49-F238E27FC236}">
+                <a16:creationId xmlns:a16="http://schemas.microsoft.com/office/drawing/2014/main" id="{E6CB0F54-7862-2508-EDB2-877BCE4339C7}"/>
+              </a:ext>
+            </a:extLst>
+          </p:cNvPr>
+          <p:cNvSpPr>
+            <a:spLocks noGrp="1"/>
+          </p:cNvSpPr>
+          <p:nvPr>
+            <p:ph idx="1"/>
+          </p:nvPr>
+        </p:nvSpPr>
+        <p:spPr>
+          <a:xfrm>
+            <a:off x="1806929" y="1190172"/>
+            <a:ext cx="5530142" cy="4984955"/>
+          </a:xfrm>
+        </p:spPr>
+        <p:txBody>
+          <a:bodyPr>
+            <a:normAutofit/>
+          </a:bodyPr>
+          <a:lstStyle/>
+          <a:p>
+            <a:r>
+              <a:rPr lang="hr-HR" sz="3000" noProof="0" dirty="0"/>
+              <a:t>Članovi tima</a:t>
+            </a:r>
+          </a:p>
+          <a:p>
+            <a:r>
+              <a:rPr lang="hr-HR" sz="3000" noProof="0" dirty="0"/>
+              <a:t>Cilj projekta</a:t>
+            </a:r>
+          </a:p>
+          <a:p>
+            <a:r>
+              <a:rPr lang="hr-HR" sz="3000" noProof="0" dirty="0"/>
+              <a:t>Analiza i oblikovanje sustava	</a:t>
+            </a:r>
+          </a:p>
+          <a:p>
+            <a:pPr lvl="1"/>
+            <a:r>
+              <a:rPr lang="hr-HR" sz="2600" noProof="0" dirty="0"/>
+              <a:t>Zahtjevi</a:t>
+            </a:r>
+          </a:p>
+          <a:p>
+            <a:pPr lvl="1"/>
+            <a:r>
+              <a:rPr lang="hr-HR" sz="2600" noProof="0" dirty="0"/>
+              <a:t>Arhitektura</a:t>
+            </a:r>
+          </a:p>
+          <a:p>
+            <a:r>
+              <a:rPr lang="hr-HR" sz="3000" noProof="0" dirty="0"/>
+              <a:t>Organizacija rada </a:t>
+            </a:r>
+          </a:p>
+          <a:p>
+            <a:r>
+              <a:rPr lang="hr-HR" sz="3000" noProof="0" dirty="0"/>
+              <a:t>Iskustva</a:t>
+            </a:r>
+          </a:p>
+          <a:p>
+            <a:endParaRPr lang="hr-HR" noProof="0" dirty="0"/>
+          </a:p>
+        </p:txBody>
+      </p:sp>
+      <p:sp>
+        <p:nvSpPr>
+          <p:cNvPr id="4" name="Slide Number Placeholder 3"/>
+          <p:cNvSpPr>
+            <a:spLocks noGrp="1"/>
+          </p:cNvSpPr>
+          <p:nvPr>
+            <p:ph type="sldNum" sz="quarter" idx="12"/>
+          </p:nvPr>
+        </p:nvSpPr>
+        <p:spPr/>
+        <p:txBody>
+          <a:bodyPr/>
+          <a:lstStyle/>
+          <a:p>
+            <a:fld id="{FAA41844-C0CA-4144-9D6C-D993F0C0FAB4}" type="slidenum">
+              <a:rPr lang="hr-HR" smtClean="0"/>
+              <a:pPr/>
+              <a:t>3</a:t>
+            </a:fld>
+            <a:endParaRPr lang="hr-HR" dirty="0"/>
+          </a:p>
+        </p:txBody>
+      </p:sp>
+    </p:spTree>
+    <p:extLst>
+      <p:ext uri="{BB962C8B-B14F-4D97-AF65-F5344CB8AC3E}">
+        <p14:creationId xmlns:p14="http://schemas.microsoft.com/office/powerpoint/2010/main" val="712565806"/>
+      </p:ext>
+    </p:extLst>
+  </p:cSld>
+  <p:clrMapOvr>
+    <a:masterClrMapping/>
+  </p:clrMapOvr>
+</p:sld>
+</file>
+
+<file path=ppt/slides/slide4.xml><?xml version="1.0" encoding="utf-8"?>
+<p:sld xmlns:a="http://schemas.openxmlformats.org/drawingml/2006/main" xmlns:r="http://schemas.openxmlformats.org/officeDocument/2006/relationships" xmlns:p="http://schemas.openxmlformats.org/presentationml/2006/main">
+  <p:cSld>
+    <p:spTree>
+      <p:nvGrpSpPr>
+        <p:cNvPr id="1" name=""/>
+        <p:cNvGrpSpPr/>
+        <p:nvPr/>
+      </p:nvGrpSpPr>
+      <p:grpSpPr>
+        <a:xfrm>
+          <a:off x="0" y="0"/>
+          <a:ext cx="0" cy="0"/>
+          <a:chOff x="0" y="0"/>
+          <a:chExt cx="0" cy="0"/>
+        </a:xfrm>
+      </p:grpSpPr>
+      <p:sp>
+        <p:nvSpPr>
+          <p:cNvPr id="2" name="Title 1">
+            <a:extLst>
+              <a:ext uri="{FF2B5EF4-FFF2-40B4-BE49-F238E27FC236}">
+                <a16:creationId xmlns:a16="http://schemas.microsoft.com/office/drawing/2014/main" id="{B1ACCC5E-8F0C-4678-41F6-563B723DD1F8}"/>
+              </a:ext>
+            </a:extLst>
+          </p:cNvPr>
+          <p:cNvSpPr>
+            <a:spLocks noGrp="1"/>
+          </p:cNvSpPr>
+          <p:nvPr>
+            <p:ph type="title"/>
+          </p:nvPr>
+        </p:nvSpPr>
+        <p:spPr/>
+        <p:txBody>
+          <a:bodyPr/>
+          <a:lstStyle/>
+          <a:p>
+            <a:r>
+              <a:rPr lang="hr-HR" noProof="0" dirty="0"/>
+              <a:t>Članovi grupe</a:t>
+            </a:r>
+          </a:p>
+        </p:txBody>
+      </p:sp>
+      <p:sp>
+        <p:nvSpPr>
+          <p:cNvPr id="3" name="Content Placeholder 2">
+            <a:extLst>
+              <a:ext uri="{FF2B5EF4-FFF2-40B4-BE49-F238E27FC236}">
+                <a16:creationId xmlns:a16="http://schemas.microsoft.com/office/drawing/2014/main" id="{AA385B14-6D23-2394-890E-2F2CE0684421}"/>
+              </a:ext>
+            </a:extLst>
+          </p:cNvPr>
+          <p:cNvSpPr>
+            <a:spLocks noGrp="1"/>
+          </p:cNvSpPr>
+          <p:nvPr>
+            <p:ph idx="1"/>
+          </p:nvPr>
+        </p:nvSpPr>
+        <p:spPr>
+          <a:xfrm>
+            <a:off x="2479315" y="1101038"/>
+            <a:ext cx="4185369" cy="5400000"/>
+          </a:xfrm>
+        </p:spPr>
+        <p:txBody>
+          <a:bodyPr/>
+          <a:lstStyle/>
+          <a:p>
+            <a:r>
+              <a:rPr lang="hr-HR" sz="3200" b="1" noProof="0" dirty="0"/>
+              <a:t>Voditelj</a:t>
+            </a:r>
+          </a:p>
+          <a:p>
+            <a:pPr lvl="1"/>
+            <a:r>
+              <a:rPr lang="hr-HR" sz="2800" dirty="0"/>
+              <a:t>Mario Olčar</a:t>
+            </a:r>
+          </a:p>
+          <a:p>
+            <a:r>
+              <a:rPr lang="hr-HR" sz="3200" b="1" noProof="0" dirty="0"/>
+              <a:t>Frontend</a:t>
+            </a:r>
+          </a:p>
+          <a:p>
+            <a:pPr lvl="1"/>
+            <a:r>
+              <a:rPr lang="hr-HR" sz="2800" dirty="0"/>
+              <a:t>Iva Džakula</a:t>
+            </a:r>
+          </a:p>
+          <a:p>
+            <a:pPr lvl="1"/>
+            <a:r>
+              <a:rPr lang="hr-HR" sz="2800" noProof="0" dirty="0"/>
+              <a:t>Josip Curkov</a:t>
+            </a:r>
+          </a:p>
+          <a:p>
+            <a:r>
+              <a:rPr lang="hr-HR" sz="3200" b="1" dirty="0"/>
+              <a:t>Backend</a:t>
+            </a:r>
+          </a:p>
+          <a:p>
+            <a:pPr lvl="1"/>
+            <a:r>
+              <a:rPr lang="hr-HR" sz="2800" noProof="0" dirty="0"/>
+              <a:t>Gregor Mihaljević</a:t>
+            </a:r>
+          </a:p>
+          <a:p>
+            <a:pPr lvl="1"/>
+            <a:r>
+              <a:rPr lang="hr-HR" sz="2800" dirty="0"/>
+              <a:t>Tomislav Marenić</a:t>
+            </a:r>
+            <a:endParaRPr lang="hr-HR" sz="2800" noProof="0" dirty="0"/>
+          </a:p>
+          <a:p>
+            <a:pPr marL="0" indent="0">
+              <a:buNone/>
+            </a:pPr>
+            <a:endParaRPr lang="hr-HR" noProof="0" dirty="0"/>
+          </a:p>
+        </p:txBody>
+      </p:sp>
+      <p:sp>
+        <p:nvSpPr>
+          <p:cNvPr id="4" name="Slide Number Placeholder 3">
+            <a:extLst>
+              <a:ext uri="{FF2B5EF4-FFF2-40B4-BE49-F238E27FC236}">
+                <a16:creationId xmlns:a16="http://schemas.microsoft.com/office/drawing/2014/main" id="{FC8E38AF-35BC-BD40-AC94-1AB4341B3288}"/>
+              </a:ext>
+            </a:extLst>
+          </p:cNvPr>
+          <p:cNvSpPr>
+            <a:spLocks noGrp="1"/>
+          </p:cNvSpPr>
+          <p:nvPr>
+            <p:ph type="sldNum" sz="quarter" idx="12"/>
+          </p:nvPr>
+        </p:nvSpPr>
+        <p:spPr/>
+        <p:txBody>
+          <a:bodyPr/>
+          <a:lstStyle/>
+          <a:p>
+            <a:fld id="{FAA41844-C0CA-4144-9D6C-D993F0C0FAB4}" type="slidenum">
+              <a:rPr lang="hr-HR" smtClean="0"/>
+              <a:t>4</a:t>
+            </a:fld>
+            <a:endParaRPr lang="hr-HR" dirty="0"/>
+          </a:p>
+        </p:txBody>
+      </p:sp>
+    </p:spTree>
+    <p:extLst>
+      <p:ext uri="{BB962C8B-B14F-4D97-AF65-F5344CB8AC3E}">
+        <p14:creationId xmlns:p14="http://schemas.microsoft.com/office/powerpoint/2010/main" val="4035151082"/>
+      </p:ext>
+    </p:extLst>
+  </p:cSld>
+  <p:clrMapOvr>
+    <a:masterClrMapping/>
+  </p:clrMapOvr>
+</p:sld>
+</file>
+
+<file path=ppt/slides/slide5.xml><?xml version="1.0" encoding="utf-8"?>
+<p:sld xmlns:a="http://schemas.openxmlformats.org/drawingml/2006/main" xmlns:r="http://schemas.openxmlformats.org/officeDocument/2006/relationships" xmlns:p="http://schemas.openxmlformats.org/presentationml/2006/main">
+  <p:cSld>
+    <p:spTree>
+      <p:nvGrpSpPr>
+        <p:cNvPr id="1" name=""/>
+        <p:cNvGrpSpPr/>
+        <p:nvPr/>
+      </p:nvGrpSpPr>
+      <p:grpSpPr>
+        <a:xfrm>
+          <a:off x="0" y="0"/>
+          <a:ext cx="0" cy="0"/>
+          <a:chOff x="0" y="0"/>
+          <a:chExt cx="0" cy="0"/>
+        </a:xfrm>
+      </p:grpSpPr>
+      <p:sp>
+        <p:nvSpPr>
+          <p:cNvPr id="2" name="Title 1">
+            <a:extLst>
+              <a:ext uri="{FF2B5EF4-FFF2-40B4-BE49-F238E27FC236}">
+                <a16:creationId xmlns:a16="http://schemas.microsoft.com/office/drawing/2014/main" id="{F9DA0B7E-6D2D-545E-3942-807E5763C025}"/>
+              </a:ext>
+            </a:extLst>
+          </p:cNvPr>
+          <p:cNvSpPr>
+            <a:spLocks noGrp="1"/>
+          </p:cNvSpPr>
+          <p:nvPr>
+            <p:ph type="title"/>
+          </p:nvPr>
+        </p:nvSpPr>
+        <p:spPr>
+          <a:xfrm>
+            <a:off x="791999" y="36000"/>
+            <a:ext cx="7920000" cy="828262"/>
+          </a:xfrm>
+        </p:spPr>
+        <p:txBody>
+          <a:bodyPr/>
+          <a:lstStyle/>
+          <a:p>
+            <a:r>
+              <a:rPr lang="hr-HR" noProof="0" dirty="0"/>
+              <a:t>O projektu</a:t>
+            </a:r>
+          </a:p>
+        </p:txBody>
+      </p:sp>
+      <p:sp>
+        <p:nvSpPr>
+          <p:cNvPr id="3" name="Content Placeholder 2">
+            <a:extLst>
+              <a:ext uri="{FF2B5EF4-FFF2-40B4-BE49-F238E27FC236}">
+                <a16:creationId xmlns:a16="http://schemas.microsoft.com/office/drawing/2014/main" id="{F4FDC0A7-2EBE-B97D-F71C-97BD62047FF6}"/>
+              </a:ext>
+            </a:extLst>
+          </p:cNvPr>
+          <p:cNvSpPr>
+            <a:spLocks noGrp="1"/>
+          </p:cNvSpPr>
+          <p:nvPr>
+            <p:ph idx="1"/>
+          </p:nvPr>
+        </p:nvSpPr>
+        <p:spPr>
+          <a:xfrm>
+            <a:off x="827496" y="1101038"/>
+            <a:ext cx="7489007" cy="5400000"/>
+          </a:xfrm>
+        </p:spPr>
+        <p:txBody>
+          <a:bodyPr>
+            <a:normAutofit/>
+          </a:bodyPr>
+          <a:lstStyle/>
+          <a:p>
+            <a:pPr lvl="0"/>
+            <a:r>
+              <a:rPr lang="hr-HR" altLang="sr-Latn-RS" sz="2800" b="1" dirty="0"/>
+              <a:t>Što aplikacija rješava?</a:t>
+            </a:r>
+          </a:p>
+          <a:p>
+            <a:pPr lvl="1"/>
+            <a:r>
+              <a:rPr lang="hr-HR" altLang="sr-Latn-RS" sz="2400" dirty="0"/>
+              <a:t>Rezervacija terena</a:t>
+            </a:r>
+          </a:p>
+          <a:p>
+            <a:pPr lvl="1"/>
+            <a:r>
+              <a:rPr lang="hr-HR" altLang="sr-Latn-RS" sz="2400" dirty="0"/>
+              <a:t>prijava i orgranizacija turnira</a:t>
+            </a:r>
+          </a:p>
+          <a:p>
+            <a:pPr lvl="1"/>
+            <a:r>
+              <a:rPr lang="hr-HR" altLang="sr-Latn-RS" sz="2400" dirty="0"/>
+              <a:t>upravljanje terena od strane njihovih vlasnika</a:t>
+            </a:r>
+          </a:p>
+          <a:p>
+            <a:pPr lvl="0"/>
+            <a:r>
+              <a:rPr lang="hr-HR" altLang="sr-Latn-RS" sz="2800" b="1" dirty="0"/>
+              <a:t>Cilj</a:t>
+            </a:r>
+          </a:p>
+          <a:p>
+            <a:pPr lvl="1"/>
+            <a:r>
+              <a:rPr lang="hr-HR" altLang="sr-Latn-RS" sz="2400" dirty="0"/>
+              <a:t>Razviti web-aplikaciju koja će olakšati rezervaciju terena, prijavu i organizaciju turnira za padel</a:t>
+            </a:r>
+          </a:p>
+          <a:p>
+            <a:pPr lvl="0"/>
+            <a:r>
+              <a:rPr lang="hr-HR" altLang="sr-Latn-RS" sz="2800" b="1" dirty="0"/>
+              <a:t>Slična rješenja</a:t>
+            </a:r>
+          </a:p>
+          <a:p>
+            <a:pPr lvl="1"/>
+            <a:r>
+              <a:rPr lang="hr-HR" altLang="sr-Latn-RS" sz="2400" dirty="0"/>
+              <a:t>Playtomic, SportyPlus, MATCHi</a:t>
+            </a:r>
+          </a:p>
+          <a:p>
+            <a:pPr lvl="1"/>
+            <a:endParaRPr lang="hr-HR" altLang="sr-Latn-RS" dirty="0"/>
+          </a:p>
+        </p:txBody>
+      </p:sp>
+      <p:sp>
+        <p:nvSpPr>
+          <p:cNvPr id="4" name="Slide Number Placeholder 3">
+            <a:extLst>
+              <a:ext uri="{FF2B5EF4-FFF2-40B4-BE49-F238E27FC236}">
+                <a16:creationId xmlns:a16="http://schemas.microsoft.com/office/drawing/2014/main" id="{D9E24A85-3B76-EBCB-772E-CD8CF3165279}"/>
+              </a:ext>
+            </a:extLst>
+          </p:cNvPr>
+          <p:cNvSpPr>
+            <a:spLocks noGrp="1"/>
+          </p:cNvSpPr>
+          <p:nvPr>
+            <p:ph type="sldNum" sz="quarter" idx="12"/>
+          </p:nvPr>
+        </p:nvSpPr>
+        <p:spPr>
+          <a:xfrm>
+            <a:off x="8549260" y="6501038"/>
+            <a:ext cx="475056" cy="288000"/>
+          </a:xfrm>
+        </p:spPr>
+        <p:txBody>
+          <a:bodyPr/>
+          <a:lstStyle/>
+          <a:p>
+            <a:fld id="{FAA41844-C0CA-4144-9D6C-D993F0C0FAB4}" type="slidenum">
+              <a:rPr lang="hr-HR" smtClean="0"/>
+              <a:pPr/>
+              <a:t>5</a:t>
+            </a:fld>
+            <a:endParaRPr lang="hr-HR" dirty="0"/>
+          </a:p>
+        </p:txBody>
+      </p:sp>
+    </p:spTree>
+    <p:extLst>
+      <p:ext uri="{BB962C8B-B14F-4D97-AF65-F5344CB8AC3E}">
+        <p14:creationId xmlns:p14="http://schemas.microsoft.com/office/powerpoint/2010/main" val="1839409896"/>
+      </p:ext>
+    </p:extLst>
+  </p:cSld>
+  <p:clrMapOvr>
+    <a:masterClrMapping/>
+  </p:clrMapOvr>
+</p:sld>
+</file>
+
+<file path=ppt/slides/slide6.xml><?xml version="1.0" encoding="utf-8"?>
+<p:sld xmlns:a="http://schemas.openxmlformats.org/drawingml/2006/main" xmlns:r="http://schemas.openxmlformats.org/officeDocument/2006/relationships" xmlns:p="http://schemas.openxmlformats.org/presentationml/2006/main">
+  <p:cSld>
+    <p:spTree>
+      <p:nvGrpSpPr>
+        <p:cNvPr id="1" name=""/>
+        <p:cNvGrpSpPr/>
+        <p:nvPr/>
+      </p:nvGrpSpPr>
+      <p:grpSpPr>
+        <a:xfrm>
+          <a:off x="0" y="0"/>
+          <a:ext cx="0" cy="0"/>
+          <a:chOff x="0" y="0"/>
+          <a:chExt cx="0" cy="0"/>
+        </a:xfrm>
+      </p:grpSpPr>
+      <p:sp>
+        <p:nvSpPr>
+          <p:cNvPr id="2" name="Title 1">
+            <a:extLst>
+              <a:ext uri="{FF2B5EF4-FFF2-40B4-BE49-F238E27FC236}">
+                <a16:creationId xmlns:a16="http://schemas.microsoft.com/office/drawing/2014/main" id="{85FA2E06-1737-B7F9-B947-86B0B09E82B1}"/>
+              </a:ext>
+            </a:extLst>
+          </p:cNvPr>
+          <p:cNvSpPr>
+            <a:spLocks noGrp="1"/>
+          </p:cNvSpPr>
+          <p:nvPr>
+            <p:ph type="title"/>
+          </p:nvPr>
+        </p:nvSpPr>
+        <p:spPr/>
+        <p:txBody>
+          <a:bodyPr/>
+          <a:lstStyle/>
+          <a:p>
+            <a:r>
+              <a:rPr lang="hr-HR" dirty="0"/>
+              <a:t>FUnkcionalni zahtjevi</a:t>
+            </a:r>
+            <a:endParaRPr lang="en-US" dirty="0"/>
+          </a:p>
+        </p:txBody>
+      </p:sp>
+      <p:sp>
+        <p:nvSpPr>
+          <p:cNvPr id="3" name="Content Placeholder 2">
+            <a:extLst>
+              <a:ext uri="{FF2B5EF4-FFF2-40B4-BE49-F238E27FC236}">
+                <a16:creationId xmlns:a16="http://schemas.microsoft.com/office/drawing/2014/main" id="{17086F4A-1F5B-8004-B622-DEB06EA7A0B5}"/>
+              </a:ext>
+            </a:extLst>
+          </p:cNvPr>
+          <p:cNvSpPr>
+            <a:spLocks noGrp="1"/>
+          </p:cNvSpPr>
+          <p:nvPr>
+            <p:ph idx="1"/>
+          </p:nvPr>
+        </p:nvSpPr>
+        <p:spPr>
+          <a:xfrm>
+            <a:off x="791999" y="1371600"/>
+            <a:ext cx="7379125" cy="2842054"/>
+          </a:xfrm>
+        </p:spPr>
+        <p:txBody>
+          <a:bodyPr/>
+          <a:lstStyle/>
+          <a:p>
+            <a:r>
+              <a:rPr lang="hr-HR" dirty="0"/>
+              <a:t>Registracija korisnika</a:t>
+            </a:r>
+          </a:p>
+          <a:p>
+            <a:r>
+              <a:rPr lang="hr-HR" dirty="0"/>
+              <a:t>Razlikovanje korisnika prema ulogama</a:t>
+            </a:r>
+          </a:p>
+          <a:p>
+            <a:r>
+              <a:rPr lang="hr-HR" dirty="0"/>
+              <a:t>Jednostavno upravljanje rezervacijama i terminima</a:t>
+            </a:r>
+          </a:p>
+          <a:p>
+            <a:r>
+              <a:rPr lang="hr-HR" dirty="0"/>
+              <a:t>Plaćanje za turnire putem PayPal-a</a:t>
+            </a:r>
+          </a:p>
+          <a:p>
+            <a:r>
+              <a:rPr lang="hr-HR" dirty="0"/>
+              <a:t>Prikaz informacija o terenima i održavanju turnirima</a:t>
+            </a:r>
+          </a:p>
+        </p:txBody>
+      </p:sp>
+      <p:sp>
+        <p:nvSpPr>
+          <p:cNvPr id="4" name="Slide Number Placeholder 3">
+            <a:extLst>
+              <a:ext uri="{FF2B5EF4-FFF2-40B4-BE49-F238E27FC236}">
+                <a16:creationId xmlns:a16="http://schemas.microsoft.com/office/drawing/2014/main" id="{C40BA31E-432D-0846-3CD3-1112D000506C}"/>
+              </a:ext>
+            </a:extLst>
+          </p:cNvPr>
+          <p:cNvSpPr>
+            <a:spLocks noGrp="1"/>
+          </p:cNvSpPr>
+          <p:nvPr>
+            <p:ph type="sldNum" sz="quarter" idx="12"/>
+          </p:nvPr>
+        </p:nvSpPr>
+        <p:spPr/>
+        <p:txBody>
+          <a:bodyPr/>
+          <a:lstStyle/>
+          <a:p>
+            <a:fld id="{FAA41844-C0CA-4144-9D6C-D993F0C0FAB4}" type="slidenum">
+              <a:rPr lang="hr-HR" smtClean="0"/>
+              <a:t>6</a:t>
+            </a:fld>
+            <a:endParaRPr lang="hr-HR"/>
+          </a:p>
+        </p:txBody>
+      </p:sp>
+      <p:sp>
+        <p:nvSpPr>
+          <p:cNvPr id="5" name="Content Placeholder 2">
+            <a:extLst>
+              <a:ext uri="{FF2B5EF4-FFF2-40B4-BE49-F238E27FC236}">
+                <a16:creationId xmlns:a16="http://schemas.microsoft.com/office/drawing/2014/main" id="{F0F688D2-06BB-BDB1-5B16-E178F63EDC22}"/>
+              </a:ext>
+            </a:extLst>
+          </p:cNvPr>
+          <p:cNvSpPr txBox="1">
+            <a:spLocks/>
+          </p:cNvSpPr>
+          <p:nvPr/>
+        </p:nvSpPr>
+        <p:spPr>
+          <a:xfrm>
+            <a:off x="3268945" y="4213654"/>
+            <a:ext cx="2606109" cy="2000724"/>
+          </a:xfrm>
+          <a:prstGeom prst="rect">
+            <a:avLst/>
+          </a:prstGeom>
+        </p:spPr>
+        <p:txBody>
+          <a:bodyPr vert="horz" lIns="91440" tIns="45720" rIns="91440" bIns="45720" rtlCol="0" anchor="t" anchorCtr="0">
+            <a:normAutofit/>
+          </a:bodyPr>
+          <a:lstStyle>
+            <a:lvl1pPr marL="266700" indent="-266700" algn="l" defTabSz="257175" rtl="0" eaLnBrk="1" latinLnBrk="0" hangingPunct="1">
+              <a:lnSpc>
+                <a:spcPct val="110000"/>
+              </a:lnSpc>
+              <a:spcBef>
+                <a:spcPts val="500"/>
+              </a:spcBef>
+              <a:spcAft>
+                <a:spcPts val="300"/>
+              </a:spcAft>
+              <a:buClr>
+                <a:schemeClr val="accent1"/>
+              </a:buClr>
+              <a:buSzPct val="92000"/>
+              <a:buFont typeface="Wingdings 2" panose="05020102010507070707" pitchFamily="18" charset="2"/>
+              <a:buChar char=""/>
+              <a:defRPr sz="2400" kern="1200">
+                <a:ln>
+                  <a:noFill/>
+                </a:ln>
+                <a:solidFill>
+                  <a:schemeClr val="tx1"/>
+                </a:solidFill>
+                <a:latin typeface="+mn-lt"/>
+                <a:ea typeface="+mn-ea"/>
+                <a:cs typeface="+mn-cs"/>
+              </a:defRPr>
+            </a:lvl1pPr>
+            <a:lvl2pPr marL="486900" indent="-342900" algn="l" defTabSz="257175" rtl="0" eaLnBrk="1" latinLnBrk="0" hangingPunct="1">
+              <a:spcBef>
+                <a:spcPts val="400"/>
+              </a:spcBef>
+              <a:spcAft>
+                <a:spcPts val="300"/>
+              </a:spcAft>
+              <a:buClr>
+                <a:schemeClr val="accent1"/>
+              </a:buClr>
+              <a:buSzPct val="92000"/>
+              <a:buFont typeface="Wingdings 2" panose="05020102010507070707" pitchFamily="18" charset="2"/>
+              <a:buChar char=""/>
+              <a:defRPr lang="en-US" sz="2000" kern="1200" dirty="0">
+                <a:solidFill>
+                  <a:schemeClr val="tx1"/>
+                </a:solidFill>
+                <a:latin typeface="+mn-lt"/>
+                <a:ea typeface="+mn-ea"/>
+                <a:cs typeface="+mn-cs"/>
+              </a:defRPr>
+            </a:lvl2pPr>
+            <a:lvl3pPr marL="506250" indent="-151875" algn="l" defTabSz="257175" rtl="0" eaLnBrk="1" latinLnBrk="0" hangingPunct="1">
+              <a:spcBef>
+                <a:spcPct val="20000"/>
+              </a:spcBef>
+              <a:spcAft>
+                <a:spcPts val="338"/>
+              </a:spcAft>
+              <a:buClr>
+                <a:schemeClr val="accent1"/>
+              </a:buClr>
+              <a:buSzPct val="92000"/>
+              <a:buFont typeface="Wingdings 2" panose="05020102010507070707" pitchFamily="18" charset="2"/>
+              <a:buChar char=""/>
+              <a:defRPr sz="1600" kern="1200">
+                <a:solidFill>
+                  <a:schemeClr val="tx1"/>
+                </a:solidFill>
+                <a:latin typeface="+mn-lt"/>
+                <a:ea typeface="+mn-ea"/>
+                <a:cs typeface="+mn-cs"/>
+              </a:defRPr>
+            </a:lvl3pPr>
+            <a:lvl4pPr marL="698625" indent="-131625" algn="l" defTabSz="257175" rtl="0" eaLnBrk="1" latinLnBrk="0" hangingPunct="1">
+              <a:spcBef>
+                <a:spcPct val="20000"/>
+              </a:spcBef>
+              <a:spcAft>
+                <a:spcPts val="338"/>
+              </a:spcAft>
+              <a:buClr>
+                <a:schemeClr val="accent1"/>
+              </a:buClr>
+              <a:buSzPct val="92000"/>
+              <a:buFont typeface="Wingdings 2" panose="05020102010507070707" pitchFamily="18" charset="2"/>
+              <a:buChar char=""/>
+              <a:defRPr sz="1400" kern="1200">
+                <a:solidFill>
+                  <a:schemeClr val="tx1"/>
+                </a:solidFill>
+                <a:latin typeface="+mn-lt"/>
+                <a:ea typeface="+mn-ea"/>
+                <a:cs typeface="+mn-cs"/>
+              </a:defRPr>
+            </a:lvl4pPr>
+            <a:lvl5pPr marL="901125" indent="-131625" algn="l" defTabSz="257175" rtl="0" eaLnBrk="1" latinLnBrk="0" hangingPunct="1">
+              <a:spcBef>
+                <a:spcPct val="20000"/>
+              </a:spcBef>
+              <a:spcAft>
+                <a:spcPts val="338"/>
+              </a:spcAft>
+              <a:buClr>
+                <a:schemeClr val="accent1"/>
+              </a:buClr>
+              <a:buSzPct val="92000"/>
+              <a:buFont typeface="Wingdings 2" panose="05020102010507070707" pitchFamily="18" charset="2"/>
+              <a:buChar char=""/>
+              <a:defRPr sz="1400" kern="1200">
+                <a:solidFill>
+                  <a:schemeClr val="tx1"/>
+                </a:solidFill>
+                <a:latin typeface="+mn-lt"/>
+                <a:ea typeface="+mn-ea"/>
+                <a:cs typeface="+mn-cs"/>
+              </a:defRPr>
+            </a:lvl5pPr>
+            <a:lvl6pPr marL="1068750" indent="-128588" algn="l" defTabSz="257175" rtl="0" eaLnBrk="1" latinLnBrk="0" hangingPunct="1">
+              <a:spcBef>
+                <a:spcPct val="20000"/>
+              </a:spcBef>
+              <a:spcAft>
+                <a:spcPts val="338"/>
+              </a:spcAft>
+              <a:buClr>
+                <a:schemeClr val="accent2"/>
+              </a:buClr>
+              <a:buSzPct val="92000"/>
+              <a:buFont typeface="Wingdings 2" panose="05020102010507070707" pitchFamily="18" charset="2"/>
+              <a:buChar char=""/>
+              <a:defRPr sz="675" kern="1200">
+                <a:solidFill>
+                  <a:schemeClr val="tx2"/>
+                </a:solidFill>
+                <a:latin typeface="+mn-lt"/>
+                <a:ea typeface="+mn-ea"/>
+                <a:cs typeface="+mn-cs"/>
+              </a:defRPr>
+            </a:lvl6pPr>
+            <a:lvl7pPr marL="1237500" indent="-128588" algn="l" defTabSz="257175" rtl="0" eaLnBrk="1" latinLnBrk="0" hangingPunct="1">
+              <a:spcBef>
+                <a:spcPct val="20000"/>
+              </a:spcBef>
+              <a:spcAft>
+                <a:spcPts val="338"/>
+              </a:spcAft>
+              <a:buClr>
+                <a:schemeClr val="accent2"/>
+              </a:buClr>
+              <a:buSzPct val="92000"/>
+              <a:buFont typeface="Wingdings 2" panose="05020102010507070707" pitchFamily="18" charset="2"/>
+              <a:buChar char=""/>
+              <a:defRPr sz="675" kern="1200">
+                <a:solidFill>
+                  <a:schemeClr val="tx2"/>
+                </a:solidFill>
+                <a:latin typeface="+mn-lt"/>
+                <a:ea typeface="+mn-ea"/>
+                <a:cs typeface="+mn-cs"/>
+              </a:defRPr>
+            </a:lvl7pPr>
+            <a:lvl8pPr marL="1406250" indent="-128588" algn="l" defTabSz="257175" rtl="0" eaLnBrk="1" latinLnBrk="0" hangingPunct="1">
+              <a:spcBef>
+                <a:spcPct val="20000"/>
+              </a:spcBef>
+              <a:spcAft>
+                <a:spcPts val="338"/>
+              </a:spcAft>
+              <a:buClr>
+                <a:schemeClr val="accent2"/>
+              </a:buClr>
+              <a:buSzPct val="92000"/>
+              <a:buFont typeface="Wingdings 2" panose="05020102010507070707" pitchFamily="18" charset="2"/>
+              <a:buChar char=""/>
+              <a:defRPr sz="675" kern="1200">
+                <a:solidFill>
+                  <a:schemeClr val="tx2"/>
+                </a:solidFill>
+                <a:latin typeface="+mn-lt"/>
+                <a:ea typeface="+mn-ea"/>
+                <a:cs typeface="+mn-cs"/>
+              </a:defRPr>
+            </a:lvl8pPr>
+            <a:lvl9pPr marL="1575000" indent="-128588" algn="l" defTabSz="257175" rtl="0" eaLnBrk="1" latinLnBrk="0" hangingPunct="1">
+              <a:spcBef>
+                <a:spcPct val="20000"/>
+              </a:spcBef>
+              <a:spcAft>
+                <a:spcPts val="338"/>
+              </a:spcAft>
+              <a:buClr>
+                <a:schemeClr val="accent2"/>
+              </a:buClr>
+              <a:buSzPct val="92000"/>
+              <a:buFont typeface="Wingdings 2" panose="05020102010507070707" pitchFamily="18" charset="2"/>
+              <a:buChar char=""/>
+              <a:defRPr sz="675" kern="1200">
+                <a:solidFill>
+                  <a:schemeClr val="tx2"/>
+                </a:solidFill>
+                <a:latin typeface="+mn-lt"/>
+                <a:ea typeface="+mn-ea"/>
+                <a:cs typeface="+mn-cs"/>
+              </a:defRPr>
+            </a:lvl9pPr>
+          </a:lstStyle>
+          <a:p>
+            <a:r>
+              <a:rPr lang="hr-HR" sz="2800" b="1" dirty="0"/>
+              <a:t>Dionici</a:t>
+            </a:r>
+          </a:p>
+          <a:p>
+            <a:pPr lvl="1"/>
+            <a:r>
+              <a:rPr lang="hr-HR" dirty="0"/>
+              <a:t>Administratori</a:t>
+            </a:r>
+          </a:p>
+          <a:p>
+            <a:pPr lvl="1"/>
+            <a:r>
+              <a:rPr lang="hr-HR" dirty="0"/>
+              <a:t>Vlasnici</a:t>
+            </a:r>
+          </a:p>
+          <a:p>
+            <a:pPr lvl="1"/>
+            <a:r>
+              <a:rPr lang="hr-HR" dirty="0"/>
+              <a:t>Igrači</a:t>
+            </a:r>
+          </a:p>
+          <a:p>
+            <a:pPr lvl="1"/>
+            <a:endParaRPr lang="hr-HR" dirty="0"/>
+          </a:p>
+        </p:txBody>
+      </p:sp>
+    </p:spTree>
+    <p:extLst>
+      <p:ext uri="{BB962C8B-B14F-4D97-AF65-F5344CB8AC3E}">
+        <p14:creationId xmlns:p14="http://schemas.microsoft.com/office/powerpoint/2010/main" val="3450955359"/>
+      </p:ext>
+    </p:extLst>
+  </p:cSld>
+  <p:clrMapOvr>
+    <a:masterClrMapping/>
+  </p:clrMapOvr>
+</p:sld>
+</file>
+
+<file path=ppt/slides/slide7.xml><?xml version="1.0" encoding="utf-8"?>
+<p:sld xmlns:a="http://schemas.openxmlformats.org/drawingml/2006/main" xmlns:r="http://schemas.openxmlformats.org/officeDocument/2006/relationships" xmlns:p="http://schemas.openxmlformats.org/presentationml/2006/main">
+  <p:cSld>
+    <p:spTree>
+      <p:nvGrpSpPr>
+        <p:cNvPr id="1" name=""/>
+        <p:cNvGrpSpPr/>
+        <p:nvPr/>
+      </p:nvGrpSpPr>
+      <p:grpSpPr>
+        <a:xfrm>
+          <a:off x="0" y="0"/>
+          <a:ext cx="0" cy="0"/>
+          <a:chOff x="0" y="0"/>
+          <a:chExt cx="0" cy="0"/>
+        </a:xfrm>
+      </p:grpSpPr>
+      <p:sp>
+        <p:nvSpPr>
+          <p:cNvPr id="2" name="Title 1">
+            <a:extLst>
+              <a:ext uri="{FF2B5EF4-FFF2-40B4-BE49-F238E27FC236}">
+                <a16:creationId xmlns:a16="http://schemas.microsoft.com/office/drawing/2014/main" id="{CB8C287E-66C2-308A-4FEA-FC0E7B7527FE}"/>
+              </a:ext>
+            </a:extLst>
+          </p:cNvPr>
+          <p:cNvSpPr>
+            <a:spLocks noGrp="1"/>
+          </p:cNvSpPr>
+          <p:nvPr>
+            <p:ph type="title"/>
+          </p:nvPr>
+        </p:nvSpPr>
+        <p:spPr/>
+        <p:txBody>
+          <a:bodyPr/>
+          <a:lstStyle/>
+          <a:p>
+            <a:r>
+              <a:rPr lang="hr-HR" dirty="0"/>
+              <a:t>Nefunkcionalni zahtjevi</a:t>
+            </a:r>
+            <a:endParaRPr lang="en-US" dirty="0"/>
+          </a:p>
+        </p:txBody>
+      </p:sp>
+      <p:sp>
+        <p:nvSpPr>
+          <p:cNvPr id="3" name="Content Placeholder 2">
+            <a:extLst>
+              <a:ext uri="{FF2B5EF4-FFF2-40B4-BE49-F238E27FC236}">
+                <a16:creationId xmlns:a16="http://schemas.microsoft.com/office/drawing/2014/main" id="{2CB73A4C-2E52-8D22-4EF0-7A05B9755551}"/>
+              </a:ext>
+            </a:extLst>
+          </p:cNvPr>
+          <p:cNvSpPr>
+            <a:spLocks noGrp="1"/>
+          </p:cNvSpPr>
+          <p:nvPr>
+            <p:ph idx="1"/>
+          </p:nvPr>
+        </p:nvSpPr>
+        <p:spPr>
+          <a:xfrm>
+            <a:off x="252000" y="1101038"/>
+            <a:ext cx="8640000" cy="5400000"/>
+          </a:xfrm>
+        </p:spPr>
+        <p:txBody>
+          <a:bodyPr/>
+          <a:lstStyle/>
+          <a:p>
+            <a:r>
+              <a:rPr lang="hr-HR" b="1" dirty="0"/>
+              <a:t>Sigurnost i privatnost</a:t>
+            </a:r>
+          </a:p>
+          <a:p>
+            <a:pPr lvl="1"/>
+            <a:r>
+              <a:rPr lang="hr-HR" dirty="0"/>
+              <a:t>podaci o korisnicima zaštićeni </a:t>
+            </a:r>
+            <a:r>
+              <a:rPr lang="hr-HR" b="1" u="sng" dirty="0"/>
+              <a:t>AES-256</a:t>
+            </a:r>
+            <a:r>
+              <a:rPr lang="hr-HR" dirty="0"/>
+              <a:t> standardom</a:t>
+            </a:r>
+          </a:p>
+          <a:p>
+            <a:pPr lvl="1"/>
+            <a:r>
+              <a:rPr lang="hr-HR" u="sng" dirty="0"/>
+              <a:t>podaci se ne smiju dijeliti s trećim stranama </a:t>
+            </a:r>
+            <a:r>
+              <a:rPr lang="hr-HR" dirty="0"/>
+              <a:t>bez njihovog izričitog pristanka</a:t>
+            </a:r>
+          </a:p>
+          <a:p>
+            <a:pPr lvl="1"/>
+            <a:r>
+              <a:rPr lang="hr-HR" b="1" u="sng" dirty="0"/>
+              <a:t>SSL/TLS</a:t>
+            </a:r>
+            <a:r>
+              <a:rPr lang="hr-HR" dirty="0"/>
+              <a:t> sigurnosni protokoli za komunikaciju</a:t>
+            </a:r>
+          </a:p>
+          <a:p>
+            <a:r>
+              <a:rPr lang="hr-HR" b="1" dirty="0"/>
+              <a:t>Kompatibilnost</a:t>
+            </a:r>
+          </a:p>
+          <a:p>
+            <a:pPr lvl="1"/>
+            <a:r>
+              <a:rPr lang="hr-HR" u="sng" dirty="0"/>
+              <a:t>Dostupnost</a:t>
+            </a:r>
+            <a:r>
+              <a:rPr lang="hr-HR" dirty="0"/>
+              <a:t> na svim vrstama uređaja</a:t>
+            </a:r>
+          </a:p>
+          <a:p>
+            <a:pPr lvl="1"/>
+            <a:r>
+              <a:rPr lang="hr-HR" dirty="0"/>
+              <a:t>kalendar rezervacija mora biti </a:t>
+            </a:r>
+            <a:r>
+              <a:rPr lang="hr-HR" u="sng" dirty="0"/>
+              <a:t>kompatibilan s popularnim vanjskim servisima</a:t>
+            </a:r>
+            <a:r>
+              <a:rPr lang="hr-HR" dirty="0"/>
+              <a:t> (</a:t>
+            </a:r>
+            <a:r>
+              <a:rPr lang="hr-HR" b="1" dirty="0"/>
+              <a:t>Google kalendar</a:t>
+            </a:r>
+            <a:r>
+              <a:rPr lang="hr-HR" dirty="0"/>
+              <a:t>, </a:t>
+            </a:r>
+            <a:r>
+              <a:rPr lang="hr-HR" b="1" dirty="0"/>
+              <a:t>Calendar.online</a:t>
+            </a:r>
+            <a:r>
+              <a:rPr lang="hr-HR" dirty="0"/>
+              <a:t>)</a:t>
+            </a:r>
+          </a:p>
+          <a:p>
+            <a:r>
+              <a:rPr lang="hr-HR" b="1" dirty="0"/>
+              <a:t>Jednostavnost korištenja</a:t>
+            </a:r>
+          </a:p>
+          <a:p>
+            <a:r>
+              <a:rPr lang="hr-HR" b="1" dirty="0"/>
+              <a:t>Skalabilnost</a:t>
+            </a:r>
+          </a:p>
+          <a:p>
+            <a:r>
+              <a:rPr lang="hr-HR" b="1" dirty="0"/>
+              <a:t>Integracija s vanjskim servisima</a:t>
+            </a:r>
+            <a:endParaRPr lang="en-US" b="1" dirty="0"/>
+          </a:p>
+        </p:txBody>
+      </p:sp>
+      <p:sp>
+        <p:nvSpPr>
+          <p:cNvPr id="4" name="Slide Number Placeholder 3">
+            <a:extLst>
+              <a:ext uri="{FF2B5EF4-FFF2-40B4-BE49-F238E27FC236}">
+                <a16:creationId xmlns:a16="http://schemas.microsoft.com/office/drawing/2014/main" id="{7B560882-22A1-4A03-F21C-F2EF7076040B}"/>
+              </a:ext>
+            </a:extLst>
+          </p:cNvPr>
+          <p:cNvSpPr>
+            <a:spLocks noGrp="1"/>
+          </p:cNvSpPr>
+          <p:nvPr>
+            <p:ph type="sldNum" sz="quarter" idx="12"/>
+          </p:nvPr>
+        </p:nvSpPr>
+        <p:spPr/>
+        <p:txBody>
+          <a:bodyPr/>
+          <a:lstStyle/>
+          <a:p>
+            <a:fld id="{FAA41844-C0CA-4144-9D6C-D993F0C0FAB4}" type="slidenum">
+              <a:rPr lang="hr-HR" smtClean="0"/>
+              <a:t>7</a:t>
+            </a:fld>
+            <a:endParaRPr lang="hr-HR"/>
+          </a:p>
+        </p:txBody>
+      </p:sp>
+    </p:spTree>
+    <p:extLst>
+      <p:ext uri="{BB962C8B-B14F-4D97-AF65-F5344CB8AC3E}">
+        <p14:creationId xmlns:p14="http://schemas.microsoft.com/office/powerpoint/2010/main" val="3929049388"/>
+      </p:ext>
+    </p:extLst>
+  </p:cSld>
+  <p:clrMapOvr>
+    <a:masterClrMapping/>
+  </p:clrMapOvr>
+</p:sld>
+</file>
+
+<file path=ppt/slides/slide8.xml><?xml version="1.0" encoding="utf-8"?>
+<p:sld xmlns:a="http://schemas.openxmlformats.org/drawingml/2006/main" xmlns:r="http://schemas.openxmlformats.org/officeDocument/2006/relationships" xmlns:p="http://schemas.openxmlformats.org/presentationml/2006/main">
+  <p:cSld>
+    <p:spTree>
+      <p:nvGrpSpPr>
+        <p:cNvPr id="1" name=""/>
+        <p:cNvGrpSpPr/>
+        <p:nvPr/>
+      </p:nvGrpSpPr>
+      <p:grpSpPr>
+        <a:xfrm>
+          <a:off x="0" y="0"/>
+          <a:ext cx="0" cy="0"/>
+          <a:chOff x="0" y="0"/>
+          <a:chExt cx="0" cy="0"/>
+        </a:xfrm>
+      </p:grpSpPr>
+      <p:sp>
+        <p:nvSpPr>
+          <p:cNvPr id="2" name="Title 1">
+            <a:extLst>
+              <a:ext uri="{FF2B5EF4-FFF2-40B4-BE49-F238E27FC236}">
+                <a16:creationId xmlns:a16="http://schemas.microsoft.com/office/drawing/2014/main" id="{2D9B194B-73FA-DAD6-728F-E14212BE24C3}"/>
+              </a:ext>
+            </a:extLst>
+          </p:cNvPr>
+          <p:cNvSpPr>
+            <a:spLocks noGrp="1"/>
+          </p:cNvSpPr>
+          <p:nvPr>
+            <p:ph type="title"/>
+          </p:nvPr>
+        </p:nvSpPr>
+        <p:spPr/>
+        <p:txBody>
+          <a:bodyPr>
+            <a:normAutofit/>
+          </a:bodyPr>
+          <a:lstStyle/>
+          <a:p>
+            <a:r>
+              <a:rPr lang="hr-HR" noProof="0" dirty="0"/>
+              <a:t>UML dijagram obrazaca uporabe</a:t>
+            </a:r>
+          </a:p>
+        </p:txBody>
+      </p:sp>
+      <p:sp>
+        <p:nvSpPr>
+          <p:cNvPr id="4" name="Slide Number Placeholder 3">
+            <a:extLst>
+              <a:ext uri="{FF2B5EF4-FFF2-40B4-BE49-F238E27FC236}">
+                <a16:creationId xmlns:a16="http://schemas.microsoft.com/office/drawing/2014/main" id="{F190CEC8-0F4C-E99E-FC93-F08F526E71E5}"/>
+              </a:ext>
+            </a:extLst>
+          </p:cNvPr>
+          <p:cNvSpPr>
+            <a:spLocks noGrp="1"/>
+          </p:cNvSpPr>
+          <p:nvPr>
+            <p:ph type="sldNum" sz="quarter" idx="12"/>
+          </p:nvPr>
+        </p:nvSpPr>
+        <p:spPr/>
+        <p:txBody>
+          <a:bodyPr/>
+          <a:lstStyle/>
+          <a:p>
+            <a:fld id="{FAA41844-C0CA-4144-9D6C-D993F0C0FAB4}" type="slidenum">
+              <a:rPr lang="hr-HR" smtClean="0"/>
+              <a:t>8</a:t>
+            </a:fld>
+            <a:endParaRPr lang="hr-HR" dirty="0"/>
+          </a:p>
+        </p:txBody>
+      </p:sp>
+      <p:pic>
+        <p:nvPicPr>
+          <p:cNvPr id="1026" name="Picture 2" descr="1731457825410">
+            <a:extLst>
+              <a:ext uri="{FF2B5EF4-FFF2-40B4-BE49-F238E27FC236}">
+                <a16:creationId xmlns:a16="http://schemas.microsoft.com/office/drawing/2014/main" id="{DD76E0FB-EF6F-0D8F-378E-4A0DB86F6441}"/>
+              </a:ext>
+            </a:extLst>
+          </p:cNvPr>
+          <p:cNvPicPr>
+            <a:picLocks noChangeAspect="1" noChangeArrowheads="1"/>
+          </p:cNvPicPr>
+          <p:nvPr/>
+        </p:nvPicPr>
+        <p:blipFill>
+          <a:blip r:embed="rId2">
+            <a:extLst>
+              <a:ext uri="{28A0092B-C50C-407E-A947-70E740481C1C}">
+                <a14:useLocalDpi xmlns:a14="http://schemas.microsoft.com/office/drawing/2010/main" val="0"/>
+              </a:ext>
+            </a:extLst>
+          </a:blip>
+          <a:srcRect/>
+          <a:stretch>
+            <a:fillRect/>
+          </a:stretch>
+        </p:blipFill>
+        <p:spPr bwMode="auto">
+          <a:xfrm>
+            <a:off x="0" y="1143225"/>
+            <a:ext cx="9144000" cy="5357813"/>
+          </a:xfrm>
+          <a:prstGeom prst="rect">
+            <a:avLst/>
+          </a:prstGeom>
+          <a:noFill/>
+          <a:extLst>
+            <a:ext uri="{909E8E84-426E-40DD-AFC4-6F175D3DCCD1}">
+              <a14:hiddenFill xmlns:a14="http://schemas.microsoft.com/office/drawing/2010/main">
+                <a:solidFill>
+                  <a:srgbClr val="FFFFFF"/>
+                </a:solidFill>
+              </a14:hiddenFill>
+            </a:ext>
+          </a:extLst>
+        </p:spPr>
+      </p:pic>
+    </p:spTree>
+    <p:extLst>
+      <p:ext uri="{BB962C8B-B14F-4D97-AF65-F5344CB8AC3E}">
+        <p14:creationId xmlns:p14="http://schemas.microsoft.com/office/powerpoint/2010/main" val="4261244465"/>
+      </p:ext>
+    </p:extLst>
+  </p:cSld>
+  <p:clrMapOvr>
+    <a:masterClrMapping/>
+  </p:clrMapOvr>
+</p:sld>
+</file>
+
+<file path=ppt/slides/slide9.xml><?xml version="1.0" encoding="utf-8"?>
+<p:sld xmlns:a="http://schemas.openxmlformats.org/drawingml/2006/main" xmlns:r="http://schemas.openxmlformats.org/officeDocument/2006/relationships" xmlns:p="http://schemas.openxmlformats.org/presentationml/2006/main">
+  <p:cSld>
+    <p:spTree>
+      <p:nvGrpSpPr>
+        <p:cNvPr id="1" name=""/>
+        <p:cNvGrpSpPr/>
+        <p:nvPr/>
+      </p:nvGrpSpPr>
+      <p:grpSpPr>
+        <a:xfrm>
+          <a:off x="0" y="0"/>
+          <a:ext cx="0" cy="0"/>
+          <a:chOff x="0" y="0"/>
+          <a:chExt cx="0" cy="0"/>
+        </a:xfrm>
+      </p:grpSpPr>
+      <p:sp>
+        <p:nvSpPr>
+          <p:cNvPr id="2" name="Title 1"/>
+          <p:cNvSpPr>
+            <a:spLocks noGrp="1"/>
+          </p:cNvSpPr>
+          <p:nvPr>
+            <p:ph type="title"/>
+          </p:nvPr>
+        </p:nvSpPr>
+        <p:spPr/>
+        <p:txBody>
+          <a:bodyPr/>
+          <a:lstStyle/>
+          <a:p>
+            <a:r>
+              <a:rPr lang="hr-HR" noProof="0" dirty="0"/>
+              <a:t>Arhitektura sustava</a:t>
+            </a:r>
+          </a:p>
+        </p:txBody>
+      </p:sp>
+      <p:sp>
+        <p:nvSpPr>
+          <p:cNvPr id="4" name="Slide Number Placeholder 3"/>
+          <p:cNvSpPr>
+            <a:spLocks noGrp="1"/>
+          </p:cNvSpPr>
+          <p:nvPr>
+            <p:ph type="sldNum" sz="quarter" idx="12"/>
+          </p:nvPr>
+        </p:nvSpPr>
+        <p:spPr/>
+        <p:txBody>
+          <a:bodyPr/>
+          <a:lstStyle/>
+          <a:p>
+            <a:fld id="{FAA41844-C0CA-4144-9D6C-D993F0C0FAB4}" type="slidenum">
+              <a:rPr lang="hr-HR" smtClean="0"/>
+              <a:t>9</a:t>
             </a:fld>
             <a:endParaRPr lang="hr-HR" dirty="0"/>
           </a:p>
@@ -12733,4112 +16760,6 @@
     <p:extLst>
       <p:ext uri="{BB962C8B-B14F-4D97-AF65-F5344CB8AC3E}">
         <p14:creationId xmlns:p14="http://schemas.microsoft.com/office/powerpoint/2010/main" val="3657354464"/>
-      </p:ext>
-    </p:extLst>
-  </p:cSld>
-  <p:clrMapOvr>
-    <a:masterClrMapping/>
-  </p:clrMapOvr>
-</p:sld>
-</file>
-
-<file path=ppt/slides/slide11.xml><?xml version="1.0" encoding="utf-8"?>
-<p:sld xmlns:a="http://schemas.openxmlformats.org/drawingml/2006/main" xmlns:r="http://schemas.openxmlformats.org/officeDocument/2006/relationships" xmlns:p="http://schemas.openxmlformats.org/presentationml/2006/main">
-  <p:cSld>
-    <p:spTree>
-      <p:nvGrpSpPr>
-        <p:cNvPr id="1" name=""/>
-        <p:cNvGrpSpPr/>
-        <p:nvPr/>
-      </p:nvGrpSpPr>
-      <p:grpSpPr>
-        <a:xfrm>
-          <a:off x="0" y="0"/>
-          <a:ext cx="0" cy="0"/>
-          <a:chOff x="0" y="0"/>
-          <a:chExt cx="0" cy="0"/>
-        </a:xfrm>
-      </p:grpSpPr>
-      <p:sp>
-        <p:nvSpPr>
-          <p:cNvPr id="2" name="Title 1"/>
-          <p:cNvSpPr>
-            <a:spLocks noGrp="1"/>
-          </p:cNvSpPr>
-          <p:nvPr>
-            <p:ph type="title"/>
-          </p:nvPr>
-        </p:nvSpPr>
-        <p:spPr/>
-        <p:txBody>
-          <a:bodyPr/>
-          <a:lstStyle/>
-          <a:p>
-            <a:r>
-              <a:rPr lang="hr-HR" noProof="0" dirty="0"/>
-              <a:t>Korišteni alati i tehnologije</a:t>
-            </a:r>
-          </a:p>
-        </p:txBody>
-      </p:sp>
-      <p:sp>
-        <p:nvSpPr>
-          <p:cNvPr id="3" name="Content Placeholder 2"/>
-          <p:cNvSpPr>
-            <a:spLocks noGrp="1"/>
-          </p:cNvSpPr>
-          <p:nvPr>
-            <p:ph idx="1"/>
-          </p:nvPr>
-        </p:nvSpPr>
-        <p:spPr/>
-        <p:txBody>
-          <a:bodyPr/>
-          <a:lstStyle/>
-          <a:p>
-            <a:r>
-              <a:rPr lang="hr-HR" noProof="0" dirty="0"/>
-              <a:t>Za komunikaciju: </a:t>
-            </a:r>
-            <a:r>
-              <a:rPr lang="hr-HR" b="1" noProof="0" dirty="0"/>
-              <a:t>WhatsApp</a:t>
-            </a:r>
-            <a:r>
-              <a:rPr lang="hr-HR" noProof="0" dirty="0"/>
-              <a:t> i </a:t>
-            </a:r>
-            <a:r>
-              <a:rPr lang="hr-HR" b="1" noProof="0" dirty="0"/>
-              <a:t>Microsoft Teams</a:t>
-            </a:r>
-          </a:p>
-          <a:p>
-            <a:r>
-              <a:rPr lang="hr-HR" noProof="0" dirty="0"/>
-              <a:t>za razvoj: </a:t>
-            </a:r>
-            <a:r>
-              <a:rPr lang="hr-HR" b="1" noProof="0" dirty="0"/>
-              <a:t>Visual Studio Code</a:t>
-            </a:r>
-            <a:r>
-              <a:rPr lang="hr-HR" b="1" dirty="0"/>
-              <a:t> </a:t>
-            </a:r>
-            <a:r>
-              <a:rPr lang="hr-HR" dirty="0"/>
-              <a:t>za razvoj backend-a i frontend-a</a:t>
-            </a:r>
-          </a:p>
-          <a:p>
-            <a:r>
-              <a:rPr lang="hr-HR" noProof="0" dirty="0"/>
-              <a:t>Korištene tehnol</a:t>
-            </a:r>
-            <a:r>
-              <a:rPr lang="hr-HR" dirty="0"/>
-              <a:t>ogije:</a:t>
-            </a:r>
-          </a:p>
-          <a:p>
-            <a:pPr lvl="1"/>
-            <a:r>
-              <a:rPr lang="hr-HR" b="1" noProof="0" dirty="0"/>
-              <a:t>Backend</a:t>
-            </a:r>
-            <a:r>
-              <a:rPr lang="hr-HR" noProof="0" dirty="0"/>
-              <a:t>:</a:t>
-            </a:r>
-          </a:p>
-          <a:p>
-            <a:pPr lvl="2"/>
-            <a:r>
-              <a:rPr lang="hr-HR" b="1" noProof="0" dirty="0"/>
-              <a:t>Python</a:t>
-            </a:r>
-            <a:r>
-              <a:rPr lang="hr-HR" noProof="0" dirty="0"/>
-              <a:t> i </a:t>
-            </a:r>
-            <a:r>
-              <a:rPr lang="hr-HR" b="1" noProof="0" dirty="0"/>
-              <a:t>Django framework</a:t>
-            </a:r>
-          </a:p>
-          <a:p>
-            <a:pPr lvl="1"/>
-            <a:r>
-              <a:rPr lang="hr-HR" b="1" dirty="0"/>
-              <a:t>Frontend</a:t>
-            </a:r>
-          </a:p>
-          <a:p>
-            <a:pPr lvl="2"/>
-            <a:r>
-              <a:rPr lang="hr-HR" b="1" dirty="0"/>
-              <a:t>HTML, CSS, JavaScript, React.js i Vite</a:t>
-            </a:r>
-          </a:p>
-          <a:p>
-            <a:pPr lvl="1"/>
-            <a:r>
-              <a:rPr lang="hr-HR" b="1" dirty="0"/>
-              <a:t>Dijagrami u dokumentaciji</a:t>
-            </a:r>
-          </a:p>
-          <a:p>
-            <a:pPr lvl="2"/>
-            <a:r>
-              <a:rPr lang="hr-HR" b="1" noProof="0" dirty="0"/>
-              <a:t>AstahUML</a:t>
-            </a:r>
-          </a:p>
-          <a:p>
-            <a:pPr lvl="1"/>
-            <a:r>
-              <a:rPr lang="hr-HR" b="1" dirty="0"/>
-              <a:t>Deployment</a:t>
-            </a:r>
-          </a:p>
-          <a:p>
-            <a:pPr lvl="2"/>
-            <a:r>
-              <a:rPr lang="hr-HR" b="1" noProof="0" dirty="0"/>
-              <a:t>Docker, NGINX</a:t>
-            </a:r>
-          </a:p>
-          <a:p>
-            <a:pPr lvl="1"/>
-            <a:endParaRPr lang="hr-HR" b="1" noProof="0" dirty="0"/>
-          </a:p>
-        </p:txBody>
-      </p:sp>
-      <p:sp>
-        <p:nvSpPr>
-          <p:cNvPr id="4" name="Slide Number Placeholder 3"/>
-          <p:cNvSpPr>
-            <a:spLocks noGrp="1"/>
-          </p:cNvSpPr>
-          <p:nvPr>
-            <p:ph type="sldNum" sz="quarter" idx="12"/>
-          </p:nvPr>
-        </p:nvSpPr>
-        <p:spPr/>
-        <p:txBody>
-          <a:bodyPr/>
-          <a:lstStyle/>
-          <a:p>
-            <a:fld id="{FAA41844-C0CA-4144-9D6C-D993F0C0FAB4}" type="slidenum">
-              <a:rPr lang="hr-HR" smtClean="0"/>
-              <a:t>11</a:t>
-            </a:fld>
-            <a:endParaRPr lang="hr-HR" dirty="0"/>
-          </a:p>
-        </p:txBody>
-      </p:sp>
-    </p:spTree>
-    <p:extLst>
-      <p:ext uri="{BB962C8B-B14F-4D97-AF65-F5344CB8AC3E}">
-        <p14:creationId xmlns:p14="http://schemas.microsoft.com/office/powerpoint/2010/main" val="3389772446"/>
-      </p:ext>
-    </p:extLst>
-  </p:cSld>
-  <p:clrMapOvr>
-    <a:masterClrMapping/>
-  </p:clrMapOvr>
-</p:sld>
-</file>
-
-<file path=ppt/slides/slide12.xml><?xml version="1.0" encoding="utf-8"?>
-<p:sld xmlns:a="http://schemas.openxmlformats.org/drawingml/2006/main" xmlns:r="http://schemas.openxmlformats.org/officeDocument/2006/relationships" xmlns:p="http://schemas.openxmlformats.org/presentationml/2006/main">
-  <p:cSld>
-    <p:spTree>
-      <p:nvGrpSpPr>
-        <p:cNvPr id="1" name=""/>
-        <p:cNvGrpSpPr/>
-        <p:nvPr/>
-      </p:nvGrpSpPr>
-      <p:grpSpPr>
-        <a:xfrm>
-          <a:off x="0" y="0"/>
-          <a:ext cx="0" cy="0"/>
-          <a:chOff x="0" y="0"/>
-          <a:chExt cx="0" cy="0"/>
-        </a:xfrm>
-      </p:grpSpPr>
-      <p:sp>
-        <p:nvSpPr>
-          <p:cNvPr id="2" name="Title 1"/>
-          <p:cNvSpPr>
-            <a:spLocks noGrp="1"/>
-          </p:cNvSpPr>
-          <p:nvPr>
-            <p:ph type="title"/>
-          </p:nvPr>
-        </p:nvSpPr>
-        <p:spPr/>
-        <p:txBody>
-          <a:bodyPr/>
-          <a:lstStyle/>
-          <a:p>
-            <a:r>
-              <a:rPr lang="hr-HR" noProof="0" dirty="0"/>
-              <a:t>Organizacija rada</a:t>
-            </a:r>
-          </a:p>
-        </p:txBody>
-      </p:sp>
-      <p:sp>
-        <p:nvSpPr>
-          <p:cNvPr id="3" name="Content Placeholder 2"/>
-          <p:cNvSpPr>
-            <a:spLocks noGrp="1"/>
-          </p:cNvSpPr>
-          <p:nvPr>
-            <p:ph idx="1"/>
-          </p:nvPr>
-        </p:nvSpPr>
-        <p:spPr>
-          <a:xfrm>
-            <a:off x="174737" y="1127073"/>
-            <a:ext cx="8849579" cy="5111153"/>
-          </a:xfrm>
-        </p:spPr>
-        <p:txBody>
-          <a:bodyPr>
-            <a:normAutofit/>
-          </a:bodyPr>
-          <a:lstStyle/>
-          <a:p>
-            <a:r>
-              <a:rPr lang="hr-HR" noProof="0" dirty="0"/>
-              <a:t>Model razvoja aplikacije</a:t>
-            </a:r>
-          </a:p>
-          <a:p>
-            <a:pPr lvl="1"/>
-            <a:r>
-              <a:rPr lang="hr-HR" dirty="0"/>
-              <a:t>Agilni</a:t>
-            </a:r>
-          </a:p>
-          <a:p>
-            <a:r>
-              <a:rPr lang="hr-HR" noProof="0" dirty="0"/>
-              <a:t>Tablica raščlambe zadataka članova</a:t>
-            </a:r>
-          </a:p>
-          <a:p>
-            <a:endParaRPr lang="hr-HR" i="1" noProof="0" dirty="0"/>
-          </a:p>
-        </p:txBody>
-      </p:sp>
-      <p:sp>
-        <p:nvSpPr>
-          <p:cNvPr id="4" name="Slide Number Placeholder 3"/>
-          <p:cNvSpPr>
-            <a:spLocks noGrp="1"/>
-          </p:cNvSpPr>
-          <p:nvPr>
-            <p:ph type="sldNum" sz="quarter" idx="12"/>
-          </p:nvPr>
-        </p:nvSpPr>
-        <p:spPr/>
-        <p:txBody>
-          <a:bodyPr/>
-          <a:lstStyle/>
-          <a:p>
-            <a:fld id="{FAA41844-C0CA-4144-9D6C-D993F0C0FAB4}" type="slidenum">
-              <a:rPr lang="hr-HR" smtClean="0"/>
-              <a:t>12</a:t>
-            </a:fld>
-            <a:endParaRPr lang="hr-HR" dirty="0"/>
-          </a:p>
-        </p:txBody>
-      </p:sp>
-      <p:graphicFrame>
-        <p:nvGraphicFramePr>
-          <p:cNvPr id="9" name="Table 8">
-            <a:extLst>
-              <a:ext uri="{FF2B5EF4-FFF2-40B4-BE49-F238E27FC236}">
-                <a16:creationId xmlns:a16="http://schemas.microsoft.com/office/drawing/2014/main" id="{720A0B46-F487-389E-9C25-B0AFE64F42CC}"/>
-              </a:ext>
-            </a:extLst>
-          </p:cNvPr>
-          <p:cNvGraphicFramePr>
-            <a:graphicFrameLocks noGrp="1"/>
-          </p:cNvGraphicFramePr>
-          <p:nvPr>
-            <p:extLst>
-              <p:ext uri="{D42A27DB-BD31-4B8C-83A1-F6EECF244321}">
-                <p14:modId xmlns:p14="http://schemas.microsoft.com/office/powerpoint/2010/main" val="1253362861"/>
-              </p:ext>
-            </p:extLst>
-          </p:nvPr>
-        </p:nvGraphicFramePr>
-        <p:xfrm>
-          <a:off x="1524000" y="3818228"/>
-          <a:ext cx="6096000" cy="2254377"/>
-        </p:xfrm>
-        <a:graphic>
-          <a:graphicData uri="http://schemas.openxmlformats.org/drawingml/2006/table">
-            <a:tbl>
-              <a:tblPr firstRow="1" bandRow="1">
-                <a:tableStyleId>{5C22544A-7EE6-4342-B048-85BDC9FD1C3A}</a:tableStyleId>
-              </a:tblPr>
-              <a:tblGrid>
-                <a:gridCol w="1016000">
-                  <a:extLst>
-                    <a:ext uri="{9D8B030D-6E8A-4147-A177-3AD203B41FA5}">
-                      <a16:colId xmlns:a16="http://schemas.microsoft.com/office/drawing/2014/main" val="1115662020"/>
-                    </a:ext>
-                  </a:extLst>
-                </a:gridCol>
-                <a:gridCol w="1016000">
-                  <a:extLst>
-                    <a:ext uri="{9D8B030D-6E8A-4147-A177-3AD203B41FA5}">
-                      <a16:colId xmlns:a16="http://schemas.microsoft.com/office/drawing/2014/main" val="1573373810"/>
-                    </a:ext>
-                  </a:extLst>
-                </a:gridCol>
-                <a:gridCol w="1016000">
-                  <a:extLst>
-                    <a:ext uri="{9D8B030D-6E8A-4147-A177-3AD203B41FA5}">
-                      <a16:colId xmlns:a16="http://schemas.microsoft.com/office/drawing/2014/main" val="2829183232"/>
-                    </a:ext>
-                  </a:extLst>
-                </a:gridCol>
-                <a:gridCol w="1016000">
-                  <a:extLst>
-                    <a:ext uri="{9D8B030D-6E8A-4147-A177-3AD203B41FA5}">
-                      <a16:colId xmlns:a16="http://schemas.microsoft.com/office/drawing/2014/main" val="3862427449"/>
-                    </a:ext>
-                  </a:extLst>
-                </a:gridCol>
-                <a:gridCol w="1016000">
-                  <a:extLst>
-                    <a:ext uri="{9D8B030D-6E8A-4147-A177-3AD203B41FA5}">
-                      <a16:colId xmlns:a16="http://schemas.microsoft.com/office/drawing/2014/main" val="178809430"/>
-                    </a:ext>
-                  </a:extLst>
-                </a:gridCol>
-                <a:gridCol w="1016000">
-                  <a:extLst>
-                    <a:ext uri="{9D8B030D-6E8A-4147-A177-3AD203B41FA5}">
-                      <a16:colId xmlns:a16="http://schemas.microsoft.com/office/drawing/2014/main" val="889039767"/>
-                    </a:ext>
-                  </a:extLst>
-                </a:gridCol>
-              </a:tblGrid>
-              <a:tr h="370840">
-                <a:tc>
-                  <a:txBody>
-                    <a:bodyPr/>
-                    <a:lstStyle/>
-                    <a:p>
-                      <a:endParaRPr lang="en-US"/>
-                    </a:p>
-                  </a:txBody>
-                  <a:tcPr>
-                    <a:lnL w="12700" cap="flat" cmpd="sng" algn="ctr">
-                      <a:solidFill>
-                        <a:schemeClr val="tx1"/>
-                      </a:solidFill>
-                      <a:prstDash val="solid"/>
-                      <a:round/>
-                      <a:headEnd type="none" w="med" len="med"/>
-                      <a:tailEnd type="none" w="med" len="med"/>
-                    </a:lnL>
-                    <a:lnR w="12700" cap="flat" cmpd="sng" algn="ctr">
-                      <a:solidFill>
-                        <a:schemeClr val="tx1"/>
-                      </a:solidFill>
-                      <a:prstDash val="solid"/>
-                      <a:round/>
-                      <a:headEnd type="none" w="med" len="med"/>
-                      <a:tailEnd type="none" w="med" len="med"/>
-                    </a:lnR>
-                    <a:lnT w="12700" cap="flat" cmpd="sng" algn="ctr">
-                      <a:solidFill>
-                        <a:schemeClr val="tx1"/>
-                      </a:solidFill>
-                      <a:prstDash val="solid"/>
-                      <a:round/>
-                      <a:headEnd type="none" w="med" len="med"/>
-                      <a:tailEnd type="none" w="med" len="med"/>
-                    </a:lnT>
-                    <a:lnB w="12700" cap="flat" cmpd="sng" algn="ctr">
-                      <a:solidFill>
-                        <a:schemeClr val="tx1"/>
-                      </a:solidFill>
-                      <a:prstDash val="solid"/>
-                      <a:round/>
-                      <a:headEnd type="none" w="med" len="med"/>
-                      <a:tailEnd type="none" w="med" len="med"/>
-                    </a:lnB>
-                    <a:solidFill>
-                      <a:schemeClr val="bg1"/>
-                    </a:solidFill>
-                  </a:tcPr>
-                </a:tc>
-                <a:tc>
-                  <a:txBody>
-                    <a:bodyPr/>
-                    <a:lstStyle/>
-                    <a:p>
-                      <a:r>
-                        <a:rPr lang="hr-HR" dirty="0">
-                          <a:solidFill>
-                            <a:schemeClr val="tx1"/>
-                          </a:solidFill>
-                        </a:rPr>
-                        <a:t>Mario Olčar</a:t>
-                      </a:r>
-                      <a:endParaRPr lang="en-US" dirty="0">
-                        <a:solidFill>
-                          <a:schemeClr val="tx1"/>
-                        </a:solidFill>
-                      </a:endParaRPr>
-                    </a:p>
-                  </a:txBody>
-                  <a:tcPr>
-                    <a:lnL w="12700" cap="flat" cmpd="sng" algn="ctr">
-                      <a:solidFill>
-                        <a:schemeClr val="tx1"/>
-                      </a:solidFill>
-                      <a:prstDash val="solid"/>
-                      <a:round/>
-                      <a:headEnd type="none" w="med" len="med"/>
-                      <a:tailEnd type="none" w="med" len="med"/>
-                    </a:lnL>
-                    <a:lnR w="12700" cap="flat" cmpd="sng" algn="ctr">
-                      <a:solidFill>
-                        <a:schemeClr val="tx1"/>
-                      </a:solidFill>
-                      <a:prstDash val="solid"/>
-                      <a:round/>
-                      <a:headEnd type="none" w="med" len="med"/>
-                      <a:tailEnd type="none" w="med" len="med"/>
-                    </a:lnR>
-                    <a:lnT w="12700" cap="flat" cmpd="sng" algn="ctr">
-                      <a:solidFill>
-                        <a:schemeClr val="tx1"/>
-                      </a:solidFill>
-                      <a:prstDash val="solid"/>
-                      <a:round/>
-                      <a:headEnd type="none" w="med" len="med"/>
-                      <a:tailEnd type="none" w="med" len="med"/>
-                    </a:lnT>
-                    <a:lnB w="12700" cap="flat" cmpd="sng" algn="ctr">
-                      <a:solidFill>
-                        <a:schemeClr val="tx1"/>
-                      </a:solidFill>
-                      <a:prstDash val="solid"/>
-                      <a:round/>
-                      <a:headEnd type="none" w="med" len="med"/>
-                      <a:tailEnd type="none" w="med" len="med"/>
-                    </a:lnB>
-                    <a:solidFill>
-                      <a:schemeClr val="bg1"/>
-                    </a:solidFill>
-                  </a:tcPr>
-                </a:tc>
-                <a:tc>
-                  <a:txBody>
-                    <a:bodyPr/>
-                    <a:lstStyle/>
-                    <a:p>
-                      <a:r>
-                        <a:rPr lang="hr-HR" dirty="0">
-                          <a:solidFill>
-                            <a:schemeClr val="tx1"/>
-                          </a:solidFill>
-                        </a:rPr>
-                        <a:t>Iva Džakula</a:t>
-                      </a:r>
-                      <a:endParaRPr lang="en-US" dirty="0">
-                        <a:solidFill>
-                          <a:schemeClr val="tx1"/>
-                        </a:solidFill>
-                      </a:endParaRPr>
-                    </a:p>
-                  </a:txBody>
-                  <a:tcPr>
-                    <a:lnL w="12700" cap="flat" cmpd="sng" algn="ctr">
-                      <a:solidFill>
-                        <a:schemeClr val="tx1"/>
-                      </a:solidFill>
-                      <a:prstDash val="solid"/>
-                      <a:round/>
-                      <a:headEnd type="none" w="med" len="med"/>
-                      <a:tailEnd type="none" w="med" len="med"/>
-                    </a:lnL>
-                    <a:lnR w="12700" cap="flat" cmpd="sng" algn="ctr">
-                      <a:solidFill>
-                        <a:schemeClr val="tx1"/>
-                      </a:solidFill>
-                      <a:prstDash val="solid"/>
-                      <a:round/>
-                      <a:headEnd type="none" w="med" len="med"/>
-                      <a:tailEnd type="none" w="med" len="med"/>
-                    </a:lnR>
-                    <a:lnT w="12700" cap="flat" cmpd="sng" algn="ctr">
-                      <a:solidFill>
-                        <a:schemeClr val="tx1"/>
-                      </a:solidFill>
-                      <a:prstDash val="solid"/>
-                      <a:round/>
-                      <a:headEnd type="none" w="med" len="med"/>
-                      <a:tailEnd type="none" w="med" len="med"/>
-                    </a:lnT>
-                    <a:lnB w="12700" cap="flat" cmpd="sng" algn="ctr">
-                      <a:solidFill>
-                        <a:schemeClr val="tx1"/>
-                      </a:solidFill>
-                      <a:prstDash val="solid"/>
-                      <a:round/>
-                      <a:headEnd type="none" w="med" len="med"/>
-                      <a:tailEnd type="none" w="med" len="med"/>
-                    </a:lnB>
-                    <a:solidFill>
-                      <a:schemeClr val="bg1"/>
-                    </a:solidFill>
-                  </a:tcPr>
-                </a:tc>
-                <a:tc>
-                  <a:txBody>
-                    <a:bodyPr/>
-                    <a:lstStyle/>
-                    <a:p>
-                      <a:r>
-                        <a:rPr lang="hr-HR" dirty="0">
-                          <a:solidFill>
-                            <a:schemeClr val="tx1"/>
-                          </a:solidFill>
-                        </a:rPr>
-                        <a:t>Gregor Mihaljević</a:t>
-                      </a:r>
-                      <a:endParaRPr lang="en-US" dirty="0">
-                        <a:solidFill>
-                          <a:schemeClr val="tx1"/>
-                        </a:solidFill>
-                      </a:endParaRPr>
-                    </a:p>
-                  </a:txBody>
-                  <a:tcPr>
-                    <a:lnL w="12700" cap="flat" cmpd="sng" algn="ctr">
-                      <a:solidFill>
-                        <a:schemeClr val="tx1"/>
-                      </a:solidFill>
-                      <a:prstDash val="solid"/>
-                      <a:round/>
-                      <a:headEnd type="none" w="med" len="med"/>
-                      <a:tailEnd type="none" w="med" len="med"/>
-                    </a:lnL>
-                    <a:lnR w="12700" cap="flat" cmpd="sng" algn="ctr">
-                      <a:solidFill>
-                        <a:schemeClr val="tx1"/>
-                      </a:solidFill>
-                      <a:prstDash val="solid"/>
-                      <a:round/>
-                      <a:headEnd type="none" w="med" len="med"/>
-                      <a:tailEnd type="none" w="med" len="med"/>
-                    </a:lnR>
-                    <a:lnT w="12700" cap="flat" cmpd="sng" algn="ctr">
-                      <a:solidFill>
-                        <a:schemeClr val="tx1"/>
-                      </a:solidFill>
-                      <a:prstDash val="solid"/>
-                      <a:round/>
-                      <a:headEnd type="none" w="med" len="med"/>
-                      <a:tailEnd type="none" w="med" len="med"/>
-                    </a:lnT>
-                    <a:lnB w="12700" cap="flat" cmpd="sng" algn="ctr">
-                      <a:solidFill>
-                        <a:schemeClr val="tx1"/>
-                      </a:solidFill>
-                      <a:prstDash val="solid"/>
-                      <a:round/>
-                      <a:headEnd type="none" w="med" len="med"/>
-                      <a:tailEnd type="none" w="med" len="med"/>
-                    </a:lnB>
-                    <a:solidFill>
-                      <a:schemeClr val="bg1"/>
-                    </a:solidFill>
-                  </a:tcPr>
-                </a:tc>
-                <a:tc>
-                  <a:txBody>
-                    <a:bodyPr/>
-                    <a:lstStyle/>
-                    <a:p>
-                      <a:r>
-                        <a:rPr lang="hr-HR" dirty="0">
-                          <a:solidFill>
-                            <a:schemeClr val="tx1"/>
-                          </a:solidFill>
-                        </a:rPr>
-                        <a:t>Tomislav Marenić</a:t>
-                      </a:r>
-                      <a:endParaRPr lang="en-US" dirty="0">
-                        <a:solidFill>
-                          <a:schemeClr val="tx1"/>
-                        </a:solidFill>
-                      </a:endParaRPr>
-                    </a:p>
-                  </a:txBody>
-                  <a:tcPr>
-                    <a:lnL w="12700" cap="flat" cmpd="sng" algn="ctr">
-                      <a:solidFill>
-                        <a:schemeClr val="tx1"/>
-                      </a:solidFill>
-                      <a:prstDash val="solid"/>
-                      <a:round/>
-                      <a:headEnd type="none" w="med" len="med"/>
-                      <a:tailEnd type="none" w="med" len="med"/>
-                    </a:lnL>
-                    <a:lnR w="12700" cap="flat" cmpd="sng" algn="ctr">
-                      <a:solidFill>
-                        <a:schemeClr val="tx1"/>
-                      </a:solidFill>
-                      <a:prstDash val="solid"/>
-                      <a:round/>
-                      <a:headEnd type="none" w="med" len="med"/>
-                      <a:tailEnd type="none" w="med" len="med"/>
-                    </a:lnR>
-                    <a:lnT w="12700" cap="flat" cmpd="sng" algn="ctr">
-                      <a:solidFill>
-                        <a:schemeClr val="tx1"/>
-                      </a:solidFill>
-                      <a:prstDash val="solid"/>
-                      <a:round/>
-                      <a:headEnd type="none" w="med" len="med"/>
-                      <a:tailEnd type="none" w="med" len="med"/>
-                    </a:lnT>
-                    <a:lnB w="12700" cap="flat" cmpd="sng" algn="ctr">
-                      <a:solidFill>
-                        <a:schemeClr val="tx1"/>
-                      </a:solidFill>
-                      <a:prstDash val="solid"/>
-                      <a:round/>
-                      <a:headEnd type="none" w="med" len="med"/>
-                      <a:tailEnd type="none" w="med" len="med"/>
-                    </a:lnB>
-                    <a:solidFill>
-                      <a:schemeClr val="bg1"/>
-                    </a:solidFill>
-                  </a:tcPr>
-                </a:tc>
-                <a:tc>
-                  <a:txBody>
-                    <a:bodyPr/>
-                    <a:lstStyle/>
-                    <a:p>
-                      <a:r>
-                        <a:rPr lang="hr-HR" dirty="0">
-                          <a:solidFill>
-                            <a:schemeClr val="tx1"/>
-                          </a:solidFill>
-                        </a:rPr>
-                        <a:t>Josip Curkov</a:t>
-                      </a:r>
-                      <a:endParaRPr lang="en-US" dirty="0">
-                        <a:solidFill>
-                          <a:schemeClr val="tx1"/>
-                        </a:solidFill>
-                      </a:endParaRPr>
-                    </a:p>
-                  </a:txBody>
-                  <a:tcPr>
-                    <a:lnL w="12700" cap="flat" cmpd="sng" algn="ctr">
-                      <a:solidFill>
-                        <a:schemeClr val="tx1"/>
-                      </a:solidFill>
-                      <a:prstDash val="solid"/>
-                      <a:round/>
-                      <a:headEnd type="none" w="med" len="med"/>
-                      <a:tailEnd type="none" w="med" len="med"/>
-                    </a:lnL>
-                    <a:lnR w="12700" cap="flat" cmpd="sng" algn="ctr">
-                      <a:solidFill>
-                        <a:schemeClr val="tx1"/>
-                      </a:solidFill>
-                      <a:prstDash val="solid"/>
-                      <a:round/>
-                      <a:headEnd type="none" w="med" len="med"/>
-                      <a:tailEnd type="none" w="med" len="med"/>
-                    </a:lnR>
-                    <a:lnT w="12700" cap="flat" cmpd="sng" algn="ctr">
-                      <a:solidFill>
-                        <a:schemeClr val="tx1"/>
-                      </a:solidFill>
-                      <a:prstDash val="solid"/>
-                      <a:round/>
-                      <a:headEnd type="none" w="med" len="med"/>
-                      <a:tailEnd type="none" w="med" len="med"/>
-                    </a:lnT>
-                    <a:lnB w="12700" cap="flat" cmpd="sng" algn="ctr">
-                      <a:solidFill>
-                        <a:schemeClr val="tx1"/>
-                      </a:solidFill>
-                      <a:prstDash val="solid"/>
-                      <a:round/>
-                      <a:headEnd type="none" w="med" len="med"/>
-                      <a:tailEnd type="none" w="med" len="med"/>
-                    </a:lnB>
-                    <a:solidFill>
-                      <a:schemeClr val="bg1"/>
-                    </a:solidFill>
-                  </a:tcPr>
-                </a:tc>
-                <a:extLst>
-                  <a:ext uri="{0D108BD9-81ED-4DB2-BD59-A6C34878D82A}">
-                    <a16:rowId xmlns:a16="http://schemas.microsoft.com/office/drawing/2014/main" val="2623126643"/>
-                  </a:ext>
-                </a:extLst>
-              </a:tr>
-              <a:tr h="370840">
-                <a:tc>
-                  <a:txBody>
-                    <a:bodyPr/>
-                    <a:lstStyle/>
-                    <a:p>
-                      <a:endParaRPr lang="en-US"/>
-                    </a:p>
-                  </a:txBody>
-                  <a:tcPr>
-                    <a:lnL w="12700" cap="flat" cmpd="sng" algn="ctr">
-                      <a:solidFill>
-                        <a:schemeClr val="tx1"/>
-                      </a:solidFill>
-                      <a:prstDash val="solid"/>
-                      <a:round/>
-                      <a:headEnd type="none" w="med" len="med"/>
-                      <a:tailEnd type="none" w="med" len="med"/>
-                    </a:lnL>
-                    <a:lnR w="12700" cap="flat" cmpd="sng" algn="ctr">
-                      <a:solidFill>
-                        <a:schemeClr val="tx1"/>
-                      </a:solidFill>
-                      <a:prstDash val="solid"/>
-                      <a:round/>
-                      <a:headEnd type="none" w="med" len="med"/>
-                      <a:tailEnd type="none" w="med" len="med"/>
-                    </a:lnR>
-                    <a:lnT w="12700" cap="flat" cmpd="sng" algn="ctr">
-                      <a:solidFill>
-                        <a:schemeClr val="tx1"/>
-                      </a:solidFill>
-                      <a:prstDash val="solid"/>
-                      <a:round/>
-                      <a:headEnd type="none" w="med" len="med"/>
-                      <a:tailEnd type="none" w="med" len="med"/>
-                    </a:lnT>
-                    <a:lnB w="12700" cap="flat" cmpd="sng" algn="ctr">
-                      <a:solidFill>
-                        <a:schemeClr val="tx1"/>
-                      </a:solidFill>
-                      <a:prstDash val="solid"/>
-                      <a:round/>
-                      <a:headEnd type="none" w="med" len="med"/>
-                      <a:tailEnd type="none" w="med" len="med"/>
-                    </a:lnB>
-                    <a:solidFill>
-                      <a:schemeClr val="bg1"/>
-                    </a:solidFill>
-                  </a:tcPr>
-                </a:tc>
-                <a:tc>
-                  <a:txBody>
-                    <a:bodyPr/>
-                    <a:lstStyle/>
-                    <a:p>
-                      <a:endParaRPr lang="en-US"/>
-                    </a:p>
-                  </a:txBody>
-                  <a:tcPr>
-                    <a:lnL w="12700" cap="flat" cmpd="sng" algn="ctr">
-                      <a:solidFill>
-                        <a:schemeClr val="tx1"/>
-                      </a:solidFill>
-                      <a:prstDash val="solid"/>
-                      <a:round/>
-                      <a:headEnd type="none" w="med" len="med"/>
-                      <a:tailEnd type="none" w="med" len="med"/>
-                    </a:lnL>
-                    <a:lnR w="12700" cap="flat" cmpd="sng" algn="ctr">
-                      <a:solidFill>
-                        <a:schemeClr val="tx1"/>
-                      </a:solidFill>
-                      <a:prstDash val="solid"/>
-                      <a:round/>
-                      <a:headEnd type="none" w="med" len="med"/>
-                      <a:tailEnd type="none" w="med" len="med"/>
-                    </a:lnR>
-                    <a:lnT w="12700" cap="flat" cmpd="sng" algn="ctr">
-                      <a:solidFill>
-                        <a:schemeClr val="tx1"/>
-                      </a:solidFill>
-                      <a:prstDash val="solid"/>
-                      <a:round/>
-                      <a:headEnd type="none" w="med" len="med"/>
-                      <a:tailEnd type="none" w="med" len="med"/>
-                    </a:lnT>
-                    <a:lnB w="12700" cap="flat" cmpd="sng" algn="ctr">
-                      <a:solidFill>
-                        <a:schemeClr val="tx1"/>
-                      </a:solidFill>
-                      <a:prstDash val="solid"/>
-                      <a:round/>
-                      <a:headEnd type="none" w="med" len="med"/>
-                      <a:tailEnd type="none" w="med" len="med"/>
-                    </a:lnB>
-                    <a:solidFill>
-                      <a:schemeClr val="bg1"/>
-                    </a:solidFill>
-                  </a:tcPr>
-                </a:tc>
-                <a:tc>
-                  <a:txBody>
-                    <a:bodyPr/>
-                    <a:lstStyle/>
-                    <a:p>
-                      <a:endParaRPr lang="en-US"/>
-                    </a:p>
-                  </a:txBody>
-                  <a:tcPr>
-                    <a:lnL w="12700" cap="flat" cmpd="sng" algn="ctr">
-                      <a:solidFill>
-                        <a:schemeClr val="tx1"/>
-                      </a:solidFill>
-                      <a:prstDash val="solid"/>
-                      <a:round/>
-                      <a:headEnd type="none" w="med" len="med"/>
-                      <a:tailEnd type="none" w="med" len="med"/>
-                    </a:lnL>
-                    <a:lnR w="12700" cap="flat" cmpd="sng" algn="ctr">
-                      <a:solidFill>
-                        <a:schemeClr val="tx1"/>
-                      </a:solidFill>
-                      <a:prstDash val="solid"/>
-                      <a:round/>
-                      <a:headEnd type="none" w="med" len="med"/>
-                      <a:tailEnd type="none" w="med" len="med"/>
-                    </a:lnR>
-                    <a:lnT w="12700" cap="flat" cmpd="sng" algn="ctr">
-                      <a:solidFill>
-                        <a:schemeClr val="tx1"/>
-                      </a:solidFill>
-                      <a:prstDash val="solid"/>
-                      <a:round/>
-                      <a:headEnd type="none" w="med" len="med"/>
-                      <a:tailEnd type="none" w="med" len="med"/>
-                    </a:lnT>
-                    <a:lnB w="12700" cap="flat" cmpd="sng" algn="ctr">
-                      <a:solidFill>
-                        <a:schemeClr val="tx1"/>
-                      </a:solidFill>
-                      <a:prstDash val="solid"/>
-                      <a:round/>
-                      <a:headEnd type="none" w="med" len="med"/>
-                      <a:tailEnd type="none" w="med" len="med"/>
-                    </a:lnB>
-                    <a:solidFill>
-                      <a:schemeClr val="bg1"/>
-                    </a:solidFill>
-                  </a:tcPr>
-                </a:tc>
-                <a:tc>
-                  <a:txBody>
-                    <a:bodyPr/>
-                    <a:lstStyle/>
-                    <a:p>
-                      <a:endParaRPr lang="en-US"/>
-                    </a:p>
-                  </a:txBody>
-                  <a:tcPr>
-                    <a:lnL w="12700" cap="flat" cmpd="sng" algn="ctr">
-                      <a:solidFill>
-                        <a:schemeClr val="tx1"/>
-                      </a:solidFill>
-                      <a:prstDash val="solid"/>
-                      <a:round/>
-                      <a:headEnd type="none" w="med" len="med"/>
-                      <a:tailEnd type="none" w="med" len="med"/>
-                    </a:lnL>
-                    <a:lnR w="12700" cap="flat" cmpd="sng" algn="ctr">
-                      <a:solidFill>
-                        <a:schemeClr val="tx1"/>
-                      </a:solidFill>
-                      <a:prstDash val="solid"/>
-                      <a:round/>
-                      <a:headEnd type="none" w="med" len="med"/>
-                      <a:tailEnd type="none" w="med" len="med"/>
-                    </a:lnR>
-                    <a:lnT w="12700" cap="flat" cmpd="sng" algn="ctr">
-                      <a:solidFill>
-                        <a:schemeClr val="tx1"/>
-                      </a:solidFill>
-                      <a:prstDash val="solid"/>
-                      <a:round/>
-                      <a:headEnd type="none" w="med" len="med"/>
-                      <a:tailEnd type="none" w="med" len="med"/>
-                    </a:lnT>
-                    <a:lnB w="12700" cap="flat" cmpd="sng" algn="ctr">
-                      <a:solidFill>
-                        <a:schemeClr val="tx1"/>
-                      </a:solidFill>
-                      <a:prstDash val="solid"/>
-                      <a:round/>
-                      <a:headEnd type="none" w="med" len="med"/>
-                      <a:tailEnd type="none" w="med" len="med"/>
-                    </a:lnB>
-                    <a:solidFill>
-                      <a:schemeClr val="bg1"/>
-                    </a:solidFill>
-                  </a:tcPr>
-                </a:tc>
-                <a:tc>
-                  <a:txBody>
-                    <a:bodyPr/>
-                    <a:lstStyle/>
-                    <a:p>
-                      <a:endParaRPr lang="en-US"/>
-                    </a:p>
-                  </a:txBody>
-                  <a:tcPr>
-                    <a:lnL w="12700" cap="flat" cmpd="sng" algn="ctr">
-                      <a:solidFill>
-                        <a:schemeClr val="tx1"/>
-                      </a:solidFill>
-                      <a:prstDash val="solid"/>
-                      <a:round/>
-                      <a:headEnd type="none" w="med" len="med"/>
-                      <a:tailEnd type="none" w="med" len="med"/>
-                    </a:lnL>
-                    <a:lnR w="12700" cap="flat" cmpd="sng" algn="ctr">
-                      <a:solidFill>
-                        <a:schemeClr val="tx1"/>
-                      </a:solidFill>
-                      <a:prstDash val="solid"/>
-                      <a:round/>
-                      <a:headEnd type="none" w="med" len="med"/>
-                      <a:tailEnd type="none" w="med" len="med"/>
-                    </a:lnR>
-                    <a:lnT w="12700" cap="flat" cmpd="sng" algn="ctr">
-                      <a:solidFill>
-                        <a:schemeClr val="tx1"/>
-                      </a:solidFill>
-                      <a:prstDash val="solid"/>
-                      <a:round/>
-                      <a:headEnd type="none" w="med" len="med"/>
-                      <a:tailEnd type="none" w="med" len="med"/>
-                    </a:lnT>
-                    <a:lnB w="12700" cap="flat" cmpd="sng" algn="ctr">
-                      <a:solidFill>
-                        <a:schemeClr val="tx1"/>
-                      </a:solidFill>
-                      <a:prstDash val="solid"/>
-                      <a:round/>
-                      <a:headEnd type="none" w="med" len="med"/>
-                      <a:tailEnd type="none" w="med" len="med"/>
-                    </a:lnB>
-                    <a:solidFill>
-                      <a:schemeClr val="bg1"/>
-                    </a:solidFill>
-                  </a:tcPr>
-                </a:tc>
-                <a:tc>
-                  <a:txBody>
-                    <a:bodyPr/>
-                    <a:lstStyle/>
-                    <a:p>
-                      <a:endParaRPr lang="en-US"/>
-                    </a:p>
-                  </a:txBody>
-                  <a:tcPr>
-                    <a:lnL w="12700" cap="flat" cmpd="sng" algn="ctr">
-                      <a:solidFill>
-                        <a:schemeClr val="tx1"/>
-                      </a:solidFill>
-                      <a:prstDash val="solid"/>
-                      <a:round/>
-                      <a:headEnd type="none" w="med" len="med"/>
-                      <a:tailEnd type="none" w="med" len="med"/>
-                    </a:lnL>
-                    <a:lnR w="12700" cap="flat" cmpd="sng" algn="ctr">
-                      <a:solidFill>
-                        <a:schemeClr val="tx1"/>
-                      </a:solidFill>
-                      <a:prstDash val="solid"/>
-                      <a:round/>
-                      <a:headEnd type="none" w="med" len="med"/>
-                      <a:tailEnd type="none" w="med" len="med"/>
-                    </a:lnR>
-                    <a:lnT w="12700" cap="flat" cmpd="sng" algn="ctr">
-                      <a:solidFill>
-                        <a:schemeClr val="tx1"/>
-                      </a:solidFill>
-                      <a:prstDash val="solid"/>
-                      <a:round/>
-                      <a:headEnd type="none" w="med" len="med"/>
-                      <a:tailEnd type="none" w="med" len="med"/>
-                    </a:lnT>
-                    <a:lnB w="12700" cap="flat" cmpd="sng" algn="ctr">
-                      <a:solidFill>
-                        <a:schemeClr val="tx1"/>
-                      </a:solidFill>
-                      <a:prstDash val="solid"/>
-                      <a:round/>
-                      <a:headEnd type="none" w="med" len="med"/>
-                      <a:tailEnd type="none" w="med" len="med"/>
-                    </a:lnB>
-                    <a:solidFill>
-                      <a:schemeClr val="bg1"/>
-                    </a:solidFill>
-                  </a:tcPr>
-                </a:tc>
-                <a:extLst>
-                  <a:ext uri="{0D108BD9-81ED-4DB2-BD59-A6C34878D82A}">
-                    <a16:rowId xmlns:a16="http://schemas.microsoft.com/office/drawing/2014/main" val="2910744440"/>
-                  </a:ext>
-                </a:extLst>
-              </a:tr>
-              <a:tr h="370840">
-                <a:tc>
-                  <a:txBody>
-                    <a:bodyPr/>
-                    <a:lstStyle/>
-                    <a:p>
-                      <a:endParaRPr lang="en-US"/>
-                    </a:p>
-                  </a:txBody>
-                  <a:tcPr>
-                    <a:lnL w="12700" cap="flat" cmpd="sng" algn="ctr">
-                      <a:solidFill>
-                        <a:schemeClr val="tx1"/>
-                      </a:solidFill>
-                      <a:prstDash val="solid"/>
-                      <a:round/>
-                      <a:headEnd type="none" w="med" len="med"/>
-                      <a:tailEnd type="none" w="med" len="med"/>
-                    </a:lnL>
-                    <a:lnR w="12700" cap="flat" cmpd="sng" algn="ctr">
-                      <a:solidFill>
-                        <a:schemeClr val="tx1"/>
-                      </a:solidFill>
-                      <a:prstDash val="solid"/>
-                      <a:round/>
-                      <a:headEnd type="none" w="med" len="med"/>
-                      <a:tailEnd type="none" w="med" len="med"/>
-                    </a:lnR>
-                    <a:lnT w="12700" cap="flat" cmpd="sng" algn="ctr">
-                      <a:solidFill>
-                        <a:schemeClr val="tx1"/>
-                      </a:solidFill>
-                      <a:prstDash val="solid"/>
-                      <a:round/>
-                      <a:headEnd type="none" w="med" len="med"/>
-                      <a:tailEnd type="none" w="med" len="med"/>
-                    </a:lnT>
-                    <a:lnB w="12700" cap="flat" cmpd="sng" algn="ctr">
-                      <a:solidFill>
-                        <a:schemeClr val="tx1"/>
-                      </a:solidFill>
-                      <a:prstDash val="solid"/>
-                      <a:round/>
-                      <a:headEnd type="none" w="med" len="med"/>
-                      <a:tailEnd type="none" w="med" len="med"/>
-                    </a:lnB>
-                    <a:solidFill>
-                      <a:schemeClr val="bg1"/>
-                    </a:solidFill>
-                  </a:tcPr>
-                </a:tc>
-                <a:tc>
-                  <a:txBody>
-                    <a:bodyPr/>
-                    <a:lstStyle/>
-                    <a:p>
-                      <a:endParaRPr lang="en-US"/>
-                    </a:p>
-                  </a:txBody>
-                  <a:tcPr>
-                    <a:lnL w="12700" cap="flat" cmpd="sng" algn="ctr">
-                      <a:solidFill>
-                        <a:schemeClr val="tx1"/>
-                      </a:solidFill>
-                      <a:prstDash val="solid"/>
-                      <a:round/>
-                      <a:headEnd type="none" w="med" len="med"/>
-                      <a:tailEnd type="none" w="med" len="med"/>
-                    </a:lnL>
-                    <a:lnR w="12700" cap="flat" cmpd="sng" algn="ctr">
-                      <a:solidFill>
-                        <a:schemeClr val="tx1"/>
-                      </a:solidFill>
-                      <a:prstDash val="solid"/>
-                      <a:round/>
-                      <a:headEnd type="none" w="med" len="med"/>
-                      <a:tailEnd type="none" w="med" len="med"/>
-                    </a:lnR>
-                    <a:lnT w="12700" cap="flat" cmpd="sng" algn="ctr">
-                      <a:solidFill>
-                        <a:schemeClr val="tx1"/>
-                      </a:solidFill>
-                      <a:prstDash val="solid"/>
-                      <a:round/>
-                      <a:headEnd type="none" w="med" len="med"/>
-                      <a:tailEnd type="none" w="med" len="med"/>
-                    </a:lnT>
-                    <a:lnB w="12700" cap="flat" cmpd="sng" algn="ctr">
-                      <a:solidFill>
-                        <a:schemeClr val="tx1"/>
-                      </a:solidFill>
-                      <a:prstDash val="solid"/>
-                      <a:round/>
-                      <a:headEnd type="none" w="med" len="med"/>
-                      <a:tailEnd type="none" w="med" len="med"/>
-                    </a:lnB>
-                    <a:solidFill>
-                      <a:schemeClr val="bg1"/>
-                    </a:solidFill>
-                  </a:tcPr>
-                </a:tc>
-                <a:tc>
-                  <a:txBody>
-                    <a:bodyPr/>
-                    <a:lstStyle/>
-                    <a:p>
-                      <a:endParaRPr lang="en-US" dirty="0"/>
-                    </a:p>
-                  </a:txBody>
-                  <a:tcPr>
-                    <a:lnL w="12700" cap="flat" cmpd="sng" algn="ctr">
-                      <a:solidFill>
-                        <a:schemeClr val="tx1"/>
-                      </a:solidFill>
-                      <a:prstDash val="solid"/>
-                      <a:round/>
-                      <a:headEnd type="none" w="med" len="med"/>
-                      <a:tailEnd type="none" w="med" len="med"/>
-                    </a:lnL>
-                    <a:lnR w="12700" cap="flat" cmpd="sng" algn="ctr">
-                      <a:solidFill>
-                        <a:schemeClr val="tx1"/>
-                      </a:solidFill>
-                      <a:prstDash val="solid"/>
-                      <a:round/>
-                      <a:headEnd type="none" w="med" len="med"/>
-                      <a:tailEnd type="none" w="med" len="med"/>
-                    </a:lnR>
-                    <a:lnT w="12700" cap="flat" cmpd="sng" algn="ctr">
-                      <a:solidFill>
-                        <a:schemeClr val="tx1"/>
-                      </a:solidFill>
-                      <a:prstDash val="solid"/>
-                      <a:round/>
-                      <a:headEnd type="none" w="med" len="med"/>
-                      <a:tailEnd type="none" w="med" len="med"/>
-                    </a:lnT>
-                    <a:lnB w="12700" cap="flat" cmpd="sng" algn="ctr">
-                      <a:solidFill>
-                        <a:schemeClr val="tx1"/>
-                      </a:solidFill>
-                      <a:prstDash val="solid"/>
-                      <a:round/>
-                      <a:headEnd type="none" w="med" len="med"/>
-                      <a:tailEnd type="none" w="med" len="med"/>
-                    </a:lnB>
-                    <a:solidFill>
-                      <a:schemeClr val="bg1"/>
-                    </a:solidFill>
-                  </a:tcPr>
-                </a:tc>
-                <a:tc>
-                  <a:txBody>
-                    <a:bodyPr/>
-                    <a:lstStyle/>
-                    <a:p>
-                      <a:endParaRPr lang="en-US"/>
-                    </a:p>
-                  </a:txBody>
-                  <a:tcPr>
-                    <a:lnL w="12700" cap="flat" cmpd="sng" algn="ctr">
-                      <a:solidFill>
-                        <a:schemeClr val="tx1"/>
-                      </a:solidFill>
-                      <a:prstDash val="solid"/>
-                      <a:round/>
-                      <a:headEnd type="none" w="med" len="med"/>
-                      <a:tailEnd type="none" w="med" len="med"/>
-                    </a:lnL>
-                    <a:lnR w="12700" cap="flat" cmpd="sng" algn="ctr">
-                      <a:solidFill>
-                        <a:schemeClr val="tx1"/>
-                      </a:solidFill>
-                      <a:prstDash val="solid"/>
-                      <a:round/>
-                      <a:headEnd type="none" w="med" len="med"/>
-                      <a:tailEnd type="none" w="med" len="med"/>
-                    </a:lnR>
-                    <a:lnT w="12700" cap="flat" cmpd="sng" algn="ctr">
-                      <a:solidFill>
-                        <a:schemeClr val="tx1"/>
-                      </a:solidFill>
-                      <a:prstDash val="solid"/>
-                      <a:round/>
-                      <a:headEnd type="none" w="med" len="med"/>
-                      <a:tailEnd type="none" w="med" len="med"/>
-                    </a:lnT>
-                    <a:lnB w="12700" cap="flat" cmpd="sng" algn="ctr">
-                      <a:solidFill>
-                        <a:schemeClr val="tx1"/>
-                      </a:solidFill>
-                      <a:prstDash val="solid"/>
-                      <a:round/>
-                      <a:headEnd type="none" w="med" len="med"/>
-                      <a:tailEnd type="none" w="med" len="med"/>
-                    </a:lnB>
-                    <a:solidFill>
-                      <a:schemeClr val="bg1"/>
-                    </a:solidFill>
-                  </a:tcPr>
-                </a:tc>
-                <a:tc>
-                  <a:txBody>
-                    <a:bodyPr/>
-                    <a:lstStyle/>
-                    <a:p>
-                      <a:endParaRPr lang="en-US"/>
-                    </a:p>
-                  </a:txBody>
-                  <a:tcPr>
-                    <a:lnL w="12700" cap="flat" cmpd="sng" algn="ctr">
-                      <a:solidFill>
-                        <a:schemeClr val="tx1"/>
-                      </a:solidFill>
-                      <a:prstDash val="solid"/>
-                      <a:round/>
-                      <a:headEnd type="none" w="med" len="med"/>
-                      <a:tailEnd type="none" w="med" len="med"/>
-                    </a:lnL>
-                    <a:lnR w="12700" cap="flat" cmpd="sng" algn="ctr">
-                      <a:solidFill>
-                        <a:schemeClr val="tx1"/>
-                      </a:solidFill>
-                      <a:prstDash val="solid"/>
-                      <a:round/>
-                      <a:headEnd type="none" w="med" len="med"/>
-                      <a:tailEnd type="none" w="med" len="med"/>
-                    </a:lnR>
-                    <a:lnT w="12700" cap="flat" cmpd="sng" algn="ctr">
-                      <a:solidFill>
-                        <a:schemeClr val="tx1"/>
-                      </a:solidFill>
-                      <a:prstDash val="solid"/>
-                      <a:round/>
-                      <a:headEnd type="none" w="med" len="med"/>
-                      <a:tailEnd type="none" w="med" len="med"/>
-                    </a:lnT>
-                    <a:lnB w="12700" cap="flat" cmpd="sng" algn="ctr">
-                      <a:solidFill>
-                        <a:schemeClr val="tx1"/>
-                      </a:solidFill>
-                      <a:prstDash val="solid"/>
-                      <a:round/>
-                      <a:headEnd type="none" w="med" len="med"/>
-                      <a:tailEnd type="none" w="med" len="med"/>
-                    </a:lnB>
-                    <a:solidFill>
-                      <a:schemeClr val="bg1"/>
-                    </a:solidFill>
-                  </a:tcPr>
-                </a:tc>
-                <a:tc>
-                  <a:txBody>
-                    <a:bodyPr/>
-                    <a:lstStyle/>
-                    <a:p>
-                      <a:endParaRPr lang="en-US"/>
-                    </a:p>
-                  </a:txBody>
-                  <a:tcPr>
-                    <a:lnL w="12700" cap="flat" cmpd="sng" algn="ctr">
-                      <a:solidFill>
-                        <a:schemeClr val="tx1"/>
-                      </a:solidFill>
-                      <a:prstDash val="solid"/>
-                      <a:round/>
-                      <a:headEnd type="none" w="med" len="med"/>
-                      <a:tailEnd type="none" w="med" len="med"/>
-                    </a:lnL>
-                    <a:lnR w="12700" cap="flat" cmpd="sng" algn="ctr">
-                      <a:solidFill>
-                        <a:schemeClr val="tx1"/>
-                      </a:solidFill>
-                      <a:prstDash val="solid"/>
-                      <a:round/>
-                      <a:headEnd type="none" w="med" len="med"/>
-                      <a:tailEnd type="none" w="med" len="med"/>
-                    </a:lnR>
-                    <a:lnT w="12700" cap="flat" cmpd="sng" algn="ctr">
-                      <a:solidFill>
-                        <a:schemeClr val="tx1"/>
-                      </a:solidFill>
-                      <a:prstDash val="solid"/>
-                      <a:round/>
-                      <a:headEnd type="none" w="med" len="med"/>
-                      <a:tailEnd type="none" w="med" len="med"/>
-                    </a:lnT>
-                    <a:lnB w="12700" cap="flat" cmpd="sng" algn="ctr">
-                      <a:solidFill>
-                        <a:schemeClr val="tx1"/>
-                      </a:solidFill>
-                      <a:prstDash val="solid"/>
-                      <a:round/>
-                      <a:headEnd type="none" w="med" len="med"/>
-                      <a:tailEnd type="none" w="med" len="med"/>
-                    </a:lnB>
-                    <a:solidFill>
-                      <a:schemeClr val="bg1"/>
-                    </a:solidFill>
-                  </a:tcPr>
-                </a:tc>
-                <a:extLst>
-                  <a:ext uri="{0D108BD9-81ED-4DB2-BD59-A6C34878D82A}">
-                    <a16:rowId xmlns:a16="http://schemas.microsoft.com/office/drawing/2014/main" val="4150467446"/>
-                  </a:ext>
-                </a:extLst>
-              </a:tr>
-              <a:tr h="370840">
-                <a:tc>
-                  <a:txBody>
-                    <a:bodyPr/>
-                    <a:lstStyle/>
-                    <a:p>
-                      <a:endParaRPr lang="en-US"/>
-                    </a:p>
-                  </a:txBody>
-                  <a:tcPr>
-                    <a:lnL w="12700" cap="flat" cmpd="sng" algn="ctr">
-                      <a:solidFill>
-                        <a:schemeClr val="tx1"/>
-                      </a:solidFill>
-                      <a:prstDash val="solid"/>
-                      <a:round/>
-                      <a:headEnd type="none" w="med" len="med"/>
-                      <a:tailEnd type="none" w="med" len="med"/>
-                    </a:lnL>
-                    <a:lnR w="12700" cap="flat" cmpd="sng" algn="ctr">
-                      <a:solidFill>
-                        <a:schemeClr val="tx1"/>
-                      </a:solidFill>
-                      <a:prstDash val="solid"/>
-                      <a:round/>
-                      <a:headEnd type="none" w="med" len="med"/>
-                      <a:tailEnd type="none" w="med" len="med"/>
-                    </a:lnR>
-                    <a:lnT w="12700" cap="flat" cmpd="sng" algn="ctr">
-                      <a:solidFill>
-                        <a:schemeClr val="tx1"/>
-                      </a:solidFill>
-                      <a:prstDash val="solid"/>
-                      <a:round/>
-                      <a:headEnd type="none" w="med" len="med"/>
-                      <a:tailEnd type="none" w="med" len="med"/>
-                    </a:lnT>
-                    <a:lnB w="12700" cap="flat" cmpd="sng" algn="ctr">
-                      <a:solidFill>
-                        <a:schemeClr val="tx1"/>
-                      </a:solidFill>
-                      <a:prstDash val="solid"/>
-                      <a:round/>
-                      <a:headEnd type="none" w="med" len="med"/>
-                      <a:tailEnd type="none" w="med" len="med"/>
-                    </a:lnB>
-                    <a:solidFill>
-                      <a:schemeClr val="bg1"/>
-                    </a:solidFill>
-                  </a:tcPr>
-                </a:tc>
-                <a:tc>
-                  <a:txBody>
-                    <a:bodyPr/>
-                    <a:lstStyle/>
-                    <a:p>
-                      <a:endParaRPr lang="en-US"/>
-                    </a:p>
-                  </a:txBody>
-                  <a:tcPr>
-                    <a:lnL w="12700" cap="flat" cmpd="sng" algn="ctr">
-                      <a:solidFill>
-                        <a:schemeClr val="tx1"/>
-                      </a:solidFill>
-                      <a:prstDash val="solid"/>
-                      <a:round/>
-                      <a:headEnd type="none" w="med" len="med"/>
-                      <a:tailEnd type="none" w="med" len="med"/>
-                    </a:lnL>
-                    <a:lnR w="12700" cap="flat" cmpd="sng" algn="ctr">
-                      <a:solidFill>
-                        <a:schemeClr val="tx1"/>
-                      </a:solidFill>
-                      <a:prstDash val="solid"/>
-                      <a:round/>
-                      <a:headEnd type="none" w="med" len="med"/>
-                      <a:tailEnd type="none" w="med" len="med"/>
-                    </a:lnR>
-                    <a:lnT w="12700" cap="flat" cmpd="sng" algn="ctr">
-                      <a:solidFill>
-                        <a:schemeClr val="tx1"/>
-                      </a:solidFill>
-                      <a:prstDash val="solid"/>
-                      <a:round/>
-                      <a:headEnd type="none" w="med" len="med"/>
-                      <a:tailEnd type="none" w="med" len="med"/>
-                    </a:lnT>
-                    <a:lnB w="12700" cap="flat" cmpd="sng" algn="ctr">
-                      <a:solidFill>
-                        <a:schemeClr val="tx1"/>
-                      </a:solidFill>
-                      <a:prstDash val="solid"/>
-                      <a:round/>
-                      <a:headEnd type="none" w="med" len="med"/>
-                      <a:tailEnd type="none" w="med" len="med"/>
-                    </a:lnB>
-                    <a:solidFill>
-                      <a:schemeClr val="bg1"/>
-                    </a:solidFill>
-                  </a:tcPr>
-                </a:tc>
-                <a:tc>
-                  <a:txBody>
-                    <a:bodyPr/>
-                    <a:lstStyle/>
-                    <a:p>
-                      <a:endParaRPr lang="en-US"/>
-                    </a:p>
-                  </a:txBody>
-                  <a:tcPr>
-                    <a:lnL w="12700" cap="flat" cmpd="sng" algn="ctr">
-                      <a:solidFill>
-                        <a:schemeClr val="tx1"/>
-                      </a:solidFill>
-                      <a:prstDash val="solid"/>
-                      <a:round/>
-                      <a:headEnd type="none" w="med" len="med"/>
-                      <a:tailEnd type="none" w="med" len="med"/>
-                    </a:lnL>
-                    <a:lnR w="12700" cap="flat" cmpd="sng" algn="ctr">
-                      <a:solidFill>
-                        <a:schemeClr val="tx1"/>
-                      </a:solidFill>
-                      <a:prstDash val="solid"/>
-                      <a:round/>
-                      <a:headEnd type="none" w="med" len="med"/>
-                      <a:tailEnd type="none" w="med" len="med"/>
-                    </a:lnR>
-                    <a:lnT w="12700" cap="flat" cmpd="sng" algn="ctr">
-                      <a:solidFill>
-                        <a:schemeClr val="tx1"/>
-                      </a:solidFill>
-                      <a:prstDash val="solid"/>
-                      <a:round/>
-                      <a:headEnd type="none" w="med" len="med"/>
-                      <a:tailEnd type="none" w="med" len="med"/>
-                    </a:lnT>
-                    <a:lnB w="12700" cap="flat" cmpd="sng" algn="ctr">
-                      <a:solidFill>
-                        <a:schemeClr val="tx1"/>
-                      </a:solidFill>
-                      <a:prstDash val="solid"/>
-                      <a:round/>
-                      <a:headEnd type="none" w="med" len="med"/>
-                      <a:tailEnd type="none" w="med" len="med"/>
-                    </a:lnB>
-                    <a:solidFill>
-                      <a:schemeClr val="bg1"/>
-                    </a:solidFill>
-                  </a:tcPr>
-                </a:tc>
-                <a:tc>
-                  <a:txBody>
-                    <a:bodyPr/>
-                    <a:lstStyle/>
-                    <a:p>
-                      <a:endParaRPr lang="en-US"/>
-                    </a:p>
-                  </a:txBody>
-                  <a:tcPr>
-                    <a:lnL w="12700" cap="flat" cmpd="sng" algn="ctr">
-                      <a:solidFill>
-                        <a:schemeClr val="tx1"/>
-                      </a:solidFill>
-                      <a:prstDash val="solid"/>
-                      <a:round/>
-                      <a:headEnd type="none" w="med" len="med"/>
-                      <a:tailEnd type="none" w="med" len="med"/>
-                    </a:lnL>
-                    <a:lnR w="12700" cap="flat" cmpd="sng" algn="ctr">
-                      <a:solidFill>
-                        <a:schemeClr val="tx1"/>
-                      </a:solidFill>
-                      <a:prstDash val="solid"/>
-                      <a:round/>
-                      <a:headEnd type="none" w="med" len="med"/>
-                      <a:tailEnd type="none" w="med" len="med"/>
-                    </a:lnR>
-                    <a:lnT w="12700" cap="flat" cmpd="sng" algn="ctr">
-                      <a:solidFill>
-                        <a:schemeClr val="tx1"/>
-                      </a:solidFill>
-                      <a:prstDash val="solid"/>
-                      <a:round/>
-                      <a:headEnd type="none" w="med" len="med"/>
-                      <a:tailEnd type="none" w="med" len="med"/>
-                    </a:lnT>
-                    <a:lnB w="12700" cap="flat" cmpd="sng" algn="ctr">
-                      <a:solidFill>
-                        <a:schemeClr val="tx1"/>
-                      </a:solidFill>
-                      <a:prstDash val="solid"/>
-                      <a:round/>
-                      <a:headEnd type="none" w="med" len="med"/>
-                      <a:tailEnd type="none" w="med" len="med"/>
-                    </a:lnB>
-                    <a:solidFill>
-                      <a:schemeClr val="bg1"/>
-                    </a:solidFill>
-                  </a:tcPr>
-                </a:tc>
-                <a:tc>
-                  <a:txBody>
-                    <a:bodyPr/>
-                    <a:lstStyle/>
-                    <a:p>
-                      <a:endParaRPr lang="en-US"/>
-                    </a:p>
-                  </a:txBody>
-                  <a:tcPr>
-                    <a:lnL w="12700" cap="flat" cmpd="sng" algn="ctr">
-                      <a:solidFill>
-                        <a:schemeClr val="tx1"/>
-                      </a:solidFill>
-                      <a:prstDash val="solid"/>
-                      <a:round/>
-                      <a:headEnd type="none" w="med" len="med"/>
-                      <a:tailEnd type="none" w="med" len="med"/>
-                    </a:lnL>
-                    <a:lnR w="12700" cap="flat" cmpd="sng" algn="ctr">
-                      <a:solidFill>
-                        <a:schemeClr val="tx1"/>
-                      </a:solidFill>
-                      <a:prstDash val="solid"/>
-                      <a:round/>
-                      <a:headEnd type="none" w="med" len="med"/>
-                      <a:tailEnd type="none" w="med" len="med"/>
-                    </a:lnR>
-                    <a:lnT w="12700" cap="flat" cmpd="sng" algn="ctr">
-                      <a:solidFill>
-                        <a:schemeClr val="tx1"/>
-                      </a:solidFill>
-                      <a:prstDash val="solid"/>
-                      <a:round/>
-                      <a:headEnd type="none" w="med" len="med"/>
-                      <a:tailEnd type="none" w="med" len="med"/>
-                    </a:lnT>
-                    <a:lnB w="12700" cap="flat" cmpd="sng" algn="ctr">
-                      <a:solidFill>
-                        <a:schemeClr val="tx1"/>
-                      </a:solidFill>
-                      <a:prstDash val="solid"/>
-                      <a:round/>
-                      <a:headEnd type="none" w="med" len="med"/>
-                      <a:tailEnd type="none" w="med" len="med"/>
-                    </a:lnB>
-                    <a:solidFill>
-                      <a:schemeClr val="bg1"/>
-                    </a:solidFill>
-                  </a:tcPr>
-                </a:tc>
-                <a:tc>
-                  <a:txBody>
-                    <a:bodyPr/>
-                    <a:lstStyle/>
-                    <a:p>
-                      <a:endParaRPr lang="en-US"/>
-                    </a:p>
-                  </a:txBody>
-                  <a:tcPr>
-                    <a:lnL w="12700" cap="flat" cmpd="sng" algn="ctr">
-                      <a:solidFill>
-                        <a:schemeClr val="tx1"/>
-                      </a:solidFill>
-                      <a:prstDash val="solid"/>
-                      <a:round/>
-                      <a:headEnd type="none" w="med" len="med"/>
-                      <a:tailEnd type="none" w="med" len="med"/>
-                    </a:lnL>
-                    <a:lnR w="12700" cap="flat" cmpd="sng" algn="ctr">
-                      <a:solidFill>
-                        <a:schemeClr val="tx1"/>
-                      </a:solidFill>
-                      <a:prstDash val="solid"/>
-                      <a:round/>
-                      <a:headEnd type="none" w="med" len="med"/>
-                      <a:tailEnd type="none" w="med" len="med"/>
-                    </a:lnR>
-                    <a:lnT w="12700" cap="flat" cmpd="sng" algn="ctr">
-                      <a:solidFill>
-                        <a:schemeClr val="tx1"/>
-                      </a:solidFill>
-                      <a:prstDash val="solid"/>
-                      <a:round/>
-                      <a:headEnd type="none" w="med" len="med"/>
-                      <a:tailEnd type="none" w="med" len="med"/>
-                    </a:lnT>
-                    <a:lnB w="12700" cap="flat" cmpd="sng" algn="ctr">
-                      <a:solidFill>
-                        <a:schemeClr val="tx1"/>
-                      </a:solidFill>
-                      <a:prstDash val="solid"/>
-                      <a:round/>
-                      <a:headEnd type="none" w="med" len="med"/>
-                      <a:tailEnd type="none" w="med" len="med"/>
-                    </a:lnB>
-                    <a:solidFill>
-                      <a:schemeClr val="bg1"/>
-                    </a:solidFill>
-                  </a:tcPr>
-                </a:tc>
-                <a:extLst>
-                  <a:ext uri="{0D108BD9-81ED-4DB2-BD59-A6C34878D82A}">
-                    <a16:rowId xmlns:a16="http://schemas.microsoft.com/office/drawing/2014/main" val="3539243929"/>
-                  </a:ext>
-                </a:extLst>
-              </a:tr>
-              <a:tr h="370840">
-                <a:tc>
-                  <a:txBody>
-                    <a:bodyPr/>
-                    <a:lstStyle/>
-                    <a:p>
-                      <a:endParaRPr lang="en-US"/>
-                    </a:p>
-                  </a:txBody>
-                  <a:tcPr>
-                    <a:lnL w="12700" cap="flat" cmpd="sng" algn="ctr">
-                      <a:solidFill>
-                        <a:schemeClr val="tx1"/>
-                      </a:solidFill>
-                      <a:prstDash val="solid"/>
-                      <a:round/>
-                      <a:headEnd type="none" w="med" len="med"/>
-                      <a:tailEnd type="none" w="med" len="med"/>
-                    </a:lnL>
-                    <a:lnR w="12700" cap="flat" cmpd="sng" algn="ctr">
-                      <a:solidFill>
-                        <a:schemeClr val="tx1"/>
-                      </a:solidFill>
-                      <a:prstDash val="solid"/>
-                      <a:round/>
-                      <a:headEnd type="none" w="med" len="med"/>
-                      <a:tailEnd type="none" w="med" len="med"/>
-                    </a:lnR>
-                    <a:lnT w="12700" cap="flat" cmpd="sng" algn="ctr">
-                      <a:solidFill>
-                        <a:schemeClr val="tx1"/>
-                      </a:solidFill>
-                      <a:prstDash val="solid"/>
-                      <a:round/>
-                      <a:headEnd type="none" w="med" len="med"/>
-                      <a:tailEnd type="none" w="med" len="med"/>
-                    </a:lnT>
-                    <a:lnB w="12700" cap="flat" cmpd="sng" algn="ctr">
-                      <a:solidFill>
-                        <a:schemeClr val="tx1"/>
-                      </a:solidFill>
-                      <a:prstDash val="solid"/>
-                      <a:round/>
-                      <a:headEnd type="none" w="med" len="med"/>
-                      <a:tailEnd type="none" w="med" len="med"/>
-                    </a:lnB>
-                    <a:solidFill>
-                      <a:schemeClr val="bg1"/>
-                    </a:solidFill>
-                  </a:tcPr>
-                </a:tc>
-                <a:tc>
-                  <a:txBody>
-                    <a:bodyPr/>
-                    <a:lstStyle/>
-                    <a:p>
-                      <a:endParaRPr lang="en-US"/>
-                    </a:p>
-                  </a:txBody>
-                  <a:tcPr>
-                    <a:lnL w="12700" cap="flat" cmpd="sng" algn="ctr">
-                      <a:solidFill>
-                        <a:schemeClr val="tx1"/>
-                      </a:solidFill>
-                      <a:prstDash val="solid"/>
-                      <a:round/>
-                      <a:headEnd type="none" w="med" len="med"/>
-                      <a:tailEnd type="none" w="med" len="med"/>
-                    </a:lnL>
-                    <a:lnR w="12700" cap="flat" cmpd="sng" algn="ctr">
-                      <a:solidFill>
-                        <a:schemeClr val="tx1"/>
-                      </a:solidFill>
-                      <a:prstDash val="solid"/>
-                      <a:round/>
-                      <a:headEnd type="none" w="med" len="med"/>
-                      <a:tailEnd type="none" w="med" len="med"/>
-                    </a:lnR>
-                    <a:lnT w="12700" cap="flat" cmpd="sng" algn="ctr">
-                      <a:solidFill>
-                        <a:schemeClr val="tx1"/>
-                      </a:solidFill>
-                      <a:prstDash val="solid"/>
-                      <a:round/>
-                      <a:headEnd type="none" w="med" len="med"/>
-                      <a:tailEnd type="none" w="med" len="med"/>
-                    </a:lnT>
-                    <a:lnB w="12700" cap="flat" cmpd="sng" algn="ctr">
-                      <a:solidFill>
-                        <a:schemeClr val="tx1"/>
-                      </a:solidFill>
-                      <a:prstDash val="solid"/>
-                      <a:round/>
-                      <a:headEnd type="none" w="med" len="med"/>
-                      <a:tailEnd type="none" w="med" len="med"/>
-                    </a:lnB>
-                    <a:solidFill>
-                      <a:schemeClr val="bg1"/>
-                    </a:solidFill>
-                  </a:tcPr>
-                </a:tc>
-                <a:tc>
-                  <a:txBody>
-                    <a:bodyPr/>
-                    <a:lstStyle/>
-                    <a:p>
-                      <a:endParaRPr lang="en-US"/>
-                    </a:p>
-                  </a:txBody>
-                  <a:tcPr>
-                    <a:lnL w="12700" cap="flat" cmpd="sng" algn="ctr">
-                      <a:solidFill>
-                        <a:schemeClr val="tx1"/>
-                      </a:solidFill>
-                      <a:prstDash val="solid"/>
-                      <a:round/>
-                      <a:headEnd type="none" w="med" len="med"/>
-                      <a:tailEnd type="none" w="med" len="med"/>
-                    </a:lnL>
-                    <a:lnR w="12700" cap="flat" cmpd="sng" algn="ctr">
-                      <a:solidFill>
-                        <a:schemeClr val="tx1"/>
-                      </a:solidFill>
-                      <a:prstDash val="solid"/>
-                      <a:round/>
-                      <a:headEnd type="none" w="med" len="med"/>
-                      <a:tailEnd type="none" w="med" len="med"/>
-                    </a:lnR>
-                    <a:lnT w="12700" cap="flat" cmpd="sng" algn="ctr">
-                      <a:solidFill>
-                        <a:schemeClr val="tx1"/>
-                      </a:solidFill>
-                      <a:prstDash val="solid"/>
-                      <a:round/>
-                      <a:headEnd type="none" w="med" len="med"/>
-                      <a:tailEnd type="none" w="med" len="med"/>
-                    </a:lnT>
-                    <a:lnB w="12700" cap="flat" cmpd="sng" algn="ctr">
-                      <a:solidFill>
-                        <a:schemeClr val="tx1"/>
-                      </a:solidFill>
-                      <a:prstDash val="solid"/>
-                      <a:round/>
-                      <a:headEnd type="none" w="med" len="med"/>
-                      <a:tailEnd type="none" w="med" len="med"/>
-                    </a:lnB>
-                    <a:solidFill>
-                      <a:schemeClr val="bg1"/>
-                    </a:solidFill>
-                  </a:tcPr>
-                </a:tc>
-                <a:tc>
-                  <a:txBody>
-                    <a:bodyPr/>
-                    <a:lstStyle/>
-                    <a:p>
-                      <a:endParaRPr lang="en-US"/>
-                    </a:p>
-                  </a:txBody>
-                  <a:tcPr>
-                    <a:lnL w="12700" cap="flat" cmpd="sng" algn="ctr">
-                      <a:solidFill>
-                        <a:schemeClr val="tx1"/>
-                      </a:solidFill>
-                      <a:prstDash val="solid"/>
-                      <a:round/>
-                      <a:headEnd type="none" w="med" len="med"/>
-                      <a:tailEnd type="none" w="med" len="med"/>
-                    </a:lnL>
-                    <a:lnR w="12700" cap="flat" cmpd="sng" algn="ctr">
-                      <a:solidFill>
-                        <a:schemeClr val="tx1"/>
-                      </a:solidFill>
-                      <a:prstDash val="solid"/>
-                      <a:round/>
-                      <a:headEnd type="none" w="med" len="med"/>
-                      <a:tailEnd type="none" w="med" len="med"/>
-                    </a:lnR>
-                    <a:lnT w="12700" cap="flat" cmpd="sng" algn="ctr">
-                      <a:solidFill>
-                        <a:schemeClr val="tx1"/>
-                      </a:solidFill>
-                      <a:prstDash val="solid"/>
-                      <a:round/>
-                      <a:headEnd type="none" w="med" len="med"/>
-                      <a:tailEnd type="none" w="med" len="med"/>
-                    </a:lnT>
-                    <a:lnB w="12700" cap="flat" cmpd="sng" algn="ctr">
-                      <a:solidFill>
-                        <a:schemeClr val="tx1"/>
-                      </a:solidFill>
-                      <a:prstDash val="solid"/>
-                      <a:round/>
-                      <a:headEnd type="none" w="med" len="med"/>
-                      <a:tailEnd type="none" w="med" len="med"/>
-                    </a:lnB>
-                    <a:solidFill>
-                      <a:schemeClr val="bg1"/>
-                    </a:solidFill>
-                  </a:tcPr>
-                </a:tc>
-                <a:tc>
-                  <a:txBody>
-                    <a:bodyPr/>
-                    <a:lstStyle/>
-                    <a:p>
-                      <a:endParaRPr lang="en-US"/>
-                    </a:p>
-                  </a:txBody>
-                  <a:tcPr>
-                    <a:lnL w="12700" cap="flat" cmpd="sng" algn="ctr">
-                      <a:solidFill>
-                        <a:schemeClr val="tx1"/>
-                      </a:solidFill>
-                      <a:prstDash val="solid"/>
-                      <a:round/>
-                      <a:headEnd type="none" w="med" len="med"/>
-                      <a:tailEnd type="none" w="med" len="med"/>
-                    </a:lnL>
-                    <a:lnR w="12700" cap="flat" cmpd="sng" algn="ctr">
-                      <a:solidFill>
-                        <a:schemeClr val="tx1"/>
-                      </a:solidFill>
-                      <a:prstDash val="solid"/>
-                      <a:round/>
-                      <a:headEnd type="none" w="med" len="med"/>
-                      <a:tailEnd type="none" w="med" len="med"/>
-                    </a:lnR>
-                    <a:lnT w="12700" cap="flat" cmpd="sng" algn="ctr">
-                      <a:solidFill>
-                        <a:schemeClr val="tx1"/>
-                      </a:solidFill>
-                      <a:prstDash val="solid"/>
-                      <a:round/>
-                      <a:headEnd type="none" w="med" len="med"/>
-                      <a:tailEnd type="none" w="med" len="med"/>
-                    </a:lnT>
-                    <a:lnB w="12700" cap="flat" cmpd="sng" algn="ctr">
-                      <a:solidFill>
-                        <a:schemeClr val="tx1"/>
-                      </a:solidFill>
-                      <a:prstDash val="solid"/>
-                      <a:round/>
-                      <a:headEnd type="none" w="med" len="med"/>
-                      <a:tailEnd type="none" w="med" len="med"/>
-                    </a:lnB>
-                    <a:solidFill>
-                      <a:schemeClr val="bg1"/>
-                    </a:solidFill>
-                  </a:tcPr>
-                </a:tc>
-                <a:tc>
-                  <a:txBody>
-                    <a:bodyPr/>
-                    <a:lstStyle/>
-                    <a:p>
-                      <a:endParaRPr lang="en-US"/>
-                    </a:p>
-                  </a:txBody>
-                  <a:tcPr>
-                    <a:lnL w="12700" cap="flat" cmpd="sng" algn="ctr">
-                      <a:solidFill>
-                        <a:schemeClr val="tx1"/>
-                      </a:solidFill>
-                      <a:prstDash val="solid"/>
-                      <a:round/>
-                      <a:headEnd type="none" w="med" len="med"/>
-                      <a:tailEnd type="none" w="med" len="med"/>
-                    </a:lnL>
-                    <a:lnR w="12700" cap="flat" cmpd="sng" algn="ctr">
-                      <a:solidFill>
-                        <a:schemeClr val="tx1"/>
-                      </a:solidFill>
-                      <a:prstDash val="solid"/>
-                      <a:round/>
-                      <a:headEnd type="none" w="med" len="med"/>
-                      <a:tailEnd type="none" w="med" len="med"/>
-                    </a:lnR>
-                    <a:lnT w="12700" cap="flat" cmpd="sng" algn="ctr">
-                      <a:solidFill>
-                        <a:schemeClr val="tx1"/>
-                      </a:solidFill>
-                      <a:prstDash val="solid"/>
-                      <a:round/>
-                      <a:headEnd type="none" w="med" len="med"/>
-                      <a:tailEnd type="none" w="med" len="med"/>
-                    </a:lnT>
-                    <a:lnB w="12700" cap="flat" cmpd="sng" algn="ctr">
-                      <a:solidFill>
-                        <a:schemeClr val="tx1"/>
-                      </a:solidFill>
-                      <a:prstDash val="solid"/>
-                      <a:round/>
-                      <a:headEnd type="none" w="med" len="med"/>
-                      <a:tailEnd type="none" w="med" len="med"/>
-                    </a:lnB>
-                    <a:solidFill>
-                      <a:schemeClr val="bg1"/>
-                    </a:solidFill>
-                  </a:tcPr>
-                </a:tc>
-                <a:extLst>
-                  <a:ext uri="{0D108BD9-81ED-4DB2-BD59-A6C34878D82A}">
-                    <a16:rowId xmlns:a16="http://schemas.microsoft.com/office/drawing/2014/main" val="3450266458"/>
-                  </a:ext>
-                </a:extLst>
-              </a:tr>
-              <a:tr h="370840">
-                <a:tc>
-                  <a:txBody>
-                    <a:bodyPr/>
-                    <a:lstStyle/>
-                    <a:p>
-                      <a:endParaRPr lang="en-US"/>
-                    </a:p>
-                  </a:txBody>
-                  <a:tcPr>
-                    <a:lnL w="12700" cap="flat" cmpd="sng" algn="ctr">
-                      <a:solidFill>
-                        <a:schemeClr val="tx1"/>
-                      </a:solidFill>
-                      <a:prstDash val="solid"/>
-                      <a:round/>
-                      <a:headEnd type="none" w="med" len="med"/>
-                      <a:tailEnd type="none" w="med" len="med"/>
-                    </a:lnL>
-                    <a:lnR w="12700" cap="flat" cmpd="sng" algn="ctr">
-                      <a:solidFill>
-                        <a:schemeClr val="tx1"/>
-                      </a:solidFill>
-                      <a:prstDash val="solid"/>
-                      <a:round/>
-                      <a:headEnd type="none" w="med" len="med"/>
-                      <a:tailEnd type="none" w="med" len="med"/>
-                    </a:lnR>
-                    <a:lnT w="12700" cap="flat" cmpd="sng" algn="ctr">
-                      <a:solidFill>
-                        <a:schemeClr val="tx1"/>
-                      </a:solidFill>
-                      <a:prstDash val="solid"/>
-                      <a:round/>
-                      <a:headEnd type="none" w="med" len="med"/>
-                      <a:tailEnd type="none" w="med" len="med"/>
-                    </a:lnT>
-                    <a:lnB w="12700" cap="flat" cmpd="sng" algn="ctr">
-                      <a:solidFill>
-                        <a:schemeClr val="tx1"/>
-                      </a:solidFill>
-                      <a:prstDash val="solid"/>
-                      <a:round/>
-                      <a:headEnd type="none" w="med" len="med"/>
-                      <a:tailEnd type="none" w="med" len="med"/>
-                    </a:lnB>
-                    <a:solidFill>
-                      <a:schemeClr val="bg1"/>
-                    </a:solidFill>
-                  </a:tcPr>
-                </a:tc>
-                <a:tc>
-                  <a:txBody>
-                    <a:bodyPr/>
-                    <a:lstStyle/>
-                    <a:p>
-                      <a:endParaRPr lang="en-US"/>
-                    </a:p>
-                  </a:txBody>
-                  <a:tcPr>
-                    <a:lnL w="12700" cap="flat" cmpd="sng" algn="ctr">
-                      <a:solidFill>
-                        <a:schemeClr val="tx1"/>
-                      </a:solidFill>
-                      <a:prstDash val="solid"/>
-                      <a:round/>
-                      <a:headEnd type="none" w="med" len="med"/>
-                      <a:tailEnd type="none" w="med" len="med"/>
-                    </a:lnL>
-                    <a:lnR w="12700" cap="flat" cmpd="sng" algn="ctr">
-                      <a:solidFill>
-                        <a:schemeClr val="tx1"/>
-                      </a:solidFill>
-                      <a:prstDash val="solid"/>
-                      <a:round/>
-                      <a:headEnd type="none" w="med" len="med"/>
-                      <a:tailEnd type="none" w="med" len="med"/>
-                    </a:lnR>
-                    <a:lnT w="12700" cap="flat" cmpd="sng" algn="ctr">
-                      <a:solidFill>
-                        <a:schemeClr val="tx1"/>
-                      </a:solidFill>
-                      <a:prstDash val="solid"/>
-                      <a:round/>
-                      <a:headEnd type="none" w="med" len="med"/>
-                      <a:tailEnd type="none" w="med" len="med"/>
-                    </a:lnT>
-                    <a:lnB w="12700" cap="flat" cmpd="sng" algn="ctr">
-                      <a:solidFill>
-                        <a:schemeClr val="tx1"/>
-                      </a:solidFill>
-                      <a:prstDash val="solid"/>
-                      <a:round/>
-                      <a:headEnd type="none" w="med" len="med"/>
-                      <a:tailEnd type="none" w="med" len="med"/>
-                    </a:lnB>
-                    <a:solidFill>
-                      <a:schemeClr val="bg1"/>
-                    </a:solidFill>
-                  </a:tcPr>
-                </a:tc>
-                <a:tc>
-                  <a:txBody>
-                    <a:bodyPr/>
-                    <a:lstStyle/>
-                    <a:p>
-                      <a:endParaRPr lang="en-US"/>
-                    </a:p>
-                  </a:txBody>
-                  <a:tcPr>
-                    <a:lnL w="12700" cap="flat" cmpd="sng" algn="ctr">
-                      <a:solidFill>
-                        <a:schemeClr val="tx1"/>
-                      </a:solidFill>
-                      <a:prstDash val="solid"/>
-                      <a:round/>
-                      <a:headEnd type="none" w="med" len="med"/>
-                      <a:tailEnd type="none" w="med" len="med"/>
-                    </a:lnL>
-                    <a:lnR w="12700" cap="flat" cmpd="sng" algn="ctr">
-                      <a:solidFill>
-                        <a:schemeClr val="tx1"/>
-                      </a:solidFill>
-                      <a:prstDash val="solid"/>
-                      <a:round/>
-                      <a:headEnd type="none" w="med" len="med"/>
-                      <a:tailEnd type="none" w="med" len="med"/>
-                    </a:lnR>
-                    <a:lnT w="12700" cap="flat" cmpd="sng" algn="ctr">
-                      <a:solidFill>
-                        <a:schemeClr val="tx1"/>
-                      </a:solidFill>
-                      <a:prstDash val="solid"/>
-                      <a:round/>
-                      <a:headEnd type="none" w="med" len="med"/>
-                      <a:tailEnd type="none" w="med" len="med"/>
-                    </a:lnT>
-                    <a:lnB w="12700" cap="flat" cmpd="sng" algn="ctr">
-                      <a:solidFill>
-                        <a:schemeClr val="tx1"/>
-                      </a:solidFill>
-                      <a:prstDash val="solid"/>
-                      <a:round/>
-                      <a:headEnd type="none" w="med" len="med"/>
-                      <a:tailEnd type="none" w="med" len="med"/>
-                    </a:lnB>
-                    <a:solidFill>
-                      <a:schemeClr val="bg1"/>
-                    </a:solidFill>
-                  </a:tcPr>
-                </a:tc>
-                <a:tc>
-                  <a:txBody>
-                    <a:bodyPr/>
-                    <a:lstStyle/>
-                    <a:p>
-                      <a:endParaRPr lang="en-US"/>
-                    </a:p>
-                  </a:txBody>
-                  <a:tcPr>
-                    <a:lnL w="12700" cap="flat" cmpd="sng" algn="ctr">
-                      <a:solidFill>
-                        <a:schemeClr val="tx1"/>
-                      </a:solidFill>
-                      <a:prstDash val="solid"/>
-                      <a:round/>
-                      <a:headEnd type="none" w="med" len="med"/>
-                      <a:tailEnd type="none" w="med" len="med"/>
-                    </a:lnL>
-                    <a:lnR w="12700" cap="flat" cmpd="sng" algn="ctr">
-                      <a:solidFill>
-                        <a:schemeClr val="tx1"/>
-                      </a:solidFill>
-                      <a:prstDash val="solid"/>
-                      <a:round/>
-                      <a:headEnd type="none" w="med" len="med"/>
-                      <a:tailEnd type="none" w="med" len="med"/>
-                    </a:lnR>
-                    <a:lnT w="12700" cap="flat" cmpd="sng" algn="ctr">
-                      <a:solidFill>
-                        <a:schemeClr val="tx1"/>
-                      </a:solidFill>
-                      <a:prstDash val="solid"/>
-                      <a:round/>
-                      <a:headEnd type="none" w="med" len="med"/>
-                      <a:tailEnd type="none" w="med" len="med"/>
-                    </a:lnT>
-                    <a:lnB w="12700" cap="flat" cmpd="sng" algn="ctr">
-                      <a:solidFill>
-                        <a:schemeClr val="tx1"/>
-                      </a:solidFill>
-                      <a:prstDash val="solid"/>
-                      <a:round/>
-                      <a:headEnd type="none" w="med" len="med"/>
-                      <a:tailEnd type="none" w="med" len="med"/>
-                    </a:lnB>
-                    <a:solidFill>
-                      <a:schemeClr val="bg1"/>
-                    </a:solidFill>
-                  </a:tcPr>
-                </a:tc>
-                <a:tc>
-                  <a:txBody>
-                    <a:bodyPr/>
-                    <a:lstStyle/>
-                    <a:p>
-                      <a:endParaRPr lang="en-US"/>
-                    </a:p>
-                  </a:txBody>
-                  <a:tcPr>
-                    <a:lnL w="12700" cap="flat" cmpd="sng" algn="ctr">
-                      <a:solidFill>
-                        <a:schemeClr val="tx1"/>
-                      </a:solidFill>
-                      <a:prstDash val="solid"/>
-                      <a:round/>
-                      <a:headEnd type="none" w="med" len="med"/>
-                      <a:tailEnd type="none" w="med" len="med"/>
-                    </a:lnL>
-                    <a:lnR w="12700" cap="flat" cmpd="sng" algn="ctr">
-                      <a:solidFill>
-                        <a:schemeClr val="tx1"/>
-                      </a:solidFill>
-                      <a:prstDash val="solid"/>
-                      <a:round/>
-                      <a:headEnd type="none" w="med" len="med"/>
-                      <a:tailEnd type="none" w="med" len="med"/>
-                    </a:lnR>
-                    <a:lnT w="12700" cap="flat" cmpd="sng" algn="ctr">
-                      <a:solidFill>
-                        <a:schemeClr val="tx1"/>
-                      </a:solidFill>
-                      <a:prstDash val="solid"/>
-                      <a:round/>
-                      <a:headEnd type="none" w="med" len="med"/>
-                      <a:tailEnd type="none" w="med" len="med"/>
-                    </a:lnT>
-                    <a:lnB w="12700" cap="flat" cmpd="sng" algn="ctr">
-                      <a:solidFill>
-                        <a:schemeClr val="tx1"/>
-                      </a:solidFill>
-                      <a:prstDash val="solid"/>
-                      <a:round/>
-                      <a:headEnd type="none" w="med" len="med"/>
-                      <a:tailEnd type="none" w="med" len="med"/>
-                    </a:lnB>
-                    <a:solidFill>
-                      <a:schemeClr val="bg1"/>
-                    </a:solidFill>
-                  </a:tcPr>
-                </a:tc>
-                <a:tc>
-                  <a:txBody>
-                    <a:bodyPr/>
-                    <a:lstStyle/>
-                    <a:p>
-                      <a:endParaRPr lang="en-US" dirty="0"/>
-                    </a:p>
-                  </a:txBody>
-                  <a:tcPr>
-                    <a:lnL w="12700" cap="flat" cmpd="sng" algn="ctr">
-                      <a:solidFill>
-                        <a:schemeClr val="tx1"/>
-                      </a:solidFill>
-                      <a:prstDash val="solid"/>
-                      <a:round/>
-                      <a:headEnd type="none" w="med" len="med"/>
-                      <a:tailEnd type="none" w="med" len="med"/>
-                    </a:lnL>
-                    <a:lnR w="12700" cap="flat" cmpd="sng" algn="ctr">
-                      <a:solidFill>
-                        <a:schemeClr val="tx1"/>
-                      </a:solidFill>
-                      <a:prstDash val="solid"/>
-                      <a:round/>
-                      <a:headEnd type="none" w="med" len="med"/>
-                      <a:tailEnd type="none" w="med" len="med"/>
-                    </a:lnR>
-                    <a:lnT w="12700" cap="flat" cmpd="sng" algn="ctr">
-                      <a:solidFill>
-                        <a:schemeClr val="tx1"/>
-                      </a:solidFill>
-                      <a:prstDash val="solid"/>
-                      <a:round/>
-                      <a:headEnd type="none" w="med" len="med"/>
-                      <a:tailEnd type="none" w="med" len="med"/>
-                    </a:lnT>
-                    <a:lnB w="12700" cap="flat" cmpd="sng" algn="ctr">
-                      <a:solidFill>
-                        <a:schemeClr val="tx1"/>
-                      </a:solidFill>
-                      <a:prstDash val="solid"/>
-                      <a:round/>
-                      <a:headEnd type="none" w="med" len="med"/>
-                      <a:tailEnd type="none" w="med" len="med"/>
-                    </a:lnB>
-                    <a:solidFill>
-                      <a:schemeClr val="bg1"/>
-                    </a:solidFill>
-                  </a:tcPr>
-                </a:tc>
-                <a:extLst>
-                  <a:ext uri="{0D108BD9-81ED-4DB2-BD59-A6C34878D82A}">
-                    <a16:rowId xmlns:a16="http://schemas.microsoft.com/office/drawing/2014/main" val="2587904329"/>
-                  </a:ext>
-                </a:extLst>
-              </a:tr>
-            </a:tbl>
-          </a:graphicData>
-        </a:graphic>
-      </p:graphicFrame>
-    </p:spTree>
-    <p:extLst>
-      <p:ext uri="{BB962C8B-B14F-4D97-AF65-F5344CB8AC3E}">
-        <p14:creationId xmlns:p14="http://schemas.microsoft.com/office/powerpoint/2010/main" val="4285223946"/>
-      </p:ext>
-    </p:extLst>
-  </p:cSld>
-  <p:clrMapOvr>
-    <a:masterClrMapping/>
-  </p:clrMapOvr>
-</p:sld>
-</file>
-
-<file path=ppt/slides/slide13.xml><?xml version="1.0" encoding="utf-8"?>
-<p:sld xmlns:a="http://schemas.openxmlformats.org/drawingml/2006/main" xmlns:r="http://schemas.openxmlformats.org/officeDocument/2006/relationships" xmlns:p="http://schemas.openxmlformats.org/presentationml/2006/main">
-  <p:cSld>
-    <p:spTree>
-      <p:nvGrpSpPr>
-        <p:cNvPr id="1" name="">
-          <a:extLst>
-            <a:ext uri="{FF2B5EF4-FFF2-40B4-BE49-F238E27FC236}">
-              <a16:creationId xmlns:a16="http://schemas.microsoft.com/office/drawing/2014/main" id="{C9643B4D-4553-5483-076C-36116EA9D439}"/>
-            </a:ext>
-          </a:extLst>
-        </p:cNvPr>
-        <p:cNvGrpSpPr/>
-        <p:nvPr/>
-      </p:nvGrpSpPr>
-      <p:grpSpPr>
-        <a:xfrm>
-          <a:off x="0" y="0"/>
-          <a:ext cx="0" cy="0"/>
-          <a:chOff x="0" y="0"/>
-          <a:chExt cx="0" cy="0"/>
-        </a:xfrm>
-      </p:grpSpPr>
-      <p:sp>
-        <p:nvSpPr>
-          <p:cNvPr id="2" name="Title 1">
-            <a:extLst>
-              <a:ext uri="{FF2B5EF4-FFF2-40B4-BE49-F238E27FC236}">
-                <a16:creationId xmlns:a16="http://schemas.microsoft.com/office/drawing/2014/main" id="{58F70750-9673-9009-1349-B4687EFCB817}"/>
-              </a:ext>
-            </a:extLst>
-          </p:cNvPr>
-          <p:cNvSpPr>
-            <a:spLocks noGrp="1"/>
-          </p:cNvSpPr>
-          <p:nvPr>
-            <p:ph type="title"/>
-          </p:nvPr>
-        </p:nvSpPr>
-        <p:spPr/>
-        <p:txBody>
-          <a:bodyPr/>
-          <a:lstStyle/>
-          <a:p>
-            <a:r>
-              <a:rPr lang="hr-HR" dirty="0"/>
-              <a:t>Vremenski</a:t>
-            </a:r>
-            <a:endParaRPr lang="hr-HR" noProof="0" dirty="0"/>
-          </a:p>
-        </p:txBody>
-      </p:sp>
-      <p:sp>
-        <p:nvSpPr>
-          <p:cNvPr id="4" name="Slide Number Placeholder 3">
-            <a:extLst>
-              <a:ext uri="{FF2B5EF4-FFF2-40B4-BE49-F238E27FC236}">
-                <a16:creationId xmlns:a16="http://schemas.microsoft.com/office/drawing/2014/main" id="{BB13D917-85A3-B973-ACD5-17B483BAB8AB}"/>
-              </a:ext>
-            </a:extLst>
-          </p:cNvPr>
-          <p:cNvSpPr>
-            <a:spLocks noGrp="1"/>
-          </p:cNvSpPr>
-          <p:nvPr>
-            <p:ph type="sldNum" sz="quarter" idx="12"/>
-          </p:nvPr>
-        </p:nvSpPr>
-        <p:spPr/>
-        <p:txBody>
-          <a:bodyPr/>
-          <a:lstStyle/>
-          <a:p>
-            <a:fld id="{FAA41844-C0CA-4144-9D6C-D993F0C0FAB4}" type="slidenum">
-              <a:rPr lang="hr-HR" smtClean="0"/>
-              <a:t>13</a:t>
-            </a:fld>
-            <a:endParaRPr lang="hr-HR" dirty="0"/>
-          </a:p>
-        </p:txBody>
-      </p:sp>
-      <p:pic>
-        <p:nvPicPr>
-          <p:cNvPr id="2050" name="Picture 2">
-            <a:extLst>
-              <a:ext uri="{FF2B5EF4-FFF2-40B4-BE49-F238E27FC236}">
-                <a16:creationId xmlns:a16="http://schemas.microsoft.com/office/drawing/2014/main" id="{6FB91B6F-C8F7-D8E1-D1FE-7DCE005D69FD}"/>
-              </a:ext>
-            </a:extLst>
-          </p:cNvPr>
-          <p:cNvPicPr>
-            <a:picLocks noChangeAspect="1" noChangeArrowheads="1"/>
-          </p:cNvPicPr>
-          <p:nvPr/>
-        </p:nvPicPr>
-        <p:blipFill rotWithShape="1">
-          <a:blip r:embed="rId2">
-            <a:extLst>
-              <a:ext uri="{28A0092B-C50C-407E-A947-70E740481C1C}">
-                <a14:useLocalDpi xmlns:a14="http://schemas.microsoft.com/office/drawing/2010/main" val="0"/>
-              </a:ext>
-            </a:extLst>
-          </a:blip>
-          <a:srcRect r="61394"/>
-          <a:stretch/>
-        </p:blipFill>
-        <p:spPr bwMode="auto">
-          <a:xfrm>
-            <a:off x="371084" y="1175658"/>
-            <a:ext cx="7451149" cy="2821344"/>
-          </a:xfrm>
-          <a:prstGeom prst="rect">
-            <a:avLst/>
-          </a:prstGeom>
-          <a:noFill/>
-          <a:extLst>
-            <a:ext uri="{909E8E84-426E-40DD-AFC4-6F175D3DCCD1}">
-              <a14:hiddenFill xmlns:a14="http://schemas.microsoft.com/office/drawing/2010/main">
-                <a:solidFill>
-                  <a:srgbClr val="FFFFFF"/>
-                </a:solidFill>
-              </a14:hiddenFill>
-            </a:ext>
-          </a:extLst>
-        </p:spPr>
-      </p:pic>
-      <p:pic>
-        <p:nvPicPr>
-          <p:cNvPr id="2052" name="Picture 4">
-            <a:extLst>
-              <a:ext uri="{FF2B5EF4-FFF2-40B4-BE49-F238E27FC236}">
-                <a16:creationId xmlns:a16="http://schemas.microsoft.com/office/drawing/2014/main" id="{9E36608A-AE5C-CC48-F68F-FE05A96568C7}"/>
-              </a:ext>
-            </a:extLst>
-          </p:cNvPr>
-          <p:cNvPicPr>
-            <a:picLocks noChangeAspect="1" noChangeArrowheads="1"/>
-          </p:cNvPicPr>
-          <p:nvPr/>
-        </p:nvPicPr>
-        <p:blipFill rotWithShape="1">
-          <a:blip r:embed="rId2">
-            <a:extLst>
-              <a:ext uri="{28A0092B-C50C-407E-A947-70E740481C1C}">
-                <a14:useLocalDpi xmlns:a14="http://schemas.microsoft.com/office/drawing/2010/main" val="0"/>
-              </a:ext>
-            </a:extLst>
-          </a:blip>
-          <a:srcRect l="45599"/>
-          <a:stretch/>
-        </p:blipFill>
-        <p:spPr bwMode="auto">
-          <a:xfrm>
-            <a:off x="119684" y="4108277"/>
-            <a:ext cx="8904632" cy="2392761"/>
-          </a:xfrm>
-          <a:prstGeom prst="rect">
-            <a:avLst/>
-          </a:prstGeom>
-          <a:noFill/>
-          <a:extLst>
-            <a:ext uri="{909E8E84-426E-40DD-AFC4-6F175D3DCCD1}">
-              <a14:hiddenFill xmlns:a14="http://schemas.microsoft.com/office/drawing/2010/main">
-                <a:solidFill>
-                  <a:srgbClr val="FFFFFF"/>
-                </a:solidFill>
-              </a14:hiddenFill>
-            </a:ext>
-          </a:extLst>
-        </p:spPr>
-      </p:pic>
-    </p:spTree>
-    <p:extLst>
-      <p:ext uri="{BB962C8B-B14F-4D97-AF65-F5344CB8AC3E}">
-        <p14:creationId xmlns:p14="http://schemas.microsoft.com/office/powerpoint/2010/main" val="699057175"/>
-      </p:ext>
-    </p:extLst>
-  </p:cSld>
-  <p:clrMapOvr>
-    <a:masterClrMapping/>
-  </p:clrMapOvr>
-</p:sld>
-</file>
-
-<file path=ppt/slides/slide14.xml><?xml version="1.0" encoding="utf-8"?>
-<p:sld xmlns:a="http://schemas.openxmlformats.org/drawingml/2006/main" xmlns:r="http://schemas.openxmlformats.org/officeDocument/2006/relationships" xmlns:p="http://schemas.openxmlformats.org/presentationml/2006/main">
-  <p:cSld>
-    <p:spTree>
-      <p:nvGrpSpPr>
-        <p:cNvPr id="1" name=""/>
-        <p:cNvGrpSpPr/>
-        <p:nvPr/>
-      </p:nvGrpSpPr>
-      <p:grpSpPr>
-        <a:xfrm>
-          <a:off x="0" y="0"/>
-          <a:ext cx="0" cy="0"/>
-          <a:chOff x="0" y="0"/>
-          <a:chExt cx="0" cy="0"/>
-        </a:xfrm>
-      </p:grpSpPr>
-      <p:sp>
-        <p:nvSpPr>
-          <p:cNvPr id="2" name="Title 1">
-            <a:extLst>
-              <a:ext uri="{FF2B5EF4-FFF2-40B4-BE49-F238E27FC236}">
-                <a16:creationId xmlns:a16="http://schemas.microsoft.com/office/drawing/2014/main" id="{B2C9CBA8-11D5-D65F-3F83-F59F385AC4BA}"/>
-              </a:ext>
-            </a:extLst>
-          </p:cNvPr>
-          <p:cNvSpPr>
-            <a:spLocks noGrp="1"/>
-          </p:cNvSpPr>
-          <p:nvPr>
-            <p:ph type="title"/>
-          </p:nvPr>
-        </p:nvSpPr>
-        <p:spPr/>
-        <p:txBody>
-          <a:bodyPr/>
-          <a:lstStyle/>
-          <a:p>
-            <a:r>
-              <a:rPr lang="hr-HR" noProof="0" dirty="0"/>
-              <a:t>Demonstracija aplikacije</a:t>
-            </a:r>
-          </a:p>
-        </p:txBody>
-      </p:sp>
-      <p:sp>
-        <p:nvSpPr>
-          <p:cNvPr id="3" name="Content Placeholder 2">
-            <a:extLst>
-              <a:ext uri="{FF2B5EF4-FFF2-40B4-BE49-F238E27FC236}">
-                <a16:creationId xmlns:a16="http://schemas.microsoft.com/office/drawing/2014/main" id="{095ADC07-223F-0954-0AAD-901A9AD8339F}"/>
-              </a:ext>
-            </a:extLst>
-          </p:cNvPr>
-          <p:cNvSpPr>
-            <a:spLocks noGrp="1"/>
-          </p:cNvSpPr>
-          <p:nvPr>
-            <p:ph idx="1"/>
-          </p:nvPr>
-        </p:nvSpPr>
-        <p:spPr/>
-        <p:txBody>
-          <a:bodyPr/>
-          <a:lstStyle/>
-          <a:p>
-            <a:r>
-              <a:rPr lang="hr-HR" dirty="0"/>
-              <a:t>Pokazati ključne funkcionalnosti uživo.</a:t>
-            </a:r>
-          </a:p>
-          <a:p>
-            <a:r>
-              <a:rPr lang="hr-HR" dirty="0"/>
-              <a:t>Fokus na izazove i rješenja (1-2 primjera).</a:t>
-            </a:r>
-          </a:p>
-        </p:txBody>
-      </p:sp>
-      <p:sp>
-        <p:nvSpPr>
-          <p:cNvPr id="4" name="Slide Number Placeholder 3">
-            <a:extLst>
-              <a:ext uri="{FF2B5EF4-FFF2-40B4-BE49-F238E27FC236}">
-                <a16:creationId xmlns:a16="http://schemas.microsoft.com/office/drawing/2014/main" id="{AE76D2D5-F8F8-3548-34C0-61BDD7AAEA8C}"/>
-              </a:ext>
-            </a:extLst>
-          </p:cNvPr>
-          <p:cNvSpPr>
-            <a:spLocks noGrp="1"/>
-          </p:cNvSpPr>
-          <p:nvPr>
-            <p:ph type="sldNum" sz="quarter" idx="12"/>
-          </p:nvPr>
-        </p:nvSpPr>
-        <p:spPr/>
-        <p:txBody>
-          <a:bodyPr/>
-          <a:lstStyle/>
-          <a:p>
-            <a:fld id="{FAA41844-C0CA-4144-9D6C-D993F0C0FAB4}" type="slidenum">
-              <a:rPr lang="hr-HR" smtClean="0"/>
-              <a:t>14</a:t>
-            </a:fld>
-            <a:endParaRPr lang="hr-HR" dirty="0"/>
-          </a:p>
-        </p:txBody>
-      </p:sp>
-    </p:spTree>
-    <p:extLst>
-      <p:ext uri="{BB962C8B-B14F-4D97-AF65-F5344CB8AC3E}">
-        <p14:creationId xmlns:p14="http://schemas.microsoft.com/office/powerpoint/2010/main" val="3208602946"/>
-      </p:ext>
-    </p:extLst>
-  </p:cSld>
-  <p:clrMapOvr>
-    <a:masterClrMapping/>
-  </p:clrMapOvr>
-</p:sld>
-</file>
-
-<file path=ppt/slides/slide15.xml><?xml version="1.0" encoding="utf-8"?>
-<p:sld xmlns:a="http://schemas.openxmlformats.org/drawingml/2006/main" xmlns:r="http://schemas.openxmlformats.org/officeDocument/2006/relationships" xmlns:p="http://schemas.openxmlformats.org/presentationml/2006/main">
-  <p:cSld>
-    <p:spTree>
-      <p:nvGrpSpPr>
-        <p:cNvPr id="1" name=""/>
-        <p:cNvGrpSpPr/>
-        <p:nvPr/>
-      </p:nvGrpSpPr>
-      <p:grpSpPr>
-        <a:xfrm>
-          <a:off x="0" y="0"/>
-          <a:ext cx="0" cy="0"/>
-          <a:chOff x="0" y="0"/>
-          <a:chExt cx="0" cy="0"/>
-        </a:xfrm>
-      </p:grpSpPr>
-      <p:sp>
-        <p:nvSpPr>
-          <p:cNvPr id="2" name="Title 1"/>
-          <p:cNvSpPr>
-            <a:spLocks noGrp="1"/>
-          </p:cNvSpPr>
-          <p:nvPr>
-            <p:ph type="title"/>
-          </p:nvPr>
-        </p:nvSpPr>
-        <p:spPr/>
-        <p:txBody>
-          <a:bodyPr/>
-          <a:lstStyle/>
-          <a:p>
-            <a:r>
-              <a:rPr lang="hr-HR" noProof="0" dirty="0"/>
-              <a:t>Zaključak</a:t>
-            </a:r>
-          </a:p>
-        </p:txBody>
-      </p:sp>
-      <p:sp>
-        <p:nvSpPr>
-          <p:cNvPr id="3" name="Content Placeholder 2"/>
-          <p:cNvSpPr>
-            <a:spLocks noGrp="1"/>
-          </p:cNvSpPr>
-          <p:nvPr>
-            <p:ph idx="1"/>
-          </p:nvPr>
-        </p:nvSpPr>
-        <p:spPr/>
-        <p:txBody>
-          <a:bodyPr/>
-          <a:lstStyle/>
-          <a:p>
-            <a:r>
-              <a:rPr lang="hr-HR" noProof="0" dirty="0"/>
-              <a:t>Naučene lekcije</a:t>
-            </a:r>
-          </a:p>
-          <a:p>
-            <a:pPr lvl="1"/>
-            <a:r>
-              <a:rPr lang="hr-HR" noProof="0" dirty="0"/>
-              <a:t>Što je bilo dobro, a što je moglo bolje</a:t>
-            </a:r>
-          </a:p>
-          <a:p>
-            <a:pPr lvl="1"/>
-            <a:r>
-              <a:rPr lang="hr-HR" noProof="0" dirty="0"/>
-              <a:t>A što se nikako ne bi smjelo ponoviti </a:t>
-            </a:r>
-            <a:r>
-              <a:rPr lang="hr-HR" noProof="0" dirty="0">
-                <a:sym typeface="Wingdings" panose="05000000000000000000" pitchFamily="2" charset="2"/>
-              </a:rPr>
-              <a:t></a:t>
-            </a:r>
-          </a:p>
-          <a:p>
-            <a:pPr lvl="1"/>
-            <a:endParaRPr lang="hr-HR" noProof="0" dirty="0">
-              <a:sym typeface="Wingdings" panose="05000000000000000000" pitchFamily="2" charset="2"/>
-            </a:endParaRPr>
-          </a:p>
-          <a:p>
-            <a:endParaRPr lang="hr-HR" noProof="0" dirty="0"/>
-          </a:p>
-        </p:txBody>
-      </p:sp>
-      <p:sp>
-        <p:nvSpPr>
-          <p:cNvPr id="4" name="Slide Number Placeholder 3"/>
-          <p:cNvSpPr>
-            <a:spLocks noGrp="1"/>
-          </p:cNvSpPr>
-          <p:nvPr>
-            <p:ph type="sldNum" sz="quarter" idx="12"/>
-          </p:nvPr>
-        </p:nvSpPr>
-        <p:spPr/>
-        <p:txBody>
-          <a:bodyPr/>
-          <a:lstStyle/>
-          <a:p>
-            <a:fld id="{FAA41844-C0CA-4144-9D6C-D993F0C0FAB4}" type="slidenum">
-              <a:rPr lang="hr-HR" smtClean="0"/>
-              <a:t>15</a:t>
-            </a:fld>
-            <a:endParaRPr lang="hr-HR" dirty="0"/>
-          </a:p>
-        </p:txBody>
-      </p:sp>
-    </p:spTree>
-    <p:extLst>
-      <p:ext uri="{BB962C8B-B14F-4D97-AF65-F5344CB8AC3E}">
-        <p14:creationId xmlns:p14="http://schemas.microsoft.com/office/powerpoint/2010/main" val="48259320"/>
-      </p:ext>
-    </p:extLst>
-  </p:cSld>
-  <p:clrMapOvr>
-    <a:masterClrMapping/>
-  </p:clrMapOvr>
-</p:sld>
-</file>
-
-<file path=ppt/slides/slide16.xml><?xml version="1.0" encoding="utf-8"?>
-<p:sld xmlns:a="http://schemas.openxmlformats.org/drawingml/2006/main" xmlns:r="http://schemas.openxmlformats.org/officeDocument/2006/relationships" xmlns:p="http://schemas.openxmlformats.org/presentationml/2006/main">
-  <p:cSld>
-    <p:spTree>
-      <p:nvGrpSpPr>
-        <p:cNvPr id="1" name=""/>
-        <p:cNvGrpSpPr/>
-        <p:nvPr/>
-      </p:nvGrpSpPr>
-      <p:grpSpPr>
-        <a:xfrm>
-          <a:off x="0" y="0"/>
-          <a:ext cx="0" cy="0"/>
-          <a:chOff x="0" y="0"/>
-          <a:chExt cx="0" cy="0"/>
-        </a:xfrm>
-      </p:grpSpPr>
-      <p:sp>
-        <p:nvSpPr>
-          <p:cNvPr id="2" name="Title 1"/>
-          <p:cNvSpPr>
-            <a:spLocks noGrp="1"/>
-          </p:cNvSpPr>
-          <p:nvPr>
-            <p:ph type="title"/>
-          </p:nvPr>
-        </p:nvSpPr>
-        <p:spPr/>
-        <p:txBody>
-          <a:bodyPr/>
-          <a:lstStyle/>
-          <a:p>
-            <a:r>
-              <a:rPr lang="hr-HR" i="1" noProof="0" dirty="0"/>
-              <a:t>Nekoliko savjeta</a:t>
-            </a:r>
-          </a:p>
-        </p:txBody>
-      </p:sp>
-      <p:sp>
-        <p:nvSpPr>
-          <p:cNvPr id="3" name="Content Placeholder 2"/>
-          <p:cNvSpPr>
-            <a:spLocks noGrp="1"/>
-          </p:cNvSpPr>
-          <p:nvPr>
-            <p:ph idx="1"/>
-          </p:nvPr>
-        </p:nvSpPr>
-        <p:spPr/>
-        <p:txBody>
-          <a:bodyPr>
-            <a:normAutofit/>
-          </a:bodyPr>
-          <a:lstStyle/>
-          <a:p>
-            <a:r>
-              <a:rPr lang="hr-HR" noProof="0" dirty="0"/>
-              <a:t>10-15 slajdova je sasvim dovoljno – istaknite samo najvažnije činjenice</a:t>
-            </a:r>
-          </a:p>
-          <a:p>
-            <a:r>
-              <a:rPr lang="hr-HR" noProof="0" dirty="0"/>
-              <a:t>Prezentaciju možete grafički urediti prema svojem nahođenju uz ograničenja:</a:t>
-            </a:r>
-          </a:p>
-          <a:p>
-            <a:pPr lvl="1"/>
-            <a:r>
-              <a:rPr lang="hr-HR" noProof="0" dirty="0"/>
-              <a:t>Obavezan sadržaj naslovne stranice</a:t>
-            </a:r>
-          </a:p>
-          <a:p>
-            <a:pPr lvl="1"/>
-            <a:r>
-              <a:rPr lang="hr-HR" noProof="0" dirty="0"/>
-              <a:t>Obavezni brojevi stranica</a:t>
-            </a:r>
-          </a:p>
-          <a:p>
-            <a:r>
-              <a:rPr lang="hr-HR" b="1" noProof="0" dirty="0"/>
-              <a:t>Priprema izlaganja na satu:</a:t>
-            </a:r>
-          </a:p>
-          <a:p>
-            <a:pPr lvl="1"/>
-            <a:r>
-              <a:rPr lang="hr-HR" noProof="0" dirty="0"/>
-              <a:t>Pokrenite sve potrebne programe i alate na računalu prije početka Vašeg izlaganja te provjerite kompatibilnost opreme!</a:t>
-            </a:r>
-          </a:p>
-          <a:p>
-            <a:pPr lvl="2"/>
-            <a:r>
-              <a:rPr lang="hr-HR" dirty="0"/>
-              <a:t>Standardni HDMI priključak. Eduraom.</a:t>
-            </a:r>
-            <a:endParaRPr lang="hr-HR" noProof="0" dirty="0"/>
-          </a:p>
-          <a:p>
-            <a:pPr lvl="1"/>
-            <a:r>
-              <a:rPr lang="pl-PL" dirty="0"/>
-              <a:t>Vježbati izlaganje u 15 minuta.</a:t>
-            </a:r>
-          </a:p>
-          <a:p>
-            <a:pPr lvl="1"/>
-            <a:r>
-              <a:rPr lang="hr-HR" b="1" noProof="0" dirty="0"/>
-              <a:t>Poštujte zadani vremenski okvir!</a:t>
-            </a:r>
-          </a:p>
-          <a:p>
-            <a:endParaRPr lang="hr-HR" noProof="0" dirty="0"/>
-          </a:p>
-        </p:txBody>
-      </p:sp>
-      <p:sp>
-        <p:nvSpPr>
-          <p:cNvPr id="4" name="Slide Number Placeholder 3"/>
-          <p:cNvSpPr>
-            <a:spLocks noGrp="1"/>
-          </p:cNvSpPr>
-          <p:nvPr>
-            <p:ph type="sldNum" sz="quarter" idx="12"/>
-          </p:nvPr>
-        </p:nvSpPr>
-        <p:spPr/>
-        <p:txBody>
-          <a:bodyPr/>
-          <a:lstStyle/>
-          <a:p>
-            <a:fld id="{FAA41844-C0CA-4144-9D6C-D993F0C0FAB4}" type="slidenum">
-              <a:rPr lang="hr-HR" smtClean="0"/>
-              <a:t>16</a:t>
-            </a:fld>
-            <a:endParaRPr lang="hr-HR" dirty="0"/>
-          </a:p>
-        </p:txBody>
-      </p:sp>
-    </p:spTree>
-    <p:extLst>
-      <p:ext uri="{BB962C8B-B14F-4D97-AF65-F5344CB8AC3E}">
-        <p14:creationId xmlns:p14="http://schemas.microsoft.com/office/powerpoint/2010/main" val="3641737146"/>
-      </p:ext>
-    </p:extLst>
-  </p:cSld>
-  <p:clrMapOvr>
-    <a:masterClrMapping/>
-  </p:clrMapOvr>
-</p:sld>
-</file>
-
-<file path=ppt/slides/slide2.xml><?xml version="1.0" encoding="utf-8"?>
-<p:sld xmlns:a="http://schemas.openxmlformats.org/drawingml/2006/main" xmlns:r="http://schemas.openxmlformats.org/officeDocument/2006/relationships" xmlns:p="http://schemas.openxmlformats.org/presentationml/2006/main">
-  <p:cSld>
-    <p:spTree>
-      <p:nvGrpSpPr>
-        <p:cNvPr id="1" name=""/>
-        <p:cNvGrpSpPr/>
-        <p:nvPr/>
-      </p:nvGrpSpPr>
-      <p:grpSpPr>
-        <a:xfrm>
-          <a:off x="0" y="0"/>
-          <a:ext cx="0" cy="0"/>
-          <a:chOff x="0" y="0"/>
-          <a:chExt cx="0" cy="0"/>
-        </a:xfrm>
-      </p:grpSpPr>
-      <p:sp>
-        <p:nvSpPr>
-          <p:cNvPr id="2" name="Title 1"/>
-          <p:cNvSpPr>
-            <a:spLocks noGrp="1"/>
-          </p:cNvSpPr>
-          <p:nvPr>
-            <p:ph type="title"/>
-          </p:nvPr>
-        </p:nvSpPr>
-        <p:spPr/>
-        <p:txBody>
-          <a:bodyPr/>
-          <a:lstStyle/>
-          <a:p>
-            <a:r>
-              <a:rPr lang="hr-HR" noProof="0" dirty="0"/>
-              <a:t>Sadržaj</a:t>
-            </a:r>
-          </a:p>
-        </p:txBody>
-      </p:sp>
-      <p:sp>
-        <p:nvSpPr>
-          <p:cNvPr id="3" name="Content Placeholder 2"/>
-          <p:cNvSpPr>
-            <a:spLocks noGrp="1"/>
-          </p:cNvSpPr>
-          <p:nvPr>
-            <p:ph idx="1"/>
-          </p:nvPr>
-        </p:nvSpPr>
-        <p:spPr/>
-        <p:txBody>
-          <a:bodyPr/>
-          <a:lstStyle/>
-          <a:p>
-            <a:r>
-              <a:rPr lang="hr-HR" noProof="0" dirty="0"/>
-              <a:t>Opis zadatka</a:t>
-            </a:r>
-          </a:p>
-          <a:p>
-            <a:r>
-              <a:rPr lang="hr-HR" noProof="0" dirty="0"/>
-              <a:t>Pregled zahtjeva</a:t>
-            </a:r>
-          </a:p>
-          <a:p>
-            <a:r>
-              <a:rPr lang="hr-HR" noProof="0" dirty="0"/>
-              <a:t>Korišteni alati i tehnologije</a:t>
-            </a:r>
-          </a:p>
-          <a:p>
-            <a:r>
-              <a:rPr lang="hr-HR" noProof="0" dirty="0"/>
-              <a:t>Arhitektura</a:t>
-            </a:r>
-          </a:p>
-          <a:p>
-            <a:r>
-              <a:rPr lang="hr-HR" noProof="0" dirty="0"/>
-              <a:t>Organizacija rada </a:t>
-            </a:r>
-          </a:p>
-          <a:p>
-            <a:r>
-              <a:rPr lang="hr-HR" noProof="0" dirty="0"/>
-              <a:t>Iskustva</a:t>
-            </a:r>
-          </a:p>
-        </p:txBody>
-      </p:sp>
-      <p:sp>
-        <p:nvSpPr>
-          <p:cNvPr id="4" name="Slide Number Placeholder 3"/>
-          <p:cNvSpPr>
-            <a:spLocks noGrp="1"/>
-          </p:cNvSpPr>
-          <p:nvPr>
-            <p:ph type="sldNum" sz="quarter" idx="12"/>
-          </p:nvPr>
-        </p:nvSpPr>
-        <p:spPr/>
-        <p:txBody>
-          <a:bodyPr/>
-          <a:lstStyle/>
-          <a:p>
-            <a:fld id="{FAA41844-C0CA-4144-9D6C-D993F0C0FAB4}" type="slidenum">
-              <a:rPr lang="hr-HR" smtClean="0"/>
-              <a:t>2</a:t>
-            </a:fld>
-            <a:endParaRPr lang="hr-HR" dirty="0"/>
-          </a:p>
-        </p:txBody>
-      </p:sp>
-    </p:spTree>
-    <p:extLst>
-      <p:ext uri="{BB962C8B-B14F-4D97-AF65-F5344CB8AC3E}">
-        <p14:creationId xmlns:p14="http://schemas.microsoft.com/office/powerpoint/2010/main" val="1307531060"/>
-      </p:ext>
-    </p:extLst>
-  </p:cSld>
-  <p:clrMapOvr>
-    <a:masterClrMapping/>
-  </p:clrMapOvr>
-</p:sld>
-</file>
-
-<file path=ppt/slides/slide3.xml><?xml version="1.0" encoding="utf-8"?>
-<p:sld xmlns:a="http://schemas.openxmlformats.org/drawingml/2006/main" xmlns:r="http://schemas.openxmlformats.org/officeDocument/2006/relationships" xmlns:p="http://schemas.openxmlformats.org/presentationml/2006/main">
-  <p:cSld>
-    <p:spTree>
-      <p:nvGrpSpPr>
-        <p:cNvPr id="1" name=""/>
-        <p:cNvGrpSpPr/>
-        <p:nvPr/>
-      </p:nvGrpSpPr>
-      <p:grpSpPr>
-        <a:xfrm>
-          <a:off x="0" y="0"/>
-          <a:ext cx="0" cy="0"/>
-          <a:chOff x="0" y="0"/>
-          <a:chExt cx="0" cy="0"/>
-        </a:xfrm>
-      </p:grpSpPr>
-      <p:sp>
-        <p:nvSpPr>
-          <p:cNvPr id="2" name="Title 1"/>
-          <p:cNvSpPr>
-            <a:spLocks noGrp="1"/>
-          </p:cNvSpPr>
-          <p:nvPr>
-            <p:ph type="title"/>
-          </p:nvPr>
-        </p:nvSpPr>
-        <p:spPr/>
-        <p:txBody>
-          <a:bodyPr/>
-          <a:lstStyle/>
-          <a:p>
-            <a:r>
-              <a:rPr lang="hr-HR" noProof="0" dirty="0"/>
-              <a:t>Sadržaj</a:t>
-            </a:r>
-          </a:p>
-        </p:txBody>
-      </p:sp>
-      <p:sp>
-        <p:nvSpPr>
-          <p:cNvPr id="10" name="Content Placeholder 9">
-            <a:extLst>
-              <a:ext uri="{FF2B5EF4-FFF2-40B4-BE49-F238E27FC236}">
-                <a16:creationId xmlns:a16="http://schemas.microsoft.com/office/drawing/2014/main" id="{E6CB0F54-7862-2508-EDB2-877BCE4339C7}"/>
-              </a:ext>
-            </a:extLst>
-          </p:cNvPr>
-          <p:cNvSpPr>
-            <a:spLocks noGrp="1"/>
-          </p:cNvSpPr>
-          <p:nvPr>
-            <p:ph idx="1"/>
-          </p:nvPr>
-        </p:nvSpPr>
-        <p:spPr/>
-        <p:txBody>
-          <a:bodyPr/>
-          <a:lstStyle/>
-          <a:p>
-            <a:r>
-              <a:rPr lang="hr-HR" noProof="0" dirty="0"/>
-              <a:t>Članovi tima</a:t>
-            </a:r>
-          </a:p>
-          <a:p>
-            <a:r>
-              <a:rPr lang="hr-HR" noProof="0" dirty="0"/>
-              <a:t>Cilj projekta</a:t>
-            </a:r>
-          </a:p>
-          <a:p>
-            <a:r>
-              <a:rPr lang="hr-HR" noProof="0" dirty="0"/>
-              <a:t>Analiza i oblikovanje sustava	</a:t>
-            </a:r>
-          </a:p>
-          <a:p>
-            <a:pPr lvl="1"/>
-            <a:r>
-              <a:rPr lang="hr-HR" noProof="0" dirty="0"/>
-              <a:t>Zahtjevi</a:t>
-            </a:r>
-          </a:p>
-          <a:p>
-            <a:pPr lvl="1"/>
-            <a:r>
-              <a:rPr lang="hr-HR" noProof="0" dirty="0"/>
-              <a:t>Arhitektura</a:t>
-            </a:r>
-          </a:p>
-          <a:p>
-            <a:r>
-              <a:rPr lang="hr-HR" noProof="0" dirty="0"/>
-              <a:t>Organizacija rada </a:t>
-            </a:r>
-          </a:p>
-          <a:p>
-            <a:r>
-              <a:rPr lang="hr-HR" noProof="0" dirty="0"/>
-              <a:t>Iskustva</a:t>
-            </a:r>
-          </a:p>
-          <a:p>
-            <a:endParaRPr lang="hr-HR" noProof="0" dirty="0"/>
-          </a:p>
-        </p:txBody>
-      </p:sp>
-      <p:sp>
-        <p:nvSpPr>
-          <p:cNvPr id="4" name="Slide Number Placeholder 3"/>
-          <p:cNvSpPr>
-            <a:spLocks noGrp="1"/>
-          </p:cNvSpPr>
-          <p:nvPr>
-            <p:ph type="sldNum" sz="quarter" idx="12"/>
-          </p:nvPr>
-        </p:nvSpPr>
-        <p:spPr/>
-        <p:txBody>
-          <a:bodyPr/>
-          <a:lstStyle/>
-          <a:p>
-            <a:fld id="{FAA41844-C0CA-4144-9D6C-D993F0C0FAB4}" type="slidenum">
-              <a:rPr lang="hr-HR" smtClean="0"/>
-              <a:pPr/>
-              <a:t>3</a:t>
-            </a:fld>
-            <a:endParaRPr lang="hr-HR" dirty="0"/>
-          </a:p>
-        </p:txBody>
-      </p:sp>
-    </p:spTree>
-    <p:extLst>
-      <p:ext uri="{BB962C8B-B14F-4D97-AF65-F5344CB8AC3E}">
-        <p14:creationId xmlns:p14="http://schemas.microsoft.com/office/powerpoint/2010/main" val="712565806"/>
-      </p:ext>
-    </p:extLst>
-  </p:cSld>
-  <p:clrMapOvr>
-    <a:masterClrMapping/>
-  </p:clrMapOvr>
-</p:sld>
-</file>
-
-<file path=ppt/slides/slide4.xml><?xml version="1.0" encoding="utf-8"?>
-<p:sld xmlns:a="http://schemas.openxmlformats.org/drawingml/2006/main" xmlns:r="http://schemas.openxmlformats.org/officeDocument/2006/relationships" xmlns:p="http://schemas.openxmlformats.org/presentationml/2006/main">
-  <p:cSld>
-    <p:spTree>
-      <p:nvGrpSpPr>
-        <p:cNvPr id="1" name=""/>
-        <p:cNvGrpSpPr/>
-        <p:nvPr/>
-      </p:nvGrpSpPr>
-      <p:grpSpPr>
-        <a:xfrm>
-          <a:off x="0" y="0"/>
-          <a:ext cx="0" cy="0"/>
-          <a:chOff x="0" y="0"/>
-          <a:chExt cx="0" cy="0"/>
-        </a:xfrm>
-      </p:grpSpPr>
-      <p:sp>
-        <p:nvSpPr>
-          <p:cNvPr id="2" name="Title 1">
-            <a:extLst>
-              <a:ext uri="{FF2B5EF4-FFF2-40B4-BE49-F238E27FC236}">
-                <a16:creationId xmlns:a16="http://schemas.microsoft.com/office/drawing/2014/main" id="{B1ACCC5E-8F0C-4678-41F6-563B723DD1F8}"/>
-              </a:ext>
-            </a:extLst>
-          </p:cNvPr>
-          <p:cNvSpPr>
-            <a:spLocks noGrp="1"/>
-          </p:cNvSpPr>
-          <p:nvPr>
-            <p:ph type="title"/>
-          </p:nvPr>
-        </p:nvSpPr>
-        <p:spPr/>
-        <p:txBody>
-          <a:bodyPr/>
-          <a:lstStyle/>
-          <a:p>
-            <a:r>
-              <a:rPr lang="hr-HR" noProof="0" dirty="0"/>
-              <a:t>Članovi grupe</a:t>
-            </a:r>
-          </a:p>
-        </p:txBody>
-      </p:sp>
-      <p:sp>
-        <p:nvSpPr>
-          <p:cNvPr id="3" name="Content Placeholder 2">
-            <a:extLst>
-              <a:ext uri="{FF2B5EF4-FFF2-40B4-BE49-F238E27FC236}">
-                <a16:creationId xmlns:a16="http://schemas.microsoft.com/office/drawing/2014/main" id="{AA385B14-6D23-2394-890E-2F2CE0684421}"/>
-              </a:ext>
-            </a:extLst>
-          </p:cNvPr>
-          <p:cNvSpPr>
-            <a:spLocks noGrp="1"/>
-          </p:cNvSpPr>
-          <p:nvPr>
-            <p:ph idx="1"/>
-          </p:nvPr>
-        </p:nvSpPr>
-        <p:spPr/>
-        <p:txBody>
-          <a:bodyPr/>
-          <a:lstStyle/>
-          <a:p>
-            <a:r>
-              <a:rPr lang="hr-HR" noProof="0" dirty="0"/>
-              <a:t>Voditelj</a:t>
-            </a:r>
-          </a:p>
-          <a:p>
-            <a:pPr lvl="1"/>
-            <a:r>
-              <a:rPr lang="hr-HR" dirty="0"/>
-              <a:t>Mario Olčar</a:t>
-            </a:r>
-          </a:p>
-          <a:p>
-            <a:r>
-              <a:rPr lang="hr-HR" noProof="0" dirty="0"/>
-              <a:t>Frontend</a:t>
-            </a:r>
-          </a:p>
-          <a:p>
-            <a:pPr lvl="1"/>
-            <a:r>
-              <a:rPr lang="hr-HR" dirty="0"/>
-              <a:t>Iva Džakula</a:t>
-            </a:r>
-          </a:p>
-          <a:p>
-            <a:pPr lvl="1"/>
-            <a:r>
-              <a:rPr lang="hr-HR" noProof="0" dirty="0"/>
-              <a:t>Josip Curkov</a:t>
-            </a:r>
-          </a:p>
-          <a:p>
-            <a:r>
-              <a:rPr lang="hr-HR" dirty="0"/>
-              <a:t>Backend</a:t>
-            </a:r>
-          </a:p>
-          <a:p>
-            <a:pPr lvl="1"/>
-            <a:r>
-              <a:rPr lang="hr-HR" noProof="0" dirty="0"/>
-              <a:t>Gregor Mihaljević</a:t>
-            </a:r>
-          </a:p>
-          <a:p>
-            <a:pPr lvl="1"/>
-            <a:r>
-              <a:rPr lang="hr-HR" dirty="0"/>
-              <a:t>Tomislav Marenić</a:t>
-            </a:r>
-            <a:endParaRPr lang="hr-HR" noProof="0" dirty="0"/>
-          </a:p>
-          <a:p>
-            <a:pPr marL="0" indent="0">
-              <a:buNone/>
-            </a:pPr>
-            <a:endParaRPr lang="hr-HR" noProof="0" dirty="0"/>
-          </a:p>
-        </p:txBody>
-      </p:sp>
-      <p:sp>
-        <p:nvSpPr>
-          <p:cNvPr id="4" name="Slide Number Placeholder 3">
-            <a:extLst>
-              <a:ext uri="{FF2B5EF4-FFF2-40B4-BE49-F238E27FC236}">
-                <a16:creationId xmlns:a16="http://schemas.microsoft.com/office/drawing/2014/main" id="{FC8E38AF-35BC-BD40-AC94-1AB4341B3288}"/>
-              </a:ext>
-            </a:extLst>
-          </p:cNvPr>
-          <p:cNvSpPr>
-            <a:spLocks noGrp="1"/>
-          </p:cNvSpPr>
-          <p:nvPr>
-            <p:ph type="sldNum" sz="quarter" idx="12"/>
-          </p:nvPr>
-        </p:nvSpPr>
-        <p:spPr/>
-        <p:txBody>
-          <a:bodyPr/>
-          <a:lstStyle/>
-          <a:p>
-            <a:fld id="{FAA41844-C0CA-4144-9D6C-D993F0C0FAB4}" type="slidenum">
-              <a:rPr lang="hr-HR" smtClean="0"/>
-              <a:t>4</a:t>
-            </a:fld>
-            <a:endParaRPr lang="hr-HR" dirty="0"/>
-          </a:p>
-        </p:txBody>
-      </p:sp>
-    </p:spTree>
-    <p:extLst>
-      <p:ext uri="{BB962C8B-B14F-4D97-AF65-F5344CB8AC3E}">
-        <p14:creationId xmlns:p14="http://schemas.microsoft.com/office/powerpoint/2010/main" val="4035151082"/>
-      </p:ext>
-    </p:extLst>
-  </p:cSld>
-  <p:clrMapOvr>
-    <a:masterClrMapping/>
-  </p:clrMapOvr>
-</p:sld>
-</file>
-
-<file path=ppt/slides/slide5.xml><?xml version="1.0" encoding="utf-8"?>
-<p:sld xmlns:a="http://schemas.openxmlformats.org/drawingml/2006/main" xmlns:r="http://schemas.openxmlformats.org/officeDocument/2006/relationships" xmlns:p="http://schemas.openxmlformats.org/presentationml/2006/main">
-  <p:cSld>
-    <p:spTree>
-      <p:nvGrpSpPr>
-        <p:cNvPr id="1" name=""/>
-        <p:cNvGrpSpPr/>
-        <p:nvPr/>
-      </p:nvGrpSpPr>
-      <p:grpSpPr>
-        <a:xfrm>
-          <a:off x="0" y="0"/>
-          <a:ext cx="0" cy="0"/>
-          <a:chOff x="0" y="0"/>
-          <a:chExt cx="0" cy="0"/>
-        </a:xfrm>
-      </p:grpSpPr>
-      <p:sp>
-        <p:nvSpPr>
-          <p:cNvPr id="2" name="Title 1">
-            <a:extLst>
-              <a:ext uri="{FF2B5EF4-FFF2-40B4-BE49-F238E27FC236}">
-                <a16:creationId xmlns:a16="http://schemas.microsoft.com/office/drawing/2014/main" id="{F9DA0B7E-6D2D-545E-3942-807E5763C025}"/>
-              </a:ext>
-            </a:extLst>
-          </p:cNvPr>
-          <p:cNvSpPr>
-            <a:spLocks noGrp="1"/>
-          </p:cNvSpPr>
-          <p:nvPr>
-            <p:ph type="title"/>
-          </p:nvPr>
-        </p:nvSpPr>
-        <p:spPr>
-          <a:xfrm>
-            <a:off x="791999" y="36000"/>
-            <a:ext cx="7920000" cy="828262"/>
-          </a:xfrm>
-        </p:spPr>
-        <p:txBody>
-          <a:bodyPr/>
-          <a:lstStyle/>
-          <a:p>
-            <a:r>
-              <a:rPr lang="hr-HR" noProof="0" dirty="0"/>
-              <a:t>O projektu</a:t>
-            </a:r>
-          </a:p>
-        </p:txBody>
-      </p:sp>
-      <p:sp>
-        <p:nvSpPr>
-          <p:cNvPr id="3" name="Content Placeholder 2">
-            <a:extLst>
-              <a:ext uri="{FF2B5EF4-FFF2-40B4-BE49-F238E27FC236}">
-                <a16:creationId xmlns:a16="http://schemas.microsoft.com/office/drawing/2014/main" id="{F4FDC0A7-2EBE-B97D-F71C-97BD62047FF6}"/>
-              </a:ext>
-            </a:extLst>
-          </p:cNvPr>
-          <p:cNvSpPr>
-            <a:spLocks noGrp="1"/>
-          </p:cNvSpPr>
-          <p:nvPr>
-            <p:ph idx="1"/>
-          </p:nvPr>
-        </p:nvSpPr>
-        <p:spPr>
-          <a:xfrm>
-            <a:off x="71999" y="972000"/>
-            <a:ext cx="9000000" cy="5400000"/>
-          </a:xfrm>
-        </p:spPr>
-        <p:txBody>
-          <a:bodyPr>
-            <a:normAutofit/>
-          </a:bodyPr>
-          <a:lstStyle/>
-          <a:p>
-            <a:pPr lvl="0"/>
-            <a:r>
-              <a:rPr lang="hr-HR" altLang="sr-Latn-RS" b="1" dirty="0"/>
-              <a:t>Što aplikacija rješava?</a:t>
-            </a:r>
-          </a:p>
-          <a:p>
-            <a:pPr lvl="1"/>
-            <a:r>
-              <a:rPr lang="hr-HR" altLang="sr-Latn-RS" dirty="0"/>
-              <a:t>Rezervacija terena</a:t>
-            </a:r>
-          </a:p>
-          <a:p>
-            <a:pPr lvl="1"/>
-            <a:r>
-              <a:rPr lang="hr-HR" altLang="sr-Latn-RS" dirty="0"/>
-              <a:t>prijava i orgranizacija turnira</a:t>
-            </a:r>
-          </a:p>
-          <a:p>
-            <a:pPr lvl="1"/>
-            <a:r>
-              <a:rPr lang="hr-HR" altLang="sr-Latn-RS" dirty="0"/>
-              <a:t>upravljanje terena od strane njihovih vlasnika</a:t>
-            </a:r>
-          </a:p>
-          <a:p>
-            <a:pPr lvl="0"/>
-            <a:r>
-              <a:rPr lang="hr-HR" altLang="sr-Latn-RS" b="1" dirty="0"/>
-              <a:t>Cilj</a:t>
-            </a:r>
-          </a:p>
-          <a:p>
-            <a:pPr lvl="1"/>
-            <a:r>
-              <a:rPr lang="hr-HR" altLang="sr-Latn-RS" dirty="0"/>
-              <a:t>Razviti web-aplikaciju koja će olakšati rezervaciju terena, prijavu i organizaciju turnira za padel</a:t>
-            </a:r>
-          </a:p>
-          <a:p>
-            <a:pPr lvl="0"/>
-            <a:r>
-              <a:rPr lang="hr-HR" altLang="sr-Latn-RS" dirty="0">
-                <a:highlight>
-                  <a:srgbClr val="FFFF00"/>
-                </a:highlight>
-              </a:rPr>
-              <a:t>Postoji li slično rješenje? Što je Vaša prednost?</a:t>
-            </a:r>
-          </a:p>
-          <a:p>
-            <a:pPr lvl="1"/>
-            <a:r>
-              <a:rPr lang="hr-HR" altLang="sr-Latn-RS" dirty="0"/>
-              <a:t>Slična rješenja: Playtomic, SportyPlus, MATCHi</a:t>
-            </a:r>
-          </a:p>
-          <a:p>
-            <a:pPr lvl="1"/>
-            <a:endParaRPr lang="hr-HR" altLang="sr-Latn-RS" dirty="0"/>
-          </a:p>
-        </p:txBody>
-      </p:sp>
-      <p:sp>
-        <p:nvSpPr>
-          <p:cNvPr id="4" name="Slide Number Placeholder 3">
-            <a:extLst>
-              <a:ext uri="{FF2B5EF4-FFF2-40B4-BE49-F238E27FC236}">
-                <a16:creationId xmlns:a16="http://schemas.microsoft.com/office/drawing/2014/main" id="{D9E24A85-3B76-EBCB-772E-CD8CF3165279}"/>
-              </a:ext>
-            </a:extLst>
-          </p:cNvPr>
-          <p:cNvSpPr>
-            <a:spLocks noGrp="1"/>
-          </p:cNvSpPr>
-          <p:nvPr>
-            <p:ph type="sldNum" sz="quarter" idx="12"/>
-          </p:nvPr>
-        </p:nvSpPr>
-        <p:spPr>
-          <a:xfrm>
-            <a:off x="8549260" y="6501038"/>
-            <a:ext cx="475056" cy="288000"/>
-          </a:xfrm>
-        </p:spPr>
-        <p:txBody>
-          <a:bodyPr/>
-          <a:lstStyle/>
-          <a:p>
-            <a:fld id="{FAA41844-C0CA-4144-9D6C-D993F0C0FAB4}" type="slidenum">
-              <a:rPr lang="hr-HR" smtClean="0"/>
-              <a:pPr/>
-              <a:t>5</a:t>
-            </a:fld>
-            <a:endParaRPr lang="hr-HR" dirty="0"/>
-          </a:p>
-        </p:txBody>
-      </p:sp>
-    </p:spTree>
-    <p:extLst>
-      <p:ext uri="{BB962C8B-B14F-4D97-AF65-F5344CB8AC3E}">
-        <p14:creationId xmlns:p14="http://schemas.microsoft.com/office/powerpoint/2010/main" val="1839409896"/>
-      </p:ext>
-    </p:extLst>
-  </p:cSld>
-  <p:clrMapOvr>
-    <a:masterClrMapping/>
-  </p:clrMapOvr>
-</p:sld>
-</file>
-
-<file path=ppt/slides/slide6.xml><?xml version="1.0" encoding="utf-8"?>
-<p:sld xmlns:a="http://schemas.openxmlformats.org/drawingml/2006/main" xmlns:r="http://schemas.openxmlformats.org/officeDocument/2006/relationships" xmlns:p="http://schemas.openxmlformats.org/presentationml/2006/main" show="0">
-  <p:cSld>
-    <p:spTree>
-      <p:nvGrpSpPr>
-        <p:cNvPr id="1" name=""/>
-        <p:cNvGrpSpPr/>
-        <p:nvPr/>
-      </p:nvGrpSpPr>
-      <p:grpSpPr>
-        <a:xfrm>
-          <a:off x="0" y="0"/>
-          <a:ext cx="0" cy="0"/>
-          <a:chOff x="0" y="0"/>
-          <a:chExt cx="0" cy="0"/>
-        </a:xfrm>
-      </p:grpSpPr>
-      <p:sp>
-        <p:nvSpPr>
-          <p:cNvPr id="2" name="Title 1"/>
-          <p:cNvSpPr>
-            <a:spLocks noGrp="1"/>
-          </p:cNvSpPr>
-          <p:nvPr>
-            <p:ph type="title"/>
-          </p:nvPr>
-        </p:nvSpPr>
-        <p:spPr/>
-        <p:txBody>
-          <a:bodyPr/>
-          <a:lstStyle/>
-          <a:p>
-            <a:r>
-              <a:rPr lang="hr-HR" noProof="0" dirty="0">
-                <a:highlight>
-                  <a:srgbClr val="FFFF00"/>
-                </a:highlight>
-              </a:rPr>
-              <a:t>Pregled zahtjeva</a:t>
-            </a:r>
-          </a:p>
-        </p:txBody>
-      </p:sp>
-      <p:sp>
-        <p:nvSpPr>
-          <p:cNvPr id="3" name="Content Placeholder 2"/>
-          <p:cNvSpPr>
-            <a:spLocks noGrp="1"/>
-          </p:cNvSpPr>
-          <p:nvPr>
-            <p:ph idx="1"/>
-          </p:nvPr>
-        </p:nvSpPr>
-        <p:spPr/>
-        <p:txBody>
-          <a:bodyPr/>
-          <a:lstStyle/>
-          <a:p>
-            <a:r>
-              <a:rPr lang="hr-HR" b="1" dirty="0">
-                <a:highlight>
-                  <a:srgbClr val="FFFF00"/>
-                </a:highlight>
-              </a:rPr>
-              <a:t>Glavni funkcionalni zahtjevi</a:t>
-            </a:r>
-            <a:r>
-              <a:rPr lang="hr-HR" noProof="0" dirty="0">
-                <a:highlight>
-                  <a:srgbClr val="FFFF00"/>
-                </a:highlight>
-              </a:rPr>
-              <a:t> (max. 1 slajd)</a:t>
-            </a:r>
-          </a:p>
-          <a:p>
-            <a:r>
-              <a:rPr lang="hr-HR" noProof="0" dirty="0">
-                <a:highlight>
-                  <a:srgbClr val="FFFF00"/>
-                </a:highlight>
-              </a:rPr>
-              <a:t>Nefunkcionalni i zahtjevi domene primjene (max. 1 slajd)</a:t>
-            </a:r>
-          </a:p>
-          <a:p>
-            <a:r>
-              <a:rPr lang="hr-HR" i="1" noProof="0" dirty="0">
-                <a:highlight>
-                  <a:srgbClr val="FFFF00"/>
-                </a:highlight>
-              </a:rPr>
-              <a:t>U usmenom izlaganju ukratko raspravite samo o primjerima glavnih izazova i povežite ih sa sljedećim slajdom dijagrama slučajeva upotrebe UML-a!</a:t>
-            </a:r>
-          </a:p>
-          <a:p>
-            <a:endParaRPr lang="hr-HR" noProof="0" dirty="0"/>
-          </a:p>
-        </p:txBody>
-      </p:sp>
-      <p:sp>
-        <p:nvSpPr>
-          <p:cNvPr id="4" name="Slide Number Placeholder 3"/>
-          <p:cNvSpPr>
-            <a:spLocks noGrp="1"/>
-          </p:cNvSpPr>
-          <p:nvPr>
-            <p:ph type="sldNum" sz="quarter" idx="12"/>
-          </p:nvPr>
-        </p:nvSpPr>
-        <p:spPr/>
-        <p:txBody>
-          <a:bodyPr/>
-          <a:lstStyle/>
-          <a:p>
-            <a:fld id="{FAA41844-C0CA-4144-9D6C-D993F0C0FAB4}" type="slidenum">
-              <a:rPr lang="hr-HR" smtClean="0"/>
-              <a:t>6</a:t>
-            </a:fld>
-            <a:endParaRPr lang="hr-HR" dirty="0"/>
-          </a:p>
-        </p:txBody>
-      </p:sp>
-    </p:spTree>
-    <p:extLst>
-      <p:ext uri="{BB962C8B-B14F-4D97-AF65-F5344CB8AC3E}">
-        <p14:creationId xmlns:p14="http://schemas.microsoft.com/office/powerpoint/2010/main" val="3161375826"/>
-      </p:ext>
-    </p:extLst>
-  </p:cSld>
-  <p:clrMapOvr>
-    <a:masterClrMapping/>
-  </p:clrMapOvr>
-</p:sld>
-</file>
-
-<file path=ppt/slides/slide7.xml><?xml version="1.0" encoding="utf-8"?>
-<p:sld xmlns:a="http://schemas.openxmlformats.org/drawingml/2006/main" xmlns:r="http://schemas.openxmlformats.org/officeDocument/2006/relationships" xmlns:p="http://schemas.openxmlformats.org/presentationml/2006/main">
-  <p:cSld>
-    <p:spTree>
-      <p:nvGrpSpPr>
-        <p:cNvPr id="1" name=""/>
-        <p:cNvGrpSpPr/>
-        <p:nvPr/>
-      </p:nvGrpSpPr>
-      <p:grpSpPr>
-        <a:xfrm>
-          <a:off x="0" y="0"/>
-          <a:ext cx="0" cy="0"/>
-          <a:chOff x="0" y="0"/>
-          <a:chExt cx="0" cy="0"/>
-        </a:xfrm>
-      </p:grpSpPr>
-      <p:sp>
-        <p:nvSpPr>
-          <p:cNvPr id="2" name="Title 1">
-            <a:extLst>
-              <a:ext uri="{FF2B5EF4-FFF2-40B4-BE49-F238E27FC236}">
-                <a16:creationId xmlns:a16="http://schemas.microsoft.com/office/drawing/2014/main" id="{85FA2E06-1737-B7F9-B947-86B0B09E82B1}"/>
-              </a:ext>
-            </a:extLst>
-          </p:cNvPr>
-          <p:cNvSpPr>
-            <a:spLocks noGrp="1"/>
-          </p:cNvSpPr>
-          <p:nvPr>
-            <p:ph type="title"/>
-          </p:nvPr>
-        </p:nvSpPr>
-        <p:spPr/>
-        <p:txBody>
-          <a:bodyPr/>
-          <a:lstStyle/>
-          <a:p>
-            <a:r>
-              <a:rPr lang="hr-HR" dirty="0"/>
-              <a:t>FUnkcionalni zahtjevi</a:t>
-            </a:r>
-            <a:endParaRPr lang="en-US" dirty="0"/>
-          </a:p>
-        </p:txBody>
-      </p:sp>
-      <p:sp>
-        <p:nvSpPr>
-          <p:cNvPr id="3" name="Content Placeholder 2">
-            <a:extLst>
-              <a:ext uri="{FF2B5EF4-FFF2-40B4-BE49-F238E27FC236}">
-                <a16:creationId xmlns:a16="http://schemas.microsoft.com/office/drawing/2014/main" id="{17086F4A-1F5B-8004-B622-DEB06EA7A0B5}"/>
-              </a:ext>
-            </a:extLst>
-          </p:cNvPr>
-          <p:cNvSpPr>
-            <a:spLocks noGrp="1"/>
-          </p:cNvSpPr>
-          <p:nvPr>
-            <p:ph idx="1"/>
-          </p:nvPr>
-        </p:nvSpPr>
-        <p:spPr/>
-        <p:txBody>
-          <a:bodyPr/>
-          <a:lstStyle/>
-          <a:p>
-            <a:r>
-              <a:rPr lang="hr-HR" dirty="0"/>
-              <a:t>Registracija korisnika</a:t>
-            </a:r>
-          </a:p>
-          <a:p>
-            <a:r>
-              <a:rPr lang="hr-HR" dirty="0"/>
-              <a:t>Razlikovanje korisnika prema ulogama</a:t>
-            </a:r>
-          </a:p>
-          <a:p>
-            <a:r>
-              <a:rPr lang="hr-HR" dirty="0"/>
-              <a:t>Jednostavno upravljanje rezervacijama i terminima</a:t>
-            </a:r>
-            <a:endParaRPr lang="en-US" dirty="0"/>
-          </a:p>
-        </p:txBody>
-      </p:sp>
-      <p:sp>
-        <p:nvSpPr>
-          <p:cNvPr id="4" name="Slide Number Placeholder 3">
-            <a:extLst>
-              <a:ext uri="{FF2B5EF4-FFF2-40B4-BE49-F238E27FC236}">
-                <a16:creationId xmlns:a16="http://schemas.microsoft.com/office/drawing/2014/main" id="{C40BA31E-432D-0846-3CD3-1112D000506C}"/>
-              </a:ext>
-            </a:extLst>
-          </p:cNvPr>
-          <p:cNvSpPr>
-            <a:spLocks noGrp="1"/>
-          </p:cNvSpPr>
-          <p:nvPr>
-            <p:ph type="sldNum" sz="quarter" idx="12"/>
-          </p:nvPr>
-        </p:nvSpPr>
-        <p:spPr/>
-        <p:txBody>
-          <a:bodyPr/>
-          <a:lstStyle/>
-          <a:p>
-            <a:fld id="{FAA41844-C0CA-4144-9D6C-D993F0C0FAB4}" type="slidenum">
-              <a:rPr lang="hr-HR" smtClean="0"/>
-              <a:t>7</a:t>
-            </a:fld>
-            <a:endParaRPr lang="hr-HR"/>
-          </a:p>
-        </p:txBody>
-      </p:sp>
-    </p:spTree>
-    <p:extLst>
-      <p:ext uri="{BB962C8B-B14F-4D97-AF65-F5344CB8AC3E}">
-        <p14:creationId xmlns:p14="http://schemas.microsoft.com/office/powerpoint/2010/main" val="3450955359"/>
-      </p:ext>
-    </p:extLst>
-  </p:cSld>
-  <p:clrMapOvr>
-    <a:masterClrMapping/>
-  </p:clrMapOvr>
-</p:sld>
-</file>
-
-<file path=ppt/slides/slide8.xml><?xml version="1.0" encoding="utf-8"?>
-<p:sld xmlns:a="http://schemas.openxmlformats.org/drawingml/2006/main" xmlns:r="http://schemas.openxmlformats.org/officeDocument/2006/relationships" xmlns:p="http://schemas.openxmlformats.org/presentationml/2006/main">
-  <p:cSld>
-    <p:spTree>
-      <p:nvGrpSpPr>
-        <p:cNvPr id="1" name=""/>
-        <p:cNvGrpSpPr/>
-        <p:nvPr/>
-      </p:nvGrpSpPr>
-      <p:grpSpPr>
-        <a:xfrm>
-          <a:off x="0" y="0"/>
-          <a:ext cx="0" cy="0"/>
-          <a:chOff x="0" y="0"/>
-          <a:chExt cx="0" cy="0"/>
-        </a:xfrm>
-      </p:grpSpPr>
-      <p:sp>
-        <p:nvSpPr>
-          <p:cNvPr id="2" name="Title 1">
-            <a:extLst>
-              <a:ext uri="{FF2B5EF4-FFF2-40B4-BE49-F238E27FC236}">
-                <a16:creationId xmlns:a16="http://schemas.microsoft.com/office/drawing/2014/main" id="{CB8C287E-66C2-308A-4FEA-FC0E7B7527FE}"/>
-              </a:ext>
-            </a:extLst>
-          </p:cNvPr>
-          <p:cNvSpPr>
-            <a:spLocks noGrp="1"/>
-          </p:cNvSpPr>
-          <p:nvPr>
-            <p:ph type="title"/>
-          </p:nvPr>
-        </p:nvSpPr>
-        <p:spPr/>
-        <p:txBody>
-          <a:bodyPr/>
-          <a:lstStyle/>
-          <a:p>
-            <a:r>
-              <a:rPr lang="hr-HR" dirty="0"/>
-              <a:t>Nefunkcionalni zahtjevi</a:t>
-            </a:r>
-            <a:endParaRPr lang="en-US" dirty="0"/>
-          </a:p>
-        </p:txBody>
-      </p:sp>
-      <p:sp>
-        <p:nvSpPr>
-          <p:cNvPr id="3" name="Content Placeholder 2">
-            <a:extLst>
-              <a:ext uri="{FF2B5EF4-FFF2-40B4-BE49-F238E27FC236}">
-                <a16:creationId xmlns:a16="http://schemas.microsoft.com/office/drawing/2014/main" id="{2CB73A4C-2E52-8D22-4EF0-7A05B9755551}"/>
-              </a:ext>
-            </a:extLst>
-          </p:cNvPr>
-          <p:cNvSpPr>
-            <a:spLocks noGrp="1"/>
-          </p:cNvSpPr>
-          <p:nvPr>
-            <p:ph idx="1"/>
-          </p:nvPr>
-        </p:nvSpPr>
-        <p:spPr/>
-        <p:txBody>
-          <a:bodyPr/>
-          <a:lstStyle/>
-          <a:p>
-            <a:r>
-              <a:rPr lang="hr-HR" dirty="0"/>
-              <a:t>Sigurnost i privatnost</a:t>
-            </a:r>
-          </a:p>
-          <a:p>
-            <a:pPr lvl="1"/>
-            <a:r>
-              <a:rPr lang="hr-HR" dirty="0"/>
-              <a:t>podaci o korisnicima zaštićeni AES-256 standardom</a:t>
-            </a:r>
-          </a:p>
-          <a:p>
-            <a:pPr lvl="1"/>
-            <a:r>
-              <a:rPr lang="hr-HR" dirty="0"/>
-              <a:t>podaci se ne smiju dijeliti s trećim stranama bez njihovog izričitog pristanka</a:t>
-            </a:r>
-          </a:p>
-          <a:p>
-            <a:pPr lvl="1"/>
-            <a:r>
-              <a:rPr lang="hr-HR" dirty="0"/>
-              <a:t>SSL/TLS sigurnosni protokoli za komunikaciju</a:t>
-            </a:r>
-          </a:p>
-          <a:p>
-            <a:r>
-              <a:rPr lang="hr-HR" dirty="0"/>
-              <a:t>Kompatibilnost</a:t>
-            </a:r>
-          </a:p>
-          <a:p>
-            <a:pPr lvl="1"/>
-            <a:r>
-              <a:rPr lang="hr-HR" dirty="0"/>
-              <a:t>Dostupnost na svim vrstama uređaja</a:t>
-            </a:r>
-          </a:p>
-          <a:p>
-            <a:pPr lvl="1"/>
-            <a:r>
-              <a:rPr lang="hr-HR" dirty="0"/>
-              <a:t>kalendar rezervacija mora biti kompatibilan s popularnim vanjskim servisima (Google kalendar, Calendar.online)</a:t>
-            </a:r>
-          </a:p>
-          <a:p>
-            <a:r>
-              <a:rPr lang="hr-HR" dirty="0"/>
-              <a:t>Jednostavnost korištenja</a:t>
-            </a:r>
-          </a:p>
-          <a:p>
-            <a:r>
-              <a:rPr lang="hr-HR" dirty="0"/>
-              <a:t>Skalabilnost</a:t>
-            </a:r>
-          </a:p>
-          <a:p>
-            <a:r>
-              <a:rPr lang="hr-HR" dirty="0"/>
-              <a:t>Integracija s vanjskim servisima</a:t>
-            </a:r>
-            <a:endParaRPr lang="en-US" dirty="0"/>
-          </a:p>
-        </p:txBody>
-      </p:sp>
-      <p:sp>
-        <p:nvSpPr>
-          <p:cNvPr id="4" name="Slide Number Placeholder 3">
-            <a:extLst>
-              <a:ext uri="{FF2B5EF4-FFF2-40B4-BE49-F238E27FC236}">
-                <a16:creationId xmlns:a16="http://schemas.microsoft.com/office/drawing/2014/main" id="{7B560882-22A1-4A03-F21C-F2EF7076040B}"/>
-              </a:ext>
-            </a:extLst>
-          </p:cNvPr>
-          <p:cNvSpPr>
-            <a:spLocks noGrp="1"/>
-          </p:cNvSpPr>
-          <p:nvPr>
-            <p:ph type="sldNum" sz="quarter" idx="12"/>
-          </p:nvPr>
-        </p:nvSpPr>
-        <p:spPr/>
-        <p:txBody>
-          <a:bodyPr/>
-          <a:lstStyle/>
-          <a:p>
-            <a:fld id="{FAA41844-C0CA-4144-9D6C-D993F0C0FAB4}" type="slidenum">
-              <a:rPr lang="hr-HR" smtClean="0"/>
-              <a:t>8</a:t>
-            </a:fld>
-            <a:endParaRPr lang="hr-HR"/>
-          </a:p>
-        </p:txBody>
-      </p:sp>
-    </p:spTree>
-    <p:extLst>
-      <p:ext uri="{BB962C8B-B14F-4D97-AF65-F5344CB8AC3E}">
-        <p14:creationId xmlns:p14="http://schemas.microsoft.com/office/powerpoint/2010/main" val="3929049388"/>
-      </p:ext>
-    </p:extLst>
-  </p:cSld>
-  <p:clrMapOvr>
-    <a:masterClrMapping/>
-  </p:clrMapOvr>
-</p:sld>
-</file>
-
-<file path=ppt/slides/slide9.xml><?xml version="1.0" encoding="utf-8"?>
-<p:sld xmlns:a="http://schemas.openxmlformats.org/drawingml/2006/main" xmlns:r="http://schemas.openxmlformats.org/officeDocument/2006/relationships" xmlns:p="http://schemas.openxmlformats.org/presentationml/2006/main">
-  <p:cSld>
-    <p:spTree>
-      <p:nvGrpSpPr>
-        <p:cNvPr id="1" name=""/>
-        <p:cNvGrpSpPr/>
-        <p:nvPr/>
-      </p:nvGrpSpPr>
-      <p:grpSpPr>
-        <a:xfrm>
-          <a:off x="0" y="0"/>
-          <a:ext cx="0" cy="0"/>
-          <a:chOff x="0" y="0"/>
-          <a:chExt cx="0" cy="0"/>
-        </a:xfrm>
-      </p:grpSpPr>
-      <p:sp>
-        <p:nvSpPr>
-          <p:cNvPr id="2" name="Title 1">
-            <a:extLst>
-              <a:ext uri="{FF2B5EF4-FFF2-40B4-BE49-F238E27FC236}">
-                <a16:creationId xmlns:a16="http://schemas.microsoft.com/office/drawing/2014/main" id="{2D9B194B-73FA-DAD6-728F-E14212BE24C3}"/>
-              </a:ext>
-            </a:extLst>
-          </p:cNvPr>
-          <p:cNvSpPr>
-            <a:spLocks noGrp="1"/>
-          </p:cNvSpPr>
-          <p:nvPr>
-            <p:ph type="title"/>
-          </p:nvPr>
-        </p:nvSpPr>
-        <p:spPr/>
-        <p:txBody>
-          <a:bodyPr>
-            <a:normAutofit/>
-          </a:bodyPr>
-          <a:lstStyle/>
-          <a:p>
-            <a:r>
-              <a:rPr lang="hr-HR" noProof="0" dirty="0"/>
-              <a:t>UML dijagram obrazaca uporabe</a:t>
-            </a:r>
-          </a:p>
-        </p:txBody>
-      </p:sp>
-      <p:sp>
-        <p:nvSpPr>
-          <p:cNvPr id="4" name="Slide Number Placeholder 3">
-            <a:extLst>
-              <a:ext uri="{FF2B5EF4-FFF2-40B4-BE49-F238E27FC236}">
-                <a16:creationId xmlns:a16="http://schemas.microsoft.com/office/drawing/2014/main" id="{F190CEC8-0F4C-E99E-FC93-F08F526E71E5}"/>
-              </a:ext>
-            </a:extLst>
-          </p:cNvPr>
-          <p:cNvSpPr>
-            <a:spLocks noGrp="1"/>
-          </p:cNvSpPr>
-          <p:nvPr>
-            <p:ph type="sldNum" sz="quarter" idx="12"/>
-          </p:nvPr>
-        </p:nvSpPr>
-        <p:spPr/>
-        <p:txBody>
-          <a:bodyPr/>
-          <a:lstStyle/>
-          <a:p>
-            <a:fld id="{FAA41844-C0CA-4144-9D6C-D993F0C0FAB4}" type="slidenum">
-              <a:rPr lang="hr-HR" smtClean="0"/>
-              <a:t>9</a:t>
-            </a:fld>
-            <a:endParaRPr lang="hr-HR" dirty="0"/>
-          </a:p>
-        </p:txBody>
-      </p:sp>
-      <p:pic>
-        <p:nvPicPr>
-          <p:cNvPr id="1026" name="Picture 2" descr="1731457825410">
-            <a:extLst>
-              <a:ext uri="{FF2B5EF4-FFF2-40B4-BE49-F238E27FC236}">
-                <a16:creationId xmlns:a16="http://schemas.microsoft.com/office/drawing/2014/main" id="{DD76E0FB-EF6F-0D8F-378E-4A0DB86F6441}"/>
-              </a:ext>
-            </a:extLst>
-          </p:cNvPr>
-          <p:cNvPicPr>
-            <a:picLocks noChangeAspect="1" noChangeArrowheads="1"/>
-          </p:cNvPicPr>
-          <p:nvPr/>
-        </p:nvPicPr>
-        <p:blipFill>
-          <a:blip r:embed="rId2">
-            <a:extLst>
-              <a:ext uri="{28A0092B-C50C-407E-A947-70E740481C1C}">
-                <a14:useLocalDpi xmlns:a14="http://schemas.microsoft.com/office/drawing/2010/main" val="0"/>
-              </a:ext>
-            </a:extLst>
-          </a:blip>
-          <a:srcRect/>
-          <a:stretch>
-            <a:fillRect/>
-          </a:stretch>
-        </p:blipFill>
-        <p:spPr bwMode="auto">
-          <a:xfrm>
-            <a:off x="0" y="1143225"/>
-            <a:ext cx="9144000" cy="5357813"/>
-          </a:xfrm>
-          <a:prstGeom prst="rect">
-            <a:avLst/>
-          </a:prstGeom>
-          <a:noFill/>
-          <a:extLst>
-            <a:ext uri="{909E8E84-426E-40DD-AFC4-6F175D3DCCD1}">
-              <a14:hiddenFill xmlns:a14="http://schemas.microsoft.com/office/drawing/2010/main">
-                <a:solidFill>
-                  <a:srgbClr val="FFFFFF"/>
-                </a:solidFill>
-              </a14:hiddenFill>
-            </a:ext>
-          </a:extLst>
-        </p:spPr>
-      </p:pic>
-    </p:spTree>
-    <p:extLst>
-      <p:ext uri="{BB962C8B-B14F-4D97-AF65-F5344CB8AC3E}">
-        <p14:creationId xmlns:p14="http://schemas.microsoft.com/office/powerpoint/2010/main" val="4261244465"/>
       </p:ext>
     </p:extLst>
   </p:cSld>
